--- a/RestWebService.pptx
+++ b/RestWebService.pptx
@@ -5,10 +5,10 @@
     <p:sldMasterId id="2147483684" r:id="rId2"/>
   </p:sldMasterIdLst>
   <p:notesMasterIdLst>
-    <p:notesMasterId r:id="rId17"/>
+    <p:notesMasterId r:id="rId29"/>
   </p:notesMasterIdLst>
   <p:handoutMasterIdLst>
-    <p:handoutMasterId r:id="rId18"/>
+    <p:handoutMasterId r:id="rId30"/>
   </p:handoutMasterIdLst>
   <p:sldIdLst>
     <p:sldId id="256" r:id="rId3"/>
@@ -20,11 +20,23 @@
     <p:sldId id="280" r:id="rId9"/>
     <p:sldId id="281" r:id="rId10"/>
     <p:sldId id="283" r:id="rId11"/>
-    <p:sldId id="284" r:id="rId12"/>
-    <p:sldId id="285" r:id="rId13"/>
+    <p:sldId id="285" r:id="rId12"/>
+    <p:sldId id="323" r:id="rId13"/>
     <p:sldId id="298" r:id="rId14"/>
     <p:sldId id="299" r:id="rId15"/>
-    <p:sldId id="275" r:id="rId16"/>
+    <p:sldId id="300" r:id="rId16"/>
+    <p:sldId id="301" r:id="rId17"/>
+    <p:sldId id="302" r:id="rId18"/>
+    <p:sldId id="303" r:id="rId19"/>
+    <p:sldId id="304" r:id="rId20"/>
+    <p:sldId id="305" r:id="rId21"/>
+    <p:sldId id="306" r:id="rId22"/>
+    <p:sldId id="308" r:id="rId23"/>
+    <p:sldId id="311" r:id="rId24"/>
+    <p:sldId id="309" r:id="rId25"/>
+    <p:sldId id="310" r:id="rId26"/>
+    <p:sldId id="307" r:id="rId27"/>
+    <p:sldId id="275" r:id="rId28"/>
   </p:sldIdLst>
   <p:sldSz cx="12192000" cy="6858000"/>
   <p:notesSz cx="6858000" cy="9144000"/>
@@ -134,6 +146,956 @@
 </p:presentation>
 </file>
 
+<file path=ppt/charts/chart1.xml><?xml version="1.0" encoding="utf-8"?>
+<c:chartSpace xmlns:c="http://schemas.openxmlformats.org/drawingml/2006/chart" xmlns:a="http://schemas.openxmlformats.org/drawingml/2006/main" xmlns:r="http://schemas.openxmlformats.org/officeDocument/2006/relationships">
+  <c:date1904 val="0"/>
+  <c:lang val="en-US"/>
+  <c:roundedCorners val="0"/>
+  <mc:AlternateContent xmlns:mc="http://schemas.openxmlformats.org/markup-compatibility/2006">
+    <mc:Choice xmlns:c14="http://schemas.microsoft.com/office/drawing/2007/8/2/chart" Requires="c14">
+      <c14:style val="102"/>
+    </mc:Choice>
+    <mc:Fallback>
+      <c:style val="2"/>
+    </mc:Fallback>
+  </mc:AlternateContent>
+  <c:chart>
+    <c:autoTitleDeleted val="1"/>
+    <c:view3D>
+      <c:rotX val="30"/>
+      <c:rotY val="0"/>
+      <c:depthPercent val="100"/>
+      <c:rAngAx val="0"/>
+    </c:view3D>
+    <c:floor>
+      <c:thickness val="0"/>
+      <c:spPr>
+        <a:noFill/>
+        <a:ln>
+          <a:noFill/>
+        </a:ln>
+        <a:effectLst/>
+        <a:sp3d/>
+      </c:spPr>
+    </c:floor>
+    <c:sideWall>
+      <c:thickness val="0"/>
+      <c:spPr>
+        <a:noFill/>
+        <a:ln>
+          <a:noFill/>
+        </a:ln>
+        <a:effectLst/>
+        <a:sp3d/>
+      </c:spPr>
+    </c:sideWall>
+    <c:backWall>
+      <c:thickness val="0"/>
+      <c:spPr>
+        <a:noFill/>
+        <a:ln>
+          <a:noFill/>
+        </a:ln>
+        <a:effectLst/>
+        <a:sp3d/>
+      </c:spPr>
+    </c:backWall>
+    <c:plotArea>
+      <c:layout/>
+      <c:pie3DChart>
+        <c:varyColors val="1"/>
+        <c:ser>
+          <c:idx val="0"/>
+          <c:order val="0"/>
+          <c:tx>
+            <c:strRef>
+              <c:f>Sheet1!$B$1</c:f>
+              <c:strCache>
+                <c:ptCount val="1"/>
+                <c:pt idx="0">
+                  <c:v>Sales</c:v>
+                </c:pt>
+              </c:strCache>
+            </c:strRef>
+          </c:tx>
+          <c:dPt>
+            <c:idx val="0"/>
+            <c:bubble3D val="0"/>
+            <c:spPr>
+              <a:solidFill>
+                <a:schemeClr val="accent1"/>
+              </a:solidFill>
+              <a:ln w="25400">
+                <a:solidFill>
+                  <a:schemeClr val="lt1"/>
+                </a:solidFill>
+              </a:ln>
+              <a:effectLst/>
+              <a:sp3d contourW="25400">
+                <a:contourClr>
+                  <a:schemeClr val="lt1"/>
+                </a:contourClr>
+              </a:sp3d>
+            </c:spPr>
+          </c:dPt>
+          <c:dPt>
+            <c:idx val="1"/>
+            <c:bubble3D val="0"/>
+            <c:spPr>
+              <a:solidFill>
+                <a:schemeClr val="accent2"/>
+              </a:solidFill>
+              <a:ln w="25400">
+                <a:solidFill>
+                  <a:schemeClr val="lt1"/>
+                </a:solidFill>
+              </a:ln>
+              <a:effectLst/>
+              <a:sp3d contourW="25400">
+                <a:contourClr>
+                  <a:schemeClr val="lt1"/>
+                </a:contourClr>
+              </a:sp3d>
+            </c:spPr>
+          </c:dPt>
+          <c:dPt>
+            <c:idx val="2"/>
+            <c:bubble3D val="0"/>
+            <c:spPr>
+              <a:solidFill>
+                <a:schemeClr val="accent3"/>
+              </a:solidFill>
+              <a:ln w="25400">
+                <a:solidFill>
+                  <a:schemeClr val="lt1"/>
+                </a:solidFill>
+              </a:ln>
+              <a:effectLst/>
+              <a:sp3d contourW="25400">
+                <a:contourClr>
+                  <a:schemeClr val="lt1"/>
+                </a:contourClr>
+              </a:sp3d>
+            </c:spPr>
+          </c:dPt>
+          <c:dPt>
+            <c:idx val="3"/>
+            <c:bubble3D val="0"/>
+            <c:spPr>
+              <a:solidFill>
+                <a:schemeClr val="accent4"/>
+              </a:solidFill>
+              <a:ln w="25400">
+                <a:solidFill>
+                  <a:schemeClr val="lt1"/>
+                </a:solidFill>
+              </a:ln>
+              <a:effectLst/>
+              <a:sp3d contourW="25400">
+                <a:contourClr>
+                  <a:schemeClr val="lt1"/>
+                </a:contourClr>
+              </a:sp3d>
+            </c:spPr>
+          </c:dPt>
+          <c:dLbls>
+            <c:dLbl>
+              <c:idx val="0"/>
+              <c:layout>
+                <c:manualLayout>
+                  <c:x val="-0.13366860214683229"/>
+                  <c:y val="9.2879534726284865E-2"/>
+                </c:manualLayout>
+              </c:layout>
+              <c:tx>
+                <c:rich>
+                  <a:bodyPr/>
+                  <a:lstStyle/>
+                  <a:p>
+                    <a:r>
+                      <a:rPr lang="en-US" sz="2800" dirty="0" smtClean="0"/>
+                      <a:t>15%</a:t>
+                    </a:r>
+                    <a:endParaRPr lang="en-US" dirty="0"/>
+                  </a:p>
+                </c:rich>
+              </c:tx>
+              <c:dLblPos val="bestFit"/>
+              <c:showLegendKey val="0"/>
+              <c:showVal val="0"/>
+              <c:showCatName val="1"/>
+              <c:showSerName val="0"/>
+              <c:showPercent val="0"/>
+              <c:showBubbleSize val="0"/>
+              <c:extLst>
+                <c:ext xmlns:c15="http://schemas.microsoft.com/office/drawing/2012/chart" uri="{CE6537A1-D6FC-4f65-9D91-7224C49458BB}">
+                  <c15:layout/>
+                </c:ext>
+              </c:extLst>
+            </c:dLbl>
+            <c:dLbl>
+              <c:idx val="1"/>
+              <c:layout>
+                <c:manualLayout>
+                  <c:x val="0.12722162683712673"/>
+                  <c:y val="-0.26273242437090283"/>
+                </c:manualLayout>
+              </c:layout>
+              <c:tx>
+                <c:rich>
+                  <a:bodyPr/>
+                  <a:lstStyle/>
+                  <a:p>
+                    <a:r>
+                      <a:rPr lang="en-US" sz="2800" dirty="0"/>
+                      <a:t>85%</a:t>
+                    </a:r>
+                  </a:p>
+                </c:rich>
+              </c:tx>
+              <c:dLblPos val="bestFit"/>
+              <c:showLegendKey val="0"/>
+              <c:showVal val="0"/>
+              <c:showCatName val="1"/>
+              <c:showSerName val="0"/>
+              <c:showPercent val="0"/>
+              <c:showBubbleSize val="0"/>
+              <c:extLst>
+                <c:ext xmlns:c15="http://schemas.microsoft.com/office/drawing/2012/chart" uri="{CE6537A1-D6FC-4f65-9D91-7224C49458BB}">
+                  <c15:layout/>
+                </c:ext>
+              </c:extLst>
+            </c:dLbl>
+            <c:spPr>
+              <a:noFill/>
+              <a:ln>
+                <a:noFill/>
+              </a:ln>
+              <a:effectLst/>
+            </c:spPr>
+            <c:txPr>
+              <a:bodyPr rot="0" spcFirstLastPara="1" vertOverflow="ellipsis" vert="horz" wrap="square" lIns="38100" tIns="19050" rIns="38100" bIns="19050" anchor="ctr" anchorCtr="1">
+                <a:spAutoFit/>
+              </a:bodyPr>
+              <a:lstStyle/>
+              <a:p>
+                <a:pPr>
+                  <a:defRPr sz="1197" b="0" i="0" u="none" strike="noStrike" kern="1200" baseline="0">
+                    <a:solidFill>
+                      <a:schemeClr val="tx1">
+                        <a:lumMod val="75000"/>
+                        <a:lumOff val="25000"/>
+                      </a:schemeClr>
+                    </a:solidFill>
+                    <a:latin typeface="+mn-lt"/>
+                    <a:ea typeface="+mn-ea"/>
+                    <a:cs typeface="+mn-cs"/>
+                  </a:defRPr>
+                </a:pPr>
+                <a:endParaRPr lang="fr-FR"/>
+              </a:p>
+            </c:txPr>
+            <c:dLblPos val="inEnd"/>
+            <c:showLegendKey val="0"/>
+            <c:showVal val="0"/>
+            <c:showCatName val="1"/>
+            <c:showSerName val="0"/>
+            <c:showPercent val="0"/>
+            <c:showBubbleSize val="0"/>
+            <c:showLeaderLines val="1"/>
+            <c:leaderLines>
+              <c:spPr>
+                <a:ln w="9525" cap="flat" cmpd="sng" algn="ctr">
+                  <a:solidFill>
+                    <a:schemeClr val="tx1">
+                      <a:lumMod val="35000"/>
+                      <a:lumOff val="65000"/>
+                    </a:schemeClr>
+                  </a:solidFill>
+                  <a:round/>
+                </a:ln>
+                <a:effectLst/>
+              </c:spPr>
+            </c:leaderLines>
+            <c:extLst>
+              <c:ext xmlns:c15="http://schemas.microsoft.com/office/drawing/2012/chart" uri="{CE6537A1-D6FC-4f65-9D91-7224C49458BB}"/>
+            </c:extLst>
+          </c:dLbls>
+          <c:cat>
+            <c:strRef>
+              <c:f>Sheet1!$A$2:$A$5</c:f>
+              <c:strCache>
+                <c:ptCount val="2"/>
+                <c:pt idx="0">
+                  <c:v>SOAP</c:v>
+                </c:pt>
+                <c:pt idx="1">
+                  <c:v>REST</c:v>
+                </c:pt>
+              </c:strCache>
+            </c:strRef>
+          </c:cat>
+          <c:val>
+            <c:numRef>
+              <c:f>Sheet1!$B$2:$B$5</c:f>
+              <c:numCache>
+                <c:formatCode>General</c:formatCode>
+                <c:ptCount val="4"/>
+                <c:pt idx="0">
+                  <c:v>15</c:v>
+                </c:pt>
+                <c:pt idx="1">
+                  <c:v>85</c:v>
+                </c:pt>
+              </c:numCache>
+            </c:numRef>
+          </c:val>
+        </c:ser>
+        <c:dLbls>
+          <c:dLblPos val="inEnd"/>
+          <c:showLegendKey val="0"/>
+          <c:showVal val="0"/>
+          <c:showCatName val="1"/>
+          <c:showSerName val="0"/>
+          <c:showPercent val="0"/>
+          <c:showBubbleSize val="0"/>
+          <c:showLeaderLines val="1"/>
+        </c:dLbls>
+      </c:pie3DChart>
+      <c:spPr>
+        <a:noFill/>
+        <a:ln>
+          <a:noFill/>
+        </a:ln>
+        <a:effectLst/>
+      </c:spPr>
+    </c:plotArea>
+    <c:legend>
+      <c:legendPos val="b"/>
+      <c:legendEntry>
+        <c:idx val="2"/>
+        <c:delete val="1"/>
+      </c:legendEntry>
+      <c:legendEntry>
+        <c:idx val="3"/>
+        <c:delete val="1"/>
+      </c:legendEntry>
+      <c:layout/>
+      <c:overlay val="0"/>
+      <c:spPr>
+        <a:noFill/>
+        <a:ln>
+          <a:noFill/>
+        </a:ln>
+        <a:effectLst/>
+      </c:spPr>
+      <c:txPr>
+        <a:bodyPr rot="0" spcFirstLastPara="1" vertOverflow="ellipsis" vert="horz" wrap="square" anchor="ctr" anchorCtr="1"/>
+        <a:lstStyle/>
+        <a:p>
+          <a:pPr>
+            <a:defRPr sz="1197" b="0" i="0" u="none" strike="noStrike" kern="1200" baseline="0">
+              <a:solidFill>
+                <a:schemeClr val="tx1">
+                  <a:lumMod val="65000"/>
+                  <a:lumOff val="35000"/>
+                </a:schemeClr>
+              </a:solidFill>
+              <a:latin typeface="+mn-lt"/>
+              <a:ea typeface="+mn-ea"/>
+              <a:cs typeface="+mn-cs"/>
+            </a:defRPr>
+          </a:pPr>
+          <a:endParaRPr lang="fr-FR"/>
+        </a:p>
+      </c:txPr>
+    </c:legend>
+    <c:plotVisOnly val="1"/>
+    <c:dispBlanksAs val="gap"/>
+    <c:showDLblsOverMax val="0"/>
+  </c:chart>
+  <c:spPr>
+    <a:noFill/>
+    <a:ln>
+      <a:noFill/>
+    </a:ln>
+    <a:effectLst/>
+  </c:spPr>
+  <c:txPr>
+    <a:bodyPr/>
+    <a:lstStyle/>
+    <a:p>
+      <a:pPr>
+        <a:defRPr/>
+      </a:pPr>
+      <a:endParaRPr lang="fr-FR"/>
+    </a:p>
+  </c:txPr>
+  <c:externalData r:id="rId3">
+    <c:autoUpdate val="0"/>
+  </c:externalData>
+</c:chartSpace>
+</file>
+
+<file path=ppt/charts/colors1.xml><?xml version="1.0" encoding="utf-8"?>
+<cs:colorStyle xmlns:cs="http://schemas.microsoft.com/office/drawing/2012/chartStyle" xmlns:a="http://schemas.openxmlformats.org/drawingml/2006/main" meth="cycle" id="10">
+  <a:schemeClr val="accent1"/>
+  <a:schemeClr val="accent2"/>
+  <a:schemeClr val="accent3"/>
+  <a:schemeClr val="accent4"/>
+  <a:schemeClr val="accent5"/>
+  <a:schemeClr val="accent6"/>
+  <cs:variation/>
+  <cs:variation>
+    <a:lumMod val="60000"/>
+  </cs:variation>
+  <cs:variation>
+    <a:lumMod val="80000"/>
+    <a:lumOff val="20000"/>
+  </cs:variation>
+  <cs:variation>
+    <a:lumMod val="80000"/>
+  </cs:variation>
+  <cs:variation>
+    <a:lumMod val="60000"/>
+    <a:lumOff val="40000"/>
+  </cs:variation>
+  <cs:variation>
+    <a:lumMod val="50000"/>
+  </cs:variation>
+  <cs:variation>
+    <a:lumMod val="70000"/>
+    <a:lumOff val="30000"/>
+  </cs:variation>
+  <cs:variation>
+    <a:lumMod val="70000"/>
+  </cs:variation>
+  <cs:variation>
+    <a:lumMod val="50000"/>
+    <a:lumOff val="50000"/>
+  </cs:variation>
+</cs:colorStyle>
+</file>
+
+<file path=ppt/charts/style1.xml><?xml version="1.0" encoding="utf-8"?>
+<cs:chartStyle xmlns:cs="http://schemas.microsoft.com/office/drawing/2012/chartStyle" xmlns:a="http://schemas.openxmlformats.org/drawingml/2006/main" id="262">
+  <cs:axisTitle>
+    <cs:lnRef idx="0"/>
+    <cs:fillRef idx="0"/>
+    <cs:effectRef idx="0"/>
+    <cs:fontRef idx="minor">
+      <a:schemeClr val="tx1">
+        <a:lumMod val="65000"/>
+        <a:lumOff val="35000"/>
+      </a:schemeClr>
+    </cs:fontRef>
+    <cs:defRPr sz="1330" kern="1200"/>
+  </cs:axisTitle>
+  <cs:categoryAxis>
+    <cs:lnRef idx="0"/>
+    <cs:fillRef idx="0"/>
+    <cs:effectRef idx="0"/>
+    <cs:fontRef idx="minor">
+      <a:schemeClr val="tx1">
+        <a:lumMod val="65000"/>
+        <a:lumOff val="35000"/>
+      </a:schemeClr>
+    </cs:fontRef>
+    <cs:spPr>
+      <a:ln w="9525" cap="flat" cmpd="sng" algn="ctr">
+        <a:solidFill>
+          <a:schemeClr val="tx1">
+            <a:lumMod val="15000"/>
+            <a:lumOff val="85000"/>
+          </a:schemeClr>
+        </a:solidFill>
+        <a:round/>
+      </a:ln>
+    </cs:spPr>
+    <cs:defRPr sz="1197" kern="1200"/>
+  </cs:categoryAxis>
+  <cs:chartArea mods="allowNoFillOverride allowNoLineOverride">
+    <cs:lnRef idx="0"/>
+    <cs:fillRef idx="0"/>
+    <cs:effectRef idx="0"/>
+    <cs:fontRef idx="minor">
+      <a:schemeClr val="tx1"/>
+    </cs:fontRef>
+    <cs:spPr>
+      <a:solidFill>
+        <a:schemeClr val="bg1"/>
+      </a:solidFill>
+      <a:ln w="9525" cap="flat" cmpd="sng" algn="ctr">
+        <a:solidFill>
+          <a:schemeClr val="tx1">
+            <a:lumMod val="15000"/>
+            <a:lumOff val="85000"/>
+          </a:schemeClr>
+        </a:solidFill>
+        <a:round/>
+      </a:ln>
+    </cs:spPr>
+    <cs:defRPr sz="1197" kern="1200"/>
+  </cs:chartArea>
+  <cs:dataLabel>
+    <cs:lnRef idx="0"/>
+    <cs:fillRef idx="0"/>
+    <cs:effectRef idx="0"/>
+    <cs:fontRef idx="minor">
+      <a:schemeClr val="tx1">
+        <a:lumMod val="75000"/>
+        <a:lumOff val="25000"/>
+      </a:schemeClr>
+    </cs:fontRef>
+    <cs:defRPr sz="1197" kern="1200"/>
+  </cs:dataLabel>
+  <cs:dataLabelCallout>
+    <cs:lnRef idx="0"/>
+    <cs:fillRef idx="0"/>
+    <cs:effectRef idx="0"/>
+    <cs:fontRef idx="minor">
+      <a:schemeClr val="dk1">
+        <a:lumMod val="65000"/>
+        <a:lumOff val="35000"/>
+      </a:schemeClr>
+    </cs:fontRef>
+    <cs:spPr>
+      <a:solidFill>
+        <a:schemeClr val="lt1"/>
+      </a:solidFill>
+      <a:ln>
+        <a:solidFill>
+          <a:schemeClr val="dk1">
+            <a:lumMod val="25000"/>
+            <a:lumOff val="75000"/>
+          </a:schemeClr>
+        </a:solidFill>
+      </a:ln>
+    </cs:spPr>
+    <cs:defRPr sz="1197" kern="1200"/>
+    <cs:bodyPr rot="0" spcFirstLastPara="1" vertOverflow="clip" horzOverflow="clip" vert="horz" wrap="square" lIns="36576" tIns="18288" rIns="36576" bIns="18288" anchor="ctr" anchorCtr="1">
+      <a:spAutoFit/>
+    </cs:bodyPr>
+  </cs:dataLabelCallout>
+  <cs:dataPoint>
+    <cs:lnRef idx="0"/>
+    <cs:fillRef idx="1">
+      <cs:styleClr val="auto"/>
+    </cs:fillRef>
+    <cs:effectRef idx="0"/>
+    <cs:fontRef idx="minor">
+      <a:schemeClr val="tx1"/>
+    </cs:fontRef>
+    <cs:spPr>
+      <a:ln w="19050">
+        <a:solidFill>
+          <a:schemeClr val="lt1"/>
+        </a:solidFill>
+      </a:ln>
+    </cs:spPr>
+  </cs:dataPoint>
+  <cs:dataPoint3D>
+    <cs:lnRef idx="0"/>
+    <cs:fillRef idx="1">
+      <cs:styleClr val="auto"/>
+    </cs:fillRef>
+    <cs:effectRef idx="0"/>
+    <cs:fontRef idx="minor">
+      <a:schemeClr val="tx1"/>
+    </cs:fontRef>
+    <cs:spPr>
+      <a:ln w="25400">
+        <a:solidFill>
+          <a:schemeClr val="lt1"/>
+        </a:solidFill>
+      </a:ln>
+    </cs:spPr>
+  </cs:dataPoint3D>
+  <cs:dataPointLine>
+    <cs:lnRef idx="0">
+      <cs:styleClr val="auto"/>
+    </cs:lnRef>
+    <cs:fillRef idx="0"/>
+    <cs:effectRef idx="0"/>
+    <cs:fontRef idx="minor">
+      <a:schemeClr val="tx1"/>
+    </cs:fontRef>
+    <cs:spPr>
+      <a:ln w="28575" cap="rnd">
+        <a:solidFill>
+          <a:schemeClr val="phClr"/>
+        </a:solidFill>
+        <a:round/>
+      </a:ln>
+    </cs:spPr>
+  </cs:dataPointLine>
+  <cs:dataPointMarker>
+    <cs:lnRef idx="0">
+      <cs:styleClr val="auto"/>
+    </cs:lnRef>
+    <cs:fillRef idx="1">
+      <cs:styleClr val="auto"/>
+    </cs:fillRef>
+    <cs:effectRef idx="0"/>
+    <cs:fontRef idx="minor">
+      <a:schemeClr val="tx1"/>
+    </cs:fontRef>
+    <cs:spPr>
+      <a:ln w="9525">
+        <a:solidFill>
+          <a:schemeClr val="phClr"/>
+        </a:solidFill>
+      </a:ln>
+    </cs:spPr>
+  </cs:dataPointMarker>
+  <cs:dataPointMarkerLayout symbol="circle" size="5"/>
+  <cs:dataPointWireframe>
+    <cs:lnRef idx="0">
+      <cs:styleClr val="auto"/>
+    </cs:lnRef>
+    <cs:fillRef idx="0"/>
+    <cs:effectRef idx="0"/>
+    <cs:fontRef idx="minor">
+      <a:schemeClr val="tx1"/>
+    </cs:fontRef>
+    <cs:spPr>
+      <a:ln w="9525" cap="rnd">
+        <a:solidFill>
+          <a:schemeClr val="phClr"/>
+        </a:solidFill>
+        <a:round/>
+      </a:ln>
+    </cs:spPr>
+  </cs:dataPointWireframe>
+  <cs:dataTable>
+    <cs:lnRef idx="0"/>
+    <cs:fillRef idx="0"/>
+    <cs:effectRef idx="0"/>
+    <cs:fontRef idx="minor">
+      <a:schemeClr val="tx1">
+        <a:lumMod val="65000"/>
+        <a:lumOff val="35000"/>
+      </a:schemeClr>
+    </cs:fontRef>
+    <cs:spPr>
+      <a:noFill/>
+      <a:ln w="9525" cap="flat" cmpd="sng" algn="ctr">
+        <a:solidFill>
+          <a:schemeClr val="tx1">
+            <a:lumMod val="15000"/>
+            <a:lumOff val="85000"/>
+          </a:schemeClr>
+        </a:solidFill>
+        <a:round/>
+      </a:ln>
+    </cs:spPr>
+    <cs:defRPr sz="1197" kern="1200"/>
+  </cs:dataTable>
+  <cs:downBar>
+    <cs:lnRef idx="0"/>
+    <cs:fillRef idx="0"/>
+    <cs:effectRef idx="0"/>
+    <cs:fontRef idx="minor">
+      <a:schemeClr val="tx1"/>
+    </cs:fontRef>
+    <cs:spPr>
+      <a:solidFill>
+        <a:schemeClr val="dk1">
+          <a:lumMod val="75000"/>
+          <a:lumOff val="25000"/>
+        </a:schemeClr>
+      </a:solidFill>
+      <a:ln w="9525" cap="flat" cmpd="sng" algn="ctr">
+        <a:solidFill>
+          <a:schemeClr val="tx1">
+            <a:lumMod val="65000"/>
+            <a:lumOff val="35000"/>
+          </a:schemeClr>
+        </a:solidFill>
+        <a:round/>
+      </a:ln>
+    </cs:spPr>
+  </cs:downBar>
+  <cs:dropLine>
+    <cs:lnRef idx="0"/>
+    <cs:fillRef idx="0"/>
+    <cs:effectRef idx="0"/>
+    <cs:fontRef idx="minor">
+      <a:schemeClr val="tx1"/>
+    </cs:fontRef>
+    <cs:spPr>
+      <a:ln w="9525" cap="flat" cmpd="sng" algn="ctr">
+        <a:solidFill>
+          <a:schemeClr val="tx1">
+            <a:lumMod val="35000"/>
+            <a:lumOff val="65000"/>
+          </a:schemeClr>
+        </a:solidFill>
+        <a:round/>
+      </a:ln>
+    </cs:spPr>
+  </cs:dropLine>
+  <cs:errorBar>
+    <cs:lnRef idx="0"/>
+    <cs:fillRef idx="0"/>
+    <cs:effectRef idx="0"/>
+    <cs:fontRef idx="minor">
+      <a:schemeClr val="tx1"/>
+    </cs:fontRef>
+    <cs:spPr>
+      <a:ln w="9525" cap="flat" cmpd="sng" algn="ctr">
+        <a:solidFill>
+          <a:schemeClr val="tx1">
+            <a:lumMod val="65000"/>
+            <a:lumOff val="35000"/>
+          </a:schemeClr>
+        </a:solidFill>
+        <a:round/>
+      </a:ln>
+    </cs:spPr>
+  </cs:errorBar>
+  <cs:floor>
+    <cs:lnRef idx="0"/>
+    <cs:fillRef idx="0"/>
+    <cs:effectRef idx="0"/>
+    <cs:fontRef idx="minor">
+      <a:schemeClr val="tx1"/>
+    </cs:fontRef>
+    <cs:spPr>
+      <a:noFill/>
+      <a:ln>
+        <a:noFill/>
+      </a:ln>
+    </cs:spPr>
+  </cs:floor>
+  <cs:gridlineMajor>
+    <cs:lnRef idx="0"/>
+    <cs:fillRef idx="0"/>
+    <cs:effectRef idx="0"/>
+    <cs:fontRef idx="minor">
+      <a:schemeClr val="tx1"/>
+    </cs:fontRef>
+    <cs:spPr>
+      <a:ln w="9525" cap="flat" cmpd="sng" algn="ctr">
+        <a:solidFill>
+          <a:schemeClr val="tx1">
+            <a:lumMod val="15000"/>
+            <a:lumOff val="85000"/>
+          </a:schemeClr>
+        </a:solidFill>
+        <a:round/>
+      </a:ln>
+    </cs:spPr>
+  </cs:gridlineMajor>
+  <cs:gridlineMinor>
+    <cs:lnRef idx="0"/>
+    <cs:fillRef idx="0"/>
+    <cs:effectRef idx="0"/>
+    <cs:fontRef idx="minor">
+      <a:schemeClr val="tx1"/>
+    </cs:fontRef>
+    <cs:spPr>
+      <a:ln w="9525" cap="flat" cmpd="sng" algn="ctr">
+        <a:solidFill>
+          <a:schemeClr val="tx1">
+            <a:lumMod val="5000"/>
+            <a:lumOff val="95000"/>
+          </a:schemeClr>
+        </a:solidFill>
+        <a:round/>
+      </a:ln>
+    </cs:spPr>
+  </cs:gridlineMinor>
+  <cs:hiLoLine>
+    <cs:lnRef idx="0"/>
+    <cs:fillRef idx="0"/>
+    <cs:effectRef idx="0"/>
+    <cs:fontRef idx="minor">
+      <a:schemeClr val="tx1"/>
+    </cs:fontRef>
+    <cs:spPr>
+      <a:ln w="9525" cap="flat" cmpd="sng" algn="ctr">
+        <a:solidFill>
+          <a:schemeClr val="tx1">
+            <a:lumMod val="50000"/>
+            <a:lumOff val="50000"/>
+          </a:schemeClr>
+        </a:solidFill>
+        <a:round/>
+      </a:ln>
+    </cs:spPr>
+  </cs:hiLoLine>
+  <cs:leaderLine>
+    <cs:lnRef idx="0"/>
+    <cs:fillRef idx="0"/>
+    <cs:effectRef idx="0"/>
+    <cs:fontRef idx="minor">
+      <a:schemeClr val="tx1"/>
+    </cs:fontRef>
+    <cs:spPr>
+      <a:ln w="9525" cap="flat" cmpd="sng" algn="ctr">
+        <a:solidFill>
+          <a:schemeClr val="tx1">
+            <a:lumMod val="35000"/>
+            <a:lumOff val="65000"/>
+          </a:schemeClr>
+        </a:solidFill>
+        <a:round/>
+      </a:ln>
+    </cs:spPr>
+  </cs:leaderLine>
+  <cs:legend>
+    <cs:lnRef idx="0"/>
+    <cs:fillRef idx="0"/>
+    <cs:effectRef idx="0"/>
+    <cs:fontRef idx="minor">
+      <a:schemeClr val="tx1">
+        <a:lumMod val="65000"/>
+        <a:lumOff val="35000"/>
+      </a:schemeClr>
+    </cs:fontRef>
+    <cs:defRPr sz="1197" kern="1200"/>
+  </cs:legend>
+  <cs:plotArea mods="allowNoFillOverride allowNoLineOverride">
+    <cs:lnRef idx="0"/>
+    <cs:fillRef idx="0"/>
+    <cs:effectRef idx="0"/>
+    <cs:fontRef idx="minor">
+      <a:schemeClr val="tx1"/>
+    </cs:fontRef>
+  </cs:plotArea>
+  <cs:plotArea3D mods="allowNoFillOverride allowNoLineOverride">
+    <cs:lnRef idx="0"/>
+    <cs:fillRef idx="0"/>
+    <cs:effectRef idx="0"/>
+    <cs:fontRef idx="minor">
+      <a:schemeClr val="tx1"/>
+    </cs:fontRef>
+  </cs:plotArea3D>
+  <cs:seriesAxis>
+    <cs:lnRef idx="0"/>
+    <cs:fillRef idx="0"/>
+    <cs:effectRef idx="0"/>
+    <cs:fontRef idx="minor">
+      <a:schemeClr val="tx1">
+        <a:lumMod val="65000"/>
+        <a:lumOff val="35000"/>
+      </a:schemeClr>
+    </cs:fontRef>
+    <cs:defRPr sz="1197" kern="1200"/>
+  </cs:seriesAxis>
+  <cs:seriesLine>
+    <cs:lnRef idx="0"/>
+    <cs:fillRef idx="0"/>
+    <cs:effectRef idx="0"/>
+    <cs:fontRef idx="minor">
+      <a:schemeClr val="tx1"/>
+    </cs:fontRef>
+    <cs:spPr>
+      <a:ln w="9525" cap="flat" cmpd="sng" algn="ctr">
+        <a:solidFill>
+          <a:schemeClr val="tx1">
+            <a:lumMod val="35000"/>
+            <a:lumOff val="65000"/>
+          </a:schemeClr>
+        </a:solidFill>
+        <a:round/>
+      </a:ln>
+    </cs:spPr>
+  </cs:seriesLine>
+  <cs:title>
+    <cs:lnRef idx="0"/>
+    <cs:fillRef idx="0"/>
+    <cs:effectRef idx="0"/>
+    <cs:fontRef idx="minor">
+      <a:schemeClr val="tx1">
+        <a:lumMod val="65000"/>
+        <a:lumOff val="35000"/>
+      </a:schemeClr>
+    </cs:fontRef>
+    <cs:defRPr sz="1862" b="0" kern="1200" spc="0" baseline="0"/>
+  </cs:title>
+  <cs:trendline>
+    <cs:lnRef idx="0">
+      <cs:styleClr val="auto"/>
+    </cs:lnRef>
+    <cs:fillRef idx="0"/>
+    <cs:effectRef idx="0"/>
+    <cs:fontRef idx="minor">
+      <a:schemeClr val="tx1"/>
+    </cs:fontRef>
+    <cs:spPr>
+      <a:ln w="19050" cap="rnd">
+        <a:solidFill>
+          <a:schemeClr val="phClr"/>
+        </a:solidFill>
+        <a:prstDash val="sysDot"/>
+      </a:ln>
+    </cs:spPr>
+  </cs:trendline>
+  <cs:trendlineLabel>
+    <cs:lnRef idx="0"/>
+    <cs:fillRef idx="0"/>
+    <cs:effectRef idx="0"/>
+    <cs:fontRef idx="minor">
+      <a:schemeClr val="tx1">
+        <a:lumMod val="65000"/>
+        <a:lumOff val="35000"/>
+      </a:schemeClr>
+    </cs:fontRef>
+    <cs:defRPr sz="1197" kern="1200"/>
+  </cs:trendlineLabel>
+  <cs:upBar>
+    <cs:lnRef idx="0"/>
+    <cs:fillRef idx="0"/>
+    <cs:effectRef idx="0"/>
+    <cs:fontRef idx="minor">
+      <a:schemeClr val="tx1"/>
+    </cs:fontRef>
+    <cs:spPr>
+      <a:solidFill>
+        <a:schemeClr val="lt1"/>
+      </a:solidFill>
+      <a:ln w="9525" cap="flat" cmpd="sng" algn="ctr">
+        <a:solidFill>
+          <a:schemeClr val="tx1">
+            <a:lumMod val="65000"/>
+            <a:lumOff val="35000"/>
+          </a:schemeClr>
+        </a:solidFill>
+        <a:round/>
+      </a:ln>
+    </cs:spPr>
+  </cs:upBar>
+  <cs:valueAxis>
+    <cs:lnRef idx="0"/>
+    <cs:fillRef idx="0"/>
+    <cs:effectRef idx="0"/>
+    <cs:fontRef idx="minor">
+      <a:schemeClr val="tx1">
+        <a:lumMod val="65000"/>
+        <a:lumOff val="35000"/>
+      </a:schemeClr>
+    </cs:fontRef>
+    <cs:defRPr sz="1197" kern="1200"/>
+  </cs:valueAxis>
+  <cs:wall>
+    <cs:lnRef idx="0"/>
+    <cs:fillRef idx="0"/>
+    <cs:effectRef idx="0"/>
+    <cs:fontRef idx="minor">
+      <a:schemeClr val="tx1"/>
+    </cs:fontRef>
+    <cs:spPr>
+      <a:noFill/>
+      <a:ln>
+        <a:noFill/>
+      </a:ln>
+    </cs:spPr>
+  </cs:wall>
+</cs:chartStyle>
+</file>
+
 <file path=ppt/handoutMasters/handoutMaster1.xml><?xml version="1.0" encoding="utf-8"?>
 <p:handoutMaster xmlns:a="http://schemas.openxmlformats.org/drawingml/2006/main" xmlns:r="http://schemas.openxmlformats.org/officeDocument/2006/relationships" xmlns:p="http://schemas.openxmlformats.org/presentationml/2006/main">
   <p:cSld>
@@ -216,7 +1178,7 @@
           <a:p>
             <a:fld id="{8A0C4F39-274E-474B-951D-4EF842B6D3E2}" type="datetimeFigureOut">
               <a:rPr lang="en-US" smtClean="0"/>
-              <a:t>12/24/2015</a:t>
+              <a:t>12/25/2015</a:t>
             </a:fld>
             <a:endParaRPr lang="en-US" dirty="0"/>
           </a:p>
@@ -381,7 +1343,7 @@
           <a:p>
             <a:fld id="{1144BD91-9045-4FDD-B60E-D3C4965E6380}" type="datetimeFigureOut">
               <a:rPr lang="en-US" smtClean="0"/>
-              <a:t>12/24/2015</a:t>
+              <a:t>12/25/2015</a:t>
             </a:fld>
             <a:endParaRPr lang="en-US" dirty="0"/>
           </a:p>
@@ -972,7 +1934,7 @@
           <a:p>
             <a:fld id="{2C17AEAC-1A43-45A1-AB2E-1F916340AE88}" type="datetime1">
               <a:rPr lang="en-US" smtClean="0"/>
-              <a:t>12/24/2015</a:t>
+              <a:t>12/25/2015</a:t>
             </a:fld>
             <a:endParaRPr lang="en-US" dirty="0"/>
           </a:p>
@@ -1447,7 +2409,7 @@
           <a:p>
             <a:fld id="{82361762-EFA9-433E-B7B8-ACB1B19C7BB6}" type="datetime1">
               <a:rPr lang="en-US" smtClean="0"/>
-              <a:t>12/24/2015</a:t>
+              <a:t>12/25/2015</a:t>
             </a:fld>
             <a:endParaRPr lang="en-US" dirty="0"/>
           </a:p>
@@ -1760,7 +2722,7 @@
           <a:p>
             <a:fld id="{3FC27A4E-CB22-4943-8C68-D7A27152B550}" type="datetime1">
               <a:rPr lang="en-US" smtClean="0"/>
-              <a:t>12/24/2015</a:t>
+              <a:t>12/25/2015</a:t>
             </a:fld>
             <a:endParaRPr lang="en-US" dirty="0"/>
           </a:p>
@@ -2109,7 +3071,7 @@
           <a:p>
             <a:fld id="{C1D77D31-9FE4-4697-9FF9-43DE04323BE6}" type="datetime1">
               <a:rPr lang="en-US" smtClean="0"/>
-              <a:t>12/24/2015</a:t>
+              <a:t>12/25/2015</a:t>
             </a:fld>
             <a:endParaRPr lang="en-US" dirty="0"/>
           </a:p>
@@ -2607,7 +3569,7 @@
           <a:p>
             <a:fld id="{455B281F-FA23-49BA-B79C-252F0484AC3A}" type="datetime1">
               <a:rPr lang="en-US" smtClean="0"/>
-              <a:t>12/24/2015</a:t>
+              <a:t>12/25/2015</a:t>
             </a:fld>
             <a:endParaRPr lang="en-US" dirty="0"/>
           </a:p>
@@ -2875,7 +3837,7 @@
           <a:p>
             <a:fld id="{93B59333-D4EF-4B60-9DD5-AC524F80450D}" type="datetime1">
               <a:rPr lang="en-US" smtClean="0"/>
-              <a:t>12/24/2015</a:t>
+              <a:t>12/25/2015</a:t>
             </a:fld>
             <a:endParaRPr lang="en-US" dirty="0"/>
           </a:p>
@@ -3274,7 +4236,7 @@
           <a:p>
             <a:fld id="{7913E400-C8C0-46DB-812C-E9B8C4C0A684}" type="datetime1">
               <a:rPr lang="en-US" smtClean="0"/>
-              <a:t>12/24/2015</a:t>
+              <a:t>12/25/2015</a:t>
             </a:fld>
             <a:endParaRPr lang="en-US" dirty="0"/>
           </a:p>
@@ -3863,7 +4825,7 @@
           <a:p>
             <a:fld id="{8D6A30F2-A8A4-40D6-A799-6A10143AC483}" type="datetime1">
               <a:rPr lang="en-US" smtClean="0"/>
-              <a:t>12/24/2015</a:t>
+              <a:t>12/25/2015</a:t>
             </a:fld>
             <a:endParaRPr lang="en-US" dirty="0"/>
           </a:p>
@@ -4140,7 +5102,7 @@
           <a:p>
             <a:fld id="{4835A38F-8DC2-4F4A-A2F2-0173BC745FD1}" type="datetime1">
               <a:rPr lang="en-US" smtClean="0"/>
-              <a:t>12/24/2015</a:t>
+              <a:t>12/25/2015</a:t>
             </a:fld>
             <a:endParaRPr lang="en-US" dirty="0"/>
           </a:p>
@@ -4239,7 +5201,7 @@
           <a:p>
             <a:fld id="{2721EEA8-112C-4A85-AE34-25CE71C0D444}" type="datetime1">
               <a:rPr lang="en-US" smtClean="0"/>
-              <a:t>12/24/2015</a:t>
+              <a:t>12/25/2015</a:t>
             </a:fld>
             <a:endParaRPr lang="en-US" dirty="0"/>
           </a:p>
@@ -4522,7 +5484,7 @@
           <a:p>
             <a:fld id="{A82AF40F-03DA-42F3-B150-4FB928E4196C}" type="datetime1">
               <a:rPr lang="en-US" smtClean="0"/>
-              <a:t>12/24/2015</a:t>
+              <a:t>12/25/2015</a:t>
             </a:fld>
             <a:endParaRPr lang="en-US" dirty="0"/>
           </a:p>
@@ -4900,7 +5862,7 @@
           <a:p>
             <a:fld id="{C5810F79-85E5-4126-A538-9F52DF10AA9E}" type="datetime1">
               <a:rPr lang="en-US" smtClean="0"/>
-              <a:t>12/24/2015</a:t>
+              <a:t>12/25/2015</a:t>
             </a:fld>
             <a:endParaRPr lang="en-US" dirty="0"/>
           </a:p>
@@ -5592,12 +6554,12 @@
       </p:grpSpPr>
       <p:sp>
         <p:nvSpPr>
-          <p:cNvPr id="2" name="Text Placeholder 1"/>
+          <p:cNvPr id="2" name="Slide Number Placeholder 1"/>
           <p:cNvSpPr>
             <a:spLocks noGrp="1"/>
           </p:cNvSpPr>
           <p:nvPr>
-            <p:ph type="body" idx="1"/>
+            <p:ph type="sldNum" sz="quarter" idx="12"/>
           </p:nvPr>
         </p:nvSpPr>
         <p:spPr/>
@@ -5605,13 +6567,55 @@
           <a:bodyPr/>
           <a:lstStyle/>
           <a:p>
+            <a:fld id="{401CF334-2D5C-4859-84A6-CA7E6E43FAEB}" type="slidenum">
+              <a:rPr lang="en-US" smtClean="0"/>
+              <a:t>10</a:t>
+            </a:fld>
+            <a:endParaRPr lang="en-US" dirty="0"/>
+          </a:p>
+        </p:txBody>
+      </p:sp>
+      <p:sp>
+        <p:nvSpPr>
+          <p:cNvPr id="3" name="Content Placeholder 2"/>
+          <p:cNvSpPr>
+            <a:spLocks noGrp="1"/>
+          </p:cNvSpPr>
+          <p:nvPr>
+            <p:ph idx="1"/>
+          </p:nvPr>
+        </p:nvSpPr>
+        <p:spPr/>
+        <p:txBody>
+          <a:bodyPr/>
+          <a:lstStyle/>
+          <a:p>
+            <a:r>
+              <a:rPr lang="en-US" dirty="0"/>
+              <a:t>SOAP web </a:t>
+            </a:r>
+            <a:r>
+              <a:rPr lang="en-US" dirty="0" smtClean="0"/>
+              <a:t>service</a:t>
+            </a:r>
+          </a:p>
+          <a:p>
             <a:endParaRPr lang="fr-FR" dirty="0"/>
           </a:p>
-        </p:txBody>
-      </p:sp>
-      <p:sp>
-        <p:nvSpPr>
-          <p:cNvPr id="3" name="Title 2"/>
+          <a:p>
+            <a:r>
+              <a:rPr lang="en-US" dirty="0" smtClean="0"/>
+              <a:t>REST web service</a:t>
+            </a:r>
+          </a:p>
+          <a:p>
+            <a:endParaRPr lang="en-US" dirty="0" smtClean="0"/>
+          </a:p>
+        </p:txBody>
+      </p:sp>
+      <p:sp>
+        <p:nvSpPr>
+          <p:cNvPr id="4" name="Title 3"/>
           <p:cNvSpPr>
             <a:spLocks noGrp="1"/>
           </p:cNvSpPr>
@@ -5632,33 +6636,10 @@
           </a:p>
         </p:txBody>
       </p:sp>
-      <p:sp>
-        <p:nvSpPr>
-          <p:cNvPr id="4" name="Slide Number Placeholder 3"/>
-          <p:cNvSpPr>
-            <a:spLocks noGrp="1"/>
-          </p:cNvSpPr>
-          <p:nvPr>
-            <p:ph type="sldNum" sz="quarter" idx="12"/>
-          </p:nvPr>
-        </p:nvSpPr>
-        <p:spPr/>
-        <p:txBody>
-          <a:bodyPr/>
-          <a:lstStyle/>
-          <a:p>
-            <a:fld id="{401CF334-2D5C-4859-84A6-CA7E6E43FAEB}" type="slidenum">
-              <a:rPr lang="en-US" smtClean="0"/>
-              <a:t>10</a:t>
-            </a:fld>
-            <a:endParaRPr lang="en-US" dirty="0"/>
-          </a:p>
-        </p:txBody>
-      </p:sp>
     </p:spTree>
     <p:extLst>
       <p:ext uri="{BB962C8B-B14F-4D97-AF65-F5344CB8AC3E}">
-        <p14:creationId xmlns:p14="http://schemas.microsoft.com/office/powerpoint/2010/main" val="1528653626"/>
+        <p14:creationId xmlns:p14="http://schemas.microsoft.com/office/powerpoint/2010/main" val="4081122265"/>
       </p:ext>
     </p:extLst>
   </p:cSld>
@@ -5717,12 +6698,12 @@
       </p:sp>
       <p:sp>
         <p:nvSpPr>
-          <p:cNvPr id="3" name="Content Placeholder 2"/>
+          <p:cNvPr id="3" name="Text Placeholder 2"/>
           <p:cNvSpPr>
             <a:spLocks noGrp="1"/>
           </p:cNvSpPr>
           <p:nvPr>
-            <p:ph idx="1"/>
+            <p:ph type="body" idx="1"/>
           </p:nvPr>
         </p:nvSpPr>
         <p:spPr/>
@@ -5730,17 +6711,7 @@
           <a:bodyPr/>
           <a:lstStyle/>
           <a:p>
-            <a:r>
-              <a:rPr lang="en-US" dirty="0" smtClean="0"/>
-              <a:t>REST web service</a:t>
-            </a:r>
-          </a:p>
-          <a:p>
-            <a:r>
-              <a:rPr lang="en-US" dirty="0" smtClean="0"/>
-              <a:t>SOAP web service</a:t>
-            </a:r>
-            <a:endParaRPr lang="fr-FR" dirty="0"/>
+            <a:endParaRPr lang="en-US"/>
           </a:p>
         </p:txBody>
       </p:sp>
@@ -5761,16 +6732,16 @@
           <a:p>
             <a:r>
               <a:rPr lang="en-US" dirty="0" smtClean="0"/>
-              <a:t>Web Service Types</a:t>
-            </a:r>
-            <a:endParaRPr lang="fr-FR" dirty="0"/>
+              <a:t>REST Web Service</a:t>
+            </a:r>
+            <a:endParaRPr lang="en-US" dirty="0"/>
           </a:p>
         </p:txBody>
       </p:sp>
     </p:spTree>
     <p:extLst>
       <p:ext uri="{BB962C8B-B14F-4D97-AF65-F5344CB8AC3E}">
-        <p14:creationId xmlns:p14="http://schemas.microsoft.com/office/powerpoint/2010/main" val="4081122265"/>
+        <p14:creationId xmlns:p14="http://schemas.microsoft.com/office/powerpoint/2010/main" val="3730240868"/>
       </p:ext>
     </p:extLst>
   </p:cSld>
@@ -5915,6 +6886,9 @@
             </a:r>
           </a:p>
           <a:p>
+            <a:endParaRPr lang="en-US" dirty="0" smtClean="0"/>
+          </a:p>
+          <a:p>
             <a:r>
               <a:rPr lang="en-US" dirty="0"/>
               <a:t>defined in the thesis of Roy Fielding in </a:t>
@@ -5925,15 +6899,21 @@
             </a:r>
           </a:p>
           <a:p>
+            <a:endParaRPr lang="en-US" dirty="0" smtClean="0"/>
+          </a:p>
+          <a:p>
             <a:r>
               <a:rPr lang="en-US" dirty="0" smtClean="0"/>
               <a:t>Based on HTTP</a:t>
             </a:r>
           </a:p>
           <a:p>
+            <a:endParaRPr lang="en-US" dirty="0" smtClean="0"/>
+          </a:p>
+          <a:p>
             <a:r>
               <a:rPr lang="en-US" dirty="0" smtClean="0"/>
-              <a:t>But can use protocols other than HTTP</a:t>
+              <a:t>can use protocols other than HTTP</a:t>
             </a:r>
             <a:endParaRPr lang="fr-FR" dirty="0"/>
           </a:p>
@@ -6048,9 +7028,10 @@
               <a:buChar char="•"/>
             </a:pPr>
             <a:r>
-              <a:rPr lang="en-US" dirty="0"/>
-              <a:t>Protocol</a:t>
-            </a:r>
+              <a:rPr lang="en-US" dirty="0" smtClean="0"/>
+              <a:t>A Protocol</a:t>
+            </a:r>
+            <a:endParaRPr lang="en-US" dirty="0"/>
           </a:p>
           <a:p>
             <a:pPr lvl="1">
@@ -6058,9 +7039,10 @@
               <a:buChar char="•"/>
             </a:pPr>
             <a:r>
-              <a:rPr lang="en-US" dirty="0"/>
-              <a:t>Format</a:t>
-            </a:r>
+              <a:rPr lang="en-US" dirty="0" smtClean="0"/>
+              <a:t>A Format</a:t>
+            </a:r>
+            <a:endParaRPr lang="en-US" dirty="0"/>
           </a:p>
           <a:p>
             <a:pPr lvl="1">
@@ -6068,9 +7050,10 @@
               <a:buChar char="•"/>
             </a:pPr>
             <a:r>
-              <a:rPr lang="en-US" dirty="0"/>
-              <a:t>Standard</a:t>
-            </a:r>
+              <a:rPr lang="en-US" dirty="0" smtClean="0"/>
+              <a:t>A Standard</a:t>
+            </a:r>
+            <a:endParaRPr lang="en-US" dirty="0"/>
           </a:p>
           <a:p>
             <a:endParaRPr lang="en-US" dirty="0" smtClean="0"/>
@@ -6180,12 +7163,12 @@
       </p:grpSpPr>
       <p:sp>
         <p:nvSpPr>
-          <p:cNvPr id="9" name="Text Placeholder 8"/>
+          <p:cNvPr id="2" name="Slide Number Placeholder 1"/>
           <p:cNvSpPr>
             <a:spLocks noGrp="1"/>
           </p:cNvSpPr>
           <p:nvPr>
-            <p:ph type="body" idx="1"/>
+            <p:ph type="sldNum" sz="quarter" idx="12"/>
           </p:nvPr>
         </p:nvSpPr>
         <p:spPr/>
@@ -6193,7 +7176,206 @@
           <a:bodyPr/>
           <a:lstStyle/>
           <a:p>
+            <a:fld id="{401CF334-2D5C-4859-84A6-CA7E6E43FAEB}" type="slidenum">
+              <a:rPr lang="en-US" smtClean="0"/>
+              <a:t>14</a:t>
+            </a:fld>
             <a:endParaRPr lang="en-US" dirty="0"/>
+          </a:p>
+        </p:txBody>
+      </p:sp>
+      <p:sp>
+        <p:nvSpPr>
+          <p:cNvPr id="3" name="Content Placeholder 2"/>
+          <p:cNvSpPr>
+            <a:spLocks noGrp="1"/>
+          </p:cNvSpPr>
+          <p:nvPr>
+            <p:ph idx="1"/>
+          </p:nvPr>
+        </p:nvSpPr>
+        <p:spPr/>
+        <p:txBody>
+          <a:bodyPr/>
+          <a:lstStyle/>
+          <a:p>
+            <a:r>
+              <a:rPr lang="en-US" dirty="0" smtClean="0"/>
+              <a:t>ROA (</a:t>
+            </a:r>
+            <a:r>
+              <a:rPr lang="en-US" b="1" dirty="0" smtClean="0">
+                <a:solidFill>
+                  <a:schemeClr val="tx1">
+                    <a:lumMod val="95000"/>
+                    <a:lumOff val="5000"/>
+                  </a:schemeClr>
+                </a:solidFill>
+              </a:rPr>
+              <a:t>R</a:t>
+            </a:r>
+            <a:r>
+              <a:rPr lang="en-US" dirty="0" smtClean="0">
+                <a:solidFill>
+                  <a:schemeClr val="tx1">
+                    <a:lumMod val="75000"/>
+                    <a:lumOff val="25000"/>
+                  </a:schemeClr>
+                </a:solidFill>
+              </a:rPr>
+              <a:t>esource </a:t>
+            </a:r>
+            <a:r>
+              <a:rPr lang="en-US" b="1" dirty="0" smtClean="0">
+                <a:solidFill>
+                  <a:schemeClr val="tx1">
+                    <a:lumMod val="95000"/>
+                    <a:lumOff val="5000"/>
+                  </a:schemeClr>
+                </a:solidFill>
+              </a:rPr>
+              <a:t>O</a:t>
+            </a:r>
+            <a:r>
+              <a:rPr lang="en-US" dirty="0" smtClean="0">
+                <a:solidFill>
+                  <a:schemeClr val="tx1">
+                    <a:lumMod val="75000"/>
+                    <a:lumOff val="25000"/>
+                  </a:schemeClr>
+                </a:solidFill>
+              </a:rPr>
+              <a:t>riented </a:t>
+            </a:r>
+            <a:r>
+              <a:rPr lang="en-US" b="1" dirty="0" smtClean="0">
+                <a:solidFill>
+                  <a:schemeClr val="tx1">
+                    <a:lumMod val="95000"/>
+                    <a:lumOff val="5000"/>
+                  </a:schemeClr>
+                </a:solidFill>
+              </a:rPr>
+              <a:t>A</a:t>
+            </a:r>
+            <a:r>
+              <a:rPr lang="en-US" dirty="0" smtClean="0">
+                <a:solidFill>
+                  <a:schemeClr val="tx1">
+                    <a:lumMod val="75000"/>
+                    <a:lumOff val="25000"/>
+                  </a:schemeClr>
+                </a:solidFill>
+              </a:rPr>
+              <a:t>pplication</a:t>
+            </a:r>
+            <a:r>
+              <a:rPr lang="en-US" dirty="0" smtClean="0"/>
+              <a:t>)</a:t>
+            </a:r>
+          </a:p>
+          <a:p>
+            <a:r>
+              <a:rPr lang="en-US" dirty="0" smtClean="0"/>
+              <a:t>DOA (</a:t>
+            </a:r>
+            <a:r>
+              <a:rPr lang="en-US" b="1" dirty="0" smtClean="0">
+                <a:solidFill>
+                  <a:schemeClr val="tx1">
+                    <a:lumMod val="95000"/>
+                    <a:lumOff val="5000"/>
+                  </a:schemeClr>
+                </a:solidFill>
+              </a:rPr>
+              <a:t>D</a:t>
+            </a:r>
+            <a:r>
+              <a:rPr lang="en-US" dirty="0" smtClean="0">
+                <a:solidFill>
+                  <a:schemeClr val="tx1">
+                    <a:lumMod val="75000"/>
+                    <a:lumOff val="25000"/>
+                  </a:schemeClr>
+                </a:solidFill>
+              </a:rPr>
+              <a:t>ata </a:t>
+            </a:r>
+            <a:r>
+              <a:rPr lang="en-US" b="1" dirty="0">
+                <a:solidFill>
+                  <a:schemeClr val="tx1">
+                    <a:lumMod val="95000"/>
+                    <a:lumOff val="5000"/>
+                  </a:schemeClr>
+                </a:solidFill>
+              </a:rPr>
+              <a:t>O</a:t>
+            </a:r>
+            <a:r>
+              <a:rPr lang="en-US" dirty="0">
+                <a:solidFill>
+                  <a:schemeClr val="tx1">
+                    <a:lumMod val="75000"/>
+                    <a:lumOff val="25000"/>
+                  </a:schemeClr>
+                </a:solidFill>
+              </a:rPr>
+              <a:t>riented </a:t>
+            </a:r>
+            <a:r>
+              <a:rPr lang="en-US" b="1" dirty="0" smtClean="0">
+                <a:solidFill>
+                  <a:schemeClr val="tx1">
+                    <a:lumMod val="95000"/>
+                    <a:lumOff val="5000"/>
+                  </a:schemeClr>
+                </a:solidFill>
+              </a:rPr>
+              <a:t>A</a:t>
+            </a:r>
+            <a:r>
+              <a:rPr lang="en-US" dirty="0" smtClean="0">
+                <a:solidFill>
+                  <a:schemeClr val="tx1">
+                    <a:lumMod val="75000"/>
+                    <a:lumOff val="25000"/>
+                  </a:schemeClr>
+                </a:solidFill>
+              </a:rPr>
+              <a:t>pplication</a:t>
+            </a:r>
+            <a:r>
+              <a:rPr lang="en-US" dirty="0" smtClean="0"/>
+              <a:t>)</a:t>
+            </a:r>
+          </a:p>
+          <a:p>
+            <a:endParaRPr lang="en-US" dirty="0"/>
+          </a:p>
+          <a:p>
+            <a:r>
+              <a:rPr lang="en-US" dirty="0" smtClean="0"/>
+              <a:t>Application that respects REST architecture</a:t>
+            </a:r>
+          </a:p>
+          <a:p>
+            <a:pPr marL="777240" lvl="2" indent="0">
+              <a:buNone/>
+            </a:pPr>
+            <a:r>
+              <a:rPr lang="en-US" dirty="0" smtClean="0"/>
+              <a:t>→</a:t>
+            </a:r>
+            <a:r>
+              <a:rPr lang="en-US" dirty="0" err="1" smtClean="0"/>
+              <a:t>RESTFul</a:t>
+            </a:r>
+            <a:r>
+              <a:rPr lang="en-US" dirty="0" smtClean="0"/>
+              <a:t> web services</a:t>
+            </a:r>
+            <a:endParaRPr lang="fr-FR" dirty="0"/>
           </a:p>
         </p:txBody>
       </p:sp>
@@ -6214,12 +7396,49 @@
           <a:p>
             <a:r>
               <a:rPr lang="en-US" dirty="0" smtClean="0"/>
-              <a:t>Questions &amp; Comments</a:t>
-            </a:r>
-            <a:endParaRPr lang="en-US" dirty="0"/>
-          </a:p>
-        </p:txBody>
-      </p:sp>
+              <a:t>Where we use REST</a:t>
+            </a:r>
+            <a:endParaRPr lang="fr-FR" dirty="0"/>
+          </a:p>
+        </p:txBody>
+      </p:sp>
+    </p:spTree>
+    <p:extLst>
+      <p:ext uri="{BB962C8B-B14F-4D97-AF65-F5344CB8AC3E}">
+        <p14:creationId xmlns:p14="http://schemas.microsoft.com/office/powerpoint/2010/main" val="1138080846"/>
+      </p:ext>
+    </p:extLst>
+  </p:cSld>
+  <p:clrMapOvr>
+    <a:masterClrMapping/>
+  </p:clrMapOvr>
+  <p:timing>
+    <p:tnLst>
+      <p:par>
+        <p:cTn id="1" dur="indefinite" restart="never" nodeType="tmRoot"/>
+      </p:par>
+    </p:tnLst>
+  </p:timing>
+</p:sld>
+</file>
+
+<file path=ppt/slides/slide15.xml><?xml version="1.0" encoding="utf-8"?>
+<p:sld xmlns:a="http://schemas.openxmlformats.org/drawingml/2006/main" xmlns:r="http://schemas.openxmlformats.org/officeDocument/2006/relationships" xmlns:p="http://schemas.openxmlformats.org/presentationml/2006/main">
+  <p:cSld>
+    <p:spTree>
+      <p:nvGrpSpPr>
+        <p:cNvPr id="1" name=""/>
+        <p:cNvGrpSpPr/>
+        <p:nvPr/>
+      </p:nvGrpSpPr>
+      <p:grpSpPr>
+        <a:xfrm>
+          <a:off x="0" y="0"/>
+          <a:ext cx="0" cy="0"/>
+          <a:chOff x="0" y="0"/>
+          <a:chExt cx="0" cy="0"/>
+        </a:xfrm>
+      </p:grpSpPr>
       <p:sp>
         <p:nvSpPr>
           <p:cNvPr id="2" name="Slide Number Placeholder 1"/>
@@ -6237,34 +7456,1021 @@
           <a:p>
             <a:fld id="{401CF334-2D5C-4859-84A6-CA7E6E43FAEB}" type="slidenum">
               <a:rPr lang="en-US" smtClean="0"/>
-              <a:t>14</a:t>
+              <a:t>15</a:t>
             </a:fld>
             <a:endParaRPr lang="en-US" dirty="0"/>
           </a:p>
         </p:txBody>
       </p:sp>
+      <p:sp>
+        <p:nvSpPr>
+          <p:cNvPr id="4" name="Title 3"/>
+          <p:cNvSpPr>
+            <a:spLocks noGrp="1"/>
+          </p:cNvSpPr>
+          <p:nvPr>
+            <p:ph type="title"/>
+          </p:nvPr>
+        </p:nvSpPr>
+        <p:spPr/>
+        <p:txBody>
+          <a:bodyPr/>
+          <a:lstStyle/>
+          <a:p>
+            <a:r>
+              <a:rPr lang="en-US" dirty="0"/>
+              <a:t>REST Web </a:t>
+            </a:r>
+            <a:r>
+              <a:rPr lang="en-US" dirty="0" smtClean="0"/>
+              <a:t>Service Providers</a:t>
+            </a:r>
+            <a:endParaRPr lang="fr-FR" dirty="0"/>
+          </a:p>
+        </p:txBody>
+      </p:sp>
+      <p:pic>
+        <p:nvPicPr>
+          <p:cNvPr id="5" name="Picture 4"/>
+          <p:cNvPicPr>
+            <a:picLocks noChangeAspect="1"/>
+          </p:cNvPicPr>
+          <p:nvPr/>
+        </p:nvPicPr>
+        <p:blipFill>
+          <a:blip r:embed="rId2" cstate="print">
+            <a:extLst>
+              <a:ext uri="{28A0092B-C50C-407E-A947-70E740481C1C}">
+                <a14:useLocalDpi xmlns:a14="http://schemas.microsoft.com/office/drawing/2010/main" val="0"/>
+              </a:ext>
+            </a:extLst>
+          </a:blip>
+          <a:stretch>
+            <a:fillRect/>
+          </a:stretch>
+        </p:blipFill>
+        <p:spPr>
+          <a:xfrm>
+            <a:off x="669701" y="2203917"/>
+            <a:ext cx="1501462" cy="1501462"/>
+          </a:xfrm>
+          <a:prstGeom prst="rect">
+            <a:avLst/>
+          </a:prstGeom>
+        </p:spPr>
+      </p:pic>
+      <p:pic>
+        <p:nvPicPr>
+          <p:cNvPr id="6" name="Picture 5"/>
+          <p:cNvPicPr>
+            <a:picLocks noChangeAspect="1"/>
+          </p:cNvPicPr>
+          <p:nvPr/>
+        </p:nvPicPr>
+        <p:blipFill>
+          <a:blip r:embed="rId3">
+            <a:extLst>
+              <a:ext uri="{28A0092B-C50C-407E-A947-70E740481C1C}">
+                <a14:useLocalDpi xmlns:a14="http://schemas.microsoft.com/office/drawing/2010/main" val="0"/>
+              </a:ext>
+            </a:extLst>
+          </a:blip>
+          <a:stretch>
+            <a:fillRect/>
+          </a:stretch>
+        </p:blipFill>
+        <p:spPr>
+          <a:xfrm>
+            <a:off x="7651081" y="2087899"/>
+            <a:ext cx="1657985" cy="1657985"/>
+          </a:xfrm>
+          <a:prstGeom prst="rect">
+            <a:avLst/>
+          </a:prstGeom>
+        </p:spPr>
+      </p:pic>
+      <p:pic>
+        <p:nvPicPr>
+          <p:cNvPr id="7" name="Picture 6"/>
+          <p:cNvPicPr>
+            <a:picLocks noChangeAspect="1"/>
+          </p:cNvPicPr>
+          <p:nvPr/>
+        </p:nvPicPr>
+        <p:blipFill>
+          <a:blip r:embed="rId4" cstate="print">
+            <a:extLst>
+              <a:ext uri="{28A0092B-C50C-407E-A947-70E740481C1C}">
+                <a14:useLocalDpi xmlns:a14="http://schemas.microsoft.com/office/drawing/2010/main" val="0"/>
+              </a:ext>
+            </a:extLst>
+          </a:blip>
+          <a:stretch>
+            <a:fillRect/>
+          </a:stretch>
+        </p:blipFill>
+        <p:spPr>
+          <a:xfrm>
+            <a:off x="1931830" y="4330736"/>
+            <a:ext cx="1423699" cy="1420504"/>
+          </a:xfrm>
+          <a:prstGeom prst="rect">
+            <a:avLst/>
+          </a:prstGeom>
+        </p:spPr>
+      </p:pic>
+      <p:pic>
+        <p:nvPicPr>
+          <p:cNvPr id="8" name="Picture 7"/>
+          <p:cNvPicPr>
+            <a:picLocks noChangeAspect="1"/>
+          </p:cNvPicPr>
+          <p:nvPr/>
+        </p:nvPicPr>
+        <p:blipFill>
+          <a:blip r:embed="rId5" cstate="print">
+            <a:extLst>
+              <a:ext uri="{28A0092B-C50C-407E-A947-70E740481C1C}">
+                <a14:useLocalDpi xmlns:a14="http://schemas.microsoft.com/office/drawing/2010/main" val="0"/>
+              </a:ext>
+            </a:extLst>
+          </a:blip>
+          <a:stretch>
+            <a:fillRect/>
+          </a:stretch>
+        </p:blipFill>
+        <p:spPr>
+          <a:xfrm>
+            <a:off x="3495368" y="3227690"/>
+            <a:ext cx="2189408" cy="955378"/>
+          </a:xfrm>
+          <a:prstGeom prst="rect">
+            <a:avLst/>
+          </a:prstGeom>
+        </p:spPr>
+      </p:pic>
+      <p:pic>
+        <p:nvPicPr>
+          <p:cNvPr id="9" name="Picture 8"/>
+          <p:cNvPicPr>
+            <a:picLocks noChangeAspect="1"/>
+          </p:cNvPicPr>
+          <p:nvPr/>
+        </p:nvPicPr>
+        <p:blipFill>
+          <a:blip r:embed="rId6" cstate="print">
+            <a:extLst>
+              <a:ext uri="{28A0092B-C50C-407E-A947-70E740481C1C}">
+                <a14:useLocalDpi xmlns:a14="http://schemas.microsoft.com/office/drawing/2010/main" val="0"/>
+              </a:ext>
+            </a:extLst>
+          </a:blip>
+          <a:stretch>
+            <a:fillRect/>
+          </a:stretch>
+        </p:blipFill>
+        <p:spPr>
+          <a:xfrm>
+            <a:off x="8852352" y="4505692"/>
+            <a:ext cx="2643044" cy="932839"/>
+          </a:xfrm>
+          <a:prstGeom prst="rect">
+            <a:avLst/>
+          </a:prstGeom>
+        </p:spPr>
+      </p:pic>
+      <p:pic>
+        <p:nvPicPr>
+          <p:cNvPr id="10" name="Picture 9"/>
+          <p:cNvPicPr>
+            <a:picLocks noChangeAspect="1"/>
+          </p:cNvPicPr>
+          <p:nvPr/>
+        </p:nvPicPr>
+        <p:blipFill>
+          <a:blip r:embed="rId7">
+            <a:extLst>
+              <a:ext uri="{28A0092B-C50C-407E-A947-70E740481C1C}">
+                <a14:useLocalDpi xmlns:a14="http://schemas.microsoft.com/office/drawing/2010/main" val="0"/>
+              </a:ext>
+            </a:extLst>
+          </a:blip>
+          <a:stretch>
+            <a:fillRect/>
+          </a:stretch>
+        </p:blipFill>
+        <p:spPr>
+          <a:xfrm>
+            <a:off x="5684776" y="5040988"/>
+            <a:ext cx="1849749" cy="1485580"/>
+          </a:xfrm>
+          <a:prstGeom prst="rect">
+            <a:avLst/>
+          </a:prstGeom>
+        </p:spPr>
+      </p:pic>
     </p:spTree>
     <p:extLst>
       <p:ext uri="{BB962C8B-B14F-4D97-AF65-F5344CB8AC3E}">
-        <p14:creationId xmlns:p14="http://schemas.microsoft.com/office/powerpoint/2010/main" val="986252602"/>
+        <p14:creationId xmlns:p14="http://schemas.microsoft.com/office/powerpoint/2010/main" val="714068703"/>
       </p:ext>
     </p:extLst>
   </p:cSld>
   <p:clrMapOvr>
     <a:masterClrMapping/>
   </p:clrMapOvr>
-  <mc:AlternateContent xmlns:mc="http://schemas.openxmlformats.org/markup-compatibility/2006" xmlns:p14="http://schemas.microsoft.com/office/powerpoint/2010/main">
-    <mc:Choice Requires="p14">
-      <p:transition spd="med" p14:dur="700">
-        <p:fade/>
-      </p:transition>
-    </mc:Choice>
-    <mc:Fallback xmlns="">
-      <p:transition spd="med">
-        <p:fade/>
-      </p:transition>
-    </mc:Fallback>
-  </mc:AlternateContent>
+  <p:timing>
+    <p:tnLst>
+      <p:par>
+        <p:cTn id="1" dur="indefinite" restart="never" nodeType="tmRoot">
+          <p:childTnLst>
+            <p:seq concurrent="1" nextAc="seek">
+              <p:cTn id="2" dur="indefinite" nodeType="mainSeq">
+                <p:childTnLst>
+                  <p:par>
+                    <p:cTn id="3" fill="hold">
+                      <p:stCondLst>
+                        <p:cond delay="indefinite"/>
+                      </p:stCondLst>
+                      <p:childTnLst>
+                        <p:par>
+                          <p:cTn id="4" fill="hold">
+                            <p:stCondLst>
+                              <p:cond delay="0"/>
+                            </p:stCondLst>
+                            <p:childTnLst>
+                              <p:par>
+                                <p:cTn id="5" presetID="14" presetClass="entr" presetSubtype="10" fill="hold" nodeType="clickEffect">
+                                  <p:stCondLst>
+                                    <p:cond delay="0"/>
+                                  </p:stCondLst>
+                                  <p:childTnLst>
+                                    <p:set>
+                                      <p:cBhvr>
+                                        <p:cTn id="6" dur="1" fill="hold">
+                                          <p:stCondLst>
+                                            <p:cond delay="0"/>
+                                          </p:stCondLst>
+                                        </p:cTn>
+                                        <p:tgtEl>
+                                          <p:spTgt spid="5"/>
+                                        </p:tgtEl>
+                                        <p:attrNameLst>
+                                          <p:attrName>style.visibility</p:attrName>
+                                        </p:attrNameLst>
+                                      </p:cBhvr>
+                                      <p:to>
+                                        <p:strVal val="visible"/>
+                                      </p:to>
+                                    </p:set>
+                                    <p:animEffect transition="in" filter="randombar(horizontal)">
+                                      <p:cBhvr>
+                                        <p:cTn id="7" dur="500"/>
+                                        <p:tgtEl>
+                                          <p:spTgt spid="5"/>
+                                        </p:tgtEl>
+                                      </p:cBhvr>
+                                    </p:animEffect>
+                                  </p:childTnLst>
+                                </p:cTn>
+                              </p:par>
+                            </p:childTnLst>
+                          </p:cTn>
+                        </p:par>
+                      </p:childTnLst>
+                    </p:cTn>
+                  </p:par>
+                  <p:par>
+                    <p:cTn id="8" fill="hold">
+                      <p:stCondLst>
+                        <p:cond delay="indefinite"/>
+                      </p:stCondLst>
+                      <p:childTnLst>
+                        <p:par>
+                          <p:cTn id="9" fill="hold">
+                            <p:stCondLst>
+                              <p:cond delay="0"/>
+                            </p:stCondLst>
+                            <p:childTnLst>
+                              <p:par>
+                                <p:cTn id="10" presetID="14" presetClass="entr" presetSubtype="10" fill="hold" nodeType="clickEffect">
+                                  <p:stCondLst>
+                                    <p:cond delay="0"/>
+                                  </p:stCondLst>
+                                  <p:childTnLst>
+                                    <p:set>
+                                      <p:cBhvr>
+                                        <p:cTn id="11" dur="1" fill="hold">
+                                          <p:stCondLst>
+                                            <p:cond delay="0"/>
+                                          </p:stCondLst>
+                                        </p:cTn>
+                                        <p:tgtEl>
+                                          <p:spTgt spid="6"/>
+                                        </p:tgtEl>
+                                        <p:attrNameLst>
+                                          <p:attrName>style.visibility</p:attrName>
+                                        </p:attrNameLst>
+                                      </p:cBhvr>
+                                      <p:to>
+                                        <p:strVal val="visible"/>
+                                      </p:to>
+                                    </p:set>
+                                    <p:animEffect transition="in" filter="randombar(horizontal)">
+                                      <p:cBhvr>
+                                        <p:cTn id="12" dur="500"/>
+                                        <p:tgtEl>
+                                          <p:spTgt spid="6"/>
+                                        </p:tgtEl>
+                                      </p:cBhvr>
+                                    </p:animEffect>
+                                  </p:childTnLst>
+                                </p:cTn>
+                              </p:par>
+                            </p:childTnLst>
+                          </p:cTn>
+                        </p:par>
+                      </p:childTnLst>
+                    </p:cTn>
+                  </p:par>
+                  <p:par>
+                    <p:cTn id="13" fill="hold">
+                      <p:stCondLst>
+                        <p:cond delay="indefinite"/>
+                      </p:stCondLst>
+                      <p:childTnLst>
+                        <p:par>
+                          <p:cTn id="14" fill="hold">
+                            <p:stCondLst>
+                              <p:cond delay="0"/>
+                            </p:stCondLst>
+                            <p:childTnLst>
+                              <p:par>
+                                <p:cTn id="15" presetID="14" presetClass="entr" presetSubtype="10" fill="hold" nodeType="clickEffect">
+                                  <p:stCondLst>
+                                    <p:cond delay="0"/>
+                                  </p:stCondLst>
+                                  <p:childTnLst>
+                                    <p:set>
+                                      <p:cBhvr>
+                                        <p:cTn id="16" dur="1" fill="hold">
+                                          <p:stCondLst>
+                                            <p:cond delay="0"/>
+                                          </p:stCondLst>
+                                        </p:cTn>
+                                        <p:tgtEl>
+                                          <p:spTgt spid="10"/>
+                                        </p:tgtEl>
+                                        <p:attrNameLst>
+                                          <p:attrName>style.visibility</p:attrName>
+                                        </p:attrNameLst>
+                                      </p:cBhvr>
+                                      <p:to>
+                                        <p:strVal val="visible"/>
+                                      </p:to>
+                                    </p:set>
+                                    <p:animEffect transition="in" filter="randombar(horizontal)">
+                                      <p:cBhvr>
+                                        <p:cTn id="17" dur="500"/>
+                                        <p:tgtEl>
+                                          <p:spTgt spid="10"/>
+                                        </p:tgtEl>
+                                      </p:cBhvr>
+                                    </p:animEffect>
+                                  </p:childTnLst>
+                                </p:cTn>
+                              </p:par>
+                            </p:childTnLst>
+                          </p:cTn>
+                        </p:par>
+                      </p:childTnLst>
+                    </p:cTn>
+                  </p:par>
+                  <p:par>
+                    <p:cTn id="18" fill="hold">
+                      <p:stCondLst>
+                        <p:cond delay="indefinite"/>
+                      </p:stCondLst>
+                      <p:childTnLst>
+                        <p:par>
+                          <p:cTn id="19" fill="hold">
+                            <p:stCondLst>
+                              <p:cond delay="0"/>
+                            </p:stCondLst>
+                            <p:childTnLst>
+                              <p:par>
+                                <p:cTn id="20" presetID="14" presetClass="entr" presetSubtype="10" fill="hold" nodeType="clickEffect">
+                                  <p:stCondLst>
+                                    <p:cond delay="0"/>
+                                  </p:stCondLst>
+                                  <p:childTnLst>
+                                    <p:set>
+                                      <p:cBhvr>
+                                        <p:cTn id="21" dur="1" fill="hold">
+                                          <p:stCondLst>
+                                            <p:cond delay="0"/>
+                                          </p:stCondLst>
+                                        </p:cTn>
+                                        <p:tgtEl>
+                                          <p:spTgt spid="8"/>
+                                        </p:tgtEl>
+                                        <p:attrNameLst>
+                                          <p:attrName>style.visibility</p:attrName>
+                                        </p:attrNameLst>
+                                      </p:cBhvr>
+                                      <p:to>
+                                        <p:strVal val="visible"/>
+                                      </p:to>
+                                    </p:set>
+                                    <p:animEffect transition="in" filter="randombar(horizontal)">
+                                      <p:cBhvr>
+                                        <p:cTn id="22" dur="500"/>
+                                        <p:tgtEl>
+                                          <p:spTgt spid="8"/>
+                                        </p:tgtEl>
+                                      </p:cBhvr>
+                                    </p:animEffect>
+                                  </p:childTnLst>
+                                </p:cTn>
+                              </p:par>
+                            </p:childTnLst>
+                          </p:cTn>
+                        </p:par>
+                      </p:childTnLst>
+                    </p:cTn>
+                  </p:par>
+                  <p:par>
+                    <p:cTn id="23" fill="hold">
+                      <p:stCondLst>
+                        <p:cond delay="indefinite"/>
+                      </p:stCondLst>
+                      <p:childTnLst>
+                        <p:par>
+                          <p:cTn id="24" fill="hold">
+                            <p:stCondLst>
+                              <p:cond delay="0"/>
+                            </p:stCondLst>
+                            <p:childTnLst>
+                              <p:par>
+                                <p:cTn id="25" presetID="14" presetClass="entr" presetSubtype="10" fill="hold" nodeType="clickEffect">
+                                  <p:stCondLst>
+                                    <p:cond delay="0"/>
+                                  </p:stCondLst>
+                                  <p:childTnLst>
+                                    <p:set>
+                                      <p:cBhvr>
+                                        <p:cTn id="26" dur="1" fill="hold">
+                                          <p:stCondLst>
+                                            <p:cond delay="0"/>
+                                          </p:stCondLst>
+                                        </p:cTn>
+                                        <p:tgtEl>
+                                          <p:spTgt spid="9"/>
+                                        </p:tgtEl>
+                                        <p:attrNameLst>
+                                          <p:attrName>style.visibility</p:attrName>
+                                        </p:attrNameLst>
+                                      </p:cBhvr>
+                                      <p:to>
+                                        <p:strVal val="visible"/>
+                                      </p:to>
+                                    </p:set>
+                                    <p:animEffect transition="in" filter="randombar(horizontal)">
+                                      <p:cBhvr>
+                                        <p:cTn id="27" dur="500"/>
+                                        <p:tgtEl>
+                                          <p:spTgt spid="9"/>
+                                        </p:tgtEl>
+                                      </p:cBhvr>
+                                    </p:animEffect>
+                                  </p:childTnLst>
+                                </p:cTn>
+                              </p:par>
+                            </p:childTnLst>
+                          </p:cTn>
+                        </p:par>
+                      </p:childTnLst>
+                    </p:cTn>
+                  </p:par>
+                  <p:par>
+                    <p:cTn id="28" fill="hold">
+                      <p:stCondLst>
+                        <p:cond delay="indefinite"/>
+                      </p:stCondLst>
+                      <p:childTnLst>
+                        <p:par>
+                          <p:cTn id="29" fill="hold">
+                            <p:stCondLst>
+                              <p:cond delay="0"/>
+                            </p:stCondLst>
+                            <p:childTnLst>
+                              <p:par>
+                                <p:cTn id="30" presetID="14" presetClass="entr" presetSubtype="10" fill="hold" nodeType="clickEffect">
+                                  <p:stCondLst>
+                                    <p:cond delay="0"/>
+                                  </p:stCondLst>
+                                  <p:childTnLst>
+                                    <p:set>
+                                      <p:cBhvr>
+                                        <p:cTn id="31" dur="1" fill="hold">
+                                          <p:stCondLst>
+                                            <p:cond delay="0"/>
+                                          </p:stCondLst>
+                                        </p:cTn>
+                                        <p:tgtEl>
+                                          <p:spTgt spid="7"/>
+                                        </p:tgtEl>
+                                        <p:attrNameLst>
+                                          <p:attrName>style.visibility</p:attrName>
+                                        </p:attrNameLst>
+                                      </p:cBhvr>
+                                      <p:to>
+                                        <p:strVal val="visible"/>
+                                      </p:to>
+                                    </p:set>
+                                    <p:animEffect transition="in" filter="randombar(horizontal)">
+                                      <p:cBhvr>
+                                        <p:cTn id="32" dur="500"/>
+                                        <p:tgtEl>
+                                          <p:spTgt spid="7"/>
+                                        </p:tgtEl>
+                                      </p:cBhvr>
+                                    </p:animEffect>
+                                  </p:childTnLst>
+                                </p:cTn>
+                              </p:par>
+                            </p:childTnLst>
+                          </p:cTn>
+                        </p:par>
+                      </p:childTnLst>
+                    </p:cTn>
+                  </p:par>
+                </p:childTnLst>
+              </p:cTn>
+              <p:prevCondLst>
+                <p:cond evt="onPrev" delay="0">
+                  <p:tgtEl>
+                    <p:sldTgt/>
+                  </p:tgtEl>
+                </p:cond>
+              </p:prevCondLst>
+              <p:nextCondLst>
+                <p:cond evt="onNext" delay="0">
+                  <p:tgtEl>
+                    <p:sldTgt/>
+                  </p:tgtEl>
+                </p:cond>
+              </p:nextCondLst>
+            </p:seq>
+          </p:childTnLst>
+        </p:cTn>
+      </p:par>
+    </p:tnLst>
+  </p:timing>
+</p:sld>
+</file>
+
+<file path=ppt/slides/slide16.xml><?xml version="1.0" encoding="utf-8"?>
+<p:sld xmlns:a="http://schemas.openxmlformats.org/drawingml/2006/main" xmlns:r="http://schemas.openxmlformats.org/officeDocument/2006/relationships" xmlns:p="http://schemas.openxmlformats.org/presentationml/2006/main">
+  <p:cSld>
+    <p:spTree>
+      <p:nvGrpSpPr>
+        <p:cNvPr id="1" name=""/>
+        <p:cNvGrpSpPr/>
+        <p:nvPr/>
+      </p:nvGrpSpPr>
+      <p:grpSpPr>
+        <a:xfrm>
+          <a:off x="0" y="0"/>
+          <a:ext cx="0" cy="0"/>
+          <a:chOff x="0" y="0"/>
+          <a:chExt cx="0" cy="0"/>
+        </a:xfrm>
+      </p:grpSpPr>
+      <p:sp>
+        <p:nvSpPr>
+          <p:cNvPr id="2" name="Slide Number Placeholder 1"/>
+          <p:cNvSpPr>
+            <a:spLocks noGrp="1"/>
+          </p:cNvSpPr>
+          <p:nvPr>
+            <p:ph type="sldNum" sz="quarter" idx="12"/>
+          </p:nvPr>
+        </p:nvSpPr>
+        <p:spPr/>
+        <p:txBody>
+          <a:bodyPr/>
+          <a:lstStyle/>
+          <a:p>
+            <a:fld id="{401CF334-2D5C-4859-84A6-CA7E6E43FAEB}" type="slidenum">
+              <a:rPr lang="en-US" smtClean="0"/>
+              <a:t>16</a:t>
+            </a:fld>
+            <a:endParaRPr lang="en-US" dirty="0"/>
+          </a:p>
+        </p:txBody>
+      </p:sp>
+      <p:sp>
+        <p:nvSpPr>
+          <p:cNvPr id="4" name="Title 3"/>
+          <p:cNvSpPr>
+            <a:spLocks noGrp="1"/>
+          </p:cNvSpPr>
+          <p:nvPr>
+            <p:ph type="title"/>
+          </p:nvPr>
+        </p:nvSpPr>
+        <p:spPr/>
+        <p:txBody>
+          <a:bodyPr/>
+          <a:lstStyle/>
+          <a:p>
+            <a:r>
+              <a:rPr lang="en-US" dirty="0" smtClean="0"/>
+              <a:t>Utilization Example in AMAZON</a:t>
+            </a:r>
+            <a:endParaRPr lang="fr-FR" dirty="0"/>
+          </a:p>
+        </p:txBody>
+      </p:sp>
+      <p:graphicFrame>
+        <p:nvGraphicFramePr>
+          <p:cNvPr id="13" name="Chart 12"/>
+          <p:cNvGraphicFramePr/>
+          <p:nvPr>
+            <p:extLst>
+              <p:ext uri="{D42A27DB-BD31-4B8C-83A1-F6EECF244321}">
+                <p14:modId xmlns:p14="http://schemas.microsoft.com/office/powerpoint/2010/main" val="2687420145"/>
+              </p:ext>
+            </p:extLst>
+          </p:nvPr>
+        </p:nvGraphicFramePr>
+        <p:xfrm>
+          <a:off x="2617788" y="2657475"/>
+          <a:ext cx="7254875" cy="4023782"/>
+        </p:xfrm>
+        <a:graphic>
+          <a:graphicData uri="http://schemas.openxmlformats.org/drawingml/2006/chart">
+            <c:chart xmlns:c="http://schemas.openxmlformats.org/drawingml/2006/chart" xmlns:r="http://schemas.openxmlformats.org/officeDocument/2006/relationships" r:id="rId2"/>
+          </a:graphicData>
+        </a:graphic>
+      </p:graphicFrame>
+    </p:spTree>
+    <p:extLst>
+      <p:ext uri="{BB962C8B-B14F-4D97-AF65-F5344CB8AC3E}">
+        <p14:creationId xmlns:p14="http://schemas.microsoft.com/office/powerpoint/2010/main" val="2155064416"/>
+      </p:ext>
+    </p:extLst>
+  </p:cSld>
+  <p:clrMapOvr>
+    <a:masterClrMapping/>
+  </p:clrMapOvr>
+  <p:timing>
+    <p:tnLst>
+      <p:par>
+        <p:cTn id="1" dur="indefinite" restart="never" nodeType="tmRoot"/>
+      </p:par>
+    </p:tnLst>
+  </p:timing>
+</p:sld>
+</file>
+
+<file path=ppt/slides/slide17.xml><?xml version="1.0" encoding="utf-8"?>
+<p:sld xmlns:a="http://schemas.openxmlformats.org/drawingml/2006/main" xmlns:r="http://schemas.openxmlformats.org/officeDocument/2006/relationships" xmlns:p="http://schemas.openxmlformats.org/presentationml/2006/main">
+  <p:cSld>
+    <p:spTree>
+      <p:nvGrpSpPr>
+        <p:cNvPr id="1" name=""/>
+        <p:cNvGrpSpPr/>
+        <p:nvPr/>
+      </p:nvGrpSpPr>
+      <p:grpSpPr>
+        <a:xfrm>
+          <a:off x="0" y="0"/>
+          <a:ext cx="0" cy="0"/>
+          <a:chOff x="0" y="0"/>
+          <a:chExt cx="0" cy="0"/>
+        </a:xfrm>
+      </p:grpSpPr>
+      <p:sp>
+        <p:nvSpPr>
+          <p:cNvPr id="2" name="Slide Number Placeholder 1"/>
+          <p:cNvSpPr>
+            <a:spLocks noGrp="1"/>
+          </p:cNvSpPr>
+          <p:nvPr>
+            <p:ph type="sldNum" sz="quarter" idx="12"/>
+          </p:nvPr>
+        </p:nvSpPr>
+        <p:spPr/>
+        <p:txBody>
+          <a:bodyPr/>
+          <a:lstStyle/>
+          <a:p>
+            <a:fld id="{401CF334-2D5C-4859-84A6-CA7E6E43FAEB}" type="slidenum">
+              <a:rPr lang="en-US" smtClean="0"/>
+              <a:t>17</a:t>
+            </a:fld>
+            <a:endParaRPr lang="en-US" dirty="0"/>
+          </a:p>
+        </p:txBody>
+      </p:sp>
+      <p:sp>
+        <p:nvSpPr>
+          <p:cNvPr id="3" name="Content Placeholder 2"/>
+          <p:cNvSpPr>
+            <a:spLocks noGrp="1"/>
+          </p:cNvSpPr>
+          <p:nvPr>
+            <p:ph idx="1"/>
+          </p:nvPr>
+        </p:nvSpPr>
+        <p:spPr/>
+        <p:txBody>
+          <a:bodyPr/>
+          <a:lstStyle/>
+          <a:p>
+            <a:r>
+              <a:rPr lang="en-US" dirty="0" smtClean="0"/>
+              <a:t>Stateless</a:t>
+            </a:r>
+          </a:p>
+          <a:p>
+            <a:endParaRPr lang="en-US" dirty="0" smtClean="0"/>
+          </a:p>
+          <a:p>
+            <a:r>
+              <a:rPr lang="en-US" dirty="0" smtClean="0"/>
+              <a:t>Based on HTTP methods</a:t>
+            </a:r>
+          </a:p>
+          <a:p>
+            <a:endParaRPr lang="en-US" dirty="0" smtClean="0"/>
+          </a:p>
+          <a:p>
+            <a:r>
+              <a:rPr lang="en-US" dirty="0"/>
+              <a:t>RESTful architectures are built only from resources identified by URI (s)</a:t>
+            </a:r>
+            <a:endParaRPr lang="fr-FR" dirty="0"/>
+          </a:p>
+        </p:txBody>
+      </p:sp>
+      <p:sp>
+        <p:nvSpPr>
+          <p:cNvPr id="4" name="Title 3"/>
+          <p:cNvSpPr>
+            <a:spLocks noGrp="1"/>
+          </p:cNvSpPr>
+          <p:nvPr>
+            <p:ph type="title"/>
+          </p:nvPr>
+        </p:nvSpPr>
+        <p:spPr/>
+        <p:txBody>
+          <a:bodyPr/>
+          <a:lstStyle/>
+          <a:p>
+            <a:r>
+              <a:rPr lang="en-US" dirty="0" smtClean="0"/>
+              <a:t>REST characteristics</a:t>
+            </a:r>
+            <a:endParaRPr lang="fr-FR" dirty="0"/>
+          </a:p>
+        </p:txBody>
+      </p:sp>
+    </p:spTree>
+    <p:extLst>
+      <p:ext uri="{BB962C8B-B14F-4D97-AF65-F5344CB8AC3E}">
+        <p14:creationId xmlns:p14="http://schemas.microsoft.com/office/powerpoint/2010/main" val="2651455978"/>
+      </p:ext>
+    </p:extLst>
+  </p:cSld>
+  <p:clrMapOvr>
+    <a:masterClrMapping/>
+  </p:clrMapOvr>
+  <p:timing>
+    <p:tnLst>
+      <p:par>
+        <p:cTn id="1" dur="indefinite" restart="never" nodeType="tmRoot"/>
+      </p:par>
+    </p:tnLst>
+  </p:timing>
+</p:sld>
+</file>
+
+<file path=ppt/slides/slide18.xml><?xml version="1.0" encoding="utf-8"?>
+<p:sld xmlns:a="http://schemas.openxmlformats.org/drawingml/2006/main" xmlns:r="http://schemas.openxmlformats.org/officeDocument/2006/relationships" xmlns:p="http://schemas.openxmlformats.org/presentationml/2006/main">
+  <p:cSld>
+    <p:spTree>
+      <p:nvGrpSpPr>
+        <p:cNvPr id="1" name=""/>
+        <p:cNvGrpSpPr/>
+        <p:nvPr/>
+      </p:nvGrpSpPr>
+      <p:grpSpPr>
+        <a:xfrm>
+          <a:off x="0" y="0"/>
+          <a:ext cx="0" cy="0"/>
+          <a:chOff x="0" y="0"/>
+          <a:chExt cx="0" cy="0"/>
+        </a:xfrm>
+      </p:grpSpPr>
+      <p:sp>
+        <p:nvSpPr>
+          <p:cNvPr id="2" name="Slide Number Placeholder 1"/>
+          <p:cNvSpPr>
+            <a:spLocks noGrp="1"/>
+          </p:cNvSpPr>
+          <p:nvPr>
+            <p:ph type="sldNum" sz="quarter" idx="12"/>
+          </p:nvPr>
+        </p:nvSpPr>
+        <p:spPr/>
+        <p:txBody>
+          <a:bodyPr/>
+          <a:lstStyle/>
+          <a:p>
+            <a:fld id="{401CF334-2D5C-4859-84A6-CA7E6E43FAEB}" type="slidenum">
+              <a:rPr lang="en-US" smtClean="0"/>
+              <a:t>18</a:t>
+            </a:fld>
+            <a:endParaRPr lang="en-US" dirty="0"/>
+          </a:p>
+        </p:txBody>
+      </p:sp>
+      <p:sp>
+        <p:nvSpPr>
+          <p:cNvPr id="3" name="Content Placeholder 2"/>
+          <p:cNvSpPr>
+            <a:spLocks noGrp="1"/>
+          </p:cNvSpPr>
+          <p:nvPr>
+            <p:ph idx="1"/>
+          </p:nvPr>
+        </p:nvSpPr>
+        <p:spPr/>
+        <p:txBody>
+          <a:bodyPr/>
+          <a:lstStyle/>
+          <a:p>
+            <a:r>
+              <a:rPr lang="en-US" dirty="0" smtClean="0"/>
+              <a:t>Resources</a:t>
+            </a:r>
+          </a:p>
+          <a:p>
+            <a:r>
+              <a:rPr lang="en-US" dirty="0" smtClean="0"/>
+              <a:t>Methods</a:t>
+            </a:r>
+          </a:p>
+          <a:p>
+            <a:r>
+              <a:rPr lang="en-US" dirty="0" smtClean="0"/>
+              <a:t>representation</a:t>
+            </a:r>
+            <a:endParaRPr lang="fr-FR" dirty="0"/>
+          </a:p>
+        </p:txBody>
+      </p:sp>
+      <p:sp>
+        <p:nvSpPr>
+          <p:cNvPr id="4" name="Title 3"/>
+          <p:cNvSpPr>
+            <a:spLocks noGrp="1"/>
+          </p:cNvSpPr>
+          <p:nvPr>
+            <p:ph type="title"/>
+          </p:nvPr>
+        </p:nvSpPr>
+        <p:spPr/>
+        <p:txBody>
+          <a:bodyPr/>
+          <a:lstStyle/>
+          <a:p>
+            <a:endParaRPr lang="fr-FR"/>
+          </a:p>
+        </p:txBody>
+      </p:sp>
+    </p:spTree>
+    <p:extLst>
+      <p:ext uri="{BB962C8B-B14F-4D97-AF65-F5344CB8AC3E}">
+        <p14:creationId xmlns:p14="http://schemas.microsoft.com/office/powerpoint/2010/main" val="2213429575"/>
+      </p:ext>
+    </p:extLst>
+  </p:cSld>
+  <p:clrMapOvr>
+    <a:masterClrMapping/>
+  </p:clrMapOvr>
+  <p:timing>
+    <p:tnLst>
+      <p:par>
+        <p:cTn id="1" dur="indefinite" restart="never" nodeType="tmRoot"/>
+      </p:par>
+    </p:tnLst>
+  </p:timing>
+</p:sld>
+</file>
+
+<file path=ppt/slides/slide19.xml><?xml version="1.0" encoding="utf-8"?>
+<p:sld xmlns:a="http://schemas.openxmlformats.org/drawingml/2006/main" xmlns:r="http://schemas.openxmlformats.org/officeDocument/2006/relationships" xmlns:p="http://schemas.openxmlformats.org/presentationml/2006/main">
+  <p:cSld>
+    <p:spTree>
+      <p:nvGrpSpPr>
+        <p:cNvPr id="1" name=""/>
+        <p:cNvGrpSpPr/>
+        <p:nvPr/>
+      </p:nvGrpSpPr>
+      <p:grpSpPr>
+        <a:xfrm>
+          <a:off x="0" y="0"/>
+          <a:ext cx="0" cy="0"/>
+          <a:chOff x="0" y="0"/>
+          <a:chExt cx="0" cy="0"/>
+        </a:xfrm>
+      </p:grpSpPr>
+      <p:sp>
+        <p:nvSpPr>
+          <p:cNvPr id="2" name="Slide Number Placeholder 1"/>
+          <p:cNvSpPr>
+            <a:spLocks noGrp="1"/>
+          </p:cNvSpPr>
+          <p:nvPr>
+            <p:ph type="sldNum" sz="quarter" idx="12"/>
+          </p:nvPr>
+        </p:nvSpPr>
+        <p:spPr/>
+        <p:txBody>
+          <a:bodyPr/>
+          <a:lstStyle/>
+          <a:p>
+            <a:fld id="{401CF334-2D5C-4859-84A6-CA7E6E43FAEB}" type="slidenum">
+              <a:rPr lang="en-US" smtClean="0"/>
+              <a:t>19</a:t>
+            </a:fld>
+            <a:endParaRPr lang="en-US" dirty="0"/>
+          </a:p>
+        </p:txBody>
+      </p:sp>
+      <p:sp>
+        <p:nvSpPr>
+          <p:cNvPr id="3" name="Content Placeholder 2"/>
+          <p:cNvSpPr>
+            <a:spLocks noGrp="1"/>
+          </p:cNvSpPr>
+          <p:nvPr>
+            <p:ph idx="1"/>
+          </p:nvPr>
+        </p:nvSpPr>
+        <p:spPr/>
+        <p:txBody>
+          <a:bodyPr/>
+          <a:lstStyle/>
+          <a:p>
+            <a:r>
+              <a:rPr lang="en-US" dirty="0" smtClean="0"/>
+              <a:t>Identified with an URI</a:t>
+            </a:r>
+          </a:p>
+          <a:p>
+            <a:endParaRPr lang="fr-FR" dirty="0"/>
+          </a:p>
+        </p:txBody>
+      </p:sp>
+      <p:sp>
+        <p:nvSpPr>
+          <p:cNvPr id="4" name="Title 3"/>
+          <p:cNvSpPr>
+            <a:spLocks noGrp="1"/>
+          </p:cNvSpPr>
+          <p:nvPr>
+            <p:ph type="title"/>
+          </p:nvPr>
+        </p:nvSpPr>
+        <p:spPr/>
+        <p:txBody>
+          <a:bodyPr/>
+          <a:lstStyle/>
+          <a:p>
+            <a:r>
+              <a:rPr lang="en-US" dirty="0" smtClean="0"/>
+              <a:t>Resources</a:t>
+            </a:r>
+            <a:endParaRPr lang="fr-FR" dirty="0"/>
+          </a:p>
+        </p:txBody>
+      </p:sp>
+    </p:spTree>
+    <p:extLst>
+      <p:ext uri="{BB962C8B-B14F-4D97-AF65-F5344CB8AC3E}">
+        <p14:creationId xmlns:p14="http://schemas.microsoft.com/office/powerpoint/2010/main" val="782301914"/>
+      </p:ext>
+    </p:extLst>
+  </p:cSld>
+  <p:clrMapOvr>
+    <a:masterClrMapping/>
+  </p:clrMapOvr>
   <p:timing>
     <p:tnLst>
       <p:par>
@@ -6311,6 +8517,14 @@
               <a:rPr lang="en-US" dirty="0" smtClean="0"/>
               <a:t>Web services definition</a:t>
             </a:r>
+          </a:p>
+          <a:p>
+            <a:r>
+              <a:rPr lang="en-US" dirty="0" smtClean="0"/>
+              <a:t>Web service types</a:t>
+            </a:r>
+          </a:p>
+          <a:p>
             <a:endParaRPr lang="fr-FR" dirty="0"/>
           </a:p>
         </p:txBody>
@@ -6371,6 +8585,5158 @@
   <p:clrMapOvr>
     <a:masterClrMapping/>
   </p:clrMapOvr>
+  <p:timing>
+    <p:tnLst>
+      <p:par>
+        <p:cTn id="1" dur="indefinite" restart="never" nodeType="tmRoot"/>
+      </p:par>
+    </p:tnLst>
+  </p:timing>
+</p:sld>
+</file>
+
+<file path=ppt/slides/slide20.xml><?xml version="1.0" encoding="utf-8"?>
+<p:sld xmlns:a="http://schemas.openxmlformats.org/drawingml/2006/main" xmlns:r="http://schemas.openxmlformats.org/officeDocument/2006/relationships" xmlns:p="http://schemas.openxmlformats.org/presentationml/2006/main">
+  <p:cSld>
+    <p:spTree>
+      <p:nvGrpSpPr>
+        <p:cNvPr id="1" name=""/>
+        <p:cNvGrpSpPr/>
+        <p:nvPr/>
+      </p:nvGrpSpPr>
+      <p:grpSpPr>
+        <a:xfrm>
+          <a:off x="0" y="0"/>
+          <a:ext cx="0" cy="0"/>
+          <a:chOff x="0" y="0"/>
+          <a:chExt cx="0" cy="0"/>
+        </a:xfrm>
+      </p:grpSpPr>
+      <p:sp>
+        <p:nvSpPr>
+          <p:cNvPr id="2" name="Slide Number Placeholder 1"/>
+          <p:cNvSpPr>
+            <a:spLocks noGrp="1"/>
+          </p:cNvSpPr>
+          <p:nvPr>
+            <p:ph type="sldNum" sz="quarter" idx="12"/>
+          </p:nvPr>
+        </p:nvSpPr>
+        <p:spPr/>
+        <p:txBody>
+          <a:bodyPr/>
+          <a:lstStyle/>
+          <a:p>
+            <a:fld id="{401CF334-2D5C-4859-84A6-CA7E6E43FAEB}" type="slidenum">
+              <a:rPr lang="en-US" smtClean="0"/>
+              <a:t>20</a:t>
+            </a:fld>
+            <a:endParaRPr lang="en-US" dirty="0"/>
+          </a:p>
+        </p:txBody>
+      </p:sp>
+      <p:sp>
+        <p:nvSpPr>
+          <p:cNvPr id="3" name="Content Placeholder 2"/>
+          <p:cNvSpPr>
+            <a:spLocks noGrp="1"/>
+          </p:cNvSpPr>
+          <p:nvPr>
+            <p:ph idx="1"/>
+          </p:nvPr>
+        </p:nvSpPr>
+        <p:spPr/>
+        <p:txBody>
+          <a:bodyPr/>
+          <a:lstStyle/>
+          <a:p>
+            <a:r>
+              <a:rPr lang="en-US" dirty="0" smtClean="0"/>
+              <a:t>4 bases operations </a:t>
+            </a:r>
+          </a:p>
+          <a:p>
+            <a:r>
+              <a:rPr lang="en-US" dirty="0" smtClean="0"/>
+              <a:t>Corresponding to the 4 types of HTTP requests</a:t>
+            </a:r>
+          </a:p>
+          <a:p>
+            <a:endParaRPr lang="en-US" dirty="0"/>
+          </a:p>
+          <a:p>
+            <a:pPr lvl="3"/>
+            <a:endParaRPr lang="fr-FR" dirty="0"/>
+          </a:p>
+        </p:txBody>
+      </p:sp>
+      <p:sp>
+        <p:nvSpPr>
+          <p:cNvPr id="4" name="Title 3"/>
+          <p:cNvSpPr>
+            <a:spLocks noGrp="1"/>
+          </p:cNvSpPr>
+          <p:nvPr>
+            <p:ph type="title"/>
+          </p:nvPr>
+        </p:nvSpPr>
+        <p:spPr/>
+        <p:txBody>
+          <a:bodyPr/>
+          <a:lstStyle/>
+          <a:p>
+            <a:r>
+              <a:rPr lang="en-US" dirty="0" smtClean="0"/>
+              <a:t>Methods</a:t>
+            </a:r>
+            <a:endParaRPr lang="fr-FR" dirty="0"/>
+          </a:p>
+        </p:txBody>
+      </p:sp>
+      <p:sp>
+        <p:nvSpPr>
+          <p:cNvPr id="5" name="Right Arrow 4"/>
+          <p:cNvSpPr/>
+          <p:nvPr/>
+        </p:nvSpPr>
+        <p:spPr>
+          <a:xfrm>
+            <a:off x="2457451" y="3582033"/>
+            <a:ext cx="697200" cy="351592"/>
+          </a:xfrm>
+          <a:prstGeom prst="rightArrow">
+            <a:avLst>
+              <a:gd name="adj1" fmla="val 50000"/>
+              <a:gd name="adj2" fmla="val 51444"/>
+            </a:avLst>
+          </a:prstGeom>
+          <a:solidFill>
+            <a:schemeClr val="accent1">
+              <a:lumMod val="75000"/>
+            </a:schemeClr>
+          </a:solidFill>
+        </p:spPr>
+        <p:style>
+          <a:lnRef idx="3">
+            <a:schemeClr val="lt1"/>
+          </a:lnRef>
+          <a:fillRef idx="1">
+            <a:schemeClr val="accent3"/>
+          </a:fillRef>
+          <a:effectRef idx="1">
+            <a:schemeClr val="accent3"/>
+          </a:effectRef>
+          <a:fontRef idx="minor">
+            <a:schemeClr val="lt1"/>
+          </a:fontRef>
+        </p:style>
+        <p:txBody>
+          <a:bodyPr rtlCol="0" anchor="ctr"/>
+          <a:lstStyle/>
+          <a:p>
+            <a:pPr algn="ctr"/>
+            <a:endParaRPr lang="fr-FR" dirty="0"/>
+          </a:p>
+        </p:txBody>
+      </p:sp>
+      <p:sp>
+        <p:nvSpPr>
+          <p:cNvPr id="11" name="Rectangle 10"/>
+          <p:cNvSpPr/>
+          <p:nvPr/>
+        </p:nvSpPr>
+        <p:spPr>
+          <a:xfrm>
+            <a:off x="3154651" y="3296164"/>
+            <a:ext cx="553357" cy="923330"/>
+          </a:xfrm>
+          <a:prstGeom prst="rect">
+            <a:avLst/>
+          </a:prstGeom>
+          <a:noFill/>
+        </p:spPr>
+        <p:txBody>
+          <a:bodyPr wrap="none" lIns="91440" tIns="45720" rIns="91440" bIns="45720">
+            <a:spAutoFit/>
+            <a:scene3d>
+              <a:camera prst="orthographicFront"/>
+              <a:lightRig rig="threePt" dir="t"/>
+            </a:scene3d>
+            <a:sp3d extrusionH="57150">
+              <a:bevelT w="38100" h="38100"/>
+            </a:sp3d>
+          </a:bodyPr>
+          <a:lstStyle/>
+          <a:p>
+            <a:pPr algn="ctr"/>
+            <a:r>
+              <a:rPr lang="en-US" sz="5400" b="1" cap="none" spc="0" dirty="0" smtClean="0">
+                <a:ln w="0"/>
+                <a:solidFill>
+                  <a:schemeClr val="accent1"/>
+                </a:solidFill>
+                <a:effectLst>
+                  <a:outerShdw blurRad="38100" dist="25400" dir="5400000" algn="ctr" rotWithShape="0">
+                    <a:srgbClr val="6E747A">
+                      <a:alpha val="43000"/>
+                    </a:srgbClr>
+                  </a:outerShdw>
+                </a:effectLst>
+              </a:rPr>
+              <a:t>C</a:t>
+            </a:r>
+            <a:endParaRPr lang="en-US" sz="5400" b="1" cap="none" spc="0" dirty="0">
+              <a:ln w="0"/>
+              <a:solidFill>
+                <a:schemeClr val="accent1"/>
+              </a:solidFill>
+              <a:effectLst>
+                <a:outerShdw blurRad="38100" dist="25400" dir="5400000" algn="ctr" rotWithShape="0">
+                  <a:srgbClr val="6E747A">
+                    <a:alpha val="43000"/>
+                  </a:srgbClr>
+                </a:outerShdw>
+              </a:effectLst>
+            </a:endParaRPr>
+          </a:p>
+        </p:txBody>
+      </p:sp>
+      <p:sp>
+        <p:nvSpPr>
+          <p:cNvPr id="12" name="Rectangle 11"/>
+          <p:cNvSpPr/>
+          <p:nvPr/>
+        </p:nvSpPr>
+        <p:spPr>
+          <a:xfrm>
+            <a:off x="3564753" y="3296164"/>
+            <a:ext cx="574196" cy="923330"/>
+          </a:xfrm>
+          <a:prstGeom prst="rect">
+            <a:avLst/>
+          </a:prstGeom>
+          <a:noFill/>
+        </p:spPr>
+        <p:txBody>
+          <a:bodyPr wrap="none" lIns="91440" tIns="45720" rIns="91440" bIns="45720">
+            <a:spAutoFit/>
+            <a:scene3d>
+              <a:camera prst="orthographicFront"/>
+              <a:lightRig rig="threePt" dir="t"/>
+            </a:scene3d>
+            <a:sp3d extrusionH="57150">
+              <a:bevelT w="38100" h="38100"/>
+            </a:sp3d>
+          </a:bodyPr>
+          <a:lstStyle/>
+          <a:p>
+            <a:pPr algn="ctr"/>
+            <a:r>
+              <a:rPr lang="en-US" sz="5400" b="1" dirty="0" smtClean="0">
+                <a:ln w="0"/>
+                <a:solidFill>
+                  <a:schemeClr val="accent1"/>
+                </a:solidFill>
+                <a:effectLst>
+                  <a:outerShdw blurRad="38100" dist="25400" dir="5400000" algn="ctr" rotWithShape="0">
+                    <a:srgbClr val="6E747A">
+                      <a:alpha val="43000"/>
+                    </a:srgbClr>
+                  </a:outerShdw>
+                </a:effectLst>
+              </a:rPr>
+              <a:t>R</a:t>
+            </a:r>
+            <a:endParaRPr lang="en-US" sz="5400" b="1" cap="none" spc="0" dirty="0">
+              <a:ln w="0"/>
+              <a:solidFill>
+                <a:schemeClr val="accent1"/>
+              </a:solidFill>
+              <a:effectLst>
+                <a:outerShdw blurRad="38100" dist="25400" dir="5400000" algn="ctr" rotWithShape="0">
+                  <a:srgbClr val="6E747A">
+                    <a:alpha val="43000"/>
+                  </a:srgbClr>
+                </a:outerShdw>
+              </a:effectLst>
+            </a:endParaRPr>
+          </a:p>
+        </p:txBody>
+      </p:sp>
+      <p:sp>
+        <p:nvSpPr>
+          <p:cNvPr id="13" name="Rectangle 12"/>
+          <p:cNvSpPr/>
+          <p:nvPr/>
+        </p:nvSpPr>
+        <p:spPr>
+          <a:xfrm>
+            <a:off x="4043059" y="3296164"/>
+            <a:ext cx="636713" cy="923330"/>
+          </a:xfrm>
+          <a:prstGeom prst="rect">
+            <a:avLst/>
+          </a:prstGeom>
+          <a:noFill/>
+        </p:spPr>
+        <p:txBody>
+          <a:bodyPr wrap="none" lIns="91440" tIns="45720" rIns="91440" bIns="45720">
+            <a:spAutoFit/>
+            <a:scene3d>
+              <a:camera prst="orthographicFront"/>
+              <a:lightRig rig="threePt" dir="t"/>
+            </a:scene3d>
+            <a:sp3d extrusionH="57150">
+              <a:bevelT w="38100" h="38100"/>
+            </a:sp3d>
+          </a:bodyPr>
+          <a:lstStyle/>
+          <a:p>
+            <a:pPr algn="ctr"/>
+            <a:r>
+              <a:rPr lang="en-US" sz="5400" b="1" cap="none" spc="0" dirty="0" smtClean="0">
+                <a:ln w="0"/>
+                <a:solidFill>
+                  <a:schemeClr val="accent1"/>
+                </a:solidFill>
+                <a:effectLst>
+                  <a:outerShdw blurRad="38100" dist="25400" dir="5400000" algn="ctr" rotWithShape="0">
+                    <a:srgbClr val="6E747A">
+                      <a:alpha val="43000"/>
+                    </a:srgbClr>
+                  </a:outerShdw>
+                </a:effectLst>
+              </a:rPr>
+              <a:t>U</a:t>
+            </a:r>
+            <a:endParaRPr lang="en-US" sz="5400" b="1" cap="none" spc="0" dirty="0">
+              <a:ln w="0"/>
+              <a:solidFill>
+                <a:schemeClr val="accent1"/>
+              </a:solidFill>
+              <a:effectLst>
+                <a:outerShdw blurRad="38100" dist="25400" dir="5400000" algn="ctr" rotWithShape="0">
+                  <a:srgbClr val="6E747A">
+                    <a:alpha val="43000"/>
+                  </a:srgbClr>
+                </a:outerShdw>
+              </a:effectLst>
+            </a:endParaRPr>
+          </a:p>
+        </p:txBody>
+      </p:sp>
+      <p:sp>
+        <p:nvSpPr>
+          <p:cNvPr id="14" name="Rectangle 13"/>
+          <p:cNvSpPr/>
+          <p:nvPr/>
+        </p:nvSpPr>
+        <p:spPr>
+          <a:xfrm>
+            <a:off x="4521492" y="3296164"/>
+            <a:ext cx="620684" cy="923330"/>
+          </a:xfrm>
+          <a:prstGeom prst="rect">
+            <a:avLst/>
+          </a:prstGeom>
+          <a:noFill/>
+        </p:spPr>
+        <p:txBody>
+          <a:bodyPr wrap="none" lIns="91440" tIns="45720" rIns="91440" bIns="45720">
+            <a:spAutoFit/>
+            <a:scene3d>
+              <a:camera prst="orthographicFront"/>
+              <a:lightRig rig="threePt" dir="t"/>
+            </a:scene3d>
+            <a:sp3d extrusionH="57150">
+              <a:bevelT w="38100" h="38100"/>
+            </a:sp3d>
+          </a:bodyPr>
+          <a:lstStyle/>
+          <a:p>
+            <a:pPr algn="ctr"/>
+            <a:r>
+              <a:rPr lang="en-US" sz="5400" b="1" cap="none" spc="0" dirty="0" smtClean="0">
+                <a:ln w="0"/>
+                <a:solidFill>
+                  <a:schemeClr val="accent1"/>
+                </a:solidFill>
+                <a:effectLst>
+                  <a:outerShdw blurRad="38100" dist="25400" dir="5400000" algn="ctr" rotWithShape="0">
+                    <a:srgbClr val="6E747A">
+                      <a:alpha val="43000"/>
+                    </a:srgbClr>
+                  </a:outerShdw>
+                </a:effectLst>
+              </a:rPr>
+              <a:t>D</a:t>
+            </a:r>
+            <a:endParaRPr lang="en-US" sz="5400" b="1" cap="none" spc="0" dirty="0">
+              <a:ln w="0"/>
+              <a:solidFill>
+                <a:schemeClr val="accent1"/>
+              </a:solidFill>
+              <a:effectLst>
+                <a:outerShdw blurRad="38100" dist="25400" dir="5400000" algn="ctr" rotWithShape="0">
+                  <a:srgbClr val="6E747A">
+                    <a:alpha val="43000"/>
+                  </a:srgbClr>
+                </a:outerShdw>
+              </a:effectLst>
+            </a:endParaRPr>
+          </a:p>
+        </p:txBody>
+      </p:sp>
+      <p:sp>
+        <p:nvSpPr>
+          <p:cNvPr id="15" name="Rectangle 14"/>
+          <p:cNvSpPr/>
+          <p:nvPr/>
+        </p:nvSpPr>
+        <p:spPr>
+          <a:xfrm>
+            <a:off x="505283" y="4358228"/>
+            <a:ext cx="2283960" cy="923330"/>
+          </a:xfrm>
+          <a:prstGeom prst="rect">
+            <a:avLst/>
+          </a:prstGeom>
+          <a:noFill/>
+        </p:spPr>
+        <p:txBody>
+          <a:bodyPr wrap="none" lIns="91440" tIns="45720" rIns="91440" bIns="45720">
+            <a:spAutoFit/>
+          </a:bodyPr>
+          <a:lstStyle/>
+          <a:p>
+            <a:pPr algn="ctr"/>
+            <a:r>
+              <a:rPr lang="en-US" sz="5400" b="0" cap="none" spc="0" dirty="0" smtClean="0">
+                <a:ln w="0"/>
+                <a:solidFill>
+                  <a:schemeClr val="tx2">
+                    <a:lumMod val="75000"/>
+                  </a:schemeClr>
+                </a:solidFill>
+                <a:effectLst>
+                  <a:outerShdw blurRad="38100" dist="25400" dir="5400000" algn="ctr" rotWithShape="0">
+                    <a:srgbClr val="6E747A">
+                      <a:alpha val="43000"/>
+                    </a:srgbClr>
+                  </a:outerShdw>
+                </a:effectLst>
+              </a:rPr>
+              <a:t>CREATE</a:t>
+            </a:r>
+            <a:endParaRPr lang="en-US" sz="5400" b="0" cap="none" spc="0" dirty="0">
+              <a:ln w="0"/>
+              <a:solidFill>
+                <a:schemeClr val="tx2">
+                  <a:lumMod val="75000"/>
+                </a:schemeClr>
+              </a:solidFill>
+              <a:effectLst>
+                <a:outerShdw blurRad="38100" dist="25400" dir="5400000" algn="ctr" rotWithShape="0">
+                  <a:srgbClr val="6E747A">
+                    <a:alpha val="43000"/>
+                  </a:srgbClr>
+                </a:outerShdw>
+              </a:effectLst>
+            </a:endParaRPr>
+          </a:p>
+        </p:txBody>
+      </p:sp>
+      <p:sp>
+        <p:nvSpPr>
+          <p:cNvPr id="16" name="Rectangle 15"/>
+          <p:cNvSpPr/>
+          <p:nvPr/>
+        </p:nvSpPr>
+        <p:spPr>
+          <a:xfrm>
+            <a:off x="3092254" y="4358228"/>
+            <a:ext cx="2858475" cy="923330"/>
+          </a:xfrm>
+          <a:prstGeom prst="rect">
+            <a:avLst/>
+          </a:prstGeom>
+          <a:noFill/>
+        </p:spPr>
+        <p:txBody>
+          <a:bodyPr wrap="none" lIns="91440" tIns="45720" rIns="91440" bIns="45720">
+            <a:spAutoFit/>
+          </a:bodyPr>
+          <a:lstStyle/>
+          <a:p>
+            <a:pPr algn="ctr"/>
+            <a:r>
+              <a:rPr lang="en-US" sz="5400" b="0" cap="none" spc="0" dirty="0" smtClean="0">
+                <a:ln w="0"/>
+                <a:solidFill>
+                  <a:schemeClr val="tx2">
+                    <a:lumMod val="75000"/>
+                  </a:schemeClr>
+                </a:solidFill>
+                <a:effectLst>
+                  <a:outerShdw blurRad="38100" dist="25400" dir="5400000" algn="ctr" rotWithShape="0">
+                    <a:srgbClr val="6E747A">
+                      <a:alpha val="43000"/>
+                    </a:srgbClr>
+                  </a:outerShdw>
+                </a:effectLst>
+              </a:rPr>
+              <a:t>RETRIEVE</a:t>
+            </a:r>
+            <a:endParaRPr lang="en-US" sz="5400" b="0" cap="none" spc="0" dirty="0">
+              <a:ln w="0"/>
+              <a:solidFill>
+                <a:schemeClr val="tx2">
+                  <a:lumMod val="75000"/>
+                </a:schemeClr>
+              </a:solidFill>
+              <a:effectLst>
+                <a:outerShdw blurRad="38100" dist="25400" dir="5400000" algn="ctr" rotWithShape="0">
+                  <a:srgbClr val="6E747A">
+                    <a:alpha val="43000"/>
+                  </a:srgbClr>
+                </a:outerShdw>
+              </a:effectLst>
+            </a:endParaRPr>
+          </a:p>
+        </p:txBody>
+      </p:sp>
+      <p:sp>
+        <p:nvSpPr>
+          <p:cNvPr id="17" name="Rectangle 16"/>
+          <p:cNvSpPr/>
+          <p:nvPr/>
+        </p:nvSpPr>
+        <p:spPr>
+          <a:xfrm>
+            <a:off x="8982287" y="4358228"/>
+            <a:ext cx="2255746" cy="923330"/>
+          </a:xfrm>
+          <a:prstGeom prst="rect">
+            <a:avLst/>
+          </a:prstGeom>
+          <a:noFill/>
+        </p:spPr>
+        <p:txBody>
+          <a:bodyPr wrap="none" lIns="91440" tIns="45720" rIns="91440" bIns="45720">
+            <a:spAutoFit/>
+          </a:bodyPr>
+          <a:lstStyle/>
+          <a:p>
+            <a:pPr algn="ctr"/>
+            <a:r>
+              <a:rPr lang="en-US" sz="5400" b="0" cap="none" spc="0" dirty="0" smtClean="0">
+                <a:ln w="0"/>
+                <a:solidFill>
+                  <a:schemeClr val="tx2">
+                    <a:lumMod val="75000"/>
+                  </a:schemeClr>
+                </a:solidFill>
+                <a:effectLst>
+                  <a:outerShdw blurRad="38100" dist="25400" dir="5400000" algn="ctr" rotWithShape="0">
+                    <a:srgbClr val="6E747A">
+                      <a:alpha val="43000"/>
+                    </a:srgbClr>
+                  </a:outerShdw>
+                </a:effectLst>
+              </a:rPr>
+              <a:t>DELETE</a:t>
+            </a:r>
+            <a:endParaRPr lang="en-US" sz="5400" b="0" cap="none" spc="0" dirty="0">
+              <a:ln w="0"/>
+              <a:solidFill>
+                <a:schemeClr val="tx2">
+                  <a:lumMod val="75000"/>
+                </a:schemeClr>
+              </a:solidFill>
+              <a:effectLst>
+                <a:outerShdw blurRad="38100" dist="25400" dir="5400000" algn="ctr" rotWithShape="0">
+                  <a:srgbClr val="6E747A">
+                    <a:alpha val="43000"/>
+                  </a:srgbClr>
+                </a:outerShdw>
+              </a:effectLst>
+            </a:endParaRPr>
+          </a:p>
+        </p:txBody>
+      </p:sp>
+      <p:sp>
+        <p:nvSpPr>
+          <p:cNvPr id="18" name="Rectangle 17"/>
+          <p:cNvSpPr/>
+          <p:nvPr/>
+        </p:nvSpPr>
+        <p:spPr>
+          <a:xfrm>
+            <a:off x="6253740" y="4358228"/>
+            <a:ext cx="2425536" cy="923330"/>
+          </a:xfrm>
+          <a:prstGeom prst="rect">
+            <a:avLst/>
+          </a:prstGeom>
+          <a:noFill/>
+        </p:spPr>
+        <p:txBody>
+          <a:bodyPr wrap="none" lIns="91440" tIns="45720" rIns="91440" bIns="45720">
+            <a:spAutoFit/>
+          </a:bodyPr>
+          <a:lstStyle/>
+          <a:p>
+            <a:pPr algn="ctr"/>
+            <a:r>
+              <a:rPr lang="en-US" sz="5400" b="0" cap="none" spc="0" dirty="0" smtClean="0">
+                <a:ln w="0"/>
+                <a:solidFill>
+                  <a:schemeClr val="tx2">
+                    <a:lumMod val="75000"/>
+                  </a:schemeClr>
+                </a:solidFill>
+                <a:effectLst>
+                  <a:outerShdw blurRad="38100" dist="25400" dir="5400000" algn="ctr" rotWithShape="0">
+                    <a:srgbClr val="6E747A">
+                      <a:alpha val="43000"/>
+                    </a:srgbClr>
+                  </a:outerShdw>
+                </a:effectLst>
+              </a:rPr>
+              <a:t>UPDATE</a:t>
+            </a:r>
+            <a:endParaRPr lang="en-US" sz="5400" b="0" cap="none" spc="0" dirty="0">
+              <a:ln w="0"/>
+              <a:solidFill>
+                <a:schemeClr val="tx2">
+                  <a:lumMod val="75000"/>
+                </a:schemeClr>
+              </a:solidFill>
+              <a:effectLst>
+                <a:outerShdw blurRad="38100" dist="25400" dir="5400000" algn="ctr" rotWithShape="0">
+                  <a:srgbClr val="6E747A">
+                    <a:alpha val="43000"/>
+                  </a:srgbClr>
+                </a:outerShdw>
+              </a:effectLst>
+            </a:endParaRPr>
+          </a:p>
+        </p:txBody>
+      </p:sp>
+      <p:sp>
+        <p:nvSpPr>
+          <p:cNvPr id="19" name="Right Arrow 18"/>
+          <p:cNvSpPr/>
+          <p:nvPr/>
+        </p:nvSpPr>
+        <p:spPr>
+          <a:xfrm rot="5400000">
+            <a:off x="1394136" y="5357984"/>
+            <a:ext cx="506252" cy="229045"/>
+          </a:xfrm>
+          <a:prstGeom prst="rightArrow">
+            <a:avLst>
+              <a:gd name="adj1" fmla="val 50000"/>
+              <a:gd name="adj2" fmla="val 51444"/>
+            </a:avLst>
+          </a:prstGeom>
+          <a:solidFill>
+            <a:schemeClr val="accent1">
+              <a:lumMod val="40000"/>
+              <a:lumOff val="60000"/>
+            </a:schemeClr>
+          </a:solidFill>
+        </p:spPr>
+        <p:style>
+          <a:lnRef idx="3">
+            <a:schemeClr val="lt1"/>
+          </a:lnRef>
+          <a:fillRef idx="1">
+            <a:schemeClr val="accent3"/>
+          </a:fillRef>
+          <a:effectRef idx="1">
+            <a:schemeClr val="accent3"/>
+          </a:effectRef>
+          <a:fontRef idx="minor">
+            <a:schemeClr val="lt1"/>
+          </a:fontRef>
+        </p:style>
+        <p:txBody>
+          <a:bodyPr rtlCol="0" anchor="ctr"/>
+          <a:lstStyle/>
+          <a:p>
+            <a:pPr algn="ctr"/>
+            <a:endParaRPr lang="fr-FR" dirty="0"/>
+          </a:p>
+        </p:txBody>
+      </p:sp>
+      <p:sp>
+        <p:nvSpPr>
+          <p:cNvPr id="20" name="Rectangle 19"/>
+          <p:cNvSpPr/>
+          <p:nvPr/>
+        </p:nvSpPr>
+        <p:spPr>
+          <a:xfrm>
+            <a:off x="903821" y="5681677"/>
+            <a:ext cx="1486882" cy="830997"/>
+          </a:xfrm>
+          <a:prstGeom prst="rect">
+            <a:avLst/>
+          </a:prstGeom>
+          <a:noFill/>
+        </p:spPr>
+        <p:txBody>
+          <a:bodyPr wrap="none" lIns="91440" tIns="45720" rIns="91440" bIns="45720">
+            <a:spAutoFit/>
+          </a:bodyPr>
+          <a:lstStyle/>
+          <a:p>
+            <a:pPr algn="ctr"/>
+            <a:r>
+              <a:rPr lang="en-US" sz="4800" b="0" cap="none" spc="0" dirty="0" smtClean="0">
+                <a:ln w="0"/>
+                <a:solidFill>
+                  <a:schemeClr val="accent1"/>
+                </a:solidFill>
+                <a:effectLst>
+                  <a:outerShdw blurRad="38100" dist="25400" dir="5400000" algn="ctr" rotWithShape="0">
+                    <a:srgbClr val="6E747A">
+                      <a:alpha val="43000"/>
+                    </a:srgbClr>
+                  </a:outerShdw>
+                </a:effectLst>
+              </a:rPr>
+              <a:t>POST</a:t>
+            </a:r>
+            <a:endParaRPr lang="en-US" sz="4800" b="0" cap="none" spc="0" dirty="0">
+              <a:ln w="0"/>
+              <a:solidFill>
+                <a:schemeClr val="accent1"/>
+              </a:solidFill>
+              <a:effectLst>
+                <a:outerShdw blurRad="38100" dist="25400" dir="5400000" algn="ctr" rotWithShape="0">
+                  <a:srgbClr val="6E747A">
+                    <a:alpha val="43000"/>
+                  </a:srgbClr>
+                </a:outerShdw>
+              </a:effectLst>
+            </a:endParaRPr>
+          </a:p>
+        </p:txBody>
+      </p:sp>
+      <p:sp>
+        <p:nvSpPr>
+          <p:cNvPr id="21" name="Right Arrow 20"/>
+          <p:cNvSpPr/>
+          <p:nvPr/>
+        </p:nvSpPr>
+        <p:spPr>
+          <a:xfrm rot="5400000">
+            <a:off x="4145609" y="5357985"/>
+            <a:ext cx="506252" cy="229045"/>
+          </a:xfrm>
+          <a:prstGeom prst="rightArrow">
+            <a:avLst>
+              <a:gd name="adj1" fmla="val 50000"/>
+              <a:gd name="adj2" fmla="val 51444"/>
+            </a:avLst>
+          </a:prstGeom>
+          <a:solidFill>
+            <a:schemeClr val="accent1">
+              <a:lumMod val="40000"/>
+              <a:lumOff val="60000"/>
+            </a:schemeClr>
+          </a:solidFill>
+        </p:spPr>
+        <p:style>
+          <a:lnRef idx="3">
+            <a:schemeClr val="lt1"/>
+          </a:lnRef>
+          <a:fillRef idx="1">
+            <a:schemeClr val="accent3"/>
+          </a:fillRef>
+          <a:effectRef idx="1">
+            <a:schemeClr val="accent3"/>
+          </a:effectRef>
+          <a:fontRef idx="minor">
+            <a:schemeClr val="lt1"/>
+          </a:fontRef>
+        </p:style>
+        <p:txBody>
+          <a:bodyPr rtlCol="0" anchor="ctr"/>
+          <a:lstStyle/>
+          <a:p>
+            <a:pPr algn="ctr"/>
+            <a:endParaRPr lang="fr-FR" dirty="0"/>
+          </a:p>
+        </p:txBody>
+      </p:sp>
+      <p:sp>
+        <p:nvSpPr>
+          <p:cNvPr id="22" name="Rectangle 21"/>
+          <p:cNvSpPr/>
+          <p:nvPr/>
+        </p:nvSpPr>
+        <p:spPr>
+          <a:xfrm>
+            <a:off x="3811875" y="5681677"/>
+            <a:ext cx="1173719" cy="830997"/>
+          </a:xfrm>
+          <a:prstGeom prst="rect">
+            <a:avLst/>
+          </a:prstGeom>
+          <a:noFill/>
+        </p:spPr>
+        <p:txBody>
+          <a:bodyPr wrap="none" lIns="91440" tIns="45720" rIns="91440" bIns="45720">
+            <a:spAutoFit/>
+          </a:bodyPr>
+          <a:lstStyle/>
+          <a:p>
+            <a:pPr algn="ctr"/>
+            <a:r>
+              <a:rPr lang="en-US" sz="4800" b="0" cap="none" spc="0" dirty="0" smtClean="0">
+                <a:ln w="0"/>
+                <a:solidFill>
+                  <a:schemeClr val="accent1"/>
+                </a:solidFill>
+                <a:effectLst>
+                  <a:outerShdw blurRad="38100" dist="25400" dir="5400000" algn="ctr" rotWithShape="0">
+                    <a:srgbClr val="6E747A">
+                      <a:alpha val="43000"/>
+                    </a:srgbClr>
+                  </a:outerShdw>
+                </a:effectLst>
+              </a:rPr>
+              <a:t>GET</a:t>
+            </a:r>
+            <a:endParaRPr lang="en-US" sz="4800" b="0" cap="none" spc="0" dirty="0">
+              <a:ln w="0"/>
+              <a:solidFill>
+                <a:schemeClr val="accent1"/>
+              </a:solidFill>
+              <a:effectLst>
+                <a:outerShdw blurRad="38100" dist="25400" dir="5400000" algn="ctr" rotWithShape="0">
+                  <a:srgbClr val="6E747A">
+                    <a:alpha val="43000"/>
+                  </a:srgbClr>
+                </a:outerShdw>
+              </a:effectLst>
+            </a:endParaRPr>
+          </a:p>
+        </p:txBody>
+      </p:sp>
+      <p:sp>
+        <p:nvSpPr>
+          <p:cNvPr id="23" name="Right Arrow 22"/>
+          <p:cNvSpPr/>
+          <p:nvPr/>
+        </p:nvSpPr>
+        <p:spPr>
+          <a:xfrm rot="5400000">
+            <a:off x="7254895" y="5349079"/>
+            <a:ext cx="506252" cy="229045"/>
+          </a:xfrm>
+          <a:prstGeom prst="rightArrow">
+            <a:avLst>
+              <a:gd name="adj1" fmla="val 50000"/>
+              <a:gd name="adj2" fmla="val 51444"/>
+            </a:avLst>
+          </a:prstGeom>
+          <a:solidFill>
+            <a:schemeClr val="accent1">
+              <a:lumMod val="40000"/>
+              <a:lumOff val="60000"/>
+            </a:schemeClr>
+          </a:solidFill>
+        </p:spPr>
+        <p:style>
+          <a:lnRef idx="3">
+            <a:schemeClr val="lt1"/>
+          </a:lnRef>
+          <a:fillRef idx="1">
+            <a:schemeClr val="accent3"/>
+          </a:fillRef>
+          <a:effectRef idx="1">
+            <a:schemeClr val="accent3"/>
+          </a:effectRef>
+          <a:fontRef idx="minor">
+            <a:schemeClr val="lt1"/>
+          </a:fontRef>
+        </p:style>
+        <p:txBody>
+          <a:bodyPr rtlCol="0" anchor="ctr"/>
+          <a:lstStyle/>
+          <a:p>
+            <a:pPr algn="ctr"/>
+            <a:endParaRPr lang="fr-FR" dirty="0"/>
+          </a:p>
+        </p:txBody>
+      </p:sp>
+      <p:sp>
+        <p:nvSpPr>
+          <p:cNvPr id="24" name="Rectangle 23"/>
+          <p:cNvSpPr/>
+          <p:nvPr/>
+        </p:nvSpPr>
+        <p:spPr>
+          <a:xfrm>
+            <a:off x="6909941" y="5672772"/>
+            <a:ext cx="1196161" cy="830997"/>
+          </a:xfrm>
+          <a:prstGeom prst="rect">
+            <a:avLst/>
+          </a:prstGeom>
+          <a:noFill/>
+        </p:spPr>
+        <p:txBody>
+          <a:bodyPr wrap="none" lIns="91440" tIns="45720" rIns="91440" bIns="45720">
+            <a:spAutoFit/>
+          </a:bodyPr>
+          <a:lstStyle/>
+          <a:p>
+            <a:pPr algn="ctr"/>
+            <a:r>
+              <a:rPr lang="en-US" sz="4800" b="0" cap="none" spc="0" dirty="0" smtClean="0">
+                <a:ln w="0"/>
+                <a:solidFill>
+                  <a:schemeClr val="accent1"/>
+                </a:solidFill>
+                <a:effectLst>
+                  <a:outerShdw blurRad="38100" dist="25400" dir="5400000" algn="ctr" rotWithShape="0">
+                    <a:srgbClr val="6E747A">
+                      <a:alpha val="43000"/>
+                    </a:srgbClr>
+                  </a:outerShdw>
+                </a:effectLst>
+              </a:rPr>
+              <a:t>PUT</a:t>
+            </a:r>
+            <a:endParaRPr lang="en-US" sz="4800" b="0" cap="none" spc="0" dirty="0">
+              <a:ln w="0"/>
+              <a:solidFill>
+                <a:schemeClr val="accent1"/>
+              </a:solidFill>
+              <a:effectLst>
+                <a:outerShdw blurRad="38100" dist="25400" dir="5400000" algn="ctr" rotWithShape="0">
+                  <a:srgbClr val="6E747A">
+                    <a:alpha val="43000"/>
+                  </a:srgbClr>
+                </a:outerShdw>
+              </a:effectLst>
+            </a:endParaRPr>
+          </a:p>
+        </p:txBody>
+      </p:sp>
+      <p:sp>
+        <p:nvSpPr>
+          <p:cNvPr id="25" name="Right Arrow 24"/>
+          <p:cNvSpPr/>
+          <p:nvPr/>
+        </p:nvSpPr>
+        <p:spPr>
+          <a:xfrm rot="5400000">
+            <a:off x="9892787" y="5344627"/>
+            <a:ext cx="506252" cy="229045"/>
+          </a:xfrm>
+          <a:prstGeom prst="rightArrow">
+            <a:avLst>
+              <a:gd name="adj1" fmla="val 50000"/>
+              <a:gd name="adj2" fmla="val 51444"/>
+            </a:avLst>
+          </a:prstGeom>
+          <a:solidFill>
+            <a:schemeClr val="accent1">
+              <a:lumMod val="40000"/>
+              <a:lumOff val="60000"/>
+            </a:schemeClr>
+          </a:solidFill>
+        </p:spPr>
+        <p:style>
+          <a:lnRef idx="3">
+            <a:schemeClr val="lt1"/>
+          </a:lnRef>
+          <a:fillRef idx="1">
+            <a:schemeClr val="accent3"/>
+          </a:fillRef>
+          <a:effectRef idx="1">
+            <a:schemeClr val="accent3"/>
+          </a:effectRef>
+          <a:fontRef idx="minor">
+            <a:schemeClr val="lt1"/>
+          </a:fontRef>
+        </p:style>
+        <p:txBody>
+          <a:bodyPr rtlCol="0" anchor="ctr"/>
+          <a:lstStyle/>
+          <a:p>
+            <a:pPr algn="ctr"/>
+            <a:endParaRPr lang="fr-FR" dirty="0"/>
+          </a:p>
+        </p:txBody>
+      </p:sp>
+      <p:sp>
+        <p:nvSpPr>
+          <p:cNvPr id="26" name="Rectangle 25"/>
+          <p:cNvSpPr/>
+          <p:nvPr/>
+        </p:nvSpPr>
+        <p:spPr>
+          <a:xfrm>
+            <a:off x="9133456" y="5668320"/>
+            <a:ext cx="2024914" cy="830997"/>
+          </a:xfrm>
+          <a:prstGeom prst="rect">
+            <a:avLst/>
+          </a:prstGeom>
+          <a:noFill/>
+        </p:spPr>
+        <p:txBody>
+          <a:bodyPr wrap="none" lIns="91440" tIns="45720" rIns="91440" bIns="45720">
+            <a:spAutoFit/>
+          </a:bodyPr>
+          <a:lstStyle/>
+          <a:p>
+            <a:pPr algn="ctr"/>
+            <a:r>
+              <a:rPr lang="en-US" sz="4800" b="0" cap="none" spc="0" dirty="0" smtClean="0">
+                <a:ln w="0"/>
+                <a:solidFill>
+                  <a:schemeClr val="accent1"/>
+                </a:solidFill>
+                <a:effectLst>
+                  <a:outerShdw blurRad="38100" dist="25400" dir="5400000" algn="ctr" rotWithShape="0">
+                    <a:srgbClr val="6E747A">
+                      <a:alpha val="43000"/>
+                    </a:srgbClr>
+                  </a:outerShdw>
+                </a:effectLst>
+              </a:rPr>
+              <a:t>DELETE</a:t>
+            </a:r>
+            <a:endParaRPr lang="en-US" sz="4800" b="0" cap="none" spc="0" dirty="0">
+              <a:ln w="0"/>
+              <a:solidFill>
+                <a:schemeClr val="accent1"/>
+              </a:solidFill>
+              <a:effectLst>
+                <a:outerShdw blurRad="38100" dist="25400" dir="5400000" algn="ctr" rotWithShape="0">
+                  <a:srgbClr val="6E747A">
+                    <a:alpha val="43000"/>
+                  </a:srgbClr>
+                </a:outerShdw>
+              </a:effectLst>
+            </a:endParaRPr>
+          </a:p>
+        </p:txBody>
+      </p:sp>
+    </p:spTree>
+    <p:extLst>
+      <p:ext uri="{BB962C8B-B14F-4D97-AF65-F5344CB8AC3E}">
+        <p14:creationId xmlns:p14="http://schemas.microsoft.com/office/powerpoint/2010/main" val="1736313647"/>
+      </p:ext>
+    </p:extLst>
+  </p:cSld>
+  <p:clrMapOvr>
+    <a:masterClrMapping/>
+  </p:clrMapOvr>
+  <p:timing>
+    <p:tnLst>
+      <p:par>
+        <p:cTn id="1" dur="indefinite" restart="never" nodeType="tmRoot">
+          <p:childTnLst>
+            <p:seq concurrent="1" nextAc="seek">
+              <p:cTn id="2" dur="indefinite" nodeType="mainSeq">
+                <p:childTnLst>
+                  <p:par>
+                    <p:cTn id="3" fill="hold">
+                      <p:stCondLst>
+                        <p:cond delay="indefinite"/>
+                      </p:stCondLst>
+                      <p:childTnLst>
+                        <p:par>
+                          <p:cTn id="4" fill="hold">
+                            <p:stCondLst>
+                              <p:cond delay="0"/>
+                            </p:stCondLst>
+                            <p:childTnLst>
+                              <p:par>
+                                <p:cTn id="5" presetID="22" presetClass="entr" presetSubtype="8" fill="hold" grpId="0" nodeType="clickEffect">
+                                  <p:stCondLst>
+                                    <p:cond delay="0"/>
+                                  </p:stCondLst>
+                                  <p:childTnLst>
+                                    <p:set>
+                                      <p:cBhvr>
+                                        <p:cTn id="6" dur="1" fill="hold">
+                                          <p:stCondLst>
+                                            <p:cond delay="0"/>
+                                          </p:stCondLst>
+                                        </p:cTn>
+                                        <p:tgtEl>
+                                          <p:spTgt spid="5"/>
+                                        </p:tgtEl>
+                                        <p:attrNameLst>
+                                          <p:attrName>style.visibility</p:attrName>
+                                        </p:attrNameLst>
+                                      </p:cBhvr>
+                                      <p:to>
+                                        <p:strVal val="visible"/>
+                                      </p:to>
+                                    </p:set>
+                                    <p:animEffect transition="in" filter="wipe(left)">
+                                      <p:cBhvr>
+                                        <p:cTn id="7" dur="500"/>
+                                        <p:tgtEl>
+                                          <p:spTgt spid="5"/>
+                                        </p:tgtEl>
+                                      </p:cBhvr>
+                                    </p:animEffect>
+                                  </p:childTnLst>
+                                </p:cTn>
+                              </p:par>
+                            </p:childTnLst>
+                          </p:cTn>
+                        </p:par>
+                      </p:childTnLst>
+                    </p:cTn>
+                  </p:par>
+                  <p:par>
+                    <p:cTn id="8" fill="hold">
+                      <p:stCondLst>
+                        <p:cond delay="indefinite"/>
+                      </p:stCondLst>
+                      <p:childTnLst>
+                        <p:par>
+                          <p:cTn id="9" fill="hold">
+                            <p:stCondLst>
+                              <p:cond delay="0"/>
+                            </p:stCondLst>
+                            <p:childTnLst>
+                              <p:par>
+                                <p:cTn id="10" presetID="10" presetClass="entr" presetSubtype="0" fill="hold" grpId="0" nodeType="clickEffect">
+                                  <p:stCondLst>
+                                    <p:cond delay="0"/>
+                                  </p:stCondLst>
+                                  <p:childTnLst>
+                                    <p:set>
+                                      <p:cBhvr>
+                                        <p:cTn id="11" dur="1" fill="hold">
+                                          <p:stCondLst>
+                                            <p:cond delay="0"/>
+                                          </p:stCondLst>
+                                        </p:cTn>
+                                        <p:tgtEl>
+                                          <p:spTgt spid="11"/>
+                                        </p:tgtEl>
+                                        <p:attrNameLst>
+                                          <p:attrName>style.visibility</p:attrName>
+                                        </p:attrNameLst>
+                                      </p:cBhvr>
+                                      <p:to>
+                                        <p:strVal val="visible"/>
+                                      </p:to>
+                                    </p:set>
+                                    <p:animEffect transition="in" filter="fade">
+                                      <p:cBhvr>
+                                        <p:cTn id="12" dur="500"/>
+                                        <p:tgtEl>
+                                          <p:spTgt spid="11"/>
+                                        </p:tgtEl>
+                                      </p:cBhvr>
+                                    </p:animEffect>
+                                  </p:childTnLst>
+                                </p:cTn>
+                              </p:par>
+                              <p:par>
+                                <p:cTn id="13" presetID="10" presetClass="entr" presetSubtype="0" fill="hold" grpId="0" nodeType="withEffect">
+                                  <p:stCondLst>
+                                    <p:cond delay="0"/>
+                                  </p:stCondLst>
+                                  <p:childTnLst>
+                                    <p:set>
+                                      <p:cBhvr>
+                                        <p:cTn id="14" dur="1" fill="hold">
+                                          <p:stCondLst>
+                                            <p:cond delay="0"/>
+                                          </p:stCondLst>
+                                        </p:cTn>
+                                        <p:tgtEl>
+                                          <p:spTgt spid="12"/>
+                                        </p:tgtEl>
+                                        <p:attrNameLst>
+                                          <p:attrName>style.visibility</p:attrName>
+                                        </p:attrNameLst>
+                                      </p:cBhvr>
+                                      <p:to>
+                                        <p:strVal val="visible"/>
+                                      </p:to>
+                                    </p:set>
+                                    <p:animEffect transition="in" filter="fade">
+                                      <p:cBhvr>
+                                        <p:cTn id="15" dur="500"/>
+                                        <p:tgtEl>
+                                          <p:spTgt spid="12"/>
+                                        </p:tgtEl>
+                                      </p:cBhvr>
+                                    </p:animEffect>
+                                  </p:childTnLst>
+                                </p:cTn>
+                              </p:par>
+                              <p:par>
+                                <p:cTn id="16" presetID="10" presetClass="entr" presetSubtype="0" fill="hold" grpId="0" nodeType="withEffect">
+                                  <p:stCondLst>
+                                    <p:cond delay="0"/>
+                                  </p:stCondLst>
+                                  <p:childTnLst>
+                                    <p:set>
+                                      <p:cBhvr>
+                                        <p:cTn id="17" dur="1" fill="hold">
+                                          <p:stCondLst>
+                                            <p:cond delay="0"/>
+                                          </p:stCondLst>
+                                        </p:cTn>
+                                        <p:tgtEl>
+                                          <p:spTgt spid="13"/>
+                                        </p:tgtEl>
+                                        <p:attrNameLst>
+                                          <p:attrName>style.visibility</p:attrName>
+                                        </p:attrNameLst>
+                                      </p:cBhvr>
+                                      <p:to>
+                                        <p:strVal val="visible"/>
+                                      </p:to>
+                                    </p:set>
+                                    <p:animEffect transition="in" filter="fade">
+                                      <p:cBhvr>
+                                        <p:cTn id="18" dur="500"/>
+                                        <p:tgtEl>
+                                          <p:spTgt spid="13"/>
+                                        </p:tgtEl>
+                                      </p:cBhvr>
+                                    </p:animEffect>
+                                  </p:childTnLst>
+                                </p:cTn>
+                              </p:par>
+                              <p:par>
+                                <p:cTn id="19" presetID="10" presetClass="entr" presetSubtype="0" fill="hold" grpId="0" nodeType="withEffect">
+                                  <p:stCondLst>
+                                    <p:cond delay="0"/>
+                                  </p:stCondLst>
+                                  <p:childTnLst>
+                                    <p:set>
+                                      <p:cBhvr>
+                                        <p:cTn id="20" dur="1" fill="hold">
+                                          <p:stCondLst>
+                                            <p:cond delay="0"/>
+                                          </p:stCondLst>
+                                        </p:cTn>
+                                        <p:tgtEl>
+                                          <p:spTgt spid="14"/>
+                                        </p:tgtEl>
+                                        <p:attrNameLst>
+                                          <p:attrName>style.visibility</p:attrName>
+                                        </p:attrNameLst>
+                                      </p:cBhvr>
+                                      <p:to>
+                                        <p:strVal val="visible"/>
+                                      </p:to>
+                                    </p:set>
+                                    <p:animEffect transition="in" filter="fade">
+                                      <p:cBhvr>
+                                        <p:cTn id="21" dur="500"/>
+                                        <p:tgtEl>
+                                          <p:spTgt spid="14"/>
+                                        </p:tgtEl>
+                                      </p:cBhvr>
+                                    </p:animEffect>
+                                  </p:childTnLst>
+                                </p:cTn>
+                              </p:par>
+                            </p:childTnLst>
+                          </p:cTn>
+                        </p:par>
+                      </p:childTnLst>
+                    </p:cTn>
+                  </p:par>
+                  <p:par>
+                    <p:cTn id="22" fill="hold">
+                      <p:stCondLst>
+                        <p:cond delay="indefinite"/>
+                      </p:stCondLst>
+                      <p:childTnLst>
+                        <p:par>
+                          <p:cTn id="23" fill="hold">
+                            <p:stCondLst>
+                              <p:cond delay="0"/>
+                            </p:stCondLst>
+                            <p:childTnLst>
+                              <p:par>
+                                <p:cTn id="24" presetID="32" presetClass="emph" presetSubtype="0" fill="hold" grpId="1" nodeType="clickEffect">
+                                  <p:stCondLst>
+                                    <p:cond delay="0"/>
+                                  </p:stCondLst>
+                                  <p:childTnLst>
+                                    <p:animRot by="120000">
+                                      <p:cBhvr>
+                                        <p:cTn id="25" dur="100" fill="hold">
+                                          <p:stCondLst>
+                                            <p:cond delay="0"/>
+                                          </p:stCondLst>
+                                        </p:cTn>
+                                        <p:tgtEl>
+                                          <p:spTgt spid="11"/>
+                                        </p:tgtEl>
+                                        <p:attrNameLst>
+                                          <p:attrName>r</p:attrName>
+                                        </p:attrNameLst>
+                                      </p:cBhvr>
+                                    </p:animRot>
+                                    <p:animRot by="-240000">
+                                      <p:cBhvr>
+                                        <p:cTn id="26" dur="200" fill="hold">
+                                          <p:stCondLst>
+                                            <p:cond delay="200"/>
+                                          </p:stCondLst>
+                                        </p:cTn>
+                                        <p:tgtEl>
+                                          <p:spTgt spid="11"/>
+                                        </p:tgtEl>
+                                        <p:attrNameLst>
+                                          <p:attrName>r</p:attrName>
+                                        </p:attrNameLst>
+                                      </p:cBhvr>
+                                    </p:animRot>
+                                    <p:animRot by="240000">
+                                      <p:cBhvr>
+                                        <p:cTn id="27" dur="200" fill="hold">
+                                          <p:stCondLst>
+                                            <p:cond delay="400"/>
+                                          </p:stCondLst>
+                                        </p:cTn>
+                                        <p:tgtEl>
+                                          <p:spTgt spid="11"/>
+                                        </p:tgtEl>
+                                        <p:attrNameLst>
+                                          <p:attrName>r</p:attrName>
+                                        </p:attrNameLst>
+                                      </p:cBhvr>
+                                    </p:animRot>
+                                    <p:animRot by="-240000">
+                                      <p:cBhvr>
+                                        <p:cTn id="28" dur="200" fill="hold">
+                                          <p:stCondLst>
+                                            <p:cond delay="600"/>
+                                          </p:stCondLst>
+                                        </p:cTn>
+                                        <p:tgtEl>
+                                          <p:spTgt spid="11"/>
+                                        </p:tgtEl>
+                                        <p:attrNameLst>
+                                          <p:attrName>r</p:attrName>
+                                        </p:attrNameLst>
+                                      </p:cBhvr>
+                                    </p:animRot>
+                                    <p:animRot by="120000">
+                                      <p:cBhvr>
+                                        <p:cTn id="29" dur="200" fill="hold">
+                                          <p:stCondLst>
+                                            <p:cond delay="800"/>
+                                          </p:stCondLst>
+                                        </p:cTn>
+                                        <p:tgtEl>
+                                          <p:spTgt spid="11"/>
+                                        </p:tgtEl>
+                                        <p:attrNameLst>
+                                          <p:attrName>r</p:attrName>
+                                        </p:attrNameLst>
+                                      </p:cBhvr>
+                                    </p:animRot>
+                                  </p:childTnLst>
+                                </p:cTn>
+                              </p:par>
+                              <p:par>
+                                <p:cTn id="30" presetID="53" presetClass="entr" presetSubtype="16" fill="hold" grpId="0" nodeType="withEffect">
+                                  <p:stCondLst>
+                                    <p:cond delay="0"/>
+                                  </p:stCondLst>
+                                  <p:childTnLst>
+                                    <p:set>
+                                      <p:cBhvr>
+                                        <p:cTn id="31" dur="1" fill="hold">
+                                          <p:stCondLst>
+                                            <p:cond delay="0"/>
+                                          </p:stCondLst>
+                                        </p:cTn>
+                                        <p:tgtEl>
+                                          <p:spTgt spid="15"/>
+                                        </p:tgtEl>
+                                        <p:attrNameLst>
+                                          <p:attrName>style.visibility</p:attrName>
+                                        </p:attrNameLst>
+                                      </p:cBhvr>
+                                      <p:to>
+                                        <p:strVal val="visible"/>
+                                      </p:to>
+                                    </p:set>
+                                    <p:anim calcmode="lin" valueType="num">
+                                      <p:cBhvr>
+                                        <p:cTn id="32" dur="500" fill="hold"/>
+                                        <p:tgtEl>
+                                          <p:spTgt spid="15"/>
+                                        </p:tgtEl>
+                                        <p:attrNameLst>
+                                          <p:attrName>ppt_w</p:attrName>
+                                        </p:attrNameLst>
+                                      </p:cBhvr>
+                                      <p:tavLst>
+                                        <p:tav tm="0">
+                                          <p:val>
+                                            <p:fltVal val="0"/>
+                                          </p:val>
+                                        </p:tav>
+                                        <p:tav tm="100000">
+                                          <p:val>
+                                            <p:strVal val="#ppt_w"/>
+                                          </p:val>
+                                        </p:tav>
+                                      </p:tavLst>
+                                    </p:anim>
+                                    <p:anim calcmode="lin" valueType="num">
+                                      <p:cBhvr>
+                                        <p:cTn id="33" dur="500" fill="hold"/>
+                                        <p:tgtEl>
+                                          <p:spTgt spid="15"/>
+                                        </p:tgtEl>
+                                        <p:attrNameLst>
+                                          <p:attrName>ppt_h</p:attrName>
+                                        </p:attrNameLst>
+                                      </p:cBhvr>
+                                      <p:tavLst>
+                                        <p:tav tm="0">
+                                          <p:val>
+                                            <p:fltVal val="0"/>
+                                          </p:val>
+                                        </p:tav>
+                                        <p:tav tm="100000">
+                                          <p:val>
+                                            <p:strVal val="#ppt_h"/>
+                                          </p:val>
+                                        </p:tav>
+                                      </p:tavLst>
+                                    </p:anim>
+                                    <p:animEffect transition="in" filter="fade">
+                                      <p:cBhvr>
+                                        <p:cTn id="34" dur="500"/>
+                                        <p:tgtEl>
+                                          <p:spTgt spid="15"/>
+                                        </p:tgtEl>
+                                      </p:cBhvr>
+                                    </p:animEffect>
+                                  </p:childTnLst>
+                                </p:cTn>
+                              </p:par>
+                            </p:childTnLst>
+                          </p:cTn>
+                        </p:par>
+                        <p:par>
+                          <p:cTn id="35" fill="hold">
+                            <p:stCondLst>
+                              <p:cond delay="1000"/>
+                            </p:stCondLst>
+                            <p:childTnLst>
+                              <p:par>
+                                <p:cTn id="36" presetID="22" presetClass="entr" presetSubtype="1" fill="hold" grpId="0" nodeType="afterEffect">
+                                  <p:stCondLst>
+                                    <p:cond delay="0"/>
+                                  </p:stCondLst>
+                                  <p:childTnLst>
+                                    <p:set>
+                                      <p:cBhvr>
+                                        <p:cTn id="37" dur="1" fill="hold">
+                                          <p:stCondLst>
+                                            <p:cond delay="0"/>
+                                          </p:stCondLst>
+                                        </p:cTn>
+                                        <p:tgtEl>
+                                          <p:spTgt spid="19"/>
+                                        </p:tgtEl>
+                                        <p:attrNameLst>
+                                          <p:attrName>style.visibility</p:attrName>
+                                        </p:attrNameLst>
+                                      </p:cBhvr>
+                                      <p:to>
+                                        <p:strVal val="visible"/>
+                                      </p:to>
+                                    </p:set>
+                                    <p:animEffect transition="in" filter="wipe(up)">
+                                      <p:cBhvr>
+                                        <p:cTn id="38" dur="500"/>
+                                        <p:tgtEl>
+                                          <p:spTgt spid="19"/>
+                                        </p:tgtEl>
+                                      </p:cBhvr>
+                                    </p:animEffect>
+                                  </p:childTnLst>
+                                </p:cTn>
+                              </p:par>
+                            </p:childTnLst>
+                          </p:cTn>
+                        </p:par>
+                        <p:par>
+                          <p:cTn id="39" fill="hold">
+                            <p:stCondLst>
+                              <p:cond delay="1500"/>
+                            </p:stCondLst>
+                            <p:childTnLst>
+                              <p:par>
+                                <p:cTn id="40" presetID="1" presetClass="entr" presetSubtype="0" fill="hold" grpId="0" nodeType="afterEffect">
+                                  <p:stCondLst>
+                                    <p:cond delay="0"/>
+                                  </p:stCondLst>
+                                  <p:childTnLst>
+                                    <p:set>
+                                      <p:cBhvr>
+                                        <p:cTn id="41" dur="1" fill="hold">
+                                          <p:stCondLst>
+                                            <p:cond delay="0"/>
+                                          </p:stCondLst>
+                                        </p:cTn>
+                                        <p:tgtEl>
+                                          <p:spTgt spid="20"/>
+                                        </p:tgtEl>
+                                        <p:attrNameLst>
+                                          <p:attrName>style.visibility</p:attrName>
+                                        </p:attrNameLst>
+                                      </p:cBhvr>
+                                      <p:to>
+                                        <p:strVal val="visible"/>
+                                      </p:to>
+                                    </p:set>
+                                  </p:childTnLst>
+                                </p:cTn>
+                              </p:par>
+                            </p:childTnLst>
+                          </p:cTn>
+                        </p:par>
+                      </p:childTnLst>
+                    </p:cTn>
+                  </p:par>
+                  <p:par>
+                    <p:cTn id="42" fill="hold">
+                      <p:stCondLst>
+                        <p:cond delay="indefinite"/>
+                      </p:stCondLst>
+                      <p:childTnLst>
+                        <p:par>
+                          <p:cTn id="43" fill="hold">
+                            <p:stCondLst>
+                              <p:cond delay="0"/>
+                            </p:stCondLst>
+                            <p:childTnLst>
+                              <p:par>
+                                <p:cTn id="44" presetID="32" presetClass="emph" presetSubtype="0" fill="hold" grpId="1" nodeType="clickEffect">
+                                  <p:stCondLst>
+                                    <p:cond delay="0"/>
+                                  </p:stCondLst>
+                                  <p:childTnLst>
+                                    <p:animRot by="120000">
+                                      <p:cBhvr>
+                                        <p:cTn id="45" dur="100" fill="hold">
+                                          <p:stCondLst>
+                                            <p:cond delay="0"/>
+                                          </p:stCondLst>
+                                        </p:cTn>
+                                        <p:tgtEl>
+                                          <p:spTgt spid="12"/>
+                                        </p:tgtEl>
+                                        <p:attrNameLst>
+                                          <p:attrName>r</p:attrName>
+                                        </p:attrNameLst>
+                                      </p:cBhvr>
+                                    </p:animRot>
+                                    <p:animRot by="-240000">
+                                      <p:cBhvr>
+                                        <p:cTn id="46" dur="200" fill="hold">
+                                          <p:stCondLst>
+                                            <p:cond delay="200"/>
+                                          </p:stCondLst>
+                                        </p:cTn>
+                                        <p:tgtEl>
+                                          <p:spTgt spid="12"/>
+                                        </p:tgtEl>
+                                        <p:attrNameLst>
+                                          <p:attrName>r</p:attrName>
+                                        </p:attrNameLst>
+                                      </p:cBhvr>
+                                    </p:animRot>
+                                    <p:animRot by="240000">
+                                      <p:cBhvr>
+                                        <p:cTn id="47" dur="200" fill="hold">
+                                          <p:stCondLst>
+                                            <p:cond delay="400"/>
+                                          </p:stCondLst>
+                                        </p:cTn>
+                                        <p:tgtEl>
+                                          <p:spTgt spid="12"/>
+                                        </p:tgtEl>
+                                        <p:attrNameLst>
+                                          <p:attrName>r</p:attrName>
+                                        </p:attrNameLst>
+                                      </p:cBhvr>
+                                    </p:animRot>
+                                    <p:animRot by="-240000">
+                                      <p:cBhvr>
+                                        <p:cTn id="48" dur="200" fill="hold">
+                                          <p:stCondLst>
+                                            <p:cond delay="600"/>
+                                          </p:stCondLst>
+                                        </p:cTn>
+                                        <p:tgtEl>
+                                          <p:spTgt spid="12"/>
+                                        </p:tgtEl>
+                                        <p:attrNameLst>
+                                          <p:attrName>r</p:attrName>
+                                        </p:attrNameLst>
+                                      </p:cBhvr>
+                                    </p:animRot>
+                                    <p:animRot by="120000">
+                                      <p:cBhvr>
+                                        <p:cTn id="49" dur="200" fill="hold">
+                                          <p:stCondLst>
+                                            <p:cond delay="800"/>
+                                          </p:stCondLst>
+                                        </p:cTn>
+                                        <p:tgtEl>
+                                          <p:spTgt spid="12"/>
+                                        </p:tgtEl>
+                                        <p:attrNameLst>
+                                          <p:attrName>r</p:attrName>
+                                        </p:attrNameLst>
+                                      </p:cBhvr>
+                                    </p:animRot>
+                                  </p:childTnLst>
+                                </p:cTn>
+                              </p:par>
+                              <p:par>
+                                <p:cTn id="50" presetID="53" presetClass="entr" presetSubtype="16" fill="hold" grpId="0" nodeType="withEffect">
+                                  <p:stCondLst>
+                                    <p:cond delay="0"/>
+                                  </p:stCondLst>
+                                  <p:childTnLst>
+                                    <p:set>
+                                      <p:cBhvr>
+                                        <p:cTn id="51" dur="1" fill="hold">
+                                          <p:stCondLst>
+                                            <p:cond delay="0"/>
+                                          </p:stCondLst>
+                                        </p:cTn>
+                                        <p:tgtEl>
+                                          <p:spTgt spid="16"/>
+                                        </p:tgtEl>
+                                        <p:attrNameLst>
+                                          <p:attrName>style.visibility</p:attrName>
+                                        </p:attrNameLst>
+                                      </p:cBhvr>
+                                      <p:to>
+                                        <p:strVal val="visible"/>
+                                      </p:to>
+                                    </p:set>
+                                    <p:anim calcmode="lin" valueType="num">
+                                      <p:cBhvr>
+                                        <p:cTn id="52" dur="500" fill="hold"/>
+                                        <p:tgtEl>
+                                          <p:spTgt spid="16"/>
+                                        </p:tgtEl>
+                                        <p:attrNameLst>
+                                          <p:attrName>ppt_w</p:attrName>
+                                        </p:attrNameLst>
+                                      </p:cBhvr>
+                                      <p:tavLst>
+                                        <p:tav tm="0">
+                                          <p:val>
+                                            <p:fltVal val="0"/>
+                                          </p:val>
+                                        </p:tav>
+                                        <p:tav tm="100000">
+                                          <p:val>
+                                            <p:strVal val="#ppt_w"/>
+                                          </p:val>
+                                        </p:tav>
+                                      </p:tavLst>
+                                    </p:anim>
+                                    <p:anim calcmode="lin" valueType="num">
+                                      <p:cBhvr>
+                                        <p:cTn id="53" dur="500" fill="hold"/>
+                                        <p:tgtEl>
+                                          <p:spTgt spid="16"/>
+                                        </p:tgtEl>
+                                        <p:attrNameLst>
+                                          <p:attrName>ppt_h</p:attrName>
+                                        </p:attrNameLst>
+                                      </p:cBhvr>
+                                      <p:tavLst>
+                                        <p:tav tm="0">
+                                          <p:val>
+                                            <p:fltVal val="0"/>
+                                          </p:val>
+                                        </p:tav>
+                                        <p:tav tm="100000">
+                                          <p:val>
+                                            <p:strVal val="#ppt_h"/>
+                                          </p:val>
+                                        </p:tav>
+                                      </p:tavLst>
+                                    </p:anim>
+                                    <p:animEffect transition="in" filter="fade">
+                                      <p:cBhvr>
+                                        <p:cTn id="54" dur="500"/>
+                                        <p:tgtEl>
+                                          <p:spTgt spid="16"/>
+                                        </p:tgtEl>
+                                      </p:cBhvr>
+                                    </p:animEffect>
+                                  </p:childTnLst>
+                                </p:cTn>
+                              </p:par>
+                            </p:childTnLst>
+                          </p:cTn>
+                        </p:par>
+                        <p:par>
+                          <p:cTn id="55" fill="hold">
+                            <p:stCondLst>
+                              <p:cond delay="1000"/>
+                            </p:stCondLst>
+                            <p:childTnLst>
+                              <p:par>
+                                <p:cTn id="56" presetID="22" presetClass="entr" presetSubtype="1" fill="hold" grpId="0" nodeType="afterEffect">
+                                  <p:stCondLst>
+                                    <p:cond delay="0"/>
+                                  </p:stCondLst>
+                                  <p:childTnLst>
+                                    <p:set>
+                                      <p:cBhvr>
+                                        <p:cTn id="57" dur="1" fill="hold">
+                                          <p:stCondLst>
+                                            <p:cond delay="0"/>
+                                          </p:stCondLst>
+                                        </p:cTn>
+                                        <p:tgtEl>
+                                          <p:spTgt spid="21"/>
+                                        </p:tgtEl>
+                                        <p:attrNameLst>
+                                          <p:attrName>style.visibility</p:attrName>
+                                        </p:attrNameLst>
+                                      </p:cBhvr>
+                                      <p:to>
+                                        <p:strVal val="visible"/>
+                                      </p:to>
+                                    </p:set>
+                                    <p:animEffect transition="in" filter="wipe(up)">
+                                      <p:cBhvr>
+                                        <p:cTn id="58" dur="500"/>
+                                        <p:tgtEl>
+                                          <p:spTgt spid="21"/>
+                                        </p:tgtEl>
+                                      </p:cBhvr>
+                                    </p:animEffect>
+                                  </p:childTnLst>
+                                </p:cTn>
+                              </p:par>
+                            </p:childTnLst>
+                          </p:cTn>
+                        </p:par>
+                        <p:par>
+                          <p:cTn id="59" fill="hold">
+                            <p:stCondLst>
+                              <p:cond delay="1500"/>
+                            </p:stCondLst>
+                            <p:childTnLst>
+                              <p:par>
+                                <p:cTn id="60" presetID="1" presetClass="entr" presetSubtype="0" fill="hold" grpId="0" nodeType="afterEffect">
+                                  <p:stCondLst>
+                                    <p:cond delay="0"/>
+                                  </p:stCondLst>
+                                  <p:childTnLst>
+                                    <p:set>
+                                      <p:cBhvr>
+                                        <p:cTn id="61" dur="1" fill="hold">
+                                          <p:stCondLst>
+                                            <p:cond delay="0"/>
+                                          </p:stCondLst>
+                                        </p:cTn>
+                                        <p:tgtEl>
+                                          <p:spTgt spid="22"/>
+                                        </p:tgtEl>
+                                        <p:attrNameLst>
+                                          <p:attrName>style.visibility</p:attrName>
+                                        </p:attrNameLst>
+                                      </p:cBhvr>
+                                      <p:to>
+                                        <p:strVal val="visible"/>
+                                      </p:to>
+                                    </p:set>
+                                  </p:childTnLst>
+                                </p:cTn>
+                              </p:par>
+                            </p:childTnLst>
+                          </p:cTn>
+                        </p:par>
+                      </p:childTnLst>
+                    </p:cTn>
+                  </p:par>
+                  <p:par>
+                    <p:cTn id="62" fill="hold">
+                      <p:stCondLst>
+                        <p:cond delay="indefinite"/>
+                      </p:stCondLst>
+                      <p:childTnLst>
+                        <p:par>
+                          <p:cTn id="63" fill="hold">
+                            <p:stCondLst>
+                              <p:cond delay="0"/>
+                            </p:stCondLst>
+                            <p:childTnLst>
+                              <p:par>
+                                <p:cTn id="64" presetID="32" presetClass="emph" presetSubtype="0" fill="hold" grpId="1" nodeType="clickEffect">
+                                  <p:stCondLst>
+                                    <p:cond delay="0"/>
+                                  </p:stCondLst>
+                                  <p:childTnLst>
+                                    <p:animRot by="120000">
+                                      <p:cBhvr>
+                                        <p:cTn id="65" dur="100" fill="hold">
+                                          <p:stCondLst>
+                                            <p:cond delay="0"/>
+                                          </p:stCondLst>
+                                        </p:cTn>
+                                        <p:tgtEl>
+                                          <p:spTgt spid="13"/>
+                                        </p:tgtEl>
+                                        <p:attrNameLst>
+                                          <p:attrName>r</p:attrName>
+                                        </p:attrNameLst>
+                                      </p:cBhvr>
+                                    </p:animRot>
+                                    <p:animRot by="-240000">
+                                      <p:cBhvr>
+                                        <p:cTn id="66" dur="200" fill="hold">
+                                          <p:stCondLst>
+                                            <p:cond delay="200"/>
+                                          </p:stCondLst>
+                                        </p:cTn>
+                                        <p:tgtEl>
+                                          <p:spTgt spid="13"/>
+                                        </p:tgtEl>
+                                        <p:attrNameLst>
+                                          <p:attrName>r</p:attrName>
+                                        </p:attrNameLst>
+                                      </p:cBhvr>
+                                    </p:animRot>
+                                    <p:animRot by="240000">
+                                      <p:cBhvr>
+                                        <p:cTn id="67" dur="200" fill="hold">
+                                          <p:stCondLst>
+                                            <p:cond delay="400"/>
+                                          </p:stCondLst>
+                                        </p:cTn>
+                                        <p:tgtEl>
+                                          <p:spTgt spid="13"/>
+                                        </p:tgtEl>
+                                        <p:attrNameLst>
+                                          <p:attrName>r</p:attrName>
+                                        </p:attrNameLst>
+                                      </p:cBhvr>
+                                    </p:animRot>
+                                    <p:animRot by="-240000">
+                                      <p:cBhvr>
+                                        <p:cTn id="68" dur="200" fill="hold">
+                                          <p:stCondLst>
+                                            <p:cond delay="600"/>
+                                          </p:stCondLst>
+                                        </p:cTn>
+                                        <p:tgtEl>
+                                          <p:spTgt spid="13"/>
+                                        </p:tgtEl>
+                                        <p:attrNameLst>
+                                          <p:attrName>r</p:attrName>
+                                        </p:attrNameLst>
+                                      </p:cBhvr>
+                                    </p:animRot>
+                                    <p:animRot by="120000">
+                                      <p:cBhvr>
+                                        <p:cTn id="69" dur="200" fill="hold">
+                                          <p:stCondLst>
+                                            <p:cond delay="800"/>
+                                          </p:stCondLst>
+                                        </p:cTn>
+                                        <p:tgtEl>
+                                          <p:spTgt spid="13"/>
+                                        </p:tgtEl>
+                                        <p:attrNameLst>
+                                          <p:attrName>r</p:attrName>
+                                        </p:attrNameLst>
+                                      </p:cBhvr>
+                                    </p:animRot>
+                                  </p:childTnLst>
+                                </p:cTn>
+                              </p:par>
+                              <p:par>
+                                <p:cTn id="70" presetID="53" presetClass="entr" presetSubtype="16" fill="hold" grpId="0" nodeType="withEffect">
+                                  <p:stCondLst>
+                                    <p:cond delay="0"/>
+                                  </p:stCondLst>
+                                  <p:childTnLst>
+                                    <p:set>
+                                      <p:cBhvr>
+                                        <p:cTn id="71" dur="1" fill="hold">
+                                          <p:stCondLst>
+                                            <p:cond delay="0"/>
+                                          </p:stCondLst>
+                                        </p:cTn>
+                                        <p:tgtEl>
+                                          <p:spTgt spid="18"/>
+                                        </p:tgtEl>
+                                        <p:attrNameLst>
+                                          <p:attrName>style.visibility</p:attrName>
+                                        </p:attrNameLst>
+                                      </p:cBhvr>
+                                      <p:to>
+                                        <p:strVal val="visible"/>
+                                      </p:to>
+                                    </p:set>
+                                    <p:anim calcmode="lin" valueType="num">
+                                      <p:cBhvr>
+                                        <p:cTn id="72" dur="500" fill="hold"/>
+                                        <p:tgtEl>
+                                          <p:spTgt spid="18"/>
+                                        </p:tgtEl>
+                                        <p:attrNameLst>
+                                          <p:attrName>ppt_w</p:attrName>
+                                        </p:attrNameLst>
+                                      </p:cBhvr>
+                                      <p:tavLst>
+                                        <p:tav tm="0">
+                                          <p:val>
+                                            <p:fltVal val="0"/>
+                                          </p:val>
+                                        </p:tav>
+                                        <p:tav tm="100000">
+                                          <p:val>
+                                            <p:strVal val="#ppt_w"/>
+                                          </p:val>
+                                        </p:tav>
+                                      </p:tavLst>
+                                    </p:anim>
+                                    <p:anim calcmode="lin" valueType="num">
+                                      <p:cBhvr>
+                                        <p:cTn id="73" dur="500" fill="hold"/>
+                                        <p:tgtEl>
+                                          <p:spTgt spid="18"/>
+                                        </p:tgtEl>
+                                        <p:attrNameLst>
+                                          <p:attrName>ppt_h</p:attrName>
+                                        </p:attrNameLst>
+                                      </p:cBhvr>
+                                      <p:tavLst>
+                                        <p:tav tm="0">
+                                          <p:val>
+                                            <p:fltVal val="0"/>
+                                          </p:val>
+                                        </p:tav>
+                                        <p:tav tm="100000">
+                                          <p:val>
+                                            <p:strVal val="#ppt_h"/>
+                                          </p:val>
+                                        </p:tav>
+                                      </p:tavLst>
+                                    </p:anim>
+                                    <p:animEffect transition="in" filter="fade">
+                                      <p:cBhvr>
+                                        <p:cTn id="74" dur="500"/>
+                                        <p:tgtEl>
+                                          <p:spTgt spid="18"/>
+                                        </p:tgtEl>
+                                      </p:cBhvr>
+                                    </p:animEffect>
+                                  </p:childTnLst>
+                                </p:cTn>
+                              </p:par>
+                            </p:childTnLst>
+                          </p:cTn>
+                        </p:par>
+                        <p:par>
+                          <p:cTn id="75" fill="hold">
+                            <p:stCondLst>
+                              <p:cond delay="1000"/>
+                            </p:stCondLst>
+                            <p:childTnLst>
+                              <p:par>
+                                <p:cTn id="76" presetID="22" presetClass="entr" presetSubtype="1" fill="hold" grpId="0" nodeType="afterEffect">
+                                  <p:stCondLst>
+                                    <p:cond delay="0"/>
+                                  </p:stCondLst>
+                                  <p:childTnLst>
+                                    <p:set>
+                                      <p:cBhvr>
+                                        <p:cTn id="77" dur="1" fill="hold">
+                                          <p:stCondLst>
+                                            <p:cond delay="0"/>
+                                          </p:stCondLst>
+                                        </p:cTn>
+                                        <p:tgtEl>
+                                          <p:spTgt spid="23"/>
+                                        </p:tgtEl>
+                                        <p:attrNameLst>
+                                          <p:attrName>style.visibility</p:attrName>
+                                        </p:attrNameLst>
+                                      </p:cBhvr>
+                                      <p:to>
+                                        <p:strVal val="visible"/>
+                                      </p:to>
+                                    </p:set>
+                                    <p:animEffect transition="in" filter="wipe(up)">
+                                      <p:cBhvr>
+                                        <p:cTn id="78" dur="500"/>
+                                        <p:tgtEl>
+                                          <p:spTgt spid="23"/>
+                                        </p:tgtEl>
+                                      </p:cBhvr>
+                                    </p:animEffect>
+                                  </p:childTnLst>
+                                </p:cTn>
+                              </p:par>
+                            </p:childTnLst>
+                          </p:cTn>
+                        </p:par>
+                        <p:par>
+                          <p:cTn id="79" fill="hold">
+                            <p:stCondLst>
+                              <p:cond delay="1500"/>
+                            </p:stCondLst>
+                            <p:childTnLst>
+                              <p:par>
+                                <p:cTn id="80" presetID="1" presetClass="entr" presetSubtype="0" fill="hold" grpId="0" nodeType="afterEffect">
+                                  <p:stCondLst>
+                                    <p:cond delay="0"/>
+                                  </p:stCondLst>
+                                  <p:childTnLst>
+                                    <p:set>
+                                      <p:cBhvr>
+                                        <p:cTn id="81" dur="1" fill="hold">
+                                          <p:stCondLst>
+                                            <p:cond delay="0"/>
+                                          </p:stCondLst>
+                                        </p:cTn>
+                                        <p:tgtEl>
+                                          <p:spTgt spid="24"/>
+                                        </p:tgtEl>
+                                        <p:attrNameLst>
+                                          <p:attrName>style.visibility</p:attrName>
+                                        </p:attrNameLst>
+                                      </p:cBhvr>
+                                      <p:to>
+                                        <p:strVal val="visible"/>
+                                      </p:to>
+                                    </p:set>
+                                  </p:childTnLst>
+                                </p:cTn>
+                              </p:par>
+                            </p:childTnLst>
+                          </p:cTn>
+                        </p:par>
+                      </p:childTnLst>
+                    </p:cTn>
+                  </p:par>
+                  <p:par>
+                    <p:cTn id="82" fill="hold">
+                      <p:stCondLst>
+                        <p:cond delay="indefinite"/>
+                      </p:stCondLst>
+                      <p:childTnLst>
+                        <p:par>
+                          <p:cTn id="83" fill="hold">
+                            <p:stCondLst>
+                              <p:cond delay="0"/>
+                            </p:stCondLst>
+                            <p:childTnLst>
+                              <p:par>
+                                <p:cTn id="84" presetID="32" presetClass="emph" presetSubtype="0" fill="hold" grpId="1" nodeType="clickEffect">
+                                  <p:stCondLst>
+                                    <p:cond delay="0"/>
+                                  </p:stCondLst>
+                                  <p:childTnLst>
+                                    <p:animRot by="120000">
+                                      <p:cBhvr>
+                                        <p:cTn id="85" dur="100" fill="hold">
+                                          <p:stCondLst>
+                                            <p:cond delay="0"/>
+                                          </p:stCondLst>
+                                        </p:cTn>
+                                        <p:tgtEl>
+                                          <p:spTgt spid="14"/>
+                                        </p:tgtEl>
+                                        <p:attrNameLst>
+                                          <p:attrName>r</p:attrName>
+                                        </p:attrNameLst>
+                                      </p:cBhvr>
+                                    </p:animRot>
+                                    <p:animRot by="-240000">
+                                      <p:cBhvr>
+                                        <p:cTn id="86" dur="200" fill="hold">
+                                          <p:stCondLst>
+                                            <p:cond delay="200"/>
+                                          </p:stCondLst>
+                                        </p:cTn>
+                                        <p:tgtEl>
+                                          <p:spTgt spid="14"/>
+                                        </p:tgtEl>
+                                        <p:attrNameLst>
+                                          <p:attrName>r</p:attrName>
+                                        </p:attrNameLst>
+                                      </p:cBhvr>
+                                    </p:animRot>
+                                    <p:animRot by="240000">
+                                      <p:cBhvr>
+                                        <p:cTn id="87" dur="200" fill="hold">
+                                          <p:stCondLst>
+                                            <p:cond delay="400"/>
+                                          </p:stCondLst>
+                                        </p:cTn>
+                                        <p:tgtEl>
+                                          <p:spTgt spid="14"/>
+                                        </p:tgtEl>
+                                        <p:attrNameLst>
+                                          <p:attrName>r</p:attrName>
+                                        </p:attrNameLst>
+                                      </p:cBhvr>
+                                    </p:animRot>
+                                    <p:animRot by="-240000">
+                                      <p:cBhvr>
+                                        <p:cTn id="88" dur="200" fill="hold">
+                                          <p:stCondLst>
+                                            <p:cond delay="600"/>
+                                          </p:stCondLst>
+                                        </p:cTn>
+                                        <p:tgtEl>
+                                          <p:spTgt spid="14"/>
+                                        </p:tgtEl>
+                                        <p:attrNameLst>
+                                          <p:attrName>r</p:attrName>
+                                        </p:attrNameLst>
+                                      </p:cBhvr>
+                                    </p:animRot>
+                                    <p:animRot by="120000">
+                                      <p:cBhvr>
+                                        <p:cTn id="89" dur="200" fill="hold">
+                                          <p:stCondLst>
+                                            <p:cond delay="800"/>
+                                          </p:stCondLst>
+                                        </p:cTn>
+                                        <p:tgtEl>
+                                          <p:spTgt spid="14"/>
+                                        </p:tgtEl>
+                                        <p:attrNameLst>
+                                          <p:attrName>r</p:attrName>
+                                        </p:attrNameLst>
+                                      </p:cBhvr>
+                                    </p:animRot>
+                                  </p:childTnLst>
+                                </p:cTn>
+                              </p:par>
+                              <p:par>
+                                <p:cTn id="90" presetID="53" presetClass="entr" presetSubtype="16" fill="hold" grpId="0" nodeType="withEffect">
+                                  <p:stCondLst>
+                                    <p:cond delay="0"/>
+                                  </p:stCondLst>
+                                  <p:childTnLst>
+                                    <p:set>
+                                      <p:cBhvr>
+                                        <p:cTn id="91" dur="1" fill="hold">
+                                          <p:stCondLst>
+                                            <p:cond delay="0"/>
+                                          </p:stCondLst>
+                                        </p:cTn>
+                                        <p:tgtEl>
+                                          <p:spTgt spid="17"/>
+                                        </p:tgtEl>
+                                        <p:attrNameLst>
+                                          <p:attrName>style.visibility</p:attrName>
+                                        </p:attrNameLst>
+                                      </p:cBhvr>
+                                      <p:to>
+                                        <p:strVal val="visible"/>
+                                      </p:to>
+                                    </p:set>
+                                    <p:anim calcmode="lin" valueType="num">
+                                      <p:cBhvr>
+                                        <p:cTn id="92" dur="500" fill="hold"/>
+                                        <p:tgtEl>
+                                          <p:spTgt spid="17"/>
+                                        </p:tgtEl>
+                                        <p:attrNameLst>
+                                          <p:attrName>ppt_w</p:attrName>
+                                        </p:attrNameLst>
+                                      </p:cBhvr>
+                                      <p:tavLst>
+                                        <p:tav tm="0">
+                                          <p:val>
+                                            <p:fltVal val="0"/>
+                                          </p:val>
+                                        </p:tav>
+                                        <p:tav tm="100000">
+                                          <p:val>
+                                            <p:strVal val="#ppt_w"/>
+                                          </p:val>
+                                        </p:tav>
+                                      </p:tavLst>
+                                    </p:anim>
+                                    <p:anim calcmode="lin" valueType="num">
+                                      <p:cBhvr>
+                                        <p:cTn id="93" dur="500" fill="hold"/>
+                                        <p:tgtEl>
+                                          <p:spTgt spid="17"/>
+                                        </p:tgtEl>
+                                        <p:attrNameLst>
+                                          <p:attrName>ppt_h</p:attrName>
+                                        </p:attrNameLst>
+                                      </p:cBhvr>
+                                      <p:tavLst>
+                                        <p:tav tm="0">
+                                          <p:val>
+                                            <p:fltVal val="0"/>
+                                          </p:val>
+                                        </p:tav>
+                                        <p:tav tm="100000">
+                                          <p:val>
+                                            <p:strVal val="#ppt_h"/>
+                                          </p:val>
+                                        </p:tav>
+                                      </p:tavLst>
+                                    </p:anim>
+                                    <p:animEffect transition="in" filter="fade">
+                                      <p:cBhvr>
+                                        <p:cTn id="94" dur="500"/>
+                                        <p:tgtEl>
+                                          <p:spTgt spid="17"/>
+                                        </p:tgtEl>
+                                      </p:cBhvr>
+                                    </p:animEffect>
+                                  </p:childTnLst>
+                                </p:cTn>
+                              </p:par>
+                            </p:childTnLst>
+                          </p:cTn>
+                        </p:par>
+                        <p:par>
+                          <p:cTn id="95" fill="hold">
+                            <p:stCondLst>
+                              <p:cond delay="1000"/>
+                            </p:stCondLst>
+                            <p:childTnLst>
+                              <p:par>
+                                <p:cTn id="96" presetID="22" presetClass="entr" presetSubtype="1" fill="hold" grpId="0" nodeType="afterEffect">
+                                  <p:stCondLst>
+                                    <p:cond delay="0"/>
+                                  </p:stCondLst>
+                                  <p:childTnLst>
+                                    <p:set>
+                                      <p:cBhvr>
+                                        <p:cTn id="97" dur="1" fill="hold">
+                                          <p:stCondLst>
+                                            <p:cond delay="0"/>
+                                          </p:stCondLst>
+                                        </p:cTn>
+                                        <p:tgtEl>
+                                          <p:spTgt spid="25"/>
+                                        </p:tgtEl>
+                                        <p:attrNameLst>
+                                          <p:attrName>style.visibility</p:attrName>
+                                        </p:attrNameLst>
+                                      </p:cBhvr>
+                                      <p:to>
+                                        <p:strVal val="visible"/>
+                                      </p:to>
+                                    </p:set>
+                                    <p:animEffect transition="in" filter="wipe(up)">
+                                      <p:cBhvr>
+                                        <p:cTn id="98" dur="500"/>
+                                        <p:tgtEl>
+                                          <p:spTgt spid="25"/>
+                                        </p:tgtEl>
+                                      </p:cBhvr>
+                                    </p:animEffect>
+                                  </p:childTnLst>
+                                </p:cTn>
+                              </p:par>
+                              <p:par>
+                                <p:cTn id="99" presetID="1" presetClass="entr" presetSubtype="0" fill="hold" grpId="0" nodeType="withEffect">
+                                  <p:stCondLst>
+                                    <p:cond delay="0"/>
+                                  </p:stCondLst>
+                                  <p:childTnLst>
+                                    <p:set>
+                                      <p:cBhvr>
+                                        <p:cTn id="100" dur="1" fill="hold">
+                                          <p:stCondLst>
+                                            <p:cond delay="0"/>
+                                          </p:stCondLst>
+                                        </p:cTn>
+                                        <p:tgtEl>
+                                          <p:spTgt spid="26"/>
+                                        </p:tgtEl>
+                                        <p:attrNameLst>
+                                          <p:attrName>style.visibility</p:attrName>
+                                        </p:attrNameLst>
+                                      </p:cBhvr>
+                                      <p:to>
+                                        <p:strVal val="visible"/>
+                                      </p:to>
+                                    </p:set>
+                                  </p:childTnLst>
+                                </p:cTn>
+                              </p:par>
+                            </p:childTnLst>
+                          </p:cTn>
+                        </p:par>
+                      </p:childTnLst>
+                    </p:cTn>
+                  </p:par>
+                </p:childTnLst>
+              </p:cTn>
+              <p:prevCondLst>
+                <p:cond evt="onPrev" delay="0">
+                  <p:tgtEl>
+                    <p:sldTgt/>
+                  </p:tgtEl>
+                </p:cond>
+              </p:prevCondLst>
+              <p:nextCondLst>
+                <p:cond evt="onNext" delay="0">
+                  <p:tgtEl>
+                    <p:sldTgt/>
+                  </p:tgtEl>
+                </p:cond>
+              </p:nextCondLst>
+            </p:seq>
+          </p:childTnLst>
+        </p:cTn>
+      </p:par>
+    </p:tnLst>
+    <p:bldLst>
+      <p:bldP spid="5" grpId="0" animBg="1"/>
+      <p:bldP spid="11" grpId="0"/>
+      <p:bldP spid="11" grpId="1"/>
+      <p:bldP spid="12" grpId="0"/>
+      <p:bldP spid="12" grpId="1"/>
+      <p:bldP spid="13" grpId="0"/>
+      <p:bldP spid="13" grpId="1"/>
+      <p:bldP spid="14" grpId="0"/>
+      <p:bldP spid="14" grpId="1"/>
+      <p:bldP spid="15" grpId="0"/>
+      <p:bldP spid="16" grpId="0"/>
+      <p:bldP spid="17" grpId="0"/>
+      <p:bldP spid="18" grpId="0"/>
+      <p:bldP spid="19" grpId="0" animBg="1"/>
+      <p:bldP spid="20" grpId="0"/>
+      <p:bldP spid="21" grpId="0" animBg="1"/>
+      <p:bldP spid="22" grpId="0"/>
+      <p:bldP spid="23" grpId="0" animBg="1"/>
+      <p:bldP spid="24" grpId="0"/>
+      <p:bldP spid="25" grpId="0" animBg="1"/>
+      <p:bldP spid="26" grpId="0"/>
+    </p:bldLst>
+  </p:timing>
+</p:sld>
+</file>
+
+<file path=ppt/slides/slide21.xml><?xml version="1.0" encoding="utf-8"?>
+<p:sld xmlns:a="http://schemas.openxmlformats.org/drawingml/2006/main" xmlns:r="http://schemas.openxmlformats.org/officeDocument/2006/relationships" xmlns:p="http://schemas.openxmlformats.org/presentationml/2006/main">
+  <p:cSld>
+    <p:spTree>
+      <p:nvGrpSpPr>
+        <p:cNvPr id="1" name=""/>
+        <p:cNvGrpSpPr/>
+        <p:nvPr/>
+      </p:nvGrpSpPr>
+      <p:grpSpPr>
+        <a:xfrm>
+          <a:off x="0" y="0"/>
+          <a:ext cx="0" cy="0"/>
+          <a:chOff x="0" y="0"/>
+          <a:chExt cx="0" cy="0"/>
+        </a:xfrm>
+      </p:grpSpPr>
+      <p:sp>
+        <p:nvSpPr>
+          <p:cNvPr id="2" name="Slide Number Placeholder 1"/>
+          <p:cNvSpPr>
+            <a:spLocks noGrp="1"/>
+          </p:cNvSpPr>
+          <p:nvPr>
+            <p:ph type="sldNum" sz="quarter" idx="12"/>
+          </p:nvPr>
+        </p:nvSpPr>
+        <p:spPr/>
+        <p:txBody>
+          <a:bodyPr/>
+          <a:lstStyle/>
+          <a:p>
+            <a:fld id="{401CF334-2D5C-4859-84A6-CA7E6E43FAEB}" type="slidenum">
+              <a:rPr lang="en-US" smtClean="0"/>
+              <a:t>21</a:t>
+            </a:fld>
+            <a:endParaRPr lang="en-US" dirty="0"/>
+          </a:p>
+        </p:txBody>
+      </p:sp>
+      <p:sp>
+        <p:nvSpPr>
+          <p:cNvPr id="3" name="Content Placeholder 2"/>
+          <p:cNvSpPr>
+            <a:spLocks noGrp="1"/>
+          </p:cNvSpPr>
+          <p:nvPr>
+            <p:ph idx="1"/>
+          </p:nvPr>
+        </p:nvSpPr>
+        <p:spPr>
+          <a:xfrm>
+            <a:off x="932330" y="2248348"/>
+            <a:ext cx="4836458" cy="857923"/>
+          </a:xfrm>
+        </p:spPr>
+        <p:txBody>
+          <a:bodyPr/>
+          <a:lstStyle/>
+          <a:p>
+            <a:pPr marL="0" indent="0">
+              <a:buNone/>
+            </a:pPr>
+            <a:r>
+              <a:rPr lang="en-US" dirty="0" smtClean="0"/>
+              <a:t>Create new resource on the server.</a:t>
+            </a:r>
+            <a:endParaRPr lang="fr-FR" dirty="0"/>
+          </a:p>
+        </p:txBody>
+      </p:sp>
+      <p:sp>
+        <p:nvSpPr>
+          <p:cNvPr id="4" name="Title 3"/>
+          <p:cNvSpPr>
+            <a:spLocks noGrp="1"/>
+          </p:cNvSpPr>
+          <p:nvPr>
+            <p:ph type="title"/>
+          </p:nvPr>
+        </p:nvSpPr>
+        <p:spPr/>
+        <p:txBody>
+          <a:bodyPr/>
+          <a:lstStyle/>
+          <a:p>
+            <a:r>
+              <a:rPr lang="en-US" dirty="0" smtClean="0"/>
+              <a:t>POST Method</a:t>
+            </a:r>
+            <a:endParaRPr lang="fr-FR" dirty="0"/>
+          </a:p>
+        </p:txBody>
+      </p:sp>
+      <p:pic>
+        <p:nvPicPr>
+          <p:cNvPr id="5" name="Picture 4"/>
+          <p:cNvPicPr>
+            <a:picLocks noChangeAspect="1"/>
+          </p:cNvPicPr>
+          <p:nvPr/>
+        </p:nvPicPr>
+        <p:blipFill>
+          <a:blip r:embed="rId2">
+            <a:extLst>
+              <a:ext uri="{28A0092B-C50C-407E-A947-70E740481C1C}">
+                <a14:useLocalDpi xmlns:a14="http://schemas.microsoft.com/office/drawing/2010/main" val="0"/>
+              </a:ext>
+            </a:extLst>
+          </a:blip>
+          <a:stretch>
+            <a:fillRect/>
+          </a:stretch>
+        </p:blipFill>
+        <p:spPr>
+          <a:xfrm>
+            <a:off x="1434353" y="3297219"/>
+            <a:ext cx="2438400" cy="2438400"/>
+          </a:xfrm>
+          <a:prstGeom prst="rect">
+            <a:avLst/>
+          </a:prstGeom>
+        </p:spPr>
+      </p:pic>
+      <p:pic>
+        <p:nvPicPr>
+          <p:cNvPr id="6" name="Picture 5"/>
+          <p:cNvPicPr>
+            <a:picLocks noChangeAspect="1"/>
+          </p:cNvPicPr>
+          <p:nvPr/>
+        </p:nvPicPr>
+        <p:blipFill>
+          <a:blip r:embed="rId3">
+            <a:extLst>
+              <a:ext uri="{28A0092B-C50C-407E-A947-70E740481C1C}">
+                <a14:useLocalDpi xmlns:a14="http://schemas.microsoft.com/office/drawing/2010/main" val="0"/>
+              </a:ext>
+            </a:extLst>
+          </a:blip>
+          <a:stretch>
+            <a:fillRect/>
+          </a:stretch>
+        </p:blipFill>
+        <p:spPr>
+          <a:xfrm>
+            <a:off x="8630611" y="3297219"/>
+            <a:ext cx="2438400" cy="2438400"/>
+          </a:xfrm>
+          <a:prstGeom prst="rect">
+            <a:avLst/>
+          </a:prstGeom>
+        </p:spPr>
+      </p:pic>
+      <p:sp>
+        <p:nvSpPr>
+          <p:cNvPr id="7" name="Right Arrow 6"/>
+          <p:cNvSpPr/>
+          <p:nvPr/>
+        </p:nvSpPr>
+        <p:spPr>
+          <a:xfrm>
+            <a:off x="3795914" y="3757829"/>
+            <a:ext cx="4911537" cy="257286"/>
+          </a:xfrm>
+          <a:prstGeom prst="rightArrow">
+            <a:avLst>
+              <a:gd name="adj1" fmla="val 50000"/>
+              <a:gd name="adj2" fmla="val 51444"/>
+            </a:avLst>
+          </a:prstGeom>
+          <a:solidFill>
+            <a:schemeClr val="accent1">
+              <a:lumMod val="75000"/>
+            </a:schemeClr>
+          </a:solidFill>
+        </p:spPr>
+        <p:style>
+          <a:lnRef idx="3">
+            <a:schemeClr val="lt1"/>
+          </a:lnRef>
+          <a:fillRef idx="1">
+            <a:schemeClr val="accent3"/>
+          </a:fillRef>
+          <a:effectRef idx="1">
+            <a:schemeClr val="accent3"/>
+          </a:effectRef>
+          <a:fontRef idx="minor">
+            <a:schemeClr val="lt1"/>
+          </a:fontRef>
+        </p:style>
+        <p:txBody>
+          <a:bodyPr rtlCol="0" anchor="ctr"/>
+          <a:lstStyle/>
+          <a:p>
+            <a:pPr algn="ctr"/>
+            <a:endParaRPr lang="fr-FR" dirty="0"/>
+          </a:p>
+        </p:txBody>
+      </p:sp>
+      <p:sp>
+        <p:nvSpPr>
+          <p:cNvPr id="8" name="TextBox 7"/>
+          <p:cNvSpPr txBox="1"/>
+          <p:nvPr/>
+        </p:nvSpPr>
+        <p:spPr>
+          <a:xfrm>
+            <a:off x="2987575" y="4992452"/>
+            <a:ext cx="725968" cy="369332"/>
+          </a:xfrm>
+          <a:prstGeom prst="rect">
+            <a:avLst/>
+          </a:prstGeom>
+          <a:noFill/>
+          <a:ln>
+            <a:noFill/>
+          </a:ln>
+        </p:spPr>
+        <p:txBody>
+          <a:bodyPr wrap="none" rtlCol="0" anchor="ctr" anchorCtr="1">
+            <a:spAutoFit/>
+          </a:bodyPr>
+          <a:lstStyle/>
+          <a:p>
+            <a:r>
+              <a:rPr lang="en-US" dirty="0" smtClean="0"/>
+              <a:t>Client</a:t>
+            </a:r>
+            <a:endParaRPr lang="fr-FR" dirty="0"/>
+          </a:p>
+        </p:txBody>
+      </p:sp>
+      <p:sp>
+        <p:nvSpPr>
+          <p:cNvPr id="9" name="TextBox 8"/>
+          <p:cNvSpPr txBox="1"/>
+          <p:nvPr/>
+        </p:nvSpPr>
+        <p:spPr>
+          <a:xfrm rot="21385081">
+            <a:off x="8852352" y="4761620"/>
+            <a:ext cx="987643" cy="461665"/>
+          </a:xfrm>
+          <a:prstGeom prst="rect">
+            <a:avLst/>
+          </a:prstGeom>
+          <a:noFill/>
+          <a:ln>
+            <a:noFill/>
+          </a:ln>
+        </p:spPr>
+        <p:txBody>
+          <a:bodyPr wrap="none" rtlCol="0" anchor="ctr" anchorCtr="1">
+            <a:spAutoFit/>
+            <a:scene3d>
+              <a:camera prst="perspectiveContrastingLeftFacing"/>
+              <a:lightRig rig="threePt" dir="t"/>
+            </a:scene3d>
+          </a:bodyPr>
+          <a:lstStyle/>
+          <a:p>
+            <a:r>
+              <a:rPr lang="en-US" sz="2400" dirty="0" smtClean="0">
+                <a:solidFill>
+                  <a:schemeClr val="bg1"/>
+                </a:solidFill>
+              </a:rPr>
+              <a:t>Server</a:t>
+            </a:r>
+            <a:endParaRPr lang="fr-FR" dirty="0">
+              <a:solidFill>
+                <a:schemeClr val="bg1"/>
+              </a:solidFill>
+            </a:endParaRPr>
+          </a:p>
+        </p:txBody>
+      </p:sp>
+      <p:sp>
+        <p:nvSpPr>
+          <p:cNvPr id="10" name="Right Arrow 9"/>
+          <p:cNvSpPr/>
+          <p:nvPr/>
+        </p:nvSpPr>
+        <p:spPr>
+          <a:xfrm flipH="1">
+            <a:off x="3795910" y="5033370"/>
+            <a:ext cx="4834697" cy="290279"/>
+          </a:xfrm>
+          <a:prstGeom prst="rightArrow">
+            <a:avLst>
+              <a:gd name="adj1" fmla="val 50000"/>
+              <a:gd name="adj2" fmla="val 51444"/>
+            </a:avLst>
+          </a:prstGeom>
+          <a:solidFill>
+            <a:schemeClr val="accent1">
+              <a:lumMod val="75000"/>
+            </a:schemeClr>
+          </a:solidFill>
+        </p:spPr>
+        <p:style>
+          <a:lnRef idx="3">
+            <a:schemeClr val="lt1"/>
+          </a:lnRef>
+          <a:fillRef idx="1">
+            <a:schemeClr val="accent3"/>
+          </a:fillRef>
+          <a:effectRef idx="1">
+            <a:schemeClr val="accent3"/>
+          </a:effectRef>
+          <a:fontRef idx="minor">
+            <a:schemeClr val="lt1"/>
+          </a:fontRef>
+        </p:style>
+        <p:txBody>
+          <a:bodyPr rtlCol="0" anchor="ctr"/>
+          <a:lstStyle/>
+          <a:p>
+            <a:pPr algn="ctr"/>
+            <a:endParaRPr lang="fr-FR" dirty="0"/>
+          </a:p>
+        </p:txBody>
+      </p:sp>
+      <p:sp>
+        <p:nvSpPr>
+          <p:cNvPr id="11" name="TextBox 10"/>
+          <p:cNvSpPr txBox="1"/>
+          <p:nvPr/>
+        </p:nvSpPr>
+        <p:spPr>
+          <a:xfrm>
+            <a:off x="4078783" y="3499747"/>
+            <a:ext cx="4668137" cy="369332"/>
+          </a:xfrm>
+          <a:prstGeom prst="rect">
+            <a:avLst/>
+          </a:prstGeom>
+          <a:noFill/>
+          <a:ln>
+            <a:noFill/>
+          </a:ln>
+        </p:spPr>
+        <p:txBody>
+          <a:bodyPr wrap="none" rtlCol="0" anchor="ctr" anchorCtr="1">
+            <a:spAutoFit/>
+          </a:bodyPr>
+          <a:lstStyle/>
+          <a:p>
+            <a:r>
+              <a:rPr lang="en-US" b="1" dirty="0" smtClean="0"/>
+              <a:t>POST:http://address/</a:t>
+            </a:r>
+            <a:r>
+              <a:rPr lang="en-US" b="1" dirty="0" err="1" smtClean="0"/>
+              <a:t>className</a:t>
+            </a:r>
+            <a:r>
+              <a:rPr lang="en-US" b="1" dirty="0" smtClean="0"/>
+              <a:t>/</a:t>
+            </a:r>
+            <a:r>
+              <a:rPr lang="en-US" b="1" dirty="0" err="1" smtClean="0"/>
+              <a:t>methodName</a:t>
+            </a:r>
+            <a:endParaRPr lang="fr-FR" b="1" dirty="0"/>
+          </a:p>
+        </p:txBody>
+      </p:sp>
+      <p:sp>
+        <p:nvSpPr>
+          <p:cNvPr id="13" name="TextBox 12"/>
+          <p:cNvSpPr txBox="1"/>
+          <p:nvPr/>
+        </p:nvSpPr>
+        <p:spPr>
+          <a:xfrm>
+            <a:off x="4135061" y="3965420"/>
+            <a:ext cx="4156394" cy="307777"/>
+          </a:xfrm>
+          <a:prstGeom prst="rect">
+            <a:avLst/>
+          </a:prstGeom>
+          <a:noFill/>
+          <a:ln>
+            <a:noFill/>
+          </a:ln>
+        </p:spPr>
+        <p:txBody>
+          <a:bodyPr wrap="none" rtlCol="0" anchor="ctr" anchorCtr="1">
+            <a:spAutoFit/>
+          </a:bodyPr>
+          <a:lstStyle/>
+          <a:p>
+            <a:r>
+              <a:rPr lang="en-US" sz="1400" dirty="0" smtClean="0"/>
+              <a:t>The query core is a representation: XML, JSON, HTML..</a:t>
+            </a:r>
+            <a:endParaRPr lang="fr-FR" sz="1400" dirty="0"/>
+          </a:p>
+        </p:txBody>
+      </p:sp>
+      <p:sp>
+        <p:nvSpPr>
+          <p:cNvPr id="14" name="TextBox 13"/>
+          <p:cNvSpPr txBox="1"/>
+          <p:nvPr/>
+        </p:nvSpPr>
+        <p:spPr>
+          <a:xfrm>
+            <a:off x="5166583" y="5067456"/>
+            <a:ext cx="2376228" cy="954107"/>
+          </a:xfrm>
+          <a:prstGeom prst="rect">
+            <a:avLst/>
+          </a:prstGeom>
+          <a:noFill/>
+          <a:ln>
+            <a:noFill/>
+          </a:ln>
+        </p:spPr>
+        <p:txBody>
+          <a:bodyPr wrap="none" rtlCol="0" anchor="ctr" anchorCtr="1">
+            <a:spAutoFit/>
+          </a:bodyPr>
+          <a:lstStyle/>
+          <a:p>
+            <a:endParaRPr lang="fr-FR" sz="1400" dirty="0"/>
+          </a:p>
+          <a:p>
+            <a:r>
+              <a:rPr lang="en-US" sz="1400" dirty="0" smtClean="0"/>
+              <a:t>Status : 201, 204 </a:t>
+            </a:r>
+          </a:p>
+          <a:p>
+            <a:r>
+              <a:rPr lang="en-US" sz="1400" dirty="0" smtClean="0"/>
+              <a:t>Message : Create, No content </a:t>
+            </a:r>
+          </a:p>
+          <a:p>
+            <a:r>
+              <a:rPr lang="en-US" sz="1400" dirty="0" smtClean="0"/>
+              <a:t>header : ….. </a:t>
+            </a:r>
+            <a:endParaRPr lang="en-US" sz="1400" dirty="0"/>
+          </a:p>
+        </p:txBody>
+      </p:sp>
+    </p:spTree>
+    <p:extLst>
+      <p:ext uri="{BB962C8B-B14F-4D97-AF65-F5344CB8AC3E}">
+        <p14:creationId xmlns:p14="http://schemas.microsoft.com/office/powerpoint/2010/main" val="1171187925"/>
+      </p:ext>
+    </p:extLst>
+  </p:cSld>
+  <p:clrMapOvr>
+    <a:masterClrMapping/>
+  </p:clrMapOvr>
+  <p:timing>
+    <p:tnLst>
+      <p:par>
+        <p:cTn id="1" dur="indefinite" restart="never" nodeType="tmRoot">
+          <p:childTnLst>
+            <p:seq concurrent="1" nextAc="seek">
+              <p:cTn id="2" dur="indefinite" nodeType="mainSeq">
+                <p:childTnLst>
+                  <p:par>
+                    <p:cTn id="3" fill="hold">
+                      <p:stCondLst>
+                        <p:cond delay="indefinite"/>
+                      </p:stCondLst>
+                      <p:childTnLst>
+                        <p:par>
+                          <p:cTn id="4" fill="hold">
+                            <p:stCondLst>
+                              <p:cond delay="0"/>
+                            </p:stCondLst>
+                            <p:childTnLst>
+                              <p:par>
+                                <p:cTn id="5" presetID="22" presetClass="entr" presetSubtype="8" fill="hold" grpId="0" nodeType="clickEffect">
+                                  <p:stCondLst>
+                                    <p:cond delay="0"/>
+                                  </p:stCondLst>
+                                  <p:childTnLst>
+                                    <p:set>
+                                      <p:cBhvr>
+                                        <p:cTn id="6" dur="1" fill="hold">
+                                          <p:stCondLst>
+                                            <p:cond delay="0"/>
+                                          </p:stCondLst>
+                                        </p:cTn>
+                                        <p:tgtEl>
+                                          <p:spTgt spid="7"/>
+                                        </p:tgtEl>
+                                        <p:attrNameLst>
+                                          <p:attrName>style.visibility</p:attrName>
+                                        </p:attrNameLst>
+                                      </p:cBhvr>
+                                      <p:to>
+                                        <p:strVal val="visible"/>
+                                      </p:to>
+                                    </p:set>
+                                    <p:animEffect transition="in" filter="wipe(left)">
+                                      <p:cBhvr>
+                                        <p:cTn id="7" dur="500"/>
+                                        <p:tgtEl>
+                                          <p:spTgt spid="7"/>
+                                        </p:tgtEl>
+                                      </p:cBhvr>
+                                    </p:animEffect>
+                                  </p:childTnLst>
+                                </p:cTn>
+                              </p:par>
+                            </p:childTnLst>
+                          </p:cTn>
+                        </p:par>
+                      </p:childTnLst>
+                    </p:cTn>
+                  </p:par>
+                  <p:par>
+                    <p:cTn id="8" fill="hold">
+                      <p:stCondLst>
+                        <p:cond delay="indefinite"/>
+                      </p:stCondLst>
+                      <p:childTnLst>
+                        <p:par>
+                          <p:cTn id="9" fill="hold">
+                            <p:stCondLst>
+                              <p:cond delay="0"/>
+                            </p:stCondLst>
+                            <p:childTnLst>
+                              <p:par>
+                                <p:cTn id="10" presetID="22" presetClass="entr" presetSubtype="2" fill="hold" grpId="0" nodeType="clickEffect">
+                                  <p:stCondLst>
+                                    <p:cond delay="0"/>
+                                  </p:stCondLst>
+                                  <p:childTnLst>
+                                    <p:set>
+                                      <p:cBhvr>
+                                        <p:cTn id="11" dur="1" fill="hold">
+                                          <p:stCondLst>
+                                            <p:cond delay="0"/>
+                                          </p:stCondLst>
+                                        </p:cTn>
+                                        <p:tgtEl>
+                                          <p:spTgt spid="10"/>
+                                        </p:tgtEl>
+                                        <p:attrNameLst>
+                                          <p:attrName>style.visibility</p:attrName>
+                                        </p:attrNameLst>
+                                      </p:cBhvr>
+                                      <p:to>
+                                        <p:strVal val="visible"/>
+                                      </p:to>
+                                    </p:set>
+                                    <p:animEffect transition="in" filter="wipe(right)">
+                                      <p:cBhvr>
+                                        <p:cTn id="12" dur="500"/>
+                                        <p:tgtEl>
+                                          <p:spTgt spid="10"/>
+                                        </p:tgtEl>
+                                      </p:cBhvr>
+                                    </p:animEffect>
+                                  </p:childTnLst>
+                                </p:cTn>
+                              </p:par>
+                            </p:childTnLst>
+                          </p:cTn>
+                        </p:par>
+                      </p:childTnLst>
+                    </p:cTn>
+                  </p:par>
+                </p:childTnLst>
+              </p:cTn>
+              <p:prevCondLst>
+                <p:cond evt="onPrev" delay="0">
+                  <p:tgtEl>
+                    <p:sldTgt/>
+                  </p:tgtEl>
+                </p:cond>
+              </p:prevCondLst>
+              <p:nextCondLst>
+                <p:cond evt="onNext" delay="0">
+                  <p:tgtEl>
+                    <p:sldTgt/>
+                  </p:tgtEl>
+                </p:cond>
+              </p:nextCondLst>
+            </p:seq>
+          </p:childTnLst>
+        </p:cTn>
+      </p:par>
+    </p:tnLst>
+    <p:bldLst>
+      <p:bldP spid="7" grpId="0" animBg="1"/>
+      <p:bldP spid="10" grpId="0" animBg="1"/>
+    </p:bldLst>
+  </p:timing>
+</p:sld>
+</file>
+
+<file path=ppt/slides/slide22.xml><?xml version="1.0" encoding="utf-8"?>
+<p:sld xmlns:a="http://schemas.openxmlformats.org/drawingml/2006/main" xmlns:r="http://schemas.openxmlformats.org/officeDocument/2006/relationships" xmlns:p="http://schemas.openxmlformats.org/presentationml/2006/main">
+  <p:cSld>
+    <p:spTree>
+      <p:nvGrpSpPr>
+        <p:cNvPr id="1" name=""/>
+        <p:cNvGrpSpPr/>
+        <p:nvPr/>
+      </p:nvGrpSpPr>
+      <p:grpSpPr>
+        <a:xfrm>
+          <a:off x="0" y="0"/>
+          <a:ext cx="0" cy="0"/>
+          <a:chOff x="0" y="0"/>
+          <a:chExt cx="0" cy="0"/>
+        </a:xfrm>
+      </p:grpSpPr>
+      <p:sp>
+        <p:nvSpPr>
+          <p:cNvPr id="2" name="Slide Number Placeholder 1"/>
+          <p:cNvSpPr>
+            <a:spLocks noGrp="1"/>
+          </p:cNvSpPr>
+          <p:nvPr>
+            <p:ph type="sldNum" sz="quarter" idx="12"/>
+          </p:nvPr>
+        </p:nvSpPr>
+        <p:spPr/>
+        <p:txBody>
+          <a:bodyPr/>
+          <a:lstStyle/>
+          <a:p>
+            <a:fld id="{401CF334-2D5C-4859-84A6-CA7E6E43FAEB}" type="slidenum">
+              <a:rPr lang="en-US" smtClean="0"/>
+              <a:t>22</a:t>
+            </a:fld>
+            <a:endParaRPr lang="en-US" dirty="0"/>
+          </a:p>
+        </p:txBody>
+      </p:sp>
+      <p:sp>
+        <p:nvSpPr>
+          <p:cNvPr id="3" name="Content Placeholder 2"/>
+          <p:cNvSpPr>
+            <a:spLocks noGrp="1"/>
+          </p:cNvSpPr>
+          <p:nvPr>
+            <p:ph idx="1"/>
+          </p:nvPr>
+        </p:nvSpPr>
+        <p:spPr>
+          <a:xfrm>
+            <a:off x="932330" y="2248349"/>
+            <a:ext cx="7232876" cy="649398"/>
+          </a:xfrm>
+        </p:spPr>
+        <p:txBody>
+          <a:bodyPr/>
+          <a:lstStyle/>
+          <a:p>
+            <a:pPr marL="0" indent="0">
+              <a:buNone/>
+            </a:pPr>
+            <a:r>
+              <a:rPr lang="en-US" dirty="0" smtClean="0"/>
+              <a:t>Send the resource representation existing on the server.</a:t>
+            </a:r>
+            <a:endParaRPr lang="en-US" dirty="0"/>
+          </a:p>
+        </p:txBody>
+      </p:sp>
+      <p:sp>
+        <p:nvSpPr>
+          <p:cNvPr id="4" name="Title 3"/>
+          <p:cNvSpPr>
+            <a:spLocks noGrp="1"/>
+          </p:cNvSpPr>
+          <p:nvPr>
+            <p:ph type="title"/>
+          </p:nvPr>
+        </p:nvSpPr>
+        <p:spPr/>
+        <p:txBody>
+          <a:bodyPr/>
+          <a:lstStyle/>
+          <a:p>
+            <a:r>
+              <a:rPr lang="en-US" dirty="0" smtClean="0"/>
+              <a:t>GET Method</a:t>
+            </a:r>
+            <a:endParaRPr lang="fr-FR" dirty="0"/>
+          </a:p>
+        </p:txBody>
+      </p:sp>
+      <p:pic>
+        <p:nvPicPr>
+          <p:cNvPr id="5" name="Picture 4"/>
+          <p:cNvPicPr>
+            <a:picLocks noChangeAspect="1"/>
+          </p:cNvPicPr>
+          <p:nvPr/>
+        </p:nvPicPr>
+        <p:blipFill>
+          <a:blip r:embed="rId2">
+            <a:extLst>
+              <a:ext uri="{28A0092B-C50C-407E-A947-70E740481C1C}">
+                <a14:useLocalDpi xmlns:a14="http://schemas.microsoft.com/office/drawing/2010/main" val="0"/>
+              </a:ext>
+            </a:extLst>
+          </a:blip>
+          <a:stretch>
+            <a:fillRect/>
+          </a:stretch>
+        </p:blipFill>
+        <p:spPr>
+          <a:xfrm>
+            <a:off x="1434353" y="3297219"/>
+            <a:ext cx="2438400" cy="2438400"/>
+          </a:xfrm>
+          <a:prstGeom prst="rect">
+            <a:avLst/>
+          </a:prstGeom>
+        </p:spPr>
+      </p:pic>
+      <p:pic>
+        <p:nvPicPr>
+          <p:cNvPr id="6" name="Picture 5"/>
+          <p:cNvPicPr>
+            <a:picLocks noChangeAspect="1"/>
+          </p:cNvPicPr>
+          <p:nvPr/>
+        </p:nvPicPr>
+        <p:blipFill>
+          <a:blip r:embed="rId3">
+            <a:extLst>
+              <a:ext uri="{28A0092B-C50C-407E-A947-70E740481C1C}">
+                <a14:useLocalDpi xmlns:a14="http://schemas.microsoft.com/office/drawing/2010/main" val="0"/>
+              </a:ext>
+            </a:extLst>
+          </a:blip>
+          <a:stretch>
+            <a:fillRect/>
+          </a:stretch>
+        </p:blipFill>
+        <p:spPr>
+          <a:xfrm>
+            <a:off x="8630611" y="3297219"/>
+            <a:ext cx="2438400" cy="2438400"/>
+          </a:xfrm>
+          <a:prstGeom prst="rect">
+            <a:avLst/>
+          </a:prstGeom>
+        </p:spPr>
+      </p:pic>
+      <p:sp>
+        <p:nvSpPr>
+          <p:cNvPr id="7" name="Right Arrow 6"/>
+          <p:cNvSpPr/>
+          <p:nvPr/>
+        </p:nvSpPr>
+        <p:spPr>
+          <a:xfrm>
+            <a:off x="3795914" y="3757829"/>
+            <a:ext cx="4911537" cy="257286"/>
+          </a:xfrm>
+          <a:prstGeom prst="rightArrow">
+            <a:avLst>
+              <a:gd name="adj1" fmla="val 50000"/>
+              <a:gd name="adj2" fmla="val 51444"/>
+            </a:avLst>
+          </a:prstGeom>
+          <a:solidFill>
+            <a:schemeClr val="accent1">
+              <a:lumMod val="75000"/>
+            </a:schemeClr>
+          </a:solidFill>
+        </p:spPr>
+        <p:style>
+          <a:lnRef idx="3">
+            <a:schemeClr val="lt1"/>
+          </a:lnRef>
+          <a:fillRef idx="1">
+            <a:schemeClr val="accent3"/>
+          </a:fillRef>
+          <a:effectRef idx="1">
+            <a:schemeClr val="accent3"/>
+          </a:effectRef>
+          <a:fontRef idx="minor">
+            <a:schemeClr val="lt1"/>
+          </a:fontRef>
+        </p:style>
+        <p:txBody>
+          <a:bodyPr rtlCol="0" anchor="ctr"/>
+          <a:lstStyle/>
+          <a:p>
+            <a:pPr algn="ctr"/>
+            <a:endParaRPr lang="fr-FR" dirty="0"/>
+          </a:p>
+        </p:txBody>
+      </p:sp>
+      <p:sp>
+        <p:nvSpPr>
+          <p:cNvPr id="8" name="TextBox 7"/>
+          <p:cNvSpPr txBox="1"/>
+          <p:nvPr/>
+        </p:nvSpPr>
+        <p:spPr>
+          <a:xfrm>
+            <a:off x="2987575" y="4992452"/>
+            <a:ext cx="725968" cy="369332"/>
+          </a:xfrm>
+          <a:prstGeom prst="rect">
+            <a:avLst/>
+          </a:prstGeom>
+          <a:noFill/>
+          <a:ln>
+            <a:noFill/>
+          </a:ln>
+        </p:spPr>
+        <p:txBody>
+          <a:bodyPr wrap="none" rtlCol="0" anchor="ctr" anchorCtr="1">
+            <a:spAutoFit/>
+          </a:bodyPr>
+          <a:lstStyle/>
+          <a:p>
+            <a:r>
+              <a:rPr lang="en-US" dirty="0" smtClean="0"/>
+              <a:t>Client</a:t>
+            </a:r>
+            <a:endParaRPr lang="fr-FR" dirty="0"/>
+          </a:p>
+        </p:txBody>
+      </p:sp>
+      <p:sp>
+        <p:nvSpPr>
+          <p:cNvPr id="9" name="TextBox 8"/>
+          <p:cNvSpPr txBox="1"/>
+          <p:nvPr/>
+        </p:nvSpPr>
+        <p:spPr>
+          <a:xfrm rot="21385081">
+            <a:off x="8852352" y="4761620"/>
+            <a:ext cx="987643" cy="461665"/>
+          </a:xfrm>
+          <a:prstGeom prst="rect">
+            <a:avLst/>
+          </a:prstGeom>
+          <a:noFill/>
+          <a:ln>
+            <a:noFill/>
+          </a:ln>
+        </p:spPr>
+        <p:txBody>
+          <a:bodyPr wrap="none" rtlCol="0" anchor="ctr" anchorCtr="1">
+            <a:spAutoFit/>
+            <a:scene3d>
+              <a:camera prst="perspectiveContrastingLeftFacing"/>
+              <a:lightRig rig="threePt" dir="t"/>
+            </a:scene3d>
+          </a:bodyPr>
+          <a:lstStyle/>
+          <a:p>
+            <a:r>
+              <a:rPr lang="en-US" sz="2400" dirty="0" smtClean="0">
+                <a:solidFill>
+                  <a:schemeClr val="bg1"/>
+                </a:solidFill>
+              </a:rPr>
+              <a:t>Server</a:t>
+            </a:r>
+            <a:endParaRPr lang="fr-FR" dirty="0">
+              <a:solidFill>
+                <a:schemeClr val="bg1"/>
+              </a:solidFill>
+            </a:endParaRPr>
+          </a:p>
+        </p:txBody>
+      </p:sp>
+      <p:sp>
+        <p:nvSpPr>
+          <p:cNvPr id="10" name="Right Arrow 9"/>
+          <p:cNvSpPr/>
+          <p:nvPr/>
+        </p:nvSpPr>
+        <p:spPr>
+          <a:xfrm flipH="1">
+            <a:off x="3795910" y="5033370"/>
+            <a:ext cx="4834697" cy="290279"/>
+          </a:xfrm>
+          <a:prstGeom prst="rightArrow">
+            <a:avLst>
+              <a:gd name="adj1" fmla="val 50000"/>
+              <a:gd name="adj2" fmla="val 51444"/>
+            </a:avLst>
+          </a:prstGeom>
+          <a:solidFill>
+            <a:schemeClr val="accent1">
+              <a:lumMod val="75000"/>
+            </a:schemeClr>
+          </a:solidFill>
+        </p:spPr>
+        <p:style>
+          <a:lnRef idx="3">
+            <a:schemeClr val="lt1"/>
+          </a:lnRef>
+          <a:fillRef idx="1">
+            <a:schemeClr val="accent3"/>
+          </a:fillRef>
+          <a:effectRef idx="1">
+            <a:schemeClr val="accent3"/>
+          </a:effectRef>
+          <a:fontRef idx="minor">
+            <a:schemeClr val="lt1"/>
+          </a:fontRef>
+        </p:style>
+        <p:txBody>
+          <a:bodyPr rtlCol="0" anchor="ctr"/>
+          <a:lstStyle/>
+          <a:p>
+            <a:pPr algn="ctr"/>
+            <a:endParaRPr lang="fr-FR" dirty="0"/>
+          </a:p>
+        </p:txBody>
+      </p:sp>
+      <p:sp>
+        <p:nvSpPr>
+          <p:cNvPr id="11" name="TextBox 10"/>
+          <p:cNvSpPr txBox="1"/>
+          <p:nvPr/>
+        </p:nvSpPr>
+        <p:spPr>
+          <a:xfrm>
+            <a:off x="4078783" y="3499747"/>
+            <a:ext cx="4542141" cy="369332"/>
+          </a:xfrm>
+          <a:prstGeom prst="rect">
+            <a:avLst/>
+          </a:prstGeom>
+          <a:noFill/>
+          <a:ln>
+            <a:noFill/>
+          </a:ln>
+        </p:spPr>
+        <p:txBody>
+          <a:bodyPr wrap="none" rtlCol="0" anchor="ctr" anchorCtr="1">
+            <a:spAutoFit/>
+          </a:bodyPr>
+          <a:lstStyle/>
+          <a:p>
+            <a:r>
+              <a:rPr lang="en-US" b="1" dirty="0" smtClean="0"/>
+              <a:t>GET:http://address/</a:t>
+            </a:r>
+            <a:r>
+              <a:rPr lang="en-US" b="1" dirty="0" err="1" smtClean="0"/>
+              <a:t>className</a:t>
+            </a:r>
+            <a:r>
+              <a:rPr lang="en-US" b="1" dirty="0" smtClean="0"/>
+              <a:t>/</a:t>
+            </a:r>
+            <a:r>
+              <a:rPr lang="en-US" b="1" dirty="0" err="1" smtClean="0"/>
+              <a:t>methodName</a:t>
+            </a:r>
+            <a:endParaRPr lang="fr-FR" b="1" dirty="0"/>
+          </a:p>
+        </p:txBody>
+      </p:sp>
+      <p:sp>
+        <p:nvSpPr>
+          <p:cNvPr id="12" name="TextBox 11"/>
+          <p:cNvSpPr txBox="1"/>
+          <p:nvPr/>
+        </p:nvSpPr>
+        <p:spPr>
+          <a:xfrm>
+            <a:off x="4135061" y="3965420"/>
+            <a:ext cx="4156394" cy="307777"/>
+          </a:xfrm>
+          <a:prstGeom prst="rect">
+            <a:avLst/>
+          </a:prstGeom>
+          <a:noFill/>
+          <a:ln>
+            <a:noFill/>
+          </a:ln>
+        </p:spPr>
+        <p:txBody>
+          <a:bodyPr wrap="none" rtlCol="0" anchor="ctr" anchorCtr="1">
+            <a:spAutoFit/>
+          </a:bodyPr>
+          <a:lstStyle/>
+          <a:p>
+            <a:r>
+              <a:rPr lang="en-US" sz="1400" dirty="0" smtClean="0"/>
+              <a:t>The query core is a representation: XML, JSON, HTML..</a:t>
+            </a:r>
+            <a:endParaRPr lang="fr-FR" sz="1400" dirty="0"/>
+          </a:p>
+        </p:txBody>
+      </p:sp>
+      <p:sp>
+        <p:nvSpPr>
+          <p:cNvPr id="13" name="TextBox 12"/>
+          <p:cNvSpPr txBox="1"/>
+          <p:nvPr/>
+        </p:nvSpPr>
+        <p:spPr>
+          <a:xfrm>
+            <a:off x="5166583" y="4959734"/>
+            <a:ext cx="2941767" cy="1169551"/>
+          </a:xfrm>
+          <a:prstGeom prst="rect">
+            <a:avLst/>
+          </a:prstGeom>
+          <a:noFill/>
+          <a:ln>
+            <a:noFill/>
+          </a:ln>
+        </p:spPr>
+        <p:txBody>
+          <a:bodyPr wrap="none" rtlCol="0" anchor="ctr" anchorCtr="1">
+            <a:spAutoFit/>
+          </a:bodyPr>
+          <a:lstStyle/>
+          <a:p>
+            <a:endParaRPr lang="fr-FR" sz="1400" dirty="0"/>
+          </a:p>
+          <a:p>
+            <a:r>
+              <a:rPr lang="en-US" sz="1400" dirty="0" smtClean="0"/>
+              <a:t>Status : 200</a:t>
+            </a:r>
+          </a:p>
+          <a:p>
+            <a:r>
+              <a:rPr lang="en-US" sz="1400" dirty="0" smtClean="0"/>
+              <a:t>Message : OK</a:t>
+            </a:r>
+          </a:p>
+          <a:p>
+            <a:r>
+              <a:rPr lang="en-US" sz="1400" dirty="0" smtClean="0"/>
+              <a:t>header : …..</a:t>
+            </a:r>
+          </a:p>
+          <a:p>
+            <a:r>
+              <a:rPr lang="en-US" sz="1400" dirty="0" smtClean="0"/>
+              <a:t>Representation: XML, JSON, HTML,…. </a:t>
+            </a:r>
+            <a:endParaRPr lang="en-US" sz="1400" dirty="0"/>
+          </a:p>
+        </p:txBody>
+      </p:sp>
+    </p:spTree>
+    <p:extLst>
+      <p:ext uri="{BB962C8B-B14F-4D97-AF65-F5344CB8AC3E}">
+        <p14:creationId xmlns:p14="http://schemas.microsoft.com/office/powerpoint/2010/main" val="2607585989"/>
+      </p:ext>
+    </p:extLst>
+  </p:cSld>
+  <p:clrMapOvr>
+    <a:masterClrMapping/>
+  </p:clrMapOvr>
+  <p:timing>
+    <p:tnLst>
+      <p:par>
+        <p:cTn id="1" dur="indefinite" restart="never" nodeType="tmRoot">
+          <p:childTnLst>
+            <p:seq concurrent="1" nextAc="seek">
+              <p:cTn id="2" dur="indefinite" nodeType="mainSeq">
+                <p:childTnLst>
+                  <p:par>
+                    <p:cTn id="3" fill="hold">
+                      <p:stCondLst>
+                        <p:cond delay="indefinite"/>
+                      </p:stCondLst>
+                      <p:childTnLst>
+                        <p:par>
+                          <p:cTn id="4" fill="hold">
+                            <p:stCondLst>
+                              <p:cond delay="0"/>
+                            </p:stCondLst>
+                            <p:childTnLst>
+                              <p:par>
+                                <p:cTn id="5" presetID="22" presetClass="entr" presetSubtype="8" fill="hold" grpId="0" nodeType="clickEffect">
+                                  <p:stCondLst>
+                                    <p:cond delay="0"/>
+                                  </p:stCondLst>
+                                  <p:childTnLst>
+                                    <p:set>
+                                      <p:cBhvr>
+                                        <p:cTn id="6" dur="1" fill="hold">
+                                          <p:stCondLst>
+                                            <p:cond delay="0"/>
+                                          </p:stCondLst>
+                                        </p:cTn>
+                                        <p:tgtEl>
+                                          <p:spTgt spid="7"/>
+                                        </p:tgtEl>
+                                        <p:attrNameLst>
+                                          <p:attrName>style.visibility</p:attrName>
+                                        </p:attrNameLst>
+                                      </p:cBhvr>
+                                      <p:to>
+                                        <p:strVal val="visible"/>
+                                      </p:to>
+                                    </p:set>
+                                    <p:animEffect transition="in" filter="wipe(left)">
+                                      <p:cBhvr>
+                                        <p:cTn id="7" dur="500"/>
+                                        <p:tgtEl>
+                                          <p:spTgt spid="7"/>
+                                        </p:tgtEl>
+                                      </p:cBhvr>
+                                    </p:animEffect>
+                                  </p:childTnLst>
+                                </p:cTn>
+                              </p:par>
+                            </p:childTnLst>
+                          </p:cTn>
+                        </p:par>
+                      </p:childTnLst>
+                    </p:cTn>
+                  </p:par>
+                  <p:par>
+                    <p:cTn id="8" fill="hold">
+                      <p:stCondLst>
+                        <p:cond delay="indefinite"/>
+                      </p:stCondLst>
+                      <p:childTnLst>
+                        <p:par>
+                          <p:cTn id="9" fill="hold">
+                            <p:stCondLst>
+                              <p:cond delay="0"/>
+                            </p:stCondLst>
+                            <p:childTnLst>
+                              <p:par>
+                                <p:cTn id="10" presetID="22" presetClass="entr" presetSubtype="2" fill="hold" grpId="0" nodeType="clickEffect">
+                                  <p:stCondLst>
+                                    <p:cond delay="0"/>
+                                  </p:stCondLst>
+                                  <p:childTnLst>
+                                    <p:set>
+                                      <p:cBhvr>
+                                        <p:cTn id="11" dur="1" fill="hold">
+                                          <p:stCondLst>
+                                            <p:cond delay="0"/>
+                                          </p:stCondLst>
+                                        </p:cTn>
+                                        <p:tgtEl>
+                                          <p:spTgt spid="10"/>
+                                        </p:tgtEl>
+                                        <p:attrNameLst>
+                                          <p:attrName>style.visibility</p:attrName>
+                                        </p:attrNameLst>
+                                      </p:cBhvr>
+                                      <p:to>
+                                        <p:strVal val="visible"/>
+                                      </p:to>
+                                    </p:set>
+                                    <p:animEffect transition="in" filter="wipe(right)">
+                                      <p:cBhvr>
+                                        <p:cTn id="12" dur="500"/>
+                                        <p:tgtEl>
+                                          <p:spTgt spid="10"/>
+                                        </p:tgtEl>
+                                      </p:cBhvr>
+                                    </p:animEffect>
+                                  </p:childTnLst>
+                                </p:cTn>
+                              </p:par>
+                            </p:childTnLst>
+                          </p:cTn>
+                        </p:par>
+                      </p:childTnLst>
+                    </p:cTn>
+                  </p:par>
+                </p:childTnLst>
+              </p:cTn>
+              <p:prevCondLst>
+                <p:cond evt="onPrev" delay="0">
+                  <p:tgtEl>
+                    <p:sldTgt/>
+                  </p:tgtEl>
+                </p:cond>
+              </p:prevCondLst>
+              <p:nextCondLst>
+                <p:cond evt="onNext" delay="0">
+                  <p:tgtEl>
+                    <p:sldTgt/>
+                  </p:tgtEl>
+                </p:cond>
+              </p:nextCondLst>
+            </p:seq>
+          </p:childTnLst>
+        </p:cTn>
+      </p:par>
+    </p:tnLst>
+    <p:bldLst>
+      <p:bldP spid="7" grpId="0" animBg="1"/>
+      <p:bldP spid="10" grpId="0" animBg="1"/>
+    </p:bldLst>
+  </p:timing>
+</p:sld>
+</file>
+
+<file path=ppt/slides/slide23.xml><?xml version="1.0" encoding="utf-8"?>
+<p:sld xmlns:a="http://schemas.openxmlformats.org/drawingml/2006/main" xmlns:r="http://schemas.openxmlformats.org/officeDocument/2006/relationships" xmlns:p="http://schemas.openxmlformats.org/presentationml/2006/main">
+  <p:cSld>
+    <p:spTree>
+      <p:nvGrpSpPr>
+        <p:cNvPr id="1" name=""/>
+        <p:cNvGrpSpPr/>
+        <p:nvPr/>
+      </p:nvGrpSpPr>
+      <p:grpSpPr>
+        <a:xfrm>
+          <a:off x="0" y="0"/>
+          <a:ext cx="0" cy="0"/>
+          <a:chOff x="0" y="0"/>
+          <a:chExt cx="0" cy="0"/>
+        </a:xfrm>
+      </p:grpSpPr>
+      <p:sp>
+        <p:nvSpPr>
+          <p:cNvPr id="2" name="Slide Number Placeholder 1"/>
+          <p:cNvSpPr>
+            <a:spLocks noGrp="1"/>
+          </p:cNvSpPr>
+          <p:nvPr>
+            <p:ph type="sldNum" sz="quarter" idx="12"/>
+          </p:nvPr>
+        </p:nvSpPr>
+        <p:spPr/>
+        <p:txBody>
+          <a:bodyPr/>
+          <a:lstStyle/>
+          <a:p>
+            <a:fld id="{401CF334-2D5C-4859-84A6-CA7E6E43FAEB}" type="slidenum">
+              <a:rPr lang="en-US" smtClean="0"/>
+              <a:t>23</a:t>
+            </a:fld>
+            <a:endParaRPr lang="en-US" dirty="0"/>
+          </a:p>
+        </p:txBody>
+      </p:sp>
+      <p:sp>
+        <p:nvSpPr>
+          <p:cNvPr id="3" name="Content Placeholder 2"/>
+          <p:cNvSpPr>
+            <a:spLocks noGrp="1"/>
+          </p:cNvSpPr>
+          <p:nvPr>
+            <p:ph idx="1"/>
+          </p:nvPr>
+        </p:nvSpPr>
+        <p:spPr/>
+        <p:txBody>
+          <a:bodyPr/>
+          <a:lstStyle/>
+          <a:p>
+            <a:pPr marL="0" indent="0">
+              <a:buNone/>
+            </a:pPr>
+            <a:r>
+              <a:rPr lang="en-US" dirty="0" smtClean="0"/>
+              <a:t>Update a resource on the server.</a:t>
+            </a:r>
+          </a:p>
+        </p:txBody>
+      </p:sp>
+      <p:sp>
+        <p:nvSpPr>
+          <p:cNvPr id="4" name="Title 3"/>
+          <p:cNvSpPr>
+            <a:spLocks noGrp="1"/>
+          </p:cNvSpPr>
+          <p:nvPr>
+            <p:ph type="title"/>
+          </p:nvPr>
+        </p:nvSpPr>
+        <p:spPr/>
+        <p:txBody>
+          <a:bodyPr/>
+          <a:lstStyle/>
+          <a:p>
+            <a:r>
+              <a:rPr lang="en-US" dirty="0" smtClean="0"/>
+              <a:t>PUT Method</a:t>
+            </a:r>
+            <a:endParaRPr lang="fr-FR" dirty="0"/>
+          </a:p>
+        </p:txBody>
+      </p:sp>
+      <p:pic>
+        <p:nvPicPr>
+          <p:cNvPr id="5" name="Picture 4"/>
+          <p:cNvPicPr>
+            <a:picLocks noChangeAspect="1"/>
+          </p:cNvPicPr>
+          <p:nvPr/>
+        </p:nvPicPr>
+        <p:blipFill>
+          <a:blip r:embed="rId2">
+            <a:extLst>
+              <a:ext uri="{28A0092B-C50C-407E-A947-70E740481C1C}">
+                <a14:useLocalDpi xmlns:a14="http://schemas.microsoft.com/office/drawing/2010/main" val="0"/>
+              </a:ext>
+            </a:extLst>
+          </a:blip>
+          <a:stretch>
+            <a:fillRect/>
+          </a:stretch>
+        </p:blipFill>
+        <p:spPr>
+          <a:xfrm>
+            <a:off x="1434353" y="3297219"/>
+            <a:ext cx="2438400" cy="2438400"/>
+          </a:xfrm>
+          <a:prstGeom prst="rect">
+            <a:avLst/>
+          </a:prstGeom>
+        </p:spPr>
+      </p:pic>
+      <p:pic>
+        <p:nvPicPr>
+          <p:cNvPr id="6" name="Picture 5"/>
+          <p:cNvPicPr>
+            <a:picLocks noChangeAspect="1"/>
+          </p:cNvPicPr>
+          <p:nvPr/>
+        </p:nvPicPr>
+        <p:blipFill>
+          <a:blip r:embed="rId3">
+            <a:extLst>
+              <a:ext uri="{28A0092B-C50C-407E-A947-70E740481C1C}">
+                <a14:useLocalDpi xmlns:a14="http://schemas.microsoft.com/office/drawing/2010/main" val="0"/>
+              </a:ext>
+            </a:extLst>
+          </a:blip>
+          <a:stretch>
+            <a:fillRect/>
+          </a:stretch>
+        </p:blipFill>
+        <p:spPr>
+          <a:xfrm>
+            <a:off x="8630611" y="3297219"/>
+            <a:ext cx="2438400" cy="2438400"/>
+          </a:xfrm>
+          <a:prstGeom prst="rect">
+            <a:avLst/>
+          </a:prstGeom>
+        </p:spPr>
+      </p:pic>
+      <p:sp>
+        <p:nvSpPr>
+          <p:cNvPr id="7" name="Right Arrow 6"/>
+          <p:cNvSpPr/>
+          <p:nvPr/>
+        </p:nvSpPr>
+        <p:spPr>
+          <a:xfrm>
+            <a:off x="3795914" y="3757829"/>
+            <a:ext cx="4911537" cy="257286"/>
+          </a:xfrm>
+          <a:prstGeom prst="rightArrow">
+            <a:avLst>
+              <a:gd name="adj1" fmla="val 50000"/>
+              <a:gd name="adj2" fmla="val 51444"/>
+            </a:avLst>
+          </a:prstGeom>
+          <a:solidFill>
+            <a:schemeClr val="accent1">
+              <a:lumMod val="75000"/>
+            </a:schemeClr>
+          </a:solidFill>
+        </p:spPr>
+        <p:style>
+          <a:lnRef idx="3">
+            <a:schemeClr val="lt1"/>
+          </a:lnRef>
+          <a:fillRef idx="1">
+            <a:schemeClr val="accent3"/>
+          </a:fillRef>
+          <a:effectRef idx="1">
+            <a:schemeClr val="accent3"/>
+          </a:effectRef>
+          <a:fontRef idx="minor">
+            <a:schemeClr val="lt1"/>
+          </a:fontRef>
+        </p:style>
+        <p:txBody>
+          <a:bodyPr rtlCol="0" anchor="ctr"/>
+          <a:lstStyle/>
+          <a:p>
+            <a:pPr algn="ctr"/>
+            <a:endParaRPr lang="fr-FR" dirty="0"/>
+          </a:p>
+        </p:txBody>
+      </p:sp>
+      <p:sp>
+        <p:nvSpPr>
+          <p:cNvPr id="8" name="TextBox 7"/>
+          <p:cNvSpPr txBox="1"/>
+          <p:nvPr/>
+        </p:nvSpPr>
+        <p:spPr>
+          <a:xfrm>
+            <a:off x="2987575" y="4992452"/>
+            <a:ext cx="725968" cy="369332"/>
+          </a:xfrm>
+          <a:prstGeom prst="rect">
+            <a:avLst/>
+          </a:prstGeom>
+          <a:noFill/>
+          <a:ln>
+            <a:noFill/>
+          </a:ln>
+        </p:spPr>
+        <p:txBody>
+          <a:bodyPr wrap="none" rtlCol="0" anchor="ctr" anchorCtr="1">
+            <a:spAutoFit/>
+          </a:bodyPr>
+          <a:lstStyle/>
+          <a:p>
+            <a:r>
+              <a:rPr lang="en-US" dirty="0" smtClean="0"/>
+              <a:t>Client</a:t>
+            </a:r>
+            <a:endParaRPr lang="fr-FR" dirty="0"/>
+          </a:p>
+        </p:txBody>
+      </p:sp>
+      <p:sp>
+        <p:nvSpPr>
+          <p:cNvPr id="9" name="TextBox 8"/>
+          <p:cNvSpPr txBox="1"/>
+          <p:nvPr/>
+        </p:nvSpPr>
+        <p:spPr>
+          <a:xfrm rot="21385081">
+            <a:off x="8852352" y="4761620"/>
+            <a:ext cx="987643" cy="461665"/>
+          </a:xfrm>
+          <a:prstGeom prst="rect">
+            <a:avLst/>
+          </a:prstGeom>
+          <a:noFill/>
+          <a:ln>
+            <a:noFill/>
+          </a:ln>
+        </p:spPr>
+        <p:txBody>
+          <a:bodyPr wrap="none" rtlCol="0" anchor="ctr" anchorCtr="1">
+            <a:spAutoFit/>
+            <a:scene3d>
+              <a:camera prst="perspectiveContrastingLeftFacing"/>
+              <a:lightRig rig="threePt" dir="t"/>
+            </a:scene3d>
+          </a:bodyPr>
+          <a:lstStyle/>
+          <a:p>
+            <a:r>
+              <a:rPr lang="en-US" sz="2400" dirty="0" smtClean="0">
+                <a:solidFill>
+                  <a:schemeClr val="bg1"/>
+                </a:solidFill>
+              </a:rPr>
+              <a:t>Server</a:t>
+            </a:r>
+            <a:endParaRPr lang="fr-FR" dirty="0">
+              <a:solidFill>
+                <a:schemeClr val="bg1"/>
+              </a:solidFill>
+            </a:endParaRPr>
+          </a:p>
+        </p:txBody>
+      </p:sp>
+      <p:sp>
+        <p:nvSpPr>
+          <p:cNvPr id="10" name="Right Arrow 9"/>
+          <p:cNvSpPr/>
+          <p:nvPr/>
+        </p:nvSpPr>
+        <p:spPr>
+          <a:xfrm flipH="1">
+            <a:off x="3795910" y="5033370"/>
+            <a:ext cx="4834697" cy="290279"/>
+          </a:xfrm>
+          <a:prstGeom prst="rightArrow">
+            <a:avLst>
+              <a:gd name="adj1" fmla="val 50000"/>
+              <a:gd name="adj2" fmla="val 51444"/>
+            </a:avLst>
+          </a:prstGeom>
+          <a:solidFill>
+            <a:schemeClr val="accent1">
+              <a:lumMod val="75000"/>
+            </a:schemeClr>
+          </a:solidFill>
+        </p:spPr>
+        <p:style>
+          <a:lnRef idx="3">
+            <a:schemeClr val="lt1"/>
+          </a:lnRef>
+          <a:fillRef idx="1">
+            <a:schemeClr val="accent3"/>
+          </a:fillRef>
+          <a:effectRef idx="1">
+            <a:schemeClr val="accent3"/>
+          </a:effectRef>
+          <a:fontRef idx="minor">
+            <a:schemeClr val="lt1"/>
+          </a:fontRef>
+        </p:style>
+        <p:txBody>
+          <a:bodyPr rtlCol="0" anchor="ctr"/>
+          <a:lstStyle/>
+          <a:p>
+            <a:pPr algn="ctr"/>
+            <a:endParaRPr lang="fr-FR" dirty="0"/>
+          </a:p>
+        </p:txBody>
+      </p:sp>
+      <p:sp>
+        <p:nvSpPr>
+          <p:cNvPr id="11" name="TextBox 10"/>
+          <p:cNvSpPr txBox="1"/>
+          <p:nvPr/>
+        </p:nvSpPr>
+        <p:spPr>
+          <a:xfrm>
+            <a:off x="3452932" y="3460221"/>
+            <a:ext cx="6396879" cy="369332"/>
+          </a:xfrm>
+          <a:prstGeom prst="rect">
+            <a:avLst/>
+          </a:prstGeom>
+          <a:noFill/>
+          <a:ln>
+            <a:noFill/>
+          </a:ln>
+        </p:spPr>
+        <p:txBody>
+          <a:bodyPr wrap="none" rtlCol="0" anchor="ctr" anchorCtr="1">
+            <a:spAutoFit/>
+          </a:bodyPr>
+          <a:lstStyle/>
+          <a:p>
+            <a:r>
+              <a:rPr lang="en-US" b="1" dirty="0" smtClean="0"/>
+              <a:t>GET:http://address/</a:t>
+            </a:r>
+            <a:r>
+              <a:rPr lang="en-US" b="1" dirty="0" err="1" smtClean="0"/>
+              <a:t>className</a:t>
+            </a:r>
+            <a:r>
+              <a:rPr lang="en-US" b="1" dirty="0" smtClean="0"/>
+              <a:t>/</a:t>
+            </a:r>
+            <a:r>
+              <a:rPr lang="en-US" b="1" dirty="0" err="1" smtClean="0"/>
+              <a:t>methodName</a:t>
+            </a:r>
+            <a:r>
+              <a:rPr lang="en-US" b="1" dirty="0" smtClean="0"/>
+              <a:t>/resource identifier</a:t>
+            </a:r>
+            <a:endParaRPr lang="fr-FR" b="1" dirty="0"/>
+          </a:p>
+        </p:txBody>
+      </p:sp>
+      <p:sp>
+        <p:nvSpPr>
+          <p:cNvPr id="12" name="TextBox 11"/>
+          <p:cNvSpPr txBox="1"/>
+          <p:nvPr/>
+        </p:nvSpPr>
+        <p:spPr>
+          <a:xfrm>
+            <a:off x="5245485" y="3870621"/>
+            <a:ext cx="1977657" cy="523220"/>
+          </a:xfrm>
+          <a:prstGeom prst="rect">
+            <a:avLst/>
+          </a:prstGeom>
+          <a:noFill/>
+          <a:ln>
+            <a:noFill/>
+          </a:ln>
+        </p:spPr>
+        <p:txBody>
+          <a:bodyPr wrap="none" rtlCol="0" anchor="ctr" anchorCtr="1">
+            <a:spAutoFit/>
+          </a:bodyPr>
+          <a:lstStyle/>
+          <a:p>
+            <a:r>
+              <a:rPr lang="en-US" sz="1400" dirty="0" smtClean="0"/>
+              <a:t>Header: …</a:t>
+            </a:r>
+          </a:p>
+          <a:p>
+            <a:r>
+              <a:rPr lang="en-US" sz="1400" dirty="0" smtClean="0"/>
+              <a:t>core: XML, JSON, HTML..</a:t>
+            </a:r>
+            <a:endParaRPr lang="fr-FR" sz="1400" dirty="0"/>
+          </a:p>
+        </p:txBody>
+      </p:sp>
+      <p:sp>
+        <p:nvSpPr>
+          <p:cNvPr id="13" name="TextBox 12"/>
+          <p:cNvSpPr txBox="1"/>
+          <p:nvPr/>
+        </p:nvSpPr>
+        <p:spPr>
+          <a:xfrm>
+            <a:off x="5280222" y="5041426"/>
+            <a:ext cx="1169038" cy="954107"/>
+          </a:xfrm>
+          <a:prstGeom prst="rect">
+            <a:avLst/>
+          </a:prstGeom>
+          <a:noFill/>
+          <a:ln>
+            <a:noFill/>
+          </a:ln>
+        </p:spPr>
+        <p:txBody>
+          <a:bodyPr wrap="none" rtlCol="0" anchor="ctr" anchorCtr="1">
+            <a:spAutoFit/>
+          </a:bodyPr>
+          <a:lstStyle/>
+          <a:p>
+            <a:endParaRPr lang="fr-FR" sz="1400" dirty="0"/>
+          </a:p>
+          <a:p>
+            <a:r>
+              <a:rPr lang="en-US" sz="1400" dirty="0" smtClean="0"/>
+              <a:t>Status : 200</a:t>
+            </a:r>
+          </a:p>
+          <a:p>
+            <a:r>
+              <a:rPr lang="en-US" sz="1400" dirty="0" smtClean="0"/>
+              <a:t>Message : OK</a:t>
+            </a:r>
+          </a:p>
+          <a:p>
+            <a:r>
+              <a:rPr lang="en-US" sz="1400" dirty="0" smtClean="0"/>
+              <a:t>header : …..</a:t>
+            </a:r>
+            <a:endParaRPr lang="en-US" sz="1400" dirty="0"/>
+          </a:p>
+        </p:txBody>
+      </p:sp>
+    </p:spTree>
+    <p:extLst>
+      <p:ext uri="{BB962C8B-B14F-4D97-AF65-F5344CB8AC3E}">
+        <p14:creationId xmlns:p14="http://schemas.microsoft.com/office/powerpoint/2010/main" val="3344798020"/>
+      </p:ext>
+    </p:extLst>
+  </p:cSld>
+  <p:clrMapOvr>
+    <a:masterClrMapping/>
+  </p:clrMapOvr>
+  <p:timing>
+    <p:tnLst>
+      <p:par>
+        <p:cTn id="1" dur="indefinite" restart="never" nodeType="tmRoot">
+          <p:childTnLst>
+            <p:seq concurrent="1" nextAc="seek">
+              <p:cTn id="2" dur="indefinite" nodeType="mainSeq">
+                <p:childTnLst>
+                  <p:par>
+                    <p:cTn id="3" fill="hold">
+                      <p:stCondLst>
+                        <p:cond delay="indefinite"/>
+                      </p:stCondLst>
+                      <p:childTnLst>
+                        <p:par>
+                          <p:cTn id="4" fill="hold">
+                            <p:stCondLst>
+                              <p:cond delay="0"/>
+                            </p:stCondLst>
+                            <p:childTnLst>
+                              <p:par>
+                                <p:cTn id="5" presetID="22" presetClass="entr" presetSubtype="8" fill="hold" grpId="0" nodeType="clickEffect">
+                                  <p:stCondLst>
+                                    <p:cond delay="0"/>
+                                  </p:stCondLst>
+                                  <p:childTnLst>
+                                    <p:set>
+                                      <p:cBhvr>
+                                        <p:cTn id="6" dur="1" fill="hold">
+                                          <p:stCondLst>
+                                            <p:cond delay="0"/>
+                                          </p:stCondLst>
+                                        </p:cTn>
+                                        <p:tgtEl>
+                                          <p:spTgt spid="7"/>
+                                        </p:tgtEl>
+                                        <p:attrNameLst>
+                                          <p:attrName>style.visibility</p:attrName>
+                                        </p:attrNameLst>
+                                      </p:cBhvr>
+                                      <p:to>
+                                        <p:strVal val="visible"/>
+                                      </p:to>
+                                    </p:set>
+                                    <p:animEffect transition="in" filter="wipe(left)">
+                                      <p:cBhvr>
+                                        <p:cTn id="7" dur="500"/>
+                                        <p:tgtEl>
+                                          <p:spTgt spid="7"/>
+                                        </p:tgtEl>
+                                      </p:cBhvr>
+                                    </p:animEffect>
+                                  </p:childTnLst>
+                                </p:cTn>
+                              </p:par>
+                            </p:childTnLst>
+                          </p:cTn>
+                        </p:par>
+                      </p:childTnLst>
+                    </p:cTn>
+                  </p:par>
+                  <p:par>
+                    <p:cTn id="8" fill="hold">
+                      <p:stCondLst>
+                        <p:cond delay="indefinite"/>
+                      </p:stCondLst>
+                      <p:childTnLst>
+                        <p:par>
+                          <p:cTn id="9" fill="hold">
+                            <p:stCondLst>
+                              <p:cond delay="0"/>
+                            </p:stCondLst>
+                            <p:childTnLst>
+                              <p:par>
+                                <p:cTn id="10" presetID="22" presetClass="entr" presetSubtype="2" fill="hold" grpId="0" nodeType="clickEffect">
+                                  <p:stCondLst>
+                                    <p:cond delay="0"/>
+                                  </p:stCondLst>
+                                  <p:childTnLst>
+                                    <p:set>
+                                      <p:cBhvr>
+                                        <p:cTn id="11" dur="1" fill="hold">
+                                          <p:stCondLst>
+                                            <p:cond delay="0"/>
+                                          </p:stCondLst>
+                                        </p:cTn>
+                                        <p:tgtEl>
+                                          <p:spTgt spid="10"/>
+                                        </p:tgtEl>
+                                        <p:attrNameLst>
+                                          <p:attrName>style.visibility</p:attrName>
+                                        </p:attrNameLst>
+                                      </p:cBhvr>
+                                      <p:to>
+                                        <p:strVal val="visible"/>
+                                      </p:to>
+                                    </p:set>
+                                    <p:animEffect transition="in" filter="wipe(right)">
+                                      <p:cBhvr>
+                                        <p:cTn id="12" dur="500"/>
+                                        <p:tgtEl>
+                                          <p:spTgt spid="10"/>
+                                        </p:tgtEl>
+                                      </p:cBhvr>
+                                    </p:animEffect>
+                                  </p:childTnLst>
+                                </p:cTn>
+                              </p:par>
+                            </p:childTnLst>
+                          </p:cTn>
+                        </p:par>
+                      </p:childTnLst>
+                    </p:cTn>
+                  </p:par>
+                </p:childTnLst>
+              </p:cTn>
+              <p:prevCondLst>
+                <p:cond evt="onPrev" delay="0">
+                  <p:tgtEl>
+                    <p:sldTgt/>
+                  </p:tgtEl>
+                </p:cond>
+              </p:prevCondLst>
+              <p:nextCondLst>
+                <p:cond evt="onNext" delay="0">
+                  <p:tgtEl>
+                    <p:sldTgt/>
+                  </p:tgtEl>
+                </p:cond>
+              </p:nextCondLst>
+            </p:seq>
+          </p:childTnLst>
+        </p:cTn>
+      </p:par>
+    </p:tnLst>
+    <p:bldLst>
+      <p:bldP spid="7" grpId="0" animBg="1"/>
+      <p:bldP spid="10" grpId="0" animBg="1"/>
+    </p:bldLst>
+  </p:timing>
+</p:sld>
+</file>
+
+<file path=ppt/slides/slide24.xml><?xml version="1.0" encoding="utf-8"?>
+<p:sld xmlns:a="http://schemas.openxmlformats.org/drawingml/2006/main" xmlns:r="http://schemas.openxmlformats.org/officeDocument/2006/relationships" xmlns:p="http://schemas.openxmlformats.org/presentationml/2006/main">
+  <p:cSld>
+    <p:spTree>
+      <p:nvGrpSpPr>
+        <p:cNvPr id="1" name=""/>
+        <p:cNvGrpSpPr/>
+        <p:nvPr/>
+      </p:nvGrpSpPr>
+      <p:grpSpPr>
+        <a:xfrm>
+          <a:off x="0" y="0"/>
+          <a:ext cx="0" cy="0"/>
+          <a:chOff x="0" y="0"/>
+          <a:chExt cx="0" cy="0"/>
+        </a:xfrm>
+      </p:grpSpPr>
+      <p:sp>
+        <p:nvSpPr>
+          <p:cNvPr id="2" name="Slide Number Placeholder 1"/>
+          <p:cNvSpPr>
+            <a:spLocks noGrp="1"/>
+          </p:cNvSpPr>
+          <p:nvPr>
+            <p:ph type="sldNum" sz="quarter" idx="12"/>
+          </p:nvPr>
+        </p:nvSpPr>
+        <p:spPr/>
+        <p:txBody>
+          <a:bodyPr/>
+          <a:lstStyle/>
+          <a:p>
+            <a:fld id="{401CF334-2D5C-4859-84A6-CA7E6E43FAEB}" type="slidenum">
+              <a:rPr lang="en-US" smtClean="0"/>
+              <a:t>24</a:t>
+            </a:fld>
+            <a:endParaRPr lang="en-US" dirty="0"/>
+          </a:p>
+        </p:txBody>
+      </p:sp>
+      <p:sp>
+        <p:nvSpPr>
+          <p:cNvPr id="3" name="Content Placeholder 2"/>
+          <p:cNvSpPr>
+            <a:spLocks noGrp="1"/>
+          </p:cNvSpPr>
+          <p:nvPr>
+            <p:ph idx="1"/>
+          </p:nvPr>
+        </p:nvSpPr>
+        <p:spPr>
+          <a:xfrm>
+            <a:off x="932330" y="2248349"/>
+            <a:ext cx="4682859" cy="675156"/>
+          </a:xfrm>
+        </p:spPr>
+        <p:txBody>
+          <a:bodyPr/>
+          <a:lstStyle/>
+          <a:p>
+            <a:pPr marL="0" indent="0">
+              <a:buNone/>
+            </a:pPr>
+            <a:r>
+              <a:rPr lang="en-US" dirty="0" smtClean="0"/>
+              <a:t>Delete a resource on the server. </a:t>
+            </a:r>
+            <a:endParaRPr lang="en-US" dirty="0"/>
+          </a:p>
+        </p:txBody>
+      </p:sp>
+      <p:sp>
+        <p:nvSpPr>
+          <p:cNvPr id="4" name="Title 3"/>
+          <p:cNvSpPr>
+            <a:spLocks noGrp="1"/>
+          </p:cNvSpPr>
+          <p:nvPr>
+            <p:ph type="title"/>
+          </p:nvPr>
+        </p:nvSpPr>
+        <p:spPr/>
+        <p:txBody>
+          <a:bodyPr/>
+          <a:lstStyle/>
+          <a:p>
+            <a:r>
+              <a:rPr lang="en-US" dirty="0" smtClean="0"/>
+              <a:t>DELETE Method</a:t>
+            </a:r>
+            <a:endParaRPr lang="fr-FR" dirty="0"/>
+          </a:p>
+        </p:txBody>
+      </p:sp>
+      <p:sp>
+        <p:nvSpPr>
+          <p:cNvPr id="5" name="Slide Number Placeholder 1"/>
+          <p:cNvSpPr txBox="1">
+            <a:spLocks/>
+          </p:cNvSpPr>
+          <p:nvPr/>
+        </p:nvSpPr>
+        <p:spPr>
+          <a:xfrm>
+            <a:off x="8852352" y="6161443"/>
+            <a:ext cx="2844800" cy="365125"/>
+          </a:xfrm>
+          <a:prstGeom prst="rect">
+            <a:avLst/>
+          </a:prstGeom>
+        </p:spPr>
+        <p:txBody>
+          <a:bodyPr vert="horz" lIns="91440" tIns="45720" rIns="91440" bIns="45720" rtlCol="0" anchor="ctr"/>
+          <a:lstStyle>
+            <a:defPPr>
+              <a:defRPr lang="en-US"/>
+            </a:defPPr>
+            <a:lvl1pPr marL="0" algn="r" defTabSz="914400" rtl="0" eaLnBrk="1" latinLnBrk="0" hangingPunct="1">
+              <a:defRPr sz="1200" kern="1200">
+                <a:solidFill>
+                  <a:schemeClr val="tx2"/>
+                </a:solidFill>
+                <a:latin typeface="+mn-lt"/>
+                <a:ea typeface="+mn-ea"/>
+                <a:cs typeface="+mn-cs"/>
+              </a:defRPr>
+            </a:lvl1pPr>
+            <a:lvl2pPr marL="457200" algn="l" defTabSz="914400" rtl="0" eaLnBrk="1" latinLnBrk="0" hangingPunct="1">
+              <a:defRPr sz="1800" kern="1200">
+                <a:solidFill>
+                  <a:schemeClr val="tx1"/>
+                </a:solidFill>
+                <a:latin typeface="+mn-lt"/>
+                <a:ea typeface="+mn-ea"/>
+                <a:cs typeface="+mn-cs"/>
+              </a:defRPr>
+            </a:lvl2pPr>
+            <a:lvl3pPr marL="914400" algn="l" defTabSz="914400" rtl="0" eaLnBrk="1" latinLnBrk="0" hangingPunct="1">
+              <a:defRPr sz="1800" kern="1200">
+                <a:solidFill>
+                  <a:schemeClr val="tx1"/>
+                </a:solidFill>
+                <a:latin typeface="+mn-lt"/>
+                <a:ea typeface="+mn-ea"/>
+                <a:cs typeface="+mn-cs"/>
+              </a:defRPr>
+            </a:lvl3pPr>
+            <a:lvl4pPr marL="1371600" algn="l" defTabSz="914400" rtl="0" eaLnBrk="1" latinLnBrk="0" hangingPunct="1">
+              <a:defRPr sz="1800" kern="1200">
+                <a:solidFill>
+                  <a:schemeClr val="tx1"/>
+                </a:solidFill>
+                <a:latin typeface="+mn-lt"/>
+                <a:ea typeface="+mn-ea"/>
+                <a:cs typeface="+mn-cs"/>
+              </a:defRPr>
+            </a:lvl4pPr>
+            <a:lvl5pPr marL="1828800" algn="l" defTabSz="914400" rtl="0" eaLnBrk="1" latinLnBrk="0" hangingPunct="1">
+              <a:defRPr sz="1800" kern="1200">
+                <a:solidFill>
+                  <a:schemeClr val="tx1"/>
+                </a:solidFill>
+                <a:latin typeface="+mn-lt"/>
+                <a:ea typeface="+mn-ea"/>
+                <a:cs typeface="+mn-cs"/>
+              </a:defRPr>
+            </a:lvl5pPr>
+            <a:lvl6pPr marL="2286000" algn="l" defTabSz="914400" rtl="0" eaLnBrk="1" latinLnBrk="0" hangingPunct="1">
+              <a:defRPr sz="1800" kern="1200">
+                <a:solidFill>
+                  <a:schemeClr val="tx1"/>
+                </a:solidFill>
+                <a:latin typeface="+mn-lt"/>
+                <a:ea typeface="+mn-ea"/>
+                <a:cs typeface="+mn-cs"/>
+              </a:defRPr>
+            </a:lvl6pPr>
+            <a:lvl7pPr marL="2743200" algn="l" defTabSz="914400" rtl="0" eaLnBrk="1" latinLnBrk="0" hangingPunct="1">
+              <a:defRPr sz="1800" kern="1200">
+                <a:solidFill>
+                  <a:schemeClr val="tx1"/>
+                </a:solidFill>
+                <a:latin typeface="+mn-lt"/>
+                <a:ea typeface="+mn-ea"/>
+                <a:cs typeface="+mn-cs"/>
+              </a:defRPr>
+            </a:lvl7pPr>
+            <a:lvl8pPr marL="3200400" algn="l" defTabSz="914400" rtl="0" eaLnBrk="1" latinLnBrk="0" hangingPunct="1">
+              <a:defRPr sz="1800" kern="1200">
+                <a:solidFill>
+                  <a:schemeClr val="tx1"/>
+                </a:solidFill>
+                <a:latin typeface="+mn-lt"/>
+                <a:ea typeface="+mn-ea"/>
+                <a:cs typeface="+mn-cs"/>
+              </a:defRPr>
+            </a:lvl8pPr>
+            <a:lvl9pPr marL="3657600" algn="l" defTabSz="914400" rtl="0" eaLnBrk="1" latinLnBrk="0" hangingPunct="1">
+              <a:defRPr sz="1800" kern="1200">
+                <a:solidFill>
+                  <a:schemeClr val="tx1"/>
+                </a:solidFill>
+                <a:latin typeface="+mn-lt"/>
+                <a:ea typeface="+mn-ea"/>
+                <a:cs typeface="+mn-cs"/>
+              </a:defRPr>
+            </a:lvl9pPr>
+          </a:lstStyle>
+          <a:p>
+            <a:fld id="{401CF334-2D5C-4859-84A6-CA7E6E43FAEB}" type="slidenum">
+              <a:rPr lang="en-US" smtClean="0"/>
+              <a:pPr/>
+              <a:t>24</a:t>
+            </a:fld>
+            <a:endParaRPr lang="en-US" dirty="0"/>
+          </a:p>
+        </p:txBody>
+      </p:sp>
+      <p:pic>
+        <p:nvPicPr>
+          <p:cNvPr id="6" name="Picture 5"/>
+          <p:cNvPicPr>
+            <a:picLocks noChangeAspect="1"/>
+          </p:cNvPicPr>
+          <p:nvPr/>
+        </p:nvPicPr>
+        <p:blipFill>
+          <a:blip r:embed="rId2">
+            <a:extLst>
+              <a:ext uri="{28A0092B-C50C-407E-A947-70E740481C1C}">
+                <a14:useLocalDpi xmlns:a14="http://schemas.microsoft.com/office/drawing/2010/main" val="0"/>
+              </a:ext>
+            </a:extLst>
+          </a:blip>
+          <a:stretch>
+            <a:fillRect/>
+          </a:stretch>
+        </p:blipFill>
+        <p:spPr>
+          <a:xfrm>
+            <a:off x="1434353" y="3297219"/>
+            <a:ext cx="2438400" cy="2438400"/>
+          </a:xfrm>
+          <a:prstGeom prst="rect">
+            <a:avLst/>
+          </a:prstGeom>
+        </p:spPr>
+      </p:pic>
+      <p:pic>
+        <p:nvPicPr>
+          <p:cNvPr id="7" name="Picture 6"/>
+          <p:cNvPicPr>
+            <a:picLocks noChangeAspect="1"/>
+          </p:cNvPicPr>
+          <p:nvPr/>
+        </p:nvPicPr>
+        <p:blipFill>
+          <a:blip r:embed="rId3">
+            <a:extLst>
+              <a:ext uri="{28A0092B-C50C-407E-A947-70E740481C1C}">
+                <a14:useLocalDpi xmlns:a14="http://schemas.microsoft.com/office/drawing/2010/main" val="0"/>
+              </a:ext>
+            </a:extLst>
+          </a:blip>
+          <a:stretch>
+            <a:fillRect/>
+          </a:stretch>
+        </p:blipFill>
+        <p:spPr>
+          <a:xfrm>
+            <a:off x="8630611" y="3297219"/>
+            <a:ext cx="2438400" cy="2438400"/>
+          </a:xfrm>
+          <a:prstGeom prst="rect">
+            <a:avLst/>
+          </a:prstGeom>
+        </p:spPr>
+      </p:pic>
+      <p:sp>
+        <p:nvSpPr>
+          <p:cNvPr id="8" name="Right Arrow 7"/>
+          <p:cNvSpPr/>
+          <p:nvPr/>
+        </p:nvSpPr>
+        <p:spPr>
+          <a:xfrm>
+            <a:off x="3795914" y="3757829"/>
+            <a:ext cx="4911537" cy="257286"/>
+          </a:xfrm>
+          <a:prstGeom prst="rightArrow">
+            <a:avLst>
+              <a:gd name="adj1" fmla="val 50000"/>
+              <a:gd name="adj2" fmla="val 51444"/>
+            </a:avLst>
+          </a:prstGeom>
+          <a:solidFill>
+            <a:schemeClr val="accent1">
+              <a:lumMod val="75000"/>
+            </a:schemeClr>
+          </a:solidFill>
+        </p:spPr>
+        <p:style>
+          <a:lnRef idx="3">
+            <a:schemeClr val="lt1"/>
+          </a:lnRef>
+          <a:fillRef idx="1">
+            <a:schemeClr val="accent3"/>
+          </a:fillRef>
+          <a:effectRef idx="1">
+            <a:schemeClr val="accent3"/>
+          </a:effectRef>
+          <a:fontRef idx="minor">
+            <a:schemeClr val="lt1"/>
+          </a:fontRef>
+        </p:style>
+        <p:txBody>
+          <a:bodyPr rtlCol="0" anchor="ctr"/>
+          <a:lstStyle/>
+          <a:p>
+            <a:pPr algn="ctr"/>
+            <a:endParaRPr lang="fr-FR" dirty="0"/>
+          </a:p>
+        </p:txBody>
+      </p:sp>
+      <p:sp>
+        <p:nvSpPr>
+          <p:cNvPr id="9" name="TextBox 8"/>
+          <p:cNvSpPr txBox="1"/>
+          <p:nvPr/>
+        </p:nvSpPr>
+        <p:spPr>
+          <a:xfrm>
+            <a:off x="2987575" y="4992452"/>
+            <a:ext cx="725968" cy="369332"/>
+          </a:xfrm>
+          <a:prstGeom prst="rect">
+            <a:avLst/>
+          </a:prstGeom>
+          <a:noFill/>
+          <a:ln>
+            <a:noFill/>
+          </a:ln>
+        </p:spPr>
+        <p:txBody>
+          <a:bodyPr wrap="none" rtlCol="0" anchor="ctr" anchorCtr="1">
+            <a:spAutoFit/>
+          </a:bodyPr>
+          <a:lstStyle/>
+          <a:p>
+            <a:r>
+              <a:rPr lang="en-US" dirty="0" smtClean="0"/>
+              <a:t>Client</a:t>
+            </a:r>
+            <a:endParaRPr lang="fr-FR" dirty="0"/>
+          </a:p>
+        </p:txBody>
+      </p:sp>
+      <p:sp>
+        <p:nvSpPr>
+          <p:cNvPr id="10" name="TextBox 9"/>
+          <p:cNvSpPr txBox="1"/>
+          <p:nvPr/>
+        </p:nvSpPr>
+        <p:spPr>
+          <a:xfrm rot="21385081">
+            <a:off x="8852352" y="4761620"/>
+            <a:ext cx="987643" cy="461665"/>
+          </a:xfrm>
+          <a:prstGeom prst="rect">
+            <a:avLst/>
+          </a:prstGeom>
+          <a:noFill/>
+          <a:ln>
+            <a:noFill/>
+          </a:ln>
+        </p:spPr>
+        <p:txBody>
+          <a:bodyPr wrap="none" rtlCol="0" anchor="ctr" anchorCtr="1">
+            <a:spAutoFit/>
+            <a:scene3d>
+              <a:camera prst="perspectiveContrastingLeftFacing"/>
+              <a:lightRig rig="threePt" dir="t"/>
+            </a:scene3d>
+          </a:bodyPr>
+          <a:lstStyle/>
+          <a:p>
+            <a:r>
+              <a:rPr lang="en-US" sz="2400" dirty="0" smtClean="0">
+                <a:solidFill>
+                  <a:schemeClr val="bg1"/>
+                </a:solidFill>
+              </a:rPr>
+              <a:t>Server</a:t>
+            </a:r>
+            <a:endParaRPr lang="fr-FR" dirty="0">
+              <a:solidFill>
+                <a:schemeClr val="bg1"/>
+              </a:solidFill>
+            </a:endParaRPr>
+          </a:p>
+        </p:txBody>
+      </p:sp>
+      <p:sp>
+        <p:nvSpPr>
+          <p:cNvPr id="11" name="Right Arrow 10"/>
+          <p:cNvSpPr/>
+          <p:nvPr/>
+        </p:nvSpPr>
+        <p:spPr>
+          <a:xfrm flipH="1">
+            <a:off x="3795910" y="5033370"/>
+            <a:ext cx="4834697" cy="290279"/>
+          </a:xfrm>
+          <a:prstGeom prst="rightArrow">
+            <a:avLst>
+              <a:gd name="adj1" fmla="val 50000"/>
+              <a:gd name="adj2" fmla="val 51444"/>
+            </a:avLst>
+          </a:prstGeom>
+          <a:solidFill>
+            <a:schemeClr val="accent1">
+              <a:lumMod val="75000"/>
+            </a:schemeClr>
+          </a:solidFill>
+        </p:spPr>
+        <p:style>
+          <a:lnRef idx="3">
+            <a:schemeClr val="lt1"/>
+          </a:lnRef>
+          <a:fillRef idx="1">
+            <a:schemeClr val="accent3"/>
+          </a:fillRef>
+          <a:effectRef idx="1">
+            <a:schemeClr val="accent3"/>
+          </a:effectRef>
+          <a:fontRef idx="minor">
+            <a:schemeClr val="lt1"/>
+          </a:fontRef>
+        </p:style>
+        <p:txBody>
+          <a:bodyPr rtlCol="0" anchor="ctr"/>
+          <a:lstStyle/>
+          <a:p>
+            <a:pPr algn="ctr"/>
+            <a:endParaRPr lang="fr-FR" dirty="0"/>
+          </a:p>
+        </p:txBody>
+      </p:sp>
+      <p:sp>
+        <p:nvSpPr>
+          <p:cNvPr id="12" name="TextBox 11"/>
+          <p:cNvSpPr txBox="1"/>
+          <p:nvPr/>
+        </p:nvSpPr>
+        <p:spPr>
+          <a:xfrm>
+            <a:off x="3452932" y="3460221"/>
+            <a:ext cx="6396879" cy="369332"/>
+          </a:xfrm>
+          <a:prstGeom prst="rect">
+            <a:avLst/>
+          </a:prstGeom>
+          <a:noFill/>
+          <a:ln>
+            <a:noFill/>
+          </a:ln>
+        </p:spPr>
+        <p:txBody>
+          <a:bodyPr wrap="none" rtlCol="0" anchor="ctr" anchorCtr="1">
+            <a:spAutoFit/>
+          </a:bodyPr>
+          <a:lstStyle/>
+          <a:p>
+            <a:r>
+              <a:rPr lang="en-US" b="1" dirty="0" smtClean="0"/>
+              <a:t>GET:http://address/</a:t>
+            </a:r>
+            <a:r>
+              <a:rPr lang="en-US" b="1" dirty="0" err="1" smtClean="0"/>
+              <a:t>className</a:t>
+            </a:r>
+            <a:r>
+              <a:rPr lang="en-US" b="1" dirty="0" smtClean="0"/>
+              <a:t>/</a:t>
+            </a:r>
+            <a:r>
+              <a:rPr lang="en-US" b="1" dirty="0" err="1" smtClean="0"/>
+              <a:t>methodName</a:t>
+            </a:r>
+            <a:r>
+              <a:rPr lang="en-US" b="1" dirty="0" smtClean="0"/>
+              <a:t>/resource identifier</a:t>
+            </a:r>
+            <a:endParaRPr lang="fr-FR" b="1" dirty="0"/>
+          </a:p>
+        </p:txBody>
+      </p:sp>
+      <p:sp>
+        <p:nvSpPr>
+          <p:cNvPr id="14" name="TextBox 13"/>
+          <p:cNvSpPr txBox="1"/>
+          <p:nvPr/>
+        </p:nvSpPr>
+        <p:spPr>
+          <a:xfrm>
+            <a:off x="5280222" y="5041426"/>
+            <a:ext cx="1169038" cy="954107"/>
+          </a:xfrm>
+          <a:prstGeom prst="rect">
+            <a:avLst/>
+          </a:prstGeom>
+          <a:noFill/>
+          <a:ln>
+            <a:noFill/>
+          </a:ln>
+        </p:spPr>
+        <p:txBody>
+          <a:bodyPr wrap="none" rtlCol="0" anchor="ctr" anchorCtr="1">
+            <a:spAutoFit/>
+          </a:bodyPr>
+          <a:lstStyle/>
+          <a:p>
+            <a:endParaRPr lang="fr-FR" sz="1400" dirty="0"/>
+          </a:p>
+          <a:p>
+            <a:r>
+              <a:rPr lang="en-US" sz="1400" dirty="0" smtClean="0"/>
+              <a:t>Status : 200</a:t>
+            </a:r>
+          </a:p>
+          <a:p>
+            <a:r>
+              <a:rPr lang="en-US" sz="1400" dirty="0" smtClean="0"/>
+              <a:t>Message : OK</a:t>
+            </a:r>
+          </a:p>
+          <a:p>
+            <a:r>
+              <a:rPr lang="en-US" sz="1400" dirty="0" smtClean="0"/>
+              <a:t>header : …..</a:t>
+            </a:r>
+            <a:endParaRPr lang="en-US" sz="1400" dirty="0"/>
+          </a:p>
+        </p:txBody>
+      </p:sp>
+    </p:spTree>
+    <p:extLst>
+      <p:ext uri="{BB962C8B-B14F-4D97-AF65-F5344CB8AC3E}">
+        <p14:creationId xmlns:p14="http://schemas.microsoft.com/office/powerpoint/2010/main" val="2500644477"/>
+      </p:ext>
+    </p:extLst>
+  </p:cSld>
+  <p:clrMapOvr>
+    <a:masterClrMapping/>
+  </p:clrMapOvr>
+  <p:timing>
+    <p:tnLst>
+      <p:par>
+        <p:cTn id="1" dur="indefinite" restart="never" nodeType="tmRoot">
+          <p:childTnLst>
+            <p:seq concurrent="1" nextAc="seek">
+              <p:cTn id="2" dur="indefinite" nodeType="mainSeq">
+                <p:childTnLst>
+                  <p:par>
+                    <p:cTn id="3" fill="hold">
+                      <p:stCondLst>
+                        <p:cond delay="indefinite"/>
+                      </p:stCondLst>
+                      <p:childTnLst>
+                        <p:par>
+                          <p:cTn id="4" fill="hold">
+                            <p:stCondLst>
+                              <p:cond delay="0"/>
+                            </p:stCondLst>
+                            <p:childTnLst>
+                              <p:par>
+                                <p:cTn id="5" presetID="22" presetClass="entr" presetSubtype="8" fill="hold" grpId="0" nodeType="clickEffect">
+                                  <p:stCondLst>
+                                    <p:cond delay="0"/>
+                                  </p:stCondLst>
+                                  <p:childTnLst>
+                                    <p:set>
+                                      <p:cBhvr>
+                                        <p:cTn id="6" dur="1" fill="hold">
+                                          <p:stCondLst>
+                                            <p:cond delay="0"/>
+                                          </p:stCondLst>
+                                        </p:cTn>
+                                        <p:tgtEl>
+                                          <p:spTgt spid="8"/>
+                                        </p:tgtEl>
+                                        <p:attrNameLst>
+                                          <p:attrName>style.visibility</p:attrName>
+                                        </p:attrNameLst>
+                                      </p:cBhvr>
+                                      <p:to>
+                                        <p:strVal val="visible"/>
+                                      </p:to>
+                                    </p:set>
+                                    <p:animEffect transition="in" filter="wipe(left)">
+                                      <p:cBhvr>
+                                        <p:cTn id="7" dur="500"/>
+                                        <p:tgtEl>
+                                          <p:spTgt spid="8"/>
+                                        </p:tgtEl>
+                                      </p:cBhvr>
+                                    </p:animEffect>
+                                  </p:childTnLst>
+                                </p:cTn>
+                              </p:par>
+                            </p:childTnLst>
+                          </p:cTn>
+                        </p:par>
+                      </p:childTnLst>
+                    </p:cTn>
+                  </p:par>
+                  <p:par>
+                    <p:cTn id="8" fill="hold">
+                      <p:stCondLst>
+                        <p:cond delay="indefinite"/>
+                      </p:stCondLst>
+                      <p:childTnLst>
+                        <p:par>
+                          <p:cTn id="9" fill="hold">
+                            <p:stCondLst>
+                              <p:cond delay="0"/>
+                            </p:stCondLst>
+                            <p:childTnLst>
+                              <p:par>
+                                <p:cTn id="10" presetID="22" presetClass="entr" presetSubtype="2" fill="hold" grpId="0" nodeType="clickEffect">
+                                  <p:stCondLst>
+                                    <p:cond delay="0"/>
+                                  </p:stCondLst>
+                                  <p:childTnLst>
+                                    <p:set>
+                                      <p:cBhvr>
+                                        <p:cTn id="11" dur="1" fill="hold">
+                                          <p:stCondLst>
+                                            <p:cond delay="0"/>
+                                          </p:stCondLst>
+                                        </p:cTn>
+                                        <p:tgtEl>
+                                          <p:spTgt spid="11"/>
+                                        </p:tgtEl>
+                                        <p:attrNameLst>
+                                          <p:attrName>style.visibility</p:attrName>
+                                        </p:attrNameLst>
+                                      </p:cBhvr>
+                                      <p:to>
+                                        <p:strVal val="visible"/>
+                                      </p:to>
+                                    </p:set>
+                                    <p:animEffect transition="in" filter="wipe(right)">
+                                      <p:cBhvr>
+                                        <p:cTn id="12" dur="500"/>
+                                        <p:tgtEl>
+                                          <p:spTgt spid="11"/>
+                                        </p:tgtEl>
+                                      </p:cBhvr>
+                                    </p:animEffect>
+                                  </p:childTnLst>
+                                </p:cTn>
+                              </p:par>
+                            </p:childTnLst>
+                          </p:cTn>
+                        </p:par>
+                      </p:childTnLst>
+                    </p:cTn>
+                  </p:par>
+                </p:childTnLst>
+              </p:cTn>
+              <p:prevCondLst>
+                <p:cond evt="onPrev" delay="0">
+                  <p:tgtEl>
+                    <p:sldTgt/>
+                  </p:tgtEl>
+                </p:cond>
+              </p:prevCondLst>
+              <p:nextCondLst>
+                <p:cond evt="onNext" delay="0">
+                  <p:tgtEl>
+                    <p:sldTgt/>
+                  </p:tgtEl>
+                </p:cond>
+              </p:nextCondLst>
+            </p:seq>
+          </p:childTnLst>
+        </p:cTn>
+      </p:par>
+    </p:tnLst>
+    <p:bldLst>
+      <p:bldP spid="8" grpId="0" animBg="1"/>
+      <p:bldP spid="11" grpId="0" animBg="1"/>
+    </p:bldLst>
+  </p:timing>
+</p:sld>
+</file>
+
+<file path=ppt/slides/slide25.xml><?xml version="1.0" encoding="utf-8"?>
+<p:sld xmlns:a="http://schemas.openxmlformats.org/drawingml/2006/main" xmlns:r="http://schemas.openxmlformats.org/officeDocument/2006/relationships" xmlns:p="http://schemas.openxmlformats.org/presentationml/2006/main">
+  <p:cSld>
+    <p:spTree>
+      <p:nvGrpSpPr>
+        <p:cNvPr id="1" name=""/>
+        <p:cNvGrpSpPr/>
+        <p:nvPr/>
+      </p:nvGrpSpPr>
+      <p:grpSpPr>
+        <a:xfrm>
+          <a:off x="0" y="0"/>
+          <a:ext cx="0" cy="0"/>
+          <a:chOff x="0" y="0"/>
+          <a:chExt cx="0" cy="0"/>
+        </a:xfrm>
+      </p:grpSpPr>
+      <p:sp>
+        <p:nvSpPr>
+          <p:cNvPr id="2" name="Slide Number Placeholder 1"/>
+          <p:cNvSpPr>
+            <a:spLocks noGrp="1"/>
+          </p:cNvSpPr>
+          <p:nvPr>
+            <p:ph type="sldNum" sz="quarter" idx="12"/>
+          </p:nvPr>
+        </p:nvSpPr>
+        <p:spPr/>
+        <p:txBody>
+          <a:bodyPr/>
+          <a:lstStyle/>
+          <a:p>
+            <a:fld id="{401CF334-2D5C-4859-84A6-CA7E6E43FAEB}" type="slidenum">
+              <a:rPr lang="en-US" smtClean="0"/>
+              <a:t>25</a:t>
+            </a:fld>
+            <a:endParaRPr lang="en-US" dirty="0"/>
+          </a:p>
+        </p:txBody>
+      </p:sp>
+      <p:sp>
+        <p:nvSpPr>
+          <p:cNvPr id="3" name="Content Placeholder 2"/>
+          <p:cNvSpPr>
+            <a:spLocks noGrp="1"/>
+          </p:cNvSpPr>
+          <p:nvPr>
+            <p:ph idx="1"/>
+          </p:nvPr>
+        </p:nvSpPr>
+        <p:spPr/>
+        <p:txBody>
+          <a:bodyPr/>
+          <a:lstStyle/>
+          <a:p>
+            <a:r>
+              <a:rPr lang="en-US" dirty="0" smtClean="0"/>
+              <a:t>The representation designates exchanged resource data between the client and the server.</a:t>
+            </a:r>
+          </a:p>
+          <a:p>
+            <a:endParaRPr lang="en-US" dirty="0"/>
+          </a:p>
+          <a:p>
+            <a:r>
+              <a:rPr lang="en-US" dirty="0" smtClean="0"/>
+              <a:t>It might be:</a:t>
+            </a:r>
+          </a:p>
+          <a:p>
+            <a:pPr lvl="1">
+              <a:buFont typeface="Arial" panose="020B0604020202020204" pitchFamily="34" charset="0"/>
+              <a:buChar char="•"/>
+            </a:pPr>
+            <a:r>
+              <a:rPr lang="en-US" dirty="0" smtClean="0"/>
+              <a:t>XML</a:t>
+            </a:r>
+          </a:p>
+          <a:p>
+            <a:pPr lvl="1">
+              <a:buFont typeface="Arial" panose="020B0604020202020204" pitchFamily="34" charset="0"/>
+              <a:buChar char="•"/>
+            </a:pPr>
+            <a:r>
+              <a:rPr lang="en-US" dirty="0" smtClean="0"/>
+              <a:t>JSON</a:t>
+            </a:r>
+          </a:p>
+          <a:p>
+            <a:pPr lvl="1">
+              <a:buFont typeface="Arial" panose="020B0604020202020204" pitchFamily="34" charset="0"/>
+              <a:buChar char="•"/>
+            </a:pPr>
+            <a:r>
+              <a:rPr lang="en-US" dirty="0" smtClean="0"/>
+              <a:t>XHTML</a:t>
+            </a:r>
+          </a:p>
+          <a:p>
+            <a:pPr lvl="1">
+              <a:buFont typeface="Arial" panose="020B0604020202020204" pitchFamily="34" charset="0"/>
+              <a:buChar char="•"/>
+            </a:pPr>
+            <a:r>
+              <a:rPr lang="en-US" dirty="0" smtClean="0"/>
+              <a:t>Text/plain</a:t>
+            </a:r>
+          </a:p>
+          <a:p>
+            <a:pPr lvl="1">
+              <a:buFont typeface="Arial" panose="020B0604020202020204" pitchFamily="34" charset="0"/>
+              <a:buChar char="•"/>
+            </a:pPr>
+            <a:r>
+              <a:rPr lang="en-US" dirty="0" smtClean="0"/>
+              <a:t>….</a:t>
+            </a:r>
+            <a:endParaRPr lang="en-US" dirty="0"/>
+          </a:p>
+        </p:txBody>
+      </p:sp>
+      <p:sp>
+        <p:nvSpPr>
+          <p:cNvPr id="4" name="Title 3"/>
+          <p:cNvSpPr>
+            <a:spLocks noGrp="1"/>
+          </p:cNvSpPr>
+          <p:nvPr>
+            <p:ph type="title"/>
+          </p:nvPr>
+        </p:nvSpPr>
+        <p:spPr/>
+        <p:txBody>
+          <a:bodyPr/>
+          <a:lstStyle/>
+          <a:p>
+            <a:r>
+              <a:rPr lang="en-US" dirty="0" smtClean="0"/>
+              <a:t>Representation</a:t>
+            </a:r>
+            <a:endParaRPr lang="fr-FR" dirty="0"/>
+          </a:p>
+        </p:txBody>
+      </p:sp>
+    </p:spTree>
+    <p:extLst>
+      <p:ext uri="{BB962C8B-B14F-4D97-AF65-F5344CB8AC3E}">
+        <p14:creationId xmlns:p14="http://schemas.microsoft.com/office/powerpoint/2010/main" val="23042513"/>
+      </p:ext>
+    </p:extLst>
+  </p:cSld>
+  <p:clrMapOvr>
+    <a:masterClrMapping/>
+  </p:clrMapOvr>
+  <p:timing>
+    <p:tnLst>
+      <p:par>
+        <p:cTn id="1" dur="indefinite" restart="never" nodeType="tmRoot"/>
+      </p:par>
+    </p:tnLst>
+  </p:timing>
+</p:sld>
+</file>
+
+<file path=ppt/slides/slide26.xml><?xml version="1.0" encoding="utf-8"?>
+<p:sld xmlns:a="http://schemas.openxmlformats.org/drawingml/2006/main" xmlns:r="http://schemas.openxmlformats.org/officeDocument/2006/relationships" xmlns:p="http://schemas.openxmlformats.org/presentationml/2006/main">
+  <p:cSld>
+    <p:spTree>
+      <p:nvGrpSpPr>
+        <p:cNvPr id="1" name=""/>
+        <p:cNvGrpSpPr/>
+        <p:nvPr/>
+      </p:nvGrpSpPr>
+      <p:grpSpPr>
+        <a:xfrm>
+          <a:off x="0" y="0"/>
+          <a:ext cx="0" cy="0"/>
+          <a:chOff x="0" y="0"/>
+          <a:chExt cx="0" cy="0"/>
+        </a:xfrm>
+      </p:grpSpPr>
+      <p:sp>
+        <p:nvSpPr>
+          <p:cNvPr id="9" name="Text Placeholder 8"/>
+          <p:cNvSpPr>
+            <a:spLocks noGrp="1"/>
+          </p:cNvSpPr>
+          <p:nvPr>
+            <p:ph type="body" idx="1"/>
+          </p:nvPr>
+        </p:nvSpPr>
+        <p:spPr/>
+        <p:txBody>
+          <a:bodyPr/>
+          <a:lstStyle/>
+          <a:p>
+            <a:endParaRPr lang="en-US" dirty="0"/>
+          </a:p>
+        </p:txBody>
+      </p:sp>
+      <p:sp>
+        <p:nvSpPr>
+          <p:cNvPr id="4" name="Title 3"/>
+          <p:cNvSpPr>
+            <a:spLocks noGrp="1"/>
+          </p:cNvSpPr>
+          <p:nvPr>
+            <p:ph type="title"/>
+          </p:nvPr>
+        </p:nvSpPr>
+        <p:spPr/>
+        <p:txBody>
+          <a:bodyPr/>
+          <a:lstStyle/>
+          <a:p>
+            <a:r>
+              <a:rPr lang="en-US" dirty="0" smtClean="0"/>
+              <a:t>Questions &amp; Comments</a:t>
+            </a:r>
+            <a:endParaRPr lang="en-US" dirty="0"/>
+          </a:p>
+        </p:txBody>
+      </p:sp>
+      <p:sp>
+        <p:nvSpPr>
+          <p:cNvPr id="2" name="Slide Number Placeholder 1"/>
+          <p:cNvSpPr>
+            <a:spLocks noGrp="1"/>
+          </p:cNvSpPr>
+          <p:nvPr>
+            <p:ph type="sldNum" sz="quarter" idx="12"/>
+          </p:nvPr>
+        </p:nvSpPr>
+        <p:spPr/>
+        <p:txBody>
+          <a:bodyPr/>
+          <a:lstStyle/>
+          <a:p>
+            <a:fld id="{401CF334-2D5C-4859-84A6-CA7E6E43FAEB}" type="slidenum">
+              <a:rPr lang="en-US" smtClean="0"/>
+              <a:t>26</a:t>
+            </a:fld>
+            <a:endParaRPr lang="en-US" dirty="0"/>
+          </a:p>
+        </p:txBody>
+      </p:sp>
+    </p:spTree>
+    <p:extLst>
+      <p:ext uri="{BB962C8B-B14F-4D97-AF65-F5344CB8AC3E}">
+        <p14:creationId xmlns:p14="http://schemas.microsoft.com/office/powerpoint/2010/main" val="986252602"/>
+      </p:ext>
+    </p:extLst>
+  </p:cSld>
+  <p:clrMapOvr>
+    <a:masterClrMapping/>
+  </p:clrMapOvr>
+  <mc:AlternateContent xmlns:mc="http://schemas.openxmlformats.org/markup-compatibility/2006" xmlns:p14="http://schemas.microsoft.com/office/powerpoint/2010/main">
+    <mc:Choice Requires="p14">
+      <p:transition spd="med" p14:dur="700">
+        <p:fade/>
+      </p:transition>
+    </mc:Choice>
+    <mc:Fallback xmlns="">
+      <p:transition spd="med">
+        <p:fade/>
+      </p:transition>
+    </mc:Fallback>
+  </mc:AlternateContent>
   <p:timing>
     <p:tnLst>
       <p:par>
@@ -6523,54 +13889,10 @@
           </a:p>
         </p:txBody>
       </p:sp>
-      <p:sp>
-        <p:nvSpPr>
-          <p:cNvPr id="4" name="Rectangle 3"/>
-          <p:cNvSpPr/>
-          <p:nvPr/>
-        </p:nvSpPr>
-        <p:spPr>
-          <a:xfrm>
-            <a:off x="6413678" y="5009881"/>
-            <a:ext cx="2021983" cy="1339403"/>
-          </a:xfrm>
-          <a:prstGeom prst="rect">
-            <a:avLst/>
-          </a:prstGeom>
-        </p:spPr>
-        <p:style>
-          <a:lnRef idx="3">
-            <a:schemeClr val="lt1"/>
-          </a:lnRef>
-          <a:fillRef idx="1">
-            <a:schemeClr val="accent3"/>
-          </a:fillRef>
-          <a:effectRef idx="1">
-            <a:schemeClr val="accent3"/>
-          </a:effectRef>
-          <a:fontRef idx="minor">
-            <a:schemeClr val="lt1"/>
-          </a:fontRef>
-        </p:style>
-        <p:txBody>
-          <a:bodyPr rtlCol="0" anchor="ctr"/>
-          <a:lstStyle/>
-          <a:p>
-            <a:pPr algn="ctr"/>
-            <a:r>
-              <a:rPr lang="en-US" dirty="0" smtClean="0"/>
-              <a:t>Web Service</a:t>
-            </a:r>
-            <a:endParaRPr lang="fr-FR" dirty="0"/>
-          </a:p>
-        </p:txBody>
-      </p:sp>
       <p:cxnSp>
         <p:nvCxnSpPr>
           <p:cNvPr id="6" name="Straight Connector 5"/>
-          <p:cNvCxnSpPr>
-            <a:stCxn id="4" idx="0"/>
-          </p:cNvCxnSpPr>
+          <p:cNvCxnSpPr/>
           <p:nvPr/>
         </p:nvCxnSpPr>
         <p:spPr>
@@ -6605,12 +13927,33 @@
         </p:nvSpPr>
         <p:spPr>
           <a:xfrm>
-            <a:off x="7276563" y="4301543"/>
+            <a:off x="7289442" y="4301543"/>
             <a:ext cx="257577" cy="244699"/>
           </a:xfrm>
           <a:prstGeom prst="ellipse">
             <a:avLst/>
           </a:prstGeom>
+          <a:ln>
+            <a:noFill/>
+          </a:ln>
+          <a:effectLst>
+            <a:outerShdw blurRad="190500" dist="228600" dir="2700000" algn="ctr">
+              <a:srgbClr val="000000">
+                <a:alpha val="30000"/>
+              </a:srgbClr>
+            </a:outerShdw>
+          </a:effectLst>
+          <a:scene3d>
+            <a:camera prst="orthographicFront">
+              <a:rot lat="0" lon="0" rev="0"/>
+            </a:camera>
+            <a:lightRig rig="glow" dir="t">
+              <a:rot lat="0" lon="0" rev="4800000"/>
+            </a:lightRig>
+          </a:scene3d>
+          <a:sp3d prstMaterial="matte">
+            <a:bevelT w="127000" h="63500"/>
+          </a:sp3d>
         </p:spPr>
         <p:style>
           <a:lnRef idx="3">
@@ -6865,6 +14208,69 @@
               <a:t>4</a:t>
             </a:fld>
             <a:endParaRPr lang="en-US" dirty="0"/>
+          </a:p>
+        </p:txBody>
+      </p:sp>
+      <p:sp>
+        <p:nvSpPr>
+          <p:cNvPr id="2" name="Rounded Rectangle 1"/>
+          <p:cNvSpPr/>
+          <p:nvPr/>
+        </p:nvSpPr>
+        <p:spPr>
+          <a:xfrm>
+            <a:off x="6329617" y="5009881"/>
+            <a:ext cx="2190105" cy="1516687"/>
+          </a:xfrm>
+          <a:prstGeom prst="roundRect">
+            <a:avLst/>
+          </a:prstGeom>
+          <a:ln>
+            <a:noFill/>
+          </a:ln>
+          <a:effectLst>
+            <a:outerShdw blurRad="190500" dist="228600" dir="2700000" algn="ctr">
+              <a:srgbClr val="000000">
+                <a:alpha val="30000"/>
+              </a:srgbClr>
+            </a:outerShdw>
+          </a:effectLst>
+          <a:scene3d>
+            <a:camera prst="orthographicFront">
+              <a:rot lat="0" lon="0" rev="0"/>
+            </a:camera>
+            <a:lightRig rig="glow" dir="t">
+              <a:rot lat="0" lon="0" rev="4800000"/>
+            </a:lightRig>
+          </a:scene3d>
+          <a:sp3d prstMaterial="matte">
+            <a:bevelT w="127000" h="63500"/>
+          </a:sp3d>
+        </p:spPr>
+        <p:style>
+          <a:lnRef idx="3">
+            <a:schemeClr val="lt1"/>
+          </a:lnRef>
+          <a:fillRef idx="1">
+            <a:schemeClr val="accent3"/>
+          </a:fillRef>
+          <a:effectRef idx="1">
+            <a:schemeClr val="accent3"/>
+          </a:effectRef>
+          <a:fontRef idx="minor">
+            <a:schemeClr val="lt1"/>
+          </a:fontRef>
+        </p:style>
+        <p:txBody>
+          <a:bodyPr rtlCol="0" anchor="ctr"/>
+          <a:lstStyle/>
+          <a:p>
+            <a:pPr algn="ctr"/>
+            <a:r>
+              <a:rPr lang="en-US"/>
+              <a:t>Web Service</a:t>
+            </a:r>
+            <a:endParaRPr lang="fr-FR" dirty="0"/>
           </a:p>
         </p:txBody>
       </p:sp>
@@ -7080,41 +14486,39 @@
       </p:grpSpPr>
       <p:sp>
         <p:nvSpPr>
-          <p:cNvPr id="3" name="Title 2"/>
-          <p:cNvSpPr>
-            <a:spLocks noGrp="1"/>
-          </p:cNvSpPr>
-          <p:nvPr>
-            <p:ph type="title"/>
-          </p:nvPr>
-        </p:nvSpPr>
-        <p:spPr/>
-        <p:txBody>
-          <a:bodyPr/>
-          <a:lstStyle/>
-          <a:p>
-            <a:r>
-              <a:rPr lang="en-US" dirty="0" smtClean="0"/>
-              <a:t>Local API</a:t>
-            </a:r>
-            <a:endParaRPr lang="fr-FR" dirty="0"/>
-          </a:p>
-        </p:txBody>
-      </p:sp>
-      <p:sp>
-        <p:nvSpPr>
-          <p:cNvPr id="4" name="Rectangle 3"/>
+          <p:cNvPr id="2" name="Rounded Rectangle 1"/>
           <p:cNvSpPr/>
           <p:nvPr/>
         </p:nvSpPr>
         <p:spPr>
           <a:xfrm>
-            <a:off x="5389784" y="3673942"/>
-            <a:ext cx="4365938" cy="2820473"/>
+            <a:off x="5576552" y="3657866"/>
+            <a:ext cx="4250028" cy="2852626"/>
           </a:xfrm>
-          <a:prstGeom prst="rect">
+          <a:prstGeom prst="roundRect">
             <a:avLst/>
           </a:prstGeom>
+          <a:ln>
+            <a:noFill/>
+          </a:ln>
+          <a:effectLst>
+            <a:outerShdw blurRad="190500" dist="228600" dir="2700000" algn="ctr">
+              <a:srgbClr val="000000">
+                <a:alpha val="30000"/>
+              </a:srgbClr>
+            </a:outerShdw>
+          </a:effectLst>
+          <a:scene3d>
+            <a:camera prst="orthographicFront">
+              <a:rot lat="0" lon="0" rev="0"/>
+            </a:camera>
+            <a:lightRig rig="glow" dir="t">
+              <a:rot lat="0" lon="0" rev="4800000"/>
+            </a:lightRig>
+          </a:scene3d>
+          <a:sp3d prstMaterial="matte">
+            <a:bevelT w="127000" h="63500"/>
+          </a:sp3d>
         </p:spPr>
         <p:style>
           <a:lnRef idx="3">
@@ -7136,8 +14540,31 @@
           <a:p>
             <a:pPr algn="ctr"/>
             <a:r>
+              <a:rPr lang="en-US"/>
+              <a:t>Client App</a:t>
+            </a:r>
+            <a:endParaRPr lang="fr-FR" dirty="0"/>
+          </a:p>
+        </p:txBody>
+      </p:sp>
+      <p:sp>
+        <p:nvSpPr>
+          <p:cNvPr id="3" name="Title 2"/>
+          <p:cNvSpPr>
+            <a:spLocks noGrp="1"/>
+          </p:cNvSpPr>
+          <p:nvPr>
+            <p:ph type="title"/>
+          </p:nvPr>
+        </p:nvSpPr>
+        <p:spPr/>
+        <p:txBody>
+          <a:bodyPr/>
+          <a:lstStyle/>
+          <a:p>
+            <a:r>
               <a:rPr lang="en-US" dirty="0" smtClean="0"/>
-              <a:t>Client App</a:t>
+              <a:t>Local API</a:t>
             </a:r>
             <a:endParaRPr lang="fr-FR" dirty="0"/>
           </a:p>
@@ -7163,6 +14590,27 @@
               <a:lumOff val="60000"/>
             </a:schemeClr>
           </a:solidFill>
+          <a:ln>
+            <a:noFill/>
+          </a:ln>
+          <a:effectLst>
+            <a:outerShdw blurRad="190500" dist="228600" dir="2700000" algn="ctr">
+              <a:srgbClr val="000000">
+                <a:alpha val="30000"/>
+              </a:srgbClr>
+            </a:outerShdw>
+          </a:effectLst>
+          <a:scene3d>
+            <a:camera prst="orthographicFront">
+              <a:rot lat="0" lon="0" rev="0"/>
+            </a:camera>
+            <a:lightRig rig="glow" dir="t">
+              <a:rot lat="0" lon="0" rev="4800000"/>
+            </a:lightRig>
+          </a:scene3d>
+          <a:sp3d prstMaterial="matte">
+            <a:bevelT w="127000" h="63500"/>
+          </a:sp3d>
         </p:spPr>
         <p:style>
           <a:lnRef idx="3">
@@ -7223,6 +14671,27 @@
               <a:lumOff val="60000"/>
             </a:schemeClr>
           </a:solidFill>
+          <a:ln>
+            <a:noFill/>
+          </a:ln>
+          <a:effectLst>
+            <a:outerShdw blurRad="190500" dist="228600" dir="2700000" algn="ctr">
+              <a:srgbClr val="000000">
+                <a:alpha val="30000"/>
+              </a:srgbClr>
+            </a:outerShdw>
+          </a:effectLst>
+          <a:scene3d>
+            <a:camera prst="orthographicFront">
+              <a:rot lat="0" lon="0" rev="0"/>
+            </a:camera>
+            <a:lightRig rig="glow" dir="t">
+              <a:rot lat="0" lon="0" rev="4800000"/>
+            </a:lightRig>
+          </a:scene3d>
+          <a:sp3d prstMaterial="matte">
+            <a:bevelT w="127000" h="63500"/>
+          </a:sp3d>
         </p:spPr>
         <p:style>
           <a:lnRef idx="3">
@@ -7277,6 +14746,27 @@
               <a:lumOff val="60000"/>
             </a:schemeClr>
           </a:solidFill>
+          <a:ln>
+            <a:noFill/>
+          </a:ln>
+          <a:effectLst>
+            <a:outerShdw blurRad="190500" dist="228600" dir="2700000" algn="ctr">
+              <a:srgbClr val="000000">
+                <a:alpha val="30000"/>
+              </a:srgbClr>
+            </a:outerShdw>
+          </a:effectLst>
+          <a:scene3d>
+            <a:camera prst="orthographicFront">
+              <a:rot lat="0" lon="0" rev="0"/>
+            </a:camera>
+            <a:lightRig rig="glow" dir="t">
+              <a:rot lat="0" lon="0" rev="4800000"/>
+            </a:lightRig>
+          </a:scene3d>
+          <a:sp3d prstMaterial="matte">
+            <a:bevelT w="127000" h="63500"/>
+          </a:sp3d>
         </p:spPr>
         <p:style>
           <a:lnRef idx="3">
@@ -7572,6 +15062,27 @@
               <a:lumMod val="75000"/>
             </a:schemeClr>
           </a:solidFill>
+          <a:ln>
+            <a:noFill/>
+          </a:ln>
+          <a:effectLst>
+            <a:outerShdw blurRad="190500" dist="228600" dir="2700000" algn="ctr">
+              <a:srgbClr val="000000">
+                <a:alpha val="30000"/>
+              </a:srgbClr>
+            </a:outerShdw>
+          </a:effectLst>
+          <a:scene3d>
+            <a:camera prst="orthographicFront">
+              <a:rot lat="0" lon="0" rev="0"/>
+            </a:camera>
+            <a:lightRig rig="glow" dir="t">
+              <a:rot lat="0" lon="0" rev="4800000"/>
+            </a:lightRig>
+          </a:scene3d>
+          <a:sp3d prstMaterial="matte">
+            <a:bevelT w="127000" h="63500"/>
+          </a:sp3d>
         </p:spPr>
         <p:style>
           <a:lnRef idx="3">
@@ -7651,6 +15162,27 @@
               <a:lumMod val="75000"/>
             </a:schemeClr>
           </a:solidFill>
+          <a:ln>
+            <a:noFill/>
+          </a:ln>
+          <a:effectLst>
+            <a:outerShdw blurRad="190500" dist="228600" dir="2700000" algn="ctr">
+              <a:srgbClr val="000000">
+                <a:alpha val="30000"/>
+              </a:srgbClr>
+            </a:outerShdw>
+          </a:effectLst>
+          <a:scene3d>
+            <a:camera prst="orthographicFront">
+              <a:rot lat="0" lon="0" rev="0"/>
+            </a:camera>
+            <a:lightRig rig="glow" dir="t">
+              <a:rot lat="0" lon="0" rev="4800000"/>
+            </a:lightRig>
+          </a:scene3d>
+          <a:sp3d prstMaterial="matte">
+            <a:bevelT w="127000" h="63500"/>
+          </a:sp3d>
         </p:spPr>
         <p:style>
           <a:lnRef idx="3">
@@ -7833,6 +15365,27 @@
           <a:prstGeom prst="rect">
             <a:avLst/>
           </a:prstGeom>
+          <a:ln>
+            <a:noFill/>
+          </a:ln>
+          <a:effectLst>
+            <a:outerShdw blurRad="190500" dist="228600" dir="2700000" algn="ctr">
+              <a:srgbClr val="000000">
+                <a:alpha val="30000"/>
+              </a:srgbClr>
+            </a:outerShdw>
+          </a:effectLst>
+          <a:scene3d>
+            <a:camera prst="orthographicFront">
+              <a:rot lat="0" lon="0" rev="0"/>
+            </a:camera>
+            <a:lightRig rig="glow" dir="t">
+              <a:rot lat="0" lon="0" rev="4800000"/>
+            </a:lightRig>
+          </a:scene3d>
+          <a:sp3d prstMaterial="matte">
+            <a:bevelT w="127000" h="63500"/>
+          </a:sp3d>
         </p:spPr>
         <p:style>
           <a:lnRef idx="3">
@@ -7907,6 +15460,27 @@
           <a:prstGeom prst="ellipse">
             <a:avLst/>
           </a:prstGeom>
+          <a:ln>
+            <a:noFill/>
+          </a:ln>
+          <a:effectLst>
+            <a:outerShdw blurRad="190500" dist="228600" dir="2700000" algn="ctr">
+              <a:srgbClr val="000000">
+                <a:alpha val="30000"/>
+              </a:srgbClr>
+            </a:outerShdw>
+          </a:effectLst>
+          <a:scene3d>
+            <a:camera prst="orthographicFront">
+              <a:rot lat="0" lon="0" rev="0"/>
+            </a:camera>
+            <a:lightRig rig="glow" dir="t">
+              <a:rot lat="0" lon="0" rev="4800000"/>
+            </a:lightRig>
+          </a:scene3d>
+          <a:sp3d prstMaterial="matte">
+            <a:bevelT w="127000" h="63500"/>
+          </a:sp3d>
         </p:spPr>
         <p:style>
           <a:lnRef idx="3">
@@ -8073,6 +15647,27 @@
               <a:lumMod val="75000"/>
             </a:schemeClr>
           </a:solidFill>
+          <a:ln>
+            <a:noFill/>
+          </a:ln>
+          <a:effectLst>
+            <a:outerShdw blurRad="190500" dist="228600" dir="2700000" algn="ctr">
+              <a:srgbClr val="000000">
+                <a:alpha val="30000"/>
+              </a:srgbClr>
+            </a:outerShdw>
+          </a:effectLst>
+          <a:scene3d>
+            <a:camera prst="orthographicFront">
+              <a:rot lat="0" lon="0" rev="0"/>
+            </a:camera>
+            <a:lightRig rig="glow" dir="t">
+              <a:rot lat="0" lon="0" rev="4800000"/>
+            </a:lightRig>
+          </a:scene3d>
+          <a:sp3d prstMaterial="matte">
+            <a:bevelT w="127000" h="63500"/>
+          </a:sp3d>
         </p:spPr>
         <p:style>
           <a:lnRef idx="3">
@@ -8769,6 +16364,27 @@
           <a:prstGeom prst="rect">
             <a:avLst/>
           </a:prstGeom>
+          <a:ln>
+            <a:noFill/>
+          </a:ln>
+          <a:effectLst>
+            <a:outerShdw blurRad="190500" dist="228600" dir="2700000" algn="ctr">
+              <a:srgbClr val="000000">
+                <a:alpha val="30000"/>
+              </a:srgbClr>
+            </a:outerShdw>
+          </a:effectLst>
+          <a:scene3d>
+            <a:camera prst="orthographicFront">
+              <a:rot lat="0" lon="0" rev="0"/>
+            </a:camera>
+            <a:lightRig rig="glow" dir="t">
+              <a:rot lat="0" lon="0" rev="4800000"/>
+            </a:lightRig>
+          </a:scene3d>
+          <a:sp3d prstMaterial="matte">
+            <a:bevelT w="127000" h="63500"/>
+          </a:sp3d>
         </p:spPr>
       </p:pic>
       <p:sp>
@@ -8878,6 +16494,27 @@
           <a:prstGeom prst="rect">
             <a:avLst/>
           </a:prstGeom>
+          <a:ln>
+            <a:noFill/>
+          </a:ln>
+          <a:effectLst>
+            <a:outerShdw blurRad="190500" dist="228600" dir="2700000" algn="ctr">
+              <a:srgbClr val="000000">
+                <a:alpha val="30000"/>
+              </a:srgbClr>
+            </a:outerShdw>
+          </a:effectLst>
+          <a:scene3d>
+            <a:camera prst="orthographicFront">
+              <a:rot lat="0" lon="0" rev="0"/>
+            </a:camera>
+            <a:lightRig rig="glow" dir="t">
+              <a:rot lat="0" lon="0" rev="4800000"/>
+            </a:lightRig>
+          </a:scene3d>
+          <a:sp3d prstMaterial="matte">
+            <a:bevelT w="127000" h="63500"/>
+          </a:sp3d>
         </p:spPr>
       </p:pic>
       <p:sp>
@@ -8984,6 +16621,27 @@
           <a:prstGeom prst="rect">
             <a:avLst/>
           </a:prstGeom>
+          <a:ln>
+            <a:noFill/>
+          </a:ln>
+          <a:effectLst>
+            <a:outerShdw blurRad="190500" dist="228600" dir="2700000" algn="ctr">
+              <a:srgbClr val="000000">
+                <a:alpha val="30000"/>
+              </a:srgbClr>
+            </a:outerShdw>
+          </a:effectLst>
+          <a:scene3d>
+            <a:camera prst="orthographicFront">
+              <a:rot lat="0" lon="0" rev="0"/>
+            </a:camera>
+            <a:lightRig rig="glow" dir="t">
+              <a:rot lat="0" lon="0" rev="4800000"/>
+            </a:lightRig>
+          </a:scene3d>
+          <a:sp3d prstMaterial="matte">
+            <a:bevelT w="127000" h="63500"/>
+          </a:sp3d>
         </p:spPr>
       </p:pic>
       <p:sp>
@@ -9290,6 +16948,27 @@
           <a:prstGeom prst="rect">
             <a:avLst/>
           </a:prstGeom>
+          <a:ln>
+            <a:noFill/>
+          </a:ln>
+          <a:effectLst>
+            <a:outerShdw blurRad="190500" dist="228600" dir="2700000" algn="ctr">
+              <a:srgbClr val="000000">
+                <a:alpha val="30000"/>
+              </a:srgbClr>
+            </a:outerShdw>
+          </a:effectLst>
+          <a:scene3d>
+            <a:camera prst="orthographicFront">
+              <a:rot lat="0" lon="0" rev="0"/>
+            </a:camera>
+            <a:lightRig rig="glow" dir="t">
+              <a:rot lat="0" lon="0" rev="4800000"/>
+            </a:lightRig>
+          </a:scene3d>
+          <a:sp3d prstMaterial="matte">
+            <a:bevelT w="127000" h="63500"/>
+          </a:sp3d>
         </p:spPr>
       </p:pic>
       <p:pic>
@@ -9320,6 +16999,27 @@
           <a:prstGeom prst="rect">
             <a:avLst/>
           </a:prstGeom>
+          <a:ln>
+            <a:noFill/>
+          </a:ln>
+          <a:effectLst>
+            <a:outerShdw blurRad="190500" dist="228600" dir="2700000" algn="ctr">
+              <a:srgbClr val="000000">
+                <a:alpha val="30000"/>
+              </a:srgbClr>
+            </a:outerShdw>
+          </a:effectLst>
+          <a:scene3d>
+            <a:camera prst="orthographicFront">
+              <a:rot lat="0" lon="0" rev="0"/>
+            </a:camera>
+            <a:lightRig rig="glow" dir="t">
+              <a:rot lat="0" lon="0" rev="4800000"/>
+            </a:lightRig>
+          </a:scene3d>
+          <a:sp3d prstMaterial="matte">
+            <a:bevelT w="127000" h="63500"/>
+          </a:sp3d>
         </p:spPr>
       </p:pic>
       <p:cxnSp>
@@ -9379,12 +17079,26 @@
             </a:schemeClr>
           </a:solidFill>
           <a:ln>
-            <a:solidFill>
-              <a:schemeClr val="accent2">
-                <a:lumMod val="50000"/>
-              </a:schemeClr>
-            </a:solidFill>
+            <a:noFill/>
           </a:ln>
+          <a:effectLst>
+            <a:outerShdw blurRad="190500" dist="228600" dir="2700000" algn="ctr">
+              <a:srgbClr val="000000">
+                <a:alpha val="30000"/>
+              </a:srgbClr>
+            </a:outerShdw>
+          </a:effectLst>
+          <a:scene3d>
+            <a:camera prst="orthographicFront">
+              <a:rot lat="0" lon="0" rev="0"/>
+            </a:camera>
+            <a:lightRig rig="glow" dir="t">
+              <a:rot lat="0" lon="0" rev="4800000"/>
+            </a:lightRig>
+          </a:scene3d>
+          <a:sp3d prstMaterial="matte">
+            <a:bevelT w="127000" h="63500"/>
+          </a:sp3d>
         </p:spPr>
         <p:style>
           <a:lnRef idx="3">
@@ -9606,13 +17320,26 @@
             <a:avLst/>
           </a:prstGeom>
           <a:ln>
-            <a:solidFill>
-              <a:schemeClr val="accent3">
-                <a:lumMod val="60000"/>
-                <a:lumOff val="40000"/>
-              </a:schemeClr>
-            </a:solidFill>
+            <a:noFill/>
           </a:ln>
+          <a:effectLst>
+            <a:outerShdw blurRad="190500" dist="228600" dir="2700000" algn="ctr">
+              <a:srgbClr val="000000">
+                <a:alpha val="30000"/>
+              </a:srgbClr>
+            </a:outerShdw>
+          </a:effectLst>
+          <a:scene3d>
+            <a:camera prst="orthographicFront">
+              <a:rot lat="0" lon="0" rev="0"/>
+            </a:camera>
+            <a:lightRig rig="glow" dir="t">
+              <a:rot lat="0" lon="0" rev="4800000"/>
+            </a:lightRig>
+          </a:scene3d>
+          <a:sp3d prstMaterial="matte">
+            <a:bevelT w="127000" h="63500"/>
+          </a:sp3d>
         </p:spPr>
         <p:style>
           <a:lnRef idx="3">

--- a/RestWebService.pptx
+++ b/RestWebService.pptx
@@ -5,10 +5,10 @@
     <p:sldMasterId id="2147483684" r:id="rId2"/>
   </p:sldMasterIdLst>
   <p:notesMasterIdLst>
-    <p:notesMasterId r:id="rId49"/>
+    <p:notesMasterId r:id="rId63"/>
   </p:notesMasterIdLst>
   <p:handoutMasterIdLst>
-    <p:handoutMasterId r:id="rId50"/>
+    <p:handoutMasterId r:id="rId64"/>
   </p:handoutMasterIdLst>
   <p:sldIdLst>
     <p:sldId id="256" r:id="rId3"/>
@@ -40,8 +40,8 @@
     <p:sldId id="287" r:id="rId29"/>
     <p:sldId id="288" r:id="rId30"/>
     <p:sldId id="289" r:id="rId31"/>
-    <p:sldId id="304" r:id="rId32"/>
-    <p:sldId id="307" r:id="rId33"/>
+    <p:sldId id="307" r:id="rId32"/>
+    <p:sldId id="361" r:id="rId33"/>
     <p:sldId id="348" r:id="rId34"/>
     <p:sldId id="349" r:id="rId35"/>
     <p:sldId id="350" r:id="rId36"/>
@@ -49,14 +49,28 @@
     <p:sldId id="352" r:id="rId38"/>
     <p:sldId id="353" r:id="rId39"/>
     <p:sldId id="354" r:id="rId40"/>
-    <p:sldId id="290" r:id="rId41"/>
-    <p:sldId id="329" r:id="rId42"/>
-    <p:sldId id="330" r:id="rId43"/>
-    <p:sldId id="331" r:id="rId44"/>
-    <p:sldId id="332" r:id="rId45"/>
-    <p:sldId id="333" r:id="rId46"/>
-    <p:sldId id="305" r:id="rId47"/>
-    <p:sldId id="275" r:id="rId48"/>
+    <p:sldId id="362" r:id="rId41"/>
+    <p:sldId id="290" r:id="rId42"/>
+    <p:sldId id="329" r:id="rId43"/>
+    <p:sldId id="330" r:id="rId44"/>
+    <p:sldId id="331" r:id="rId45"/>
+    <p:sldId id="332" r:id="rId46"/>
+    <p:sldId id="333" r:id="rId47"/>
+    <p:sldId id="292" r:id="rId48"/>
+    <p:sldId id="291" r:id="rId49"/>
+    <p:sldId id="312" r:id="rId50"/>
+    <p:sldId id="305" r:id="rId51"/>
+    <p:sldId id="338" r:id="rId52"/>
+    <p:sldId id="334" r:id="rId53"/>
+    <p:sldId id="335" r:id="rId54"/>
+    <p:sldId id="315" r:id="rId55"/>
+    <p:sldId id="316" r:id="rId56"/>
+    <p:sldId id="313" r:id="rId57"/>
+    <p:sldId id="314" r:id="rId58"/>
+    <p:sldId id="321" r:id="rId59"/>
+    <p:sldId id="342" r:id="rId60"/>
+    <p:sldId id="343" r:id="rId61"/>
+    <p:sldId id="345" r:id="rId62"/>
   </p:sldIdLst>
   <p:sldSz cx="12192000" cy="6858000"/>
   <p:notesSz cx="6858000" cy="9144000"/>
@@ -1204,7 +1218,7 @@
           <a:p>
             <a:fld id="{8A0C4F39-274E-474B-951D-4EF842B6D3E2}" type="datetimeFigureOut">
               <a:rPr lang="en-US" smtClean="0"/>
-              <a:t>12/27/2015</a:t>
+              <a:t>12/31/2015</a:t>
             </a:fld>
             <a:endParaRPr lang="en-US" dirty="0"/>
           </a:p>
@@ -1369,7 +1383,7 @@
           <a:p>
             <a:fld id="{1144BD91-9045-4FDD-B60E-D3C4965E6380}" type="datetimeFigureOut">
               <a:rPr lang="en-US" smtClean="0"/>
-              <a:t>12/27/2015</a:t>
+              <a:t>12/31/2015</a:t>
             </a:fld>
             <a:endParaRPr lang="en-US" dirty="0"/>
           </a:p>
@@ -2154,7 +2168,7 @@
           <a:p>
             <a:fld id="{9B6BC6E7-BC75-4E45-80F6-3B292C9D1458}" type="slidenum">
               <a:rPr lang="en-US" smtClean="0"/>
-              <a:t>41</a:t>
+              <a:t>42</a:t>
             </a:fld>
             <a:endParaRPr lang="en-US" dirty="0"/>
           </a:p>
@@ -2164,6 +2178,192 @@
     <p:extLst>
       <p:ext uri="{BB962C8B-B14F-4D97-AF65-F5344CB8AC3E}">
         <p14:creationId xmlns:p14="http://schemas.microsoft.com/office/powerpoint/2010/main" val="1201391907"/>
+      </p:ext>
+    </p:extLst>
+  </p:cSld>
+  <p:clrMapOvr>
+    <a:masterClrMapping/>
+  </p:clrMapOvr>
+</p:notes>
+</file>
+
+<file path=ppt/notesSlides/notesSlide7.xml><?xml version="1.0" encoding="utf-8"?>
+<p:notes xmlns:a="http://schemas.openxmlformats.org/drawingml/2006/main" xmlns:r="http://schemas.openxmlformats.org/officeDocument/2006/relationships" xmlns:p="http://schemas.openxmlformats.org/presentationml/2006/main">
+  <p:cSld>
+    <p:spTree>
+      <p:nvGrpSpPr>
+        <p:cNvPr id="1" name=""/>
+        <p:cNvGrpSpPr/>
+        <p:nvPr/>
+      </p:nvGrpSpPr>
+      <p:grpSpPr>
+        <a:xfrm>
+          <a:off x="0" y="0"/>
+          <a:ext cx="0" cy="0"/>
+          <a:chOff x="0" y="0"/>
+          <a:chExt cx="0" cy="0"/>
+        </a:xfrm>
+      </p:grpSpPr>
+      <p:sp>
+        <p:nvSpPr>
+          <p:cNvPr id="2" name="Slide Image Placeholder 1"/>
+          <p:cNvSpPr>
+            <a:spLocks noGrp="1" noRot="1" noChangeAspect="1"/>
+          </p:cNvSpPr>
+          <p:nvPr>
+            <p:ph type="sldImg"/>
+          </p:nvPr>
+        </p:nvSpPr>
+        <p:spPr/>
+      </p:sp>
+      <p:sp>
+        <p:nvSpPr>
+          <p:cNvPr id="3" name="Notes Placeholder 2"/>
+          <p:cNvSpPr>
+            <a:spLocks noGrp="1"/>
+          </p:cNvSpPr>
+          <p:nvPr>
+            <p:ph type="body" idx="1"/>
+          </p:nvPr>
+        </p:nvSpPr>
+        <p:spPr/>
+        <p:txBody>
+          <a:bodyPr/>
+          <a:lstStyle/>
+          <a:p>
+            <a:pPr marL="0" marR="0" indent="0" algn="l" defTabSz="914400" rtl="0" eaLnBrk="1" fontAlgn="auto" latinLnBrk="0" hangingPunct="1">
+              <a:lnSpc>
+                <a:spcPct val="100000"/>
+              </a:lnSpc>
+              <a:spcBef>
+                <a:spcPts val="0"/>
+              </a:spcBef>
+              <a:spcAft>
+                <a:spcPts val="0"/>
+              </a:spcAft>
+              <a:buClrTx/>
+              <a:buSzTx/>
+              <a:buFontTx/>
+              <a:buNone/>
+              <a:tabLst/>
+              <a:defRPr/>
+            </a:pPr>
+            <a:r>
+              <a:rPr lang="en-US" dirty="0" smtClean="0"/>
+              <a:t>such as SOAP</a:t>
+            </a:r>
+          </a:p>
+          <a:p>
+            <a:r>
+              <a:rPr lang="en-US" sz="1200" b="0" i="0" kern="1200" dirty="0" smtClean="0">
+                <a:solidFill>
+                  <a:schemeClr val="tx1"/>
+                </a:solidFill>
+                <a:effectLst/>
+                <a:latin typeface="+mn-lt"/>
+                <a:ea typeface="+mn-ea"/>
+                <a:cs typeface="+mn-cs"/>
+              </a:rPr>
+              <a:t>Clients of the JAX-WS Web- Service need a </a:t>
+            </a:r>
+            <a:r>
+              <a:rPr lang="en-US" sz="1200" b="0" i="0" u="none" strike="noStrike" kern="1200" dirty="0" smtClean="0">
+                <a:solidFill>
+                  <a:schemeClr val="tx1"/>
+                </a:solidFill>
+                <a:effectLst/>
+                <a:latin typeface="+mn-lt"/>
+                <a:ea typeface="+mn-ea"/>
+                <a:cs typeface="+mn-cs"/>
+                <a:hlinkClick r:id="rId3"/>
+              </a:rPr>
+              <a:t>WSDL</a:t>
+            </a:r>
+            <a:r>
+              <a:rPr lang="en-US" sz="1200" b="0" i="0" kern="1200" dirty="0" smtClean="0">
+                <a:solidFill>
+                  <a:schemeClr val="tx1"/>
+                </a:solidFill>
+                <a:effectLst/>
+                <a:latin typeface="+mn-lt"/>
+                <a:ea typeface="+mn-ea"/>
+                <a:cs typeface="+mn-cs"/>
+              </a:rPr>
+              <a:t> file to generate executable code that the clients can use to call Web- Service.</a:t>
+            </a:r>
+          </a:p>
+          <a:p>
+            <a:r>
+              <a:rPr lang="en-US" sz="1200" b="0" i="0" kern="1200" dirty="0" smtClean="0">
+                <a:solidFill>
+                  <a:schemeClr val="tx1"/>
+                </a:solidFill>
+                <a:effectLst/>
+                <a:latin typeface="+mn-lt"/>
+                <a:ea typeface="+mn-ea"/>
+                <a:cs typeface="+mn-cs"/>
+              </a:rPr>
+              <a:t> REST architectures often use JSON to send and receive data. JAX-WS uses XML. </a:t>
+            </a:r>
+          </a:p>
+          <a:p>
+            <a:r>
+              <a:rPr lang="en-US" sz="1200" b="0" i="0" kern="1200" dirty="0" smtClean="0">
+                <a:solidFill>
+                  <a:schemeClr val="tx1"/>
+                </a:solidFill>
+                <a:effectLst/>
+                <a:latin typeface="+mn-lt"/>
+                <a:ea typeface="+mn-ea"/>
+                <a:cs typeface="+mn-cs"/>
+              </a:rPr>
+              <a:t>It's not that JSON is so significantly smaller than XML by itself. It's mostly that JAX-WS specification includes lots overhead in how it communicates.</a:t>
+            </a:r>
+          </a:p>
+          <a:p>
+            <a:r>
+              <a:rPr lang="en-US" sz="1200" b="0" i="0" kern="1200" dirty="0" smtClean="0">
+                <a:solidFill>
+                  <a:schemeClr val="tx1"/>
+                </a:solidFill>
+                <a:effectLst/>
+                <a:latin typeface="+mn-lt"/>
+                <a:ea typeface="+mn-ea"/>
+                <a:cs typeface="+mn-cs"/>
+              </a:rPr>
+              <a:t>With REST you will still need to provide some documentation to other users about how the REST service is organized and what data and HTTP commands need to be sent.</a:t>
+            </a:r>
+            <a:endParaRPr lang="en-US" dirty="0"/>
+          </a:p>
+        </p:txBody>
+      </p:sp>
+      <p:sp>
+        <p:nvSpPr>
+          <p:cNvPr id="4" name="Slide Number Placeholder 3"/>
+          <p:cNvSpPr>
+            <a:spLocks noGrp="1"/>
+          </p:cNvSpPr>
+          <p:nvPr>
+            <p:ph type="sldNum" sz="quarter" idx="10"/>
+          </p:nvPr>
+        </p:nvSpPr>
+        <p:spPr/>
+        <p:txBody>
+          <a:bodyPr/>
+          <a:lstStyle/>
+          <a:p>
+            <a:fld id="{9B6BC6E7-BC75-4E45-80F6-3B292C9D1458}" type="slidenum">
+              <a:rPr lang="en-US" smtClean="0"/>
+              <a:t>52</a:t>
+            </a:fld>
+            <a:endParaRPr lang="en-US" dirty="0"/>
+          </a:p>
+        </p:txBody>
+      </p:sp>
+    </p:spTree>
+    <p:extLst>
+      <p:ext uri="{BB962C8B-B14F-4D97-AF65-F5344CB8AC3E}">
+        <p14:creationId xmlns:p14="http://schemas.microsoft.com/office/powerpoint/2010/main" val="3124506934"/>
       </p:ext>
     </p:extLst>
   </p:cSld>
@@ -2244,7 +2444,7 @@
           <a:p>
             <a:fld id="{2C17AEAC-1A43-45A1-AB2E-1F916340AE88}" type="datetime1">
               <a:rPr lang="en-US" smtClean="0"/>
-              <a:t>12/27/2015</a:t>
+              <a:t>12/31/2015</a:t>
             </a:fld>
             <a:endParaRPr lang="en-US" dirty="0"/>
           </a:p>
@@ -2719,7 +2919,7 @@
           <a:p>
             <a:fld id="{82361762-EFA9-433E-B7B8-ACB1B19C7BB6}" type="datetime1">
               <a:rPr lang="en-US" smtClean="0"/>
-              <a:t>12/27/2015</a:t>
+              <a:t>12/31/2015</a:t>
             </a:fld>
             <a:endParaRPr lang="en-US" dirty="0"/>
           </a:p>
@@ -3032,7 +3232,7 @@
           <a:p>
             <a:fld id="{3FC27A4E-CB22-4943-8C68-D7A27152B550}" type="datetime1">
               <a:rPr lang="en-US" smtClean="0"/>
-              <a:t>12/27/2015</a:t>
+              <a:t>12/31/2015</a:t>
             </a:fld>
             <a:endParaRPr lang="en-US" dirty="0"/>
           </a:p>
@@ -3381,7 +3581,7 @@
           <a:p>
             <a:fld id="{C1D77D31-9FE4-4697-9FF9-43DE04323BE6}" type="datetime1">
               <a:rPr lang="en-US" smtClean="0"/>
-              <a:t>12/27/2015</a:t>
+              <a:t>12/31/2015</a:t>
             </a:fld>
             <a:endParaRPr lang="en-US" dirty="0"/>
           </a:p>
@@ -3879,7 +4079,7 @@
           <a:p>
             <a:fld id="{455B281F-FA23-49BA-B79C-252F0484AC3A}" type="datetime1">
               <a:rPr lang="en-US" smtClean="0"/>
-              <a:t>12/27/2015</a:t>
+              <a:t>12/31/2015</a:t>
             </a:fld>
             <a:endParaRPr lang="en-US" dirty="0"/>
           </a:p>
@@ -4147,7 +4347,7 @@
           <a:p>
             <a:fld id="{93B59333-D4EF-4B60-9DD5-AC524F80450D}" type="datetime1">
               <a:rPr lang="en-US" smtClean="0"/>
-              <a:t>12/27/2015</a:t>
+              <a:t>12/31/2015</a:t>
             </a:fld>
             <a:endParaRPr lang="en-US" dirty="0"/>
           </a:p>
@@ -4546,7 +4746,7 @@
           <a:p>
             <a:fld id="{7913E400-C8C0-46DB-812C-E9B8C4C0A684}" type="datetime1">
               <a:rPr lang="en-US" smtClean="0"/>
-              <a:t>12/27/2015</a:t>
+              <a:t>12/31/2015</a:t>
             </a:fld>
             <a:endParaRPr lang="en-US" dirty="0"/>
           </a:p>
@@ -5135,7 +5335,7 @@
           <a:p>
             <a:fld id="{8D6A30F2-A8A4-40D6-A799-6A10143AC483}" type="datetime1">
               <a:rPr lang="en-US" smtClean="0"/>
-              <a:t>12/27/2015</a:t>
+              <a:t>12/31/2015</a:t>
             </a:fld>
             <a:endParaRPr lang="en-US" dirty="0"/>
           </a:p>
@@ -5412,7 +5612,7 @@
           <a:p>
             <a:fld id="{4835A38F-8DC2-4F4A-A2F2-0173BC745FD1}" type="datetime1">
               <a:rPr lang="en-US" smtClean="0"/>
-              <a:t>12/27/2015</a:t>
+              <a:t>12/31/2015</a:t>
             </a:fld>
             <a:endParaRPr lang="en-US" dirty="0"/>
           </a:p>
@@ -5511,7 +5711,7 @@
           <a:p>
             <a:fld id="{2721EEA8-112C-4A85-AE34-25CE71C0D444}" type="datetime1">
               <a:rPr lang="en-US" smtClean="0"/>
-              <a:t>12/27/2015</a:t>
+              <a:t>12/31/2015</a:t>
             </a:fld>
             <a:endParaRPr lang="en-US" dirty="0"/>
           </a:p>
@@ -5794,7 +5994,7 @@
           <a:p>
             <a:fld id="{A82AF40F-03DA-42F3-B150-4FB928E4196C}" type="datetime1">
               <a:rPr lang="en-US" smtClean="0"/>
-              <a:t>12/27/2015</a:t>
+              <a:t>12/31/2015</a:t>
             </a:fld>
             <a:endParaRPr lang="en-US" dirty="0"/>
           </a:p>
@@ -6172,7 +6372,7 @@
           <a:p>
             <a:fld id="{C5810F79-85E5-4126-A538-9F52DF10AA9E}" type="datetime1">
               <a:rPr lang="en-US" smtClean="0"/>
-              <a:t>12/27/2015</a:t>
+              <a:t>12/31/2015</a:t>
             </a:fld>
             <a:endParaRPr lang="en-US" dirty="0"/>
           </a:p>
@@ -11372,7 +11572,11 @@
           <a:bodyPr/>
           <a:lstStyle/>
           <a:p>
-            <a:endParaRPr lang="fr-FR"/>
+            <a:r>
+              <a:rPr lang="fr-FR" dirty="0" smtClean="0"/>
+              <a:t>REST over the Web</a:t>
+            </a:r>
+            <a:endParaRPr lang="fr-FR" dirty="0"/>
           </a:p>
         </p:txBody>
       </p:sp>
@@ -11702,25 +11906,6 @@
               <a:t>22</a:t>
             </a:fld>
             <a:endParaRPr lang="en-US" dirty="0"/>
-          </a:p>
-        </p:txBody>
-      </p:sp>
-      <p:sp>
-        <p:nvSpPr>
-          <p:cNvPr id="3" name="Text Placeholder 2"/>
-          <p:cNvSpPr>
-            <a:spLocks noGrp="1"/>
-          </p:cNvSpPr>
-          <p:nvPr>
-            <p:ph type="body" idx="1"/>
-          </p:nvPr>
-        </p:nvSpPr>
-        <p:spPr/>
-        <p:txBody>
-          <a:bodyPr/>
-          <a:lstStyle/>
-          <a:p>
-            <a:endParaRPr lang="en-US"/>
           </a:p>
         </p:txBody>
       </p:sp>
@@ -19098,27 +19283,68 @@
           <a:p>
             <a:r>
               <a:rPr lang="en-US" dirty="0" smtClean="0"/>
-              <a:t>Resources</a:t>
-            </a:r>
-          </a:p>
-          <a:p>
-            <a:endParaRPr lang="en-US" dirty="0" smtClean="0"/>
+              <a:t>The representation designates exchanged resource data between the client and the server.</a:t>
+            </a:r>
+          </a:p>
+          <a:p>
+            <a:endParaRPr lang="en-US" dirty="0"/>
           </a:p>
           <a:p>
             <a:r>
               <a:rPr lang="en-US" dirty="0" smtClean="0"/>
-              <a:t>Methods</a:t>
-            </a:r>
-          </a:p>
-          <a:p>
-            <a:endParaRPr lang="en-US" dirty="0" smtClean="0"/>
-          </a:p>
-          <a:p>
+              <a:t>It might be:</a:t>
+            </a:r>
+          </a:p>
+          <a:p>
+            <a:pPr lvl="1">
+              <a:buFont typeface="Arial" panose="020B0604020202020204" pitchFamily="34" charset="0"/>
+              <a:buChar char="•"/>
+            </a:pPr>
             <a:r>
               <a:rPr lang="en-US" dirty="0" smtClean="0"/>
-              <a:t>representation</a:t>
-            </a:r>
-            <a:endParaRPr lang="fr-FR" dirty="0"/>
+              <a:t>XML</a:t>
+            </a:r>
+          </a:p>
+          <a:p>
+            <a:pPr lvl="1">
+              <a:buFont typeface="Arial" panose="020B0604020202020204" pitchFamily="34" charset="0"/>
+              <a:buChar char="•"/>
+            </a:pPr>
+            <a:r>
+              <a:rPr lang="en-US" dirty="0" smtClean="0"/>
+              <a:t>JSON</a:t>
+            </a:r>
+          </a:p>
+          <a:p>
+            <a:pPr lvl="1">
+              <a:buFont typeface="Arial" panose="020B0604020202020204" pitchFamily="34" charset="0"/>
+              <a:buChar char="•"/>
+            </a:pPr>
+            <a:r>
+              <a:rPr lang="en-US" dirty="0" smtClean="0"/>
+              <a:t>XHTML</a:t>
+            </a:r>
+          </a:p>
+          <a:p>
+            <a:pPr lvl="1">
+              <a:buFont typeface="Arial" panose="020B0604020202020204" pitchFamily="34" charset="0"/>
+              <a:buChar char="•"/>
+            </a:pPr>
+            <a:r>
+              <a:rPr lang="en-US" dirty="0" smtClean="0"/>
+              <a:t>Text/plain</a:t>
+            </a:r>
+          </a:p>
+          <a:p>
+            <a:pPr lvl="1">
+              <a:buFont typeface="Arial" panose="020B0604020202020204" pitchFamily="34" charset="0"/>
+              <a:buChar char="•"/>
+            </a:pPr>
+            <a:r>
+              <a:rPr lang="en-US" dirty="0" smtClean="0"/>
+              <a:t>….</a:t>
+            </a:r>
+            <a:endParaRPr lang="en-US" dirty="0"/>
           </a:p>
         </p:txBody>
       </p:sp>
@@ -19137,14 +19363,18 @@
           <a:bodyPr/>
           <a:lstStyle/>
           <a:p>
-            <a:endParaRPr lang="fr-FR"/>
+            <a:r>
+              <a:rPr lang="en-US" dirty="0" smtClean="0"/>
+              <a:t>Representation</a:t>
+            </a:r>
+            <a:endParaRPr lang="fr-FR" dirty="0"/>
           </a:p>
         </p:txBody>
       </p:sp>
     </p:spTree>
     <p:extLst>
       <p:ext uri="{BB962C8B-B14F-4D97-AF65-F5344CB8AC3E}">
-        <p14:creationId xmlns:p14="http://schemas.microsoft.com/office/powerpoint/2010/main" val="2213429575"/>
+        <p14:creationId xmlns:p14="http://schemas.microsoft.com/office/powerpoint/2010/main" val="23042513"/>
       </p:ext>
     </p:extLst>
   </p:cSld>
@@ -19203,88 +19433,6 @@
       </p:sp>
       <p:sp>
         <p:nvSpPr>
-          <p:cNvPr id="3" name="Content Placeholder 2"/>
-          <p:cNvSpPr>
-            <a:spLocks noGrp="1"/>
-          </p:cNvSpPr>
-          <p:nvPr>
-            <p:ph idx="1"/>
-          </p:nvPr>
-        </p:nvSpPr>
-        <p:spPr/>
-        <p:txBody>
-          <a:bodyPr/>
-          <a:lstStyle/>
-          <a:p>
-            <a:r>
-              <a:rPr lang="en-US" dirty="0" smtClean="0"/>
-              <a:t>The representation designates exchanged resource data between the client and the server.</a:t>
-            </a:r>
-          </a:p>
-          <a:p>
-            <a:endParaRPr lang="en-US" dirty="0"/>
-          </a:p>
-          <a:p>
-            <a:r>
-              <a:rPr lang="en-US" dirty="0" smtClean="0"/>
-              <a:t>It might be:</a:t>
-            </a:r>
-          </a:p>
-          <a:p>
-            <a:pPr lvl="1">
-              <a:buFont typeface="Arial" panose="020B0604020202020204" pitchFamily="34" charset="0"/>
-              <a:buChar char="•"/>
-            </a:pPr>
-            <a:r>
-              <a:rPr lang="en-US" dirty="0" smtClean="0"/>
-              <a:t>XML</a:t>
-            </a:r>
-          </a:p>
-          <a:p>
-            <a:pPr lvl="1">
-              <a:buFont typeface="Arial" panose="020B0604020202020204" pitchFamily="34" charset="0"/>
-              <a:buChar char="•"/>
-            </a:pPr>
-            <a:r>
-              <a:rPr lang="en-US" dirty="0" smtClean="0"/>
-              <a:t>JSON</a:t>
-            </a:r>
-          </a:p>
-          <a:p>
-            <a:pPr lvl="1">
-              <a:buFont typeface="Arial" panose="020B0604020202020204" pitchFamily="34" charset="0"/>
-              <a:buChar char="•"/>
-            </a:pPr>
-            <a:r>
-              <a:rPr lang="en-US" dirty="0" smtClean="0"/>
-              <a:t>XHTML</a:t>
-            </a:r>
-          </a:p>
-          <a:p>
-            <a:pPr lvl="1">
-              <a:buFont typeface="Arial" panose="020B0604020202020204" pitchFamily="34" charset="0"/>
-              <a:buChar char="•"/>
-            </a:pPr>
-            <a:r>
-              <a:rPr lang="en-US" dirty="0" smtClean="0"/>
-              <a:t>Text/plain</a:t>
-            </a:r>
-          </a:p>
-          <a:p>
-            <a:pPr lvl="1">
-              <a:buFont typeface="Arial" panose="020B0604020202020204" pitchFamily="34" charset="0"/>
-              <a:buChar char="•"/>
-            </a:pPr>
-            <a:r>
-              <a:rPr lang="en-US" dirty="0" smtClean="0"/>
-              <a:t>….</a:t>
-            </a:r>
-            <a:endParaRPr lang="en-US" dirty="0"/>
-          </a:p>
-        </p:txBody>
-      </p:sp>
-      <p:sp>
-        <p:nvSpPr>
           <p:cNvPr id="4" name="Title 3"/>
           <p:cNvSpPr>
             <a:spLocks noGrp="1"/>
@@ -19300,16 +19448,16 @@
           <a:p>
             <a:r>
               <a:rPr lang="en-US" dirty="0" smtClean="0"/>
-              <a:t>Representation</a:t>
-            </a:r>
-            <a:endParaRPr lang="fr-FR" dirty="0"/>
+              <a:t>JSON</a:t>
+            </a:r>
+            <a:endParaRPr lang="en-US" dirty="0"/>
           </a:p>
         </p:txBody>
       </p:sp>
     </p:spTree>
     <p:extLst>
       <p:ext uri="{BB962C8B-B14F-4D97-AF65-F5344CB8AC3E}">
-        <p14:creationId xmlns:p14="http://schemas.microsoft.com/office/powerpoint/2010/main" val="23042513"/>
+        <p14:creationId xmlns:p14="http://schemas.microsoft.com/office/powerpoint/2010/main" val="1870998428"/>
       </p:ext>
     </p:extLst>
   </p:cSld>
@@ -20451,11 +20599,7 @@
           <a:p>
             <a:r>
               <a:rPr lang="en-US" dirty="0" smtClean="0"/>
-              <a:t>JSON vs. XML </a:t>
-            </a:r>
-            <a:r>
-              <a:rPr lang="en-US" dirty="0" smtClean="0"/>
-              <a:t>Example</a:t>
+              <a:t>JSON Example</a:t>
             </a:r>
             <a:endParaRPr lang="en-US" dirty="0"/>
           </a:p>
@@ -20537,8 +20681,8 @@
           <a:lstStyle/>
           <a:p>
             <a:r>
-              <a:rPr lang="en-US" dirty="0"/>
-              <a:t> JSON vs. XML Example</a:t>
+              <a:rPr lang="en-US" dirty="0" smtClean="0"/>
+              <a:t>JSON Example</a:t>
             </a:r>
             <a:endParaRPr lang="en-US" dirty="0"/>
           </a:p>
@@ -20984,275 +21128,18 @@
           <a:bodyPr/>
           <a:lstStyle/>
           <a:p>
-            <a:endParaRPr lang="fr-FR"/>
-          </a:p>
-        </p:txBody>
-      </p:sp>
-      <p:sp>
-        <p:nvSpPr>
-          <p:cNvPr id="5" name="Rectangle 4"/>
-          <p:cNvSpPr/>
-          <p:nvPr/>
-        </p:nvSpPr>
-        <p:spPr>
-          <a:xfrm>
-            <a:off x="2029272" y="3466601"/>
-            <a:ext cx="1855695" cy="1048871"/>
-          </a:xfrm>
-          <a:prstGeom prst="rect">
-            <a:avLst/>
-          </a:prstGeom>
-          <a:ln>
-            <a:noFill/>
-          </a:ln>
-          <a:effectLst>
-            <a:outerShdw blurRad="190500" dist="228600" dir="2700000" algn="ctr">
-              <a:srgbClr val="000000">
-                <a:alpha val="30000"/>
-              </a:srgbClr>
-            </a:outerShdw>
-          </a:effectLst>
-          <a:scene3d>
-            <a:camera prst="orthographicFront">
-              <a:rot lat="0" lon="0" rev="0"/>
-            </a:camera>
-            <a:lightRig rig="glow" dir="t">
-              <a:rot lat="0" lon="0" rev="4800000"/>
-            </a:lightRig>
-          </a:scene3d>
-          <a:sp3d prstMaterial="matte">
-            <a:bevelT w="127000" h="63500"/>
-          </a:sp3d>
-        </p:spPr>
-        <p:style>
-          <a:lnRef idx="3">
-            <a:schemeClr val="lt1"/>
-          </a:lnRef>
-          <a:fillRef idx="1">
-            <a:schemeClr val="accent3"/>
-          </a:fillRef>
-          <a:effectRef idx="1">
-            <a:schemeClr val="accent3"/>
-          </a:effectRef>
-          <a:fontRef idx="minor">
-            <a:schemeClr val="lt1"/>
-          </a:fontRef>
-        </p:style>
-        <p:txBody>
-          <a:bodyPr rtlCol="0" anchor="ctr"/>
-          <a:lstStyle/>
-          <a:p>
-            <a:pPr algn="ctr"/>
             <a:r>
               <a:rPr lang="en-US" dirty="0" smtClean="0"/>
-              <a:t>Client</a:t>
-            </a:r>
-            <a:endParaRPr lang="fr-FR" dirty="0"/>
-          </a:p>
-        </p:txBody>
-      </p:sp>
-      <p:sp>
-        <p:nvSpPr>
-          <p:cNvPr id="6" name="Rectangle 5"/>
-          <p:cNvSpPr/>
-          <p:nvPr/>
-        </p:nvSpPr>
-        <p:spPr>
-          <a:xfrm>
-            <a:off x="8286637" y="3466600"/>
-            <a:ext cx="1855695" cy="1048871"/>
-          </a:xfrm>
-          <a:prstGeom prst="rect">
-            <a:avLst/>
-          </a:prstGeom>
-          <a:ln>
-            <a:noFill/>
-          </a:ln>
-          <a:effectLst>
-            <a:outerShdw blurRad="190500" dist="228600" dir="2700000" algn="ctr">
-              <a:srgbClr val="000000">
-                <a:alpha val="30000"/>
-              </a:srgbClr>
-            </a:outerShdw>
-          </a:effectLst>
-          <a:scene3d>
-            <a:camera prst="orthographicFront">
-              <a:rot lat="0" lon="0" rev="0"/>
-            </a:camera>
-            <a:lightRig rig="glow" dir="t">
-              <a:rot lat="0" lon="0" rev="4800000"/>
-            </a:lightRig>
-          </a:scene3d>
-          <a:sp3d prstMaterial="matte">
-            <a:bevelT w="127000" h="63500"/>
-          </a:sp3d>
-        </p:spPr>
-        <p:style>
-          <a:lnRef idx="3">
-            <a:schemeClr val="lt1"/>
-          </a:lnRef>
-          <a:fillRef idx="1">
-            <a:schemeClr val="accent3"/>
-          </a:fillRef>
-          <a:effectRef idx="1">
-            <a:schemeClr val="accent3"/>
-          </a:effectRef>
-          <a:fontRef idx="minor">
-            <a:schemeClr val="lt1"/>
-          </a:fontRef>
-        </p:style>
-        <p:txBody>
-          <a:bodyPr rtlCol="0" anchor="ctr"/>
-          <a:lstStyle/>
-          <a:p>
-            <a:pPr algn="ctr"/>
-            <a:r>
-              <a:rPr lang="en-US" dirty="0" smtClean="0"/>
-              <a:t>REST web service</a:t>
-            </a:r>
-            <a:endParaRPr lang="fr-FR" dirty="0"/>
-          </a:p>
-        </p:txBody>
-      </p:sp>
-      <p:sp>
-        <p:nvSpPr>
-          <p:cNvPr id="7" name="Right Arrow 6"/>
-          <p:cNvSpPr/>
-          <p:nvPr/>
-        </p:nvSpPr>
-        <p:spPr>
-          <a:xfrm>
-            <a:off x="6200947" y="3905870"/>
-            <a:ext cx="1420905" cy="415517"/>
-          </a:xfrm>
-          <a:prstGeom prst="rightArrow">
-            <a:avLst>
-              <a:gd name="adj1" fmla="val 50000"/>
-              <a:gd name="adj2" fmla="val 51444"/>
-            </a:avLst>
-          </a:prstGeom>
-          <a:solidFill>
-            <a:schemeClr val="accent1">
-              <a:lumMod val="75000"/>
-            </a:schemeClr>
-          </a:solidFill>
-        </p:spPr>
-        <p:style>
-          <a:lnRef idx="3">
-            <a:schemeClr val="lt1"/>
-          </a:lnRef>
-          <a:fillRef idx="1">
-            <a:schemeClr val="accent3"/>
-          </a:fillRef>
-          <a:effectRef idx="1">
-            <a:schemeClr val="accent3"/>
-          </a:effectRef>
-          <a:fontRef idx="minor">
-            <a:schemeClr val="lt1"/>
-          </a:fontRef>
-        </p:style>
-        <p:txBody>
-          <a:bodyPr rtlCol="0" anchor="ctr"/>
-          <a:lstStyle/>
-          <a:p>
-            <a:pPr algn="ctr"/>
-            <a:endParaRPr lang="fr-FR" dirty="0"/>
-          </a:p>
-        </p:txBody>
-      </p:sp>
-      <p:sp>
-        <p:nvSpPr>
-          <p:cNvPr id="8" name="Right Arrow 7"/>
-          <p:cNvSpPr/>
-          <p:nvPr/>
-        </p:nvSpPr>
-        <p:spPr>
-          <a:xfrm flipH="1">
-            <a:off x="4418617" y="3922230"/>
-            <a:ext cx="1564341" cy="382795"/>
-          </a:xfrm>
-          <a:prstGeom prst="rightArrow">
-            <a:avLst>
-              <a:gd name="adj1" fmla="val 50000"/>
-              <a:gd name="adj2" fmla="val 69008"/>
-            </a:avLst>
-          </a:prstGeom>
-          <a:solidFill>
-            <a:schemeClr val="accent1">
-              <a:lumMod val="75000"/>
-            </a:schemeClr>
-          </a:solidFill>
-        </p:spPr>
-        <p:style>
-          <a:lnRef idx="3">
-            <a:schemeClr val="lt1"/>
-          </a:lnRef>
-          <a:fillRef idx="1">
-            <a:schemeClr val="accent3"/>
-          </a:fillRef>
-          <a:effectRef idx="1">
-            <a:schemeClr val="accent3"/>
-          </a:effectRef>
-          <a:fontRef idx="minor">
-            <a:schemeClr val="lt1"/>
-          </a:fontRef>
-        </p:style>
-        <p:txBody>
-          <a:bodyPr rtlCol="0" anchor="ctr"/>
-          <a:lstStyle/>
-          <a:p>
-            <a:pPr algn="ctr"/>
-            <a:endParaRPr lang="fr-FR" dirty="0"/>
-          </a:p>
-        </p:txBody>
-      </p:sp>
-      <p:sp>
-        <p:nvSpPr>
-          <p:cNvPr id="9" name="TextBox 8"/>
-          <p:cNvSpPr txBox="1"/>
-          <p:nvPr/>
-        </p:nvSpPr>
-        <p:spPr>
-          <a:xfrm>
-            <a:off x="5363905" y="4227645"/>
-            <a:ext cx="1443793" cy="923330"/>
-          </a:xfrm>
-          <a:prstGeom prst="rect">
-            <a:avLst/>
-          </a:prstGeom>
-          <a:noFill/>
-          <a:ln>
-            <a:noFill/>
-          </a:ln>
-        </p:spPr>
-        <p:txBody>
-          <a:bodyPr wrap="none" rtlCol="0" anchor="ctr" anchorCtr="1">
-            <a:spAutoFit/>
-          </a:bodyPr>
-          <a:lstStyle/>
-          <a:p>
-            <a:r>
-              <a:rPr lang="en-US" dirty="0" smtClean="0"/>
-              <a:t>HTTP request</a:t>
-            </a:r>
-          </a:p>
-          <a:p>
+              <a:t>REST METHODS</a:t>
+            </a:r>
             <a:endParaRPr lang="en-US" dirty="0"/>
-          </a:p>
-          <a:p>
-            <a:pPr algn="ctr"/>
-            <a:r>
-              <a:rPr lang="en-US" b="1" dirty="0" smtClean="0"/>
-              <a:t>(Method ?)</a:t>
-            </a:r>
-            <a:endParaRPr lang="fr-FR" b="1" dirty="0"/>
           </a:p>
         </p:txBody>
       </p:sp>
     </p:spTree>
     <p:extLst>
       <p:ext uri="{BB962C8B-B14F-4D97-AF65-F5344CB8AC3E}">
-        <p14:creationId xmlns:p14="http://schemas.microsoft.com/office/powerpoint/2010/main" val="977937467"/>
+        <p14:creationId xmlns:p14="http://schemas.microsoft.com/office/powerpoint/2010/main" val="1688672982"/>
       </p:ext>
     </p:extLst>
   </p:cSld>
@@ -21262,234 +21149,9 @@
   <p:timing>
     <p:tnLst>
       <p:par>
-        <p:cTn id="1" dur="indefinite" restart="never" nodeType="tmRoot">
-          <p:childTnLst>
-            <p:seq concurrent="1" nextAc="seek">
-              <p:cTn id="2" dur="indefinite" nodeType="mainSeq">
-                <p:childTnLst>
-                  <p:par>
-                    <p:cTn id="3" fill="hold">
-                      <p:stCondLst>
-                        <p:cond delay="indefinite"/>
-                      </p:stCondLst>
-                      <p:childTnLst>
-                        <p:par>
-                          <p:cTn id="4" fill="hold">
-                            <p:stCondLst>
-                              <p:cond delay="0"/>
-                            </p:stCondLst>
-                            <p:childTnLst>
-                              <p:par>
-                                <p:cTn id="5" presetID="1" presetClass="entr" presetSubtype="0" fill="hold" grpId="0" nodeType="clickEffect">
-                                  <p:stCondLst>
-                                    <p:cond delay="0"/>
-                                  </p:stCondLst>
-                                  <p:childTnLst>
-                                    <p:set>
-                                      <p:cBhvr>
-                                        <p:cTn id="6" dur="1" fill="hold">
-                                          <p:stCondLst>
-                                            <p:cond delay="0"/>
-                                          </p:stCondLst>
-                                        </p:cTn>
-                                        <p:tgtEl>
-                                          <p:spTgt spid="5"/>
-                                        </p:tgtEl>
-                                        <p:attrNameLst>
-                                          <p:attrName>style.visibility</p:attrName>
-                                        </p:attrNameLst>
-                                      </p:cBhvr>
-                                      <p:to>
-                                        <p:strVal val="visible"/>
-                                      </p:to>
-                                    </p:set>
-                                  </p:childTnLst>
-                                </p:cTn>
-                              </p:par>
-                              <p:par>
-                                <p:cTn id="7" presetID="1" presetClass="entr" presetSubtype="0" fill="hold" grpId="0" nodeType="withEffect">
-                                  <p:stCondLst>
-                                    <p:cond delay="0"/>
-                                  </p:stCondLst>
-                                  <p:childTnLst>
-                                    <p:set>
-                                      <p:cBhvr>
-                                        <p:cTn id="8" dur="1" fill="hold">
-                                          <p:stCondLst>
-                                            <p:cond delay="0"/>
-                                          </p:stCondLst>
-                                        </p:cTn>
-                                        <p:tgtEl>
-                                          <p:spTgt spid="6"/>
-                                        </p:tgtEl>
-                                        <p:attrNameLst>
-                                          <p:attrName>style.visibility</p:attrName>
-                                        </p:attrNameLst>
-                                      </p:cBhvr>
-                                      <p:to>
-                                        <p:strVal val="visible"/>
-                                      </p:to>
-                                    </p:set>
-                                  </p:childTnLst>
-                                </p:cTn>
-                              </p:par>
-                            </p:childTnLst>
-                          </p:cTn>
-                        </p:par>
-                      </p:childTnLst>
-                    </p:cTn>
-                  </p:par>
-                  <p:par>
-                    <p:cTn id="9" fill="hold">
-                      <p:stCondLst>
-                        <p:cond delay="indefinite"/>
-                      </p:stCondLst>
-                      <p:childTnLst>
-                        <p:par>
-                          <p:cTn id="10" fill="hold">
-                            <p:stCondLst>
-                              <p:cond delay="0"/>
-                            </p:stCondLst>
-                            <p:childTnLst>
-                              <p:par>
-                                <p:cTn id="11" presetID="16" presetClass="entr" presetSubtype="21" fill="hold" grpId="0" nodeType="clickEffect">
-                                  <p:stCondLst>
-                                    <p:cond delay="0"/>
-                                  </p:stCondLst>
-                                  <p:childTnLst>
-                                    <p:set>
-                                      <p:cBhvr>
-                                        <p:cTn id="12" dur="1" fill="hold">
-                                          <p:stCondLst>
-                                            <p:cond delay="0"/>
-                                          </p:stCondLst>
-                                        </p:cTn>
-                                        <p:tgtEl>
-                                          <p:spTgt spid="8"/>
-                                        </p:tgtEl>
-                                        <p:attrNameLst>
-                                          <p:attrName>style.visibility</p:attrName>
-                                        </p:attrNameLst>
-                                      </p:cBhvr>
-                                      <p:to>
-                                        <p:strVal val="visible"/>
-                                      </p:to>
-                                    </p:set>
-                                    <p:animEffect transition="in" filter="barn(inVertical)">
-                                      <p:cBhvr>
-                                        <p:cTn id="13" dur="500"/>
-                                        <p:tgtEl>
-                                          <p:spTgt spid="8"/>
-                                        </p:tgtEl>
-                                      </p:cBhvr>
-                                    </p:animEffect>
-                                  </p:childTnLst>
-                                </p:cTn>
-                              </p:par>
-                              <p:par>
-                                <p:cTn id="14" presetID="16" presetClass="entr" presetSubtype="21" fill="hold" grpId="0" nodeType="withEffect">
-                                  <p:stCondLst>
-                                    <p:cond delay="0"/>
-                                  </p:stCondLst>
-                                  <p:childTnLst>
-                                    <p:set>
-                                      <p:cBhvr>
-                                        <p:cTn id="15" dur="1" fill="hold">
-                                          <p:stCondLst>
-                                            <p:cond delay="0"/>
-                                          </p:stCondLst>
-                                        </p:cTn>
-                                        <p:tgtEl>
-                                          <p:spTgt spid="7"/>
-                                        </p:tgtEl>
-                                        <p:attrNameLst>
-                                          <p:attrName>style.visibility</p:attrName>
-                                        </p:attrNameLst>
-                                      </p:cBhvr>
-                                      <p:to>
-                                        <p:strVal val="visible"/>
-                                      </p:to>
-                                    </p:set>
-                                    <p:animEffect transition="in" filter="barn(inVertical)">
-                                      <p:cBhvr>
-                                        <p:cTn id="16" dur="500"/>
-                                        <p:tgtEl>
-                                          <p:spTgt spid="7"/>
-                                        </p:tgtEl>
-                                      </p:cBhvr>
-                                    </p:animEffect>
-                                  </p:childTnLst>
-                                </p:cTn>
-                              </p:par>
-                              <p:par>
-                                <p:cTn id="17" presetID="16" presetClass="entr" presetSubtype="21" fill="hold" grpId="0" nodeType="withEffect">
-                                  <p:stCondLst>
-                                    <p:cond delay="0"/>
-                                  </p:stCondLst>
-                                  <p:childTnLst>
-                                    <p:set>
-                                      <p:cBhvr>
-                                        <p:cTn id="18" dur="1" fill="hold">
-                                          <p:stCondLst>
-                                            <p:cond delay="0"/>
-                                          </p:stCondLst>
-                                        </p:cTn>
-                                        <p:tgtEl>
-                                          <p:spTgt spid="9"/>
-                                        </p:tgtEl>
-                                        <p:attrNameLst>
-                                          <p:attrName>style.visibility</p:attrName>
-                                        </p:attrNameLst>
-                                      </p:cBhvr>
-                                      <p:to>
-                                        <p:strVal val="visible"/>
-                                      </p:to>
-                                    </p:set>
-                                    <p:animEffect transition="in" filter="barn(inVertical)">
-                                      <p:cBhvr>
-                                        <p:cTn id="19" dur="500"/>
-                                        <p:tgtEl>
-                                          <p:spTgt spid="9"/>
-                                        </p:tgtEl>
-                                      </p:cBhvr>
-                                    </p:animEffect>
-                                  </p:childTnLst>
-                                </p:cTn>
-                              </p:par>
-                            </p:childTnLst>
-                          </p:cTn>
-                        </p:par>
-                      </p:childTnLst>
-                    </p:cTn>
-                  </p:par>
-                </p:childTnLst>
-              </p:cTn>
-              <p:prevCondLst>
-                <p:cond evt="onPrev" delay="0">
-                  <p:tgtEl>
-                    <p:sldTgt/>
-                  </p:tgtEl>
-                </p:cond>
-              </p:prevCondLst>
-              <p:nextCondLst>
-                <p:cond evt="onNext" delay="0">
-                  <p:tgtEl>
-                    <p:sldTgt/>
-                  </p:tgtEl>
-                </p:cond>
-              </p:nextCondLst>
-            </p:seq>
-          </p:childTnLst>
-        </p:cTn>
+        <p:cTn id="1" dur="indefinite" restart="never" nodeType="tmRoot"/>
       </p:par>
     </p:tnLst>
-    <p:bldLst>
-      <p:bldP spid="5" grpId="0" animBg="1"/>
-      <p:bldP spid="6" grpId="0" animBg="1"/>
-      <p:bldP spid="7" grpId="0" animBg="1"/>
-      <p:bldP spid="8" grpId="0" animBg="1"/>
-      <p:bldP spid="9" grpId="0"/>
-    </p:bldLst>
   </p:timing>
 </p:sld>
 </file>
@@ -22154,6 +21816,579 @@
       </p:sp>
       <p:sp>
         <p:nvSpPr>
+          <p:cNvPr id="4" name="Title 3"/>
+          <p:cNvSpPr>
+            <a:spLocks noGrp="1"/>
+          </p:cNvSpPr>
+          <p:nvPr>
+            <p:ph type="title"/>
+          </p:nvPr>
+        </p:nvSpPr>
+        <p:spPr/>
+        <p:txBody>
+          <a:bodyPr/>
+          <a:lstStyle/>
+          <a:p>
+            <a:r>
+              <a:rPr lang="fr-FR" dirty="0" smtClean="0"/>
+              <a:t>REST </a:t>
+            </a:r>
+            <a:r>
+              <a:rPr lang="fr-FR" dirty="0" err="1" smtClean="0"/>
+              <a:t>Methods</a:t>
+            </a:r>
+            <a:endParaRPr lang="fr-FR" dirty="0"/>
+          </a:p>
+        </p:txBody>
+      </p:sp>
+      <p:sp>
+        <p:nvSpPr>
+          <p:cNvPr id="5" name="Rectangle 4"/>
+          <p:cNvSpPr/>
+          <p:nvPr/>
+        </p:nvSpPr>
+        <p:spPr>
+          <a:xfrm>
+            <a:off x="2029272" y="3466601"/>
+            <a:ext cx="1855695" cy="1048871"/>
+          </a:xfrm>
+          <a:prstGeom prst="rect">
+            <a:avLst/>
+          </a:prstGeom>
+          <a:ln>
+            <a:noFill/>
+          </a:ln>
+          <a:effectLst>
+            <a:outerShdw blurRad="190500" dist="228600" dir="2700000" algn="ctr">
+              <a:srgbClr val="000000">
+                <a:alpha val="30000"/>
+              </a:srgbClr>
+            </a:outerShdw>
+          </a:effectLst>
+          <a:scene3d>
+            <a:camera prst="orthographicFront">
+              <a:rot lat="0" lon="0" rev="0"/>
+            </a:camera>
+            <a:lightRig rig="glow" dir="t">
+              <a:rot lat="0" lon="0" rev="4800000"/>
+            </a:lightRig>
+          </a:scene3d>
+          <a:sp3d prstMaterial="matte">
+            <a:bevelT w="127000" h="63500"/>
+          </a:sp3d>
+        </p:spPr>
+        <p:style>
+          <a:lnRef idx="3">
+            <a:schemeClr val="lt1"/>
+          </a:lnRef>
+          <a:fillRef idx="1">
+            <a:schemeClr val="accent3"/>
+          </a:fillRef>
+          <a:effectRef idx="1">
+            <a:schemeClr val="accent3"/>
+          </a:effectRef>
+          <a:fontRef idx="minor">
+            <a:schemeClr val="lt1"/>
+          </a:fontRef>
+        </p:style>
+        <p:txBody>
+          <a:bodyPr rtlCol="0" anchor="ctr"/>
+          <a:lstStyle/>
+          <a:p>
+            <a:pPr algn="ctr"/>
+            <a:r>
+              <a:rPr lang="en-US" dirty="0" smtClean="0"/>
+              <a:t>Client</a:t>
+            </a:r>
+            <a:endParaRPr lang="fr-FR" dirty="0"/>
+          </a:p>
+        </p:txBody>
+      </p:sp>
+      <p:sp>
+        <p:nvSpPr>
+          <p:cNvPr id="6" name="Rectangle 5"/>
+          <p:cNvSpPr/>
+          <p:nvPr/>
+        </p:nvSpPr>
+        <p:spPr>
+          <a:xfrm>
+            <a:off x="8286637" y="3466600"/>
+            <a:ext cx="1855695" cy="1048871"/>
+          </a:xfrm>
+          <a:prstGeom prst="rect">
+            <a:avLst/>
+          </a:prstGeom>
+          <a:ln>
+            <a:noFill/>
+          </a:ln>
+          <a:effectLst>
+            <a:outerShdw blurRad="190500" dist="228600" dir="2700000" algn="ctr">
+              <a:srgbClr val="000000">
+                <a:alpha val="30000"/>
+              </a:srgbClr>
+            </a:outerShdw>
+          </a:effectLst>
+          <a:scene3d>
+            <a:camera prst="orthographicFront">
+              <a:rot lat="0" lon="0" rev="0"/>
+            </a:camera>
+            <a:lightRig rig="glow" dir="t">
+              <a:rot lat="0" lon="0" rev="4800000"/>
+            </a:lightRig>
+          </a:scene3d>
+          <a:sp3d prstMaterial="matte">
+            <a:bevelT w="127000" h="63500"/>
+          </a:sp3d>
+        </p:spPr>
+        <p:style>
+          <a:lnRef idx="3">
+            <a:schemeClr val="lt1"/>
+          </a:lnRef>
+          <a:fillRef idx="1">
+            <a:schemeClr val="accent3"/>
+          </a:fillRef>
+          <a:effectRef idx="1">
+            <a:schemeClr val="accent3"/>
+          </a:effectRef>
+          <a:fontRef idx="minor">
+            <a:schemeClr val="lt1"/>
+          </a:fontRef>
+        </p:style>
+        <p:txBody>
+          <a:bodyPr rtlCol="0" anchor="ctr"/>
+          <a:lstStyle/>
+          <a:p>
+            <a:pPr algn="ctr"/>
+            <a:r>
+              <a:rPr lang="en-US" dirty="0" smtClean="0"/>
+              <a:t>REST web service</a:t>
+            </a:r>
+            <a:endParaRPr lang="fr-FR" dirty="0"/>
+          </a:p>
+        </p:txBody>
+      </p:sp>
+      <p:sp>
+        <p:nvSpPr>
+          <p:cNvPr id="7" name="Right Arrow 6"/>
+          <p:cNvSpPr/>
+          <p:nvPr/>
+        </p:nvSpPr>
+        <p:spPr>
+          <a:xfrm>
+            <a:off x="6200947" y="3905870"/>
+            <a:ext cx="1420905" cy="415517"/>
+          </a:xfrm>
+          <a:prstGeom prst="rightArrow">
+            <a:avLst>
+              <a:gd name="adj1" fmla="val 50000"/>
+              <a:gd name="adj2" fmla="val 51444"/>
+            </a:avLst>
+          </a:prstGeom>
+          <a:solidFill>
+            <a:schemeClr val="accent1">
+              <a:lumMod val="75000"/>
+            </a:schemeClr>
+          </a:solidFill>
+        </p:spPr>
+        <p:style>
+          <a:lnRef idx="3">
+            <a:schemeClr val="lt1"/>
+          </a:lnRef>
+          <a:fillRef idx="1">
+            <a:schemeClr val="accent3"/>
+          </a:fillRef>
+          <a:effectRef idx="1">
+            <a:schemeClr val="accent3"/>
+          </a:effectRef>
+          <a:fontRef idx="minor">
+            <a:schemeClr val="lt1"/>
+          </a:fontRef>
+        </p:style>
+        <p:txBody>
+          <a:bodyPr rtlCol="0" anchor="ctr"/>
+          <a:lstStyle/>
+          <a:p>
+            <a:pPr algn="ctr"/>
+            <a:endParaRPr lang="fr-FR" dirty="0"/>
+          </a:p>
+        </p:txBody>
+      </p:sp>
+      <p:sp>
+        <p:nvSpPr>
+          <p:cNvPr id="8" name="Right Arrow 7"/>
+          <p:cNvSpPr/>
+          <p:nvPr/>
+        </p:nvSpPr>
+        <p:spPr>
+          <a:xfrm flipH="1">
+            <a:off x="4418617" y="3922230"/>
+            <a:ext cx="1564341" cy="382795"/>
+          </a:xfrm>
+          <a:prstGeom prst="rightArrow">
+            <a:avLst>
+              <a:gd name="adj1" fmla="val 50000"/>
+              <a:gd name="adj2" fmla="val 69008"/>
+            </a:avLst>
+          </a:prstGeom>
+          <a:solidFill>
+            <a:schemeClr val="accent1">
+              <a:lumMod val="75000"/>
+            </a:schemeClr>
+          </a:solidFill>
+        </p:spPr>
+        <p:style>
+          <a:lnRef idx="3">
+            <a:schemeClr val="lt1"/>
+          </a:lnRef>
+          <a:fillRef idx="1">
+            <a:schemeClr val="accent3"/>
+          </a:fillRef>
+          <a:effectRef idx="1">
+            <a:schemeClr val="accent3"/>
+          </a:effectRef>
+          <a:fontRef idx="minor">
+            <a:schemeClr val="lt1"/>
+          </a:fontRef>
+        </p:style>
+        <p:txBody>
+          <a:bodyPr rtlCol="0" anchor="ctr"/>
+          <a:lstStyle/>
+          <a:p>
+            <a:pPr algn="ctr"/>
+            <a:endParaRPr lang="fr-FR" dirty="0"/>
+          </a:p>
+        </p:txBody>
+      </p:sp>
+      <p:sp>
+        <p:nvSpPr>
+          <p:cNvPr id="9" name="TextBox 8"/>
+          <p:cNvSpPr txBox="1"/>
+          <p:nvPr/>
+        </p:nvSpPr>
+        <p:spPr>
+          <a:xfrm>
+            <a:off x="5363905" y="4227645"/>
+            <a:ext cx="1443793" cy="923330"/>
+          </a:xfrm>
+          <a:prstGeom prst="rect">
+            <a:avLst/>
+          </a:prstGeom>
+          <a:noFill/>
+          <a:ln>
+            <a:noFill/>
+          </a:ln>
+        </p:spPr>
+        <p:txBody>
+          <a:bodyPr wrap="none" rtlCol="0" anchor="ctr" anchorCtr="1">
+            <a:spAutoFit/>
+          </a:bodyPr>
+          <a:lstStyle/>
+          <a:p>
+            <a:r>
+              <a:rPr lang="en-US" dirty="0" smtClean="0"/>
+              <a:t>HTTP request</a:t>
+            </a:r>
+          </a:p>
+          <a:p>
+            <a:endParaRPr lang="en-US" dirty="0"/>
+          </a:p>
+          <a:p>
+            <a:pPr algn="ctr"/>
+            <a:r>
+              <a:rPr lang="en-US" b="1" dirty="0" smtClean="0"/>
+              <a:t>(Method ?)</a:t>
+            </a:r>
+            <a:endParaRPr lang="fr-FR" b="1" dirty="0"/>
+          </a:p>
+        </p:txBody>
+      </p:sp>
+    </p:spTree>
+    <p:extLst>
+      <p:ext uri="{BB962C8B-B14F-4D97-AF65-F5344CB8AC3E}">
+        <p14:creationId xmlns:p14="http://schemas.microsoft.com/office/powerpoint/2010/main" val="977937467"/>
+      </p:ext>
+    </p:extLst>
+  </p:cSld>
+  <p:clrMapOvr>
+    <a:masterClrMapping/>
+  </p:clrMapOvr>
+  <p:timing>
+    <p:tnLst>
+      <p:par>
+        <p:cTn id="1" dur="indefinite" restart="never" nodeType="tmRoot">
+          <p:childTnLst>
+            <p:seq concurrent="1" nextAc="seek">
+              <p:cTn id="2" dur="indefinite" nodeType="mainSeq">
+                <p:childTnLst>
+                  <p:par>
+                    <p:cTn id="3" fill="hold">
+                      <p:stCondLst>
+                        <p:cond delay="indefinite"/>
+                      </p:stCondLst>
+                      <p:childTnLst>
+                        <p:par>
+                          <p:cTn id="4" fill="hold">
+                            <p:stCondLst>
+                              <p:cond delay="0"/>
+                            </p:stCondLst>
+                            <p:childTnLst>
+                              <p:par>
+                                <p:cTn id="5" presetID="1" presetClass="entr" presetSubtype="0" fill="hold" grpId="0" nodeType="clickEffect">
+                                  <p:stCondLst>
+                                    <p:cond delay="0"/>
+                                  </p:stCondLst>
+                                  <p:childTnLst>
+                                    <p:set>
+                                      <p:cBhvr>
+                                        <p:cTn id="6" dur="1" fill="hold">
+                                          <p:stCondLst>
+                                            <p:cond delay="0"/>
+                                          </p:stCondLst>
+                                        </p:cTn>
+                                        <p:tgtEl>
+                                          <p:spTgt spid="5"/>
+                                        </p:tgtEl>
+                                        <p:attrNameLst>
+                                          <p:attrName>style.visibility</p:attrName>
+                                        </p:attrNameLst>
+                                      </p:cBhvr>
+                                      <p:to>
+                                        <p:strVal val="visible"/>
+                                      </p:to>
+                                    </p:set>
+                                  </p:childTnLst>
+                                </p:cTn>
+                              </p:par>
+                              <p:par>
+                                <p:cTn id="7" presetID="1" presetClass="entr" presetSubtype="0" fill="hold" grpId="0" nodeType="withEffect">
+                                  <p:stCondLst>
+                                    <p:cond delay="0"/>
+                                  </p:stCondLst>
+                                  <p:childTnLst>
+                                    <p:set>
+                                      <p:cBhvr>
+                                        <p:cTn id="8" dur="1" fill="hold">
+                                          <p:stCondLst>
+                                            <p:cond delay="0"/>
+                                          </p:stCondLst>
+                                        </p:cTn>
+                                        <p:tgtEl>
+                                          <p:spTgt spid="6"/>
+                                        </p:tgtEl>
+                                        <p:attrNameLst>
+                                          <p:attrName>style.visibility</p:attrName>
+                                        </p:attrNameLst>
+                                      </p:cBhvr>
+                                      <p:to>
+                                        <p:strVal val="visible"/>
+                                      </p:to>
+                                    </p:set>
+                                  </p:childTnLst>
+                                </p:cTn>
+                              </p:par>
+                            </p:childTnLst>
+                          </p:cTn>
+                        </p:par>
+                      </p:childTnLst>
+                    </p:cTn>
+                  </p:par>
+                  <p:par>
+                    <p:cTn id="9" fill="hold">
+                      <p:stCondLst>
+                        <p:cond delay="indefinite"/>
+                      </p:stCondLst>
+                      <p:childTnLst>
+                        <p:par>
+                          <p:cTn id="10" fill="hold">
+                            <p:stCondLst>
+                              <p:cond delay="0"/>
+                            </p:stCondLst>
+                            <p:childTnLst>
+                              <p:par>
+                                <p:cTn id="11" presetID="16" presetClass="entr" presetSubtype="21" fill="hold" grpId="0" nodeType="clickEffect">
+                                  <p:stCondLst>
+                                    <p:cond delay="0"/>
+                                  </p:stCondLst>
+                                  <p:childTnLst>
+                                    <p:set>
+                                      <p:cBhvr>
+                                        <p:cTn id="12" dur="1" fill="hold">
+                                          <p:stCondLst>
+                                            <p:cond delay="0"/>
+                                          </p:stCondLst>
+                                        </p:cTn>
+                                        <p:tgtEl>
+                                          <p:spTgt spid="8"/>
+                                        </p:tgtEl>
+                                        <p:attrNameLst>
+                                          <p:attrName>style.visibility</p:attrName>
+                                        </p:attrNameLst>
+                                      </p:cBhvr>
+                                      <p:to>
+                                        <p:strVal val="visible"/>
+                                      </p:to>
+                                    </p:set>
+                                    <p:animEffect transition="in" filter="barn(inVertical)">
+                                      <p:cBhvr>
+                                        <p:cTn id="13" dur="500"/>
+                                        <p:tgtEl>
+                                          <p:spTgt spid="8"/>
+                                        </p:tgtEl>
+                                      </p:cBhvr>
+                                    </p:animEffect>
+                                  </p:childTnLst>
+                                </p:cTn>
+                              </p:par>
+                              <p:par>
+                                <p:cTn id="14" presetID="16" presetClass="entr" presetSubtype="21" fill="hold" grpId="0" nodeType="withEffect">
+                                  <p:stCondLst>
+                                    <p:cond delay="0"/>
+                                  </p:stCondLst>
+                                  <p:childTnLst>
+                                    <p:set>
+                                      <p:cBhvr>
+                                        <p:cTn id="15" dur="1" fill="hold">
+                                          <p:stCondLst>
+                                            <p:cond delay="0"/>
+                                          </p:stCondLst>
+                                        </p:cTn>
+                                        <p:tgtEl>
+                                          <p:spTgt spid="7"/>
+                                        </p:tgtEl>
+                                        <p:attrNameLst>
+                                          <p:attrName>style.visibility</p:attrName>
+                                        </p:attrNameLst>
+                                      </p:cBhvr>
+                                      <p:to>
+                                        <p:strVal val="visible"/>
+                                      </p:to>
+                                    </p:set>
+                                    <p:animEffect transition="in" filter="barn(inVertical)">
+                                      <p:cBhvr>
+                                        <p:cTn id="16" dur="500"/>
+                                        <p:tgtEl>
+                                          <p:spTgt spid="7"/>
+                                        </p:tgtEl>
+                                      </p:cBhvr>
+                                    </p:animEffect>
+                                  </p:childTnLst>
+                                </p:cTn>
+                              </p:par>
+                              <p:par>
+                                <p:cTn id="17" presetID="16" presetClass="entr" presetSubtype="21" fill="hold" grpId="0" nodeType="withEffect">
+                                  <p:stCondLst>
+                                    <p:cond delay="0"/>
+                                  </p:stCondLst>
+                                  <p:childTnLst>
+                                    <p:set>
+                                      <p:cBhvr>
+                                        <p:cTn id="18" dur="1" fill="hold">
+                                          <p:stCondLst>
+                                            <p:cond delay="0"/>
+                                          </p:stCondLst>
+                                        </p:cTn>
+                                        <p:tgtEl>
+                                          <p:spTgt spid="9"/>
+                                        </p:tgtEl>
+                                        <p:attrNameLst>
+                                          <p:attrName>style.visibility</p:attrName>
+                                        </p:attrNameLst>
+                                      </p:cBhvr>
+                                      <p:to>
+                                        <p:strVal val="visible"/>
+                                      </p:to>
+                                    </p:set>
+                                    <p:animEffect transition="in" filter="barn(inVertical)">
+                                      <p:cBhvr>
+                                        <p:cTn id="19" dur="500"/>
+                                        <p:tgtEl>
+                                          <p:spTgt spid="9"/>
+                                        </p:tgtEl>
+                                      </p:cBhvr>
+                                    </p:animEffect>
+                                  </p:childTnLst>
+                                </p:cTn>
+                              </p:par>
+                            </p:childTnLst>
+                          </p:cTn>
+                        </p:par>
+                      </p:childTnLst>
+                    </p:cTn>
+                  </p:par>
+                </p:childTnLst>
+              </p:cTn>
+              <p:prevCondLst>
+                <p:cond evt="onPrev" delay="0">
+                  <p:tgtEl>
+                    <p:sldTgt/>
+                  </p:tgtEl>
+                </p:cond>
+              </p:prevCondLst>
+              <p:nextCondLst>
+                <p:cond evt="onNext" delay="0">
+                  <p:tgtEl>
+                    <p:sldTgt/>
+                  </p:tgtEl>
+                </p:cond>
+              </p:nextCondLst>
+            </p:seq>
+          </p:childTnLst>
+        </p:cTn>
+      </p:par>
+    </p:tnLst>
+    <p:bldLst>
+      <p:bldP spid="5" grpId="0" animBg="1"/>
+      <p:bldP spid="6" grpId="0" animBg="1"/>
+      <p:bldP spid="7" grpId="0" animBg="1"/>
+      <p:bldP spid="8" grpId="0" animBg="1"/>
+      <p:bldP spid="9" grpId="0"/>
+    </p:bldLst>
+  </p:timing>
+</p:sld>
+</file>
+
+<file path=ppt/slides/slide41.xml><?xml version="1.0" encoding="utf-8"?>
+<p:sld xmlns:a="http://schemas.openxmlformats.org/drawingml/2006/main" xmlns:r="http://schemas.openxmlformats.org/officeDocument/2006/relationships" xmlns:p="http://schemas.openxmlformats.org/presentationml/2006/main">
+  <p:cSld>
+    <p:spTree>
+      <p:nvGrpSpPr>
+        <p:cNvPr id="1" name=""/>
+        <p:cNvGrpSpPr/>
+        <p:nvPr/>
+      </p:nvGrpSpPr>
+      <p:grpSpPr>
+        <a:xfrm>
+          <a:off x="0" y="0"/>
+          <a:ext cx="0" cy="0"/>
+          <a:chOff x="0" y="0"/>
+          <a:chExt cx="0" cy="0"/>
+        </a:xfrm>
+      </p:grpSpPr>
+      <p:sp>
+        <p:nvSpPr>
+          <p:cNvPr id="2" name="Slide Number Placeholder 1"/>
+          <p:cNvSpPr>
+            <a:spLocks noGrp="1"/>
+          </p:cNvSpPr>
+          <p:nvPr>
+            <p:ph type="sldNum" sz="quarter" idx="12"/>
+          </p:nvPr>
+        </p:nvSpPr>
+        <p:spPr/>
+        <p:txBody>
+          <a:bodyPr/>
+          <a:lstStyle/>
+          <a:p>
+            <a:fld id="{401CF334-2D5C-4859-84A6-CA7E6E43FAEB}" type="slidenum">
+              <a:rPr lang="en-US" smtClean="0"/>
+              <a:t>41</a:t>
+            </a:fld>
+            <a:endParaRPr lang="en-US" dirty="0"/>
+          </a:p>
+        </p:txBody>
+      </p:sp>
+      <p:sp>
+        <p:nvSpPr>
           <p:cNvPr id="3" name="Content Placeholder 2"/>
           <p:cNvSpPr>
             <a:spLocks noGrp="1"/>
@@ -24468,7 +24703,7 @@
 </p:sld>
 </file>
 
-<file path=ppt/slides/slide41.xml><?xml version="1.0" encoding="utf-8"?>
+<file path=ppt/slides/slide42.xml><?xml version="1.0" encoding="utf-8"?>
 <p:sld xmlns:a="http://schemas.openxmlformats.org/drawingml/2006/main" xmlns:r="http://schemas.openxmlformats.org/officeDocument/2006/relationships" xmlns:p="http://schemas.openxmlformats.org/presentationml/2006/main">
   <p:cSld>
     <p:spTree>
@@ -24502,7 +24737,7 @@
           <a:p>
             <a:fld id="{401CF334-2D5C-4859-84A6-CA7E6E43FAEB}" type="slidenum">
               <a:rPr lang="en-US" smtClean="0"/>
-              <a:t>41</a:t>
+              <a:t>42</a:t>
             </a:fld>
             <a:endParaRPr lang="en-US" dirty="0"/>
           </a:p>
@@ -25197,7 +25432,7 @@
 </p:sld>
 </file>
 
-<file path=ppt/slides/slide42.xml><?xml version="1.0" encoding="utf-8"?>
+<file path=ppt/slides/slide43.xml><?xml version="1.0" encoding="utf-8"?>
 <p:sld xmlns:a="http://schemas.openxmlformats.org/drawingml/2006/main" xmlns:r="http://schemas.openxmlformats.org/officeDocument/2006/relationships" xmlns:p="http://schemas.openxmlformats.org/presentationml/2006/main">
   <p:cSld>
     <p:spTree>
@@ -25231,7 +25466,7 @@
           <a:p>
             <a:fld id="{401CF334-2D5C-4859-84A6-CA7E6E43FAEB}" type="slidenum">
               <a:rPr lang="en-US" smtClean="0"/>
-              <a:t>42</a:t>
+              <a:t>43</a:t>
             </a:fld>
             <a:endParaRPr lang="en-US" dirty="0"/>
           </a:p>
@@ -25932,7 +26167,7 @@
 </p:sld>
 </file>
 
-<file path=ppt/slides/slide43.xml><?xml version="1.0" encoding="utf-8"?>
+<file path=ppt/slides/slide44.xml><?xml version="1.0" encoding="utf-8"?>
 <p:sld xmlns:a="http://schemas.openxmlformats.org/drawingml/2006/main" xmlns:r="http://schemas.openxmlformats.org/officeDocument/2006/relationships" xmlns:p="http://schemas.openxmlformats.org/presentationml/2006/main">
   <p:cSld>
     <p:spTree>
@@ -25966,7 +26201,7 @@
           <a:p>
             <a:fld id="{401CF334-2D5C-4859-84A6-CA7E6E43FAEB}" type="slidenum">
               <a:rPr lang="en-US" smtClean="0"/>
-              <a:t>43</a:t>
+              <a:t>44</a:t>
             </a:fld>
             <a:endParaRPr lang="en-US" dirty="0"/>
           </a:p>
@@ -26665,7 +26900,7 @@
 </p:sld>
 </file>
 
-<file path=ppt/slides/slide44.xml><?xml version="1.0" encoding="utf-8"?>
+<file path=ppt/slides/slide45.xml><?xml version="1.0" encoding="utf-8"?>
 <p:sld xmlns:a="http://schemas.openxmlformats.org/drawingml/2006/main" xmlns:r="http://schemas.openxmlformats.org/officeDocument/2006/relationships" xmlns:p="http://schemas.openxmlformats.org/presentationml/2006/main">
   <p:cSld>
     <p:spTree>
@@ -26699,7 +26934,7 @@
           <a:p>
             <a:fld id="{401CF334-2D5C-4859-84A6-CA7E6E43FAEB}" type="slidenum">
               <a:rPr lang="en-US" smtClean="0"/>
-              <a:t>44</a:t>
+              <a:t>45</a:t>
             </a:fld>
             <a:endParaRPr lang="en-US" dirty="0"/>
           </a:p>
@@ -26877,7 +27112,7 @@
             <a:fld id="{401CF334-2D5C-4859-84A6-CA7E6E43FAEB}" type="slidenum">
               <a:rPr lang="en-US" smtClean="0"/>
               <a:pPr/>
-              <a:t>44</a:t>
+              <a:t>45</a:t>
             </a:fld>
             <a:endParaRPr lang="en-US" dirty="0"/>
           </a:p>
@@ -27453,144 +27688,6 @@
 </p:sld>
 </file>
 
-<file path=ppt/slides/slide45.xml><?xml version="1.0" encoding="utf-8"?>
-<p:sld xmlns:a="http://schemas.openxmlformats.org/drawingml/2006/main" xmlns:r="http://schemas.openxmlformats.org/officeDocument/2006/relationships" xmlns:p="http://schemas.openxmlformats.org/presentationml/2006/main">
-  <p:cSld>
-    <p:spTree>
-      <p:nvGrpSpPr>
-        <p:cNvPr id="1" name=""/>
-        <p:cNvGrpSpPr/>
-        <p:nvPr/>
-      </p:nvGrpSpPr>
-      <p:grpSpPr>
-        <a:xfrm>
-          <a:off x="0" y="0"/>
-          <a:ext cx="0" cy="0"/>
-          <a:chOff x="0" y="0"/>
-          <a:chExt cx="0" cy="0"/>
-        </a:xfrm>
-      </p:grpSpPr>
-      <p:sp>
-        <p:nvSpPr>
-          <p:cNvPr id="2" name="Slide Number Placeholder 1"/>
-          <p:cNvSpPr>
-            <a:spLocks noGrp="1"/>
-          </p:cNvSpPr>
-          <p:nvPr>
-            <p:ph type="sldNum" sz="quarter" idx="12"/>
-          </p:nvPr>
-        </p:nvSpPr>
-        <p:spPr/>
-        <p:txBody>
-          <a:bodyPr/>
-          <a:lstStyle/>
-          <a:p>
-            <a:fld id="{401CF334-2D5C-4859-84A6-CA7E6E43FAEB}" type="slidenum">
-              <a:rPr lang="en-US" smtClean="0"/>
-              <a:t>45</a:t>
-            </a:fld>
-            <a:endParaRPr lang="en-US" dirty="0"/>
-          </a:p>
-        </p:txBody>
-      </p:sp>
-      <p:sp>
-        <p:nvSpPr>
-          <p:cNvPr id="3" name="Content Placeholder 2"/>
-          <p:cNvSpPr>
-            <a:spLocks noGrp="1"/>
-          </p:cNvSpPr>
-          <p:nvPr>
-            <p:ph idx="1"/>
-          </p:nvPr>
-        </p:nvSpPr>
-        <p:spPr/>
-        <p:txBody>
-          <a:bodyPr>
-            <a:normAutofit/>
-          </a:bodyPr>
-          <a:lstStyle/>
-          <a:p>
-            <a:r>
-              <a:rPr lang="en-US" dirty="0"/>
-              <a:t>A resource is an identifiable object on the </a:t>
-            </a:r>
-            <a:r>
-              <a:rPr lang="en-US" dirty="0" smtClean="0"/>
-              <a:t>system.</a:t>
-            </a:r>
-          </a:p>
-          <a:p>
-            <a:endParaRPr lang="en-US" dirty="0"/>
-          </a:p>
-          <a:p>
-            <a:r>
-              <a:rPr lang="en-US" dirty="0" smtClean="0"/>
-              <a:t>Identified with an URI</a:t>
-            </a:r>
-          </a:p>
-          <a:p>
-            <a:endParaRPr lang="en-US" dirty="0"/>
-          </a:p>
-          <a:p>
-            <a:r>
-              <a:rPr lang="en-US" dirty="0" smtClean="0"/>
-              <a:t>Contains nouns NOT verbs!</a:t>
-            </a:r>
-          </a:p>
-          <a:p>
-            <a:endParaRPr lang="en-US" dirty="0" smtClean="0"/>
-          </a:p>
-          <a:p>
-            <a:r>
-              <a:rPr lang="en-US" dirty="0" smtClean="0"/>
-              <a:t>Nouns are the resource names</a:t>
-            </a:r>
-          </a:p>
-        </p:txBody>
-      </p:sp>
-      <p:sp>
-        <p:nvSpPr>
-          <p:cNvPr id="4" name="Title 3"/>
-          <p:cNvSpPr>
-            <a:spLocks noGrp="1"/>
-          </p:cNvSpPr>
-          <p:nvPr>
-            <p:ph type="title"/>
-          </p:nvPr>
-        </p:nvSpPr>
-        <p:spPr/>
-        <p:txBody>
-          <a:bodyPr/>
-          <a:lstStyle/>
-          <a:p>
-            <a:r>
-              <a:rPr lang="en-US" dirty="0" smtClean="0"/>
-              <a:t>Resources</a:t>
-            </a:r>
-            <a:endParaRPr lang="fr-FR" dirty="0"/>
-          </a:p>
-        </p:txBody>
-      </p:sp>
-    </p:spTree>
-    <p:extLst>
-      <p:ext uri="{BB962C8B-B14F-4D97-AF65-F5344CB8AC3E}">
-        <p14:creationId xmlns:p14="http://schemas.microsoft.com/office/powerpoint/2010/main" val="782301914"/>
-      </p:ext>
-    </p:extLst>
-  </p:cSld>
-  <p:clrMapOvr>
-    <a:masterClrMapping/>
-  </p:clrMapOvr>
-  <p:timing>
-    <p:tnLst>
-      <p:par>
-        <p:cTn id="1" dur="indefinite" restart="never" nodeType="tmRoot"/>
-      </p:par>
-    </p:tnLst>
-  </p:timing>
-</p:sld>
-</file>
-
 <file path=ppt/slides/slide46.xml><?xml version="1.0" encoding="utf-8"?>
 <p:sld xmlns:a="http://schemas.openxmlformats.org/drawingml/2006/main" xmlns:r="http://schemas.openxmlformats.org/officeDocument/2006/relationships" xmlns:p="http://schemas.openxmlformats.org/presentationml/2006/main">
   <p:cSld>
@@ -27610,12 +27707,12 @@
       </p:grpSpPr>
       <p:sp>
         <p:nvSpPr>
-          <p:cNvPr id="9" name="Text Placeholder 8"/>
+          <p:cNvPr id="2" name="Slide Number Placeholder 1"/>
           <p:cNvSpPr>
             <a:spLocks noGrp="1"/>
           </p:cNvSpPr>
           <p:nvPr>
-            <p:ph type="body" idx="1"/>
+            <p:ph type="sldNum" sz="quarter" idx="12"/>
           </p:nvPr>
         </p:nvSpPr>
         <p:spPr/>
@@ -27623,6 +27720,10 @@
           <a:bodyPr/>
           <a:lstStyle/>
           <a:p>
+            <a:fld id="{401CF334-2D5C-4859-84A6-CA7E6E43FAEB}" type="slidenum">
+              <a:rPr lang="en-US" smtClean="0"/>
+              <a:t>46</a:t>
+            </a:fld>
             <a:endParaRPr lang="en-US" dirty="0"/>
           </a:p>
         </p:txBody>
@@ -27644,12 +27745,217 @@
           <a:p>
             <a:r>
               <a:rPr lang="en-US" dirty="0" smtClean="0"/>
-              <a:t>Questions &amp; Comments</a:t>
-            </a:r>
-            <a:endParaRPr lang="en-US" dirty="0"/>
-          </a:p>
-        </p:txBody>
-      </p:sp>
+              <a:t>Web Service Definition</a:t>
+            </a:r>
+            <a:endParaRPr lang="fr-FR" dirty="0"/>
+          </a:p>
+        </p:txBody>
+      </p:sp>
+      <p:pic>
+        <p:nvPicPr>
+          <p:cNvPr id="6" name="Picture 5"/>
+          <p:cNvPicPr>
+            <a:picLocks noChangeAspect="1"/>
+          </p:cNvPicPr>
+          <p:nvPr/>
+        </p:nvPicPr>
+        <p:blipFill>
+          <a:blip r:embed="rId2">
+            <a:extLst>
+              <a:ext uri="{28A0092B-C50C-407E-A947-70E740481C1C}">
+                <a14:useLocalDpi xmlns:a14="http://schemas.microsoft.com/office/drawing/2010/main" val="0"/>
+              </a:ext>
+            </a:extLst>
+          </a:blip>
+          <a:stretch>
+            <a:fillRect/>
+          </a:stretch>
+        </p:blipFill>
+        <p:spPr>
+          <a:xfrm>
+            <a:off x="6412460" y="2922757"/>
+            <a:ext cx="3603811" cy="3603811"/>
+          </a:xfrm>
+          <a:prstGeom prst="rect">
+            <a:avLst/>
+          </a:prstGeom>
+          <a:ln>
+            <a:noFill/>
+          </a:ln>
+          <a:effectLst>
+            <a:outerShdw blurRad="190500" dist="228600" dir="2700000" algn="ctr">
+              <a:srgbClr val="000000">
+                <a:alpha val="30000"/>
+              </a:srgbClr>
+            </a:outerShdw>
+          </a:effectLst>
+          <a:scene3d>
+            <a:camera prst="orthographicFront">
+              <a:rot lat="0" lon="0" rev="0"/>
+            </a:camera>
+            <a:lightRig rig="glow" dir="t">
+              <a:rot lat="0" lon="0" rev="4800000"/>
+            </a:lightRig>
+          </a:scene3d>
+          <a:sp3d prstMaterial="matte">
+            <a:bevelT w="127000" h="63500"/>
+          </a:sp3d>
+        </p:spPr>
+      </p:pic>
+      <p:sp>
+        <p:nvSpPr>
+          <p:cNvPr id="7" name="TextBox 6"/>
+          <p:cNvSpPr txBox="1"/>
+          <p:nvPr/>
+        </p:nvSpPr>
+        <p:spPr>
+          <a:xfrm>
+            <a:off x="1317812" y="2705147"/>
+            <a:ext cx="4059637" cy="2308324"/>
+          </a:xfrm>
+          <a:prstGeom prst="rect">
+            <a:avLst/>
+          </a:prstGeom>
+          <a:noFill/>
+          <a:ln>
+            <a:noFill/>
+          </a:ln>
+        </p:spPr>
+        <p:txBody>
+          <a:bodyPr wrap="none" rtlCol="0" anchor="ctr" anchorCtr="1">
+            <a:spAutoFit/>
+          </a:bodyPr>
+          <a:lstStyle/>
+          <a:p>
+            <a:pPr marL="342900" indent="-342900">
+              <a:buFont typeface="Arial" panose="020B0604020202020204" pitchFamily="34" charset="0"/>
+              <a:buChar char="•"/>
+            </a:pPr>
+            <a:r>
+              <a:rPr lang="en-US" sz="2400" dirty="0" smtClean="0"/>
+              <a:t>What the web service does?</a:t>
+            </a:r>
+          </a:p>
+          <a:p>
+            <a:pPr marL="342900" indent="-342900">
+              <a:buFont typeface="Arial" panose="020B0604020202020204" pitchFamily="34" charset="0"/>
+              <a:buChar char="•"/>
+            </a:pPr>
+            <a:r>
+              <a:rPr lang="en-US" sz="2400" dirty="0" smtClean="0"/>
+              <a:t>What are the operations?</a:t>
+            </a:r>
+          </a:p>
+          <a:p>
+            <a:pPr marL="342900" indent="-342900">
+              <a:buFont typeface="Arial" panose="020B0604020202020204" pitchFamily="34" charset="0"/>
+              <a:buChar char="•"/>
+            </a:pPr>
+            <a:r>
+              <a:rPr lang="en-US" sz="2400" dirty="0" smtClean="0"/>
+              <a:t>Input arguments?</a:t>
+            </a:r>
+          </a:p>
+          <a:p>
+            <a:pPr marL="342900" indent="-342900">
+              <a:buFont typeface="Arial" panose="020B0604020202020204" pitchFamily="34" charset="0"/>
+              <a:buChar char="•"/>
+            </a:pPr>
+            <a:r>
+              <a:rPr lang="en-US" sz="2400" dirty="0" smtClean="0"/>
+              <a:t>Arguments types?</a:t>
+            </a:r>
+          </a:p>
+          <a:p>
+            <a:pPr marL="342900" indent="-342900">
+              <a:buFont typeface="Arial" panose="020B0604020202020204" pitchFamily="34" charset="0"/>
+              <a:buChar char="•"/>
+            </a:pPr>
+            <a:r>
+              <a:rPr lang="en-US" sz="2400" dirty="0" smtClean="0"/>
+              <a:t>Outputs?</a:t>
+            </a:r>
+          </a:p>
+          <a:p>
+            <a:pPr marL="342900" indent="-342900">
+              <a:buFont typeface="Arial" panose="020B0604020202020204" pitchFamily="34" charset="0"/>
+              <a:buChar char="•"/>
+            </a:pPr>
+            <a:r>
+              <a:rPr lang="en-US" sz="2400" dirty="0" smtClean="0"/>
+              <a:t>…..</a:t>
+            </a:r>
+            <a:endParaRPr lang="fr-FR" sz="2400" dirty="0"/>
+          </a:p>
+        </p:txBody>
+      </p:sp>
+    </p:spTree>
+    <p:extLst>
+      <p:ext uri="{BB962C8B-B14F-4D97-AF65-F5344CB8AC3E}">
+        <p14:creationId xmlns:p14="http://schemas.microsoft.com/office/powerpoint/2010/main" val="3181046621"/>
+      </p:ext>
+    </p:extLst>
+  </p:cSld>
+  <p:clrMapOvr>
+    <a:masterClrMapping/>
+  </p:clrMapOvr>
+  <p:timing>
+    <p:tnLst>
+      <p:par>
+        <p:cTn id="1" dur="indefinite" restart="never" nodeType="tmRoot"/>
+      </p:par>
+    </p:tnLst>
+  </p:timing>
+</p:sld>
+</file>
+
+<file path=ppt/slides/slide47.xml><?xml version="1.0" encoding="utf-8"?>
+<p:sld xmlns:a="http://schemas.openxmlformats.org/drawingml/2006/main" xmlns:r="http://schemas.openxmlformats.org/officeDocument/2006/relationships" xmlns:p="http://schemas.openxmlformats.org/presentationml/2006/main">
+  <p:cSld>
+    <p:spTree>
+      <p:nvGrpSpPr>
+        <p:cNvPr id="1" name=""/>
+        <p:cNvGrpSpPr/>
+        <p:nvPr/>
+      </p:nvGrpSpPr>
+      <p:grpSpPr>
+        <a:xfrm>
+          <a:off x="0" y="0"/>
+          <a:ext cx="0" cy="0"/>
+          <a:chOff x="0" y="0"/>
+          <a:chExt cx="0" cy="0"/>
+        </a:xfrm>
+      </p:grpSpPr>
+      <p:pic>
+        <p:nvPicPr>
+          <p:cNvPr id="8" name="Picture 7"/>
+          <p:cNvPicPr>
+            <a:picLocks noChangeAspect="1"/>
+          </p:cNvPicPr>
+          <p:nvPr/>
+        </p:nvPicPr>
+        <p:blipFill>
+          <a:blip r:embed="rId2" cstate="print">
+            <a:extLst>
+              <a:ext uri="{28A0092B-C50C-407E-A947-70E740481C1C}">
+                <a14:useLocalDpi xmlns:a14="http://schemas.microsoft.com/office/drawing/2010/main" val="0"/>
+              </a:ext>
+            </a:extLst>
+          </a:blip>
+          <a:stretch>
+            <a:fillRect/>
+          </a:stretch>
+        </p:blipFill>
+        <p:spPr>
+          <a:xfrm>
+            <a:off x="7483473" y="3141561"/>
+            <a:ext cx="2810803" cy="2791551"/>
+          </a:xfrm>
+          <a:prstGeom prst="rect">
+            <a:avLst/>
+          </a:prstGeom>
+        </p:spPr>
+      </p:pic>
       <p:sp>
         <p:nvSpPr>
           <p:cNvPr id="2" name="Slide Number Placeholder 1"/>
@@ -27667,34 +27973,1367 @@
           <a:p>
             <a:fld id="{401CF334-2D5C-4859-84A6-CA7E6E43FAEB}" type="slidenum">
               <a:rPr lang="en-US" smtClean="0"/>
-              <a:t>46</a:t>
+              <a:t>47</a:t>
             </a:fld>
             <a:endParaRPr lang="en-US" dirty="0"/>
+          </a:p>
+        </p:txBody>
+      </p:sp>
+      <p:sp>
+        <p:nvSpPr>
+          <p:cNvPr id="4" name="Title 3"/>
+          <p:cNvSpPr>
+            <a:spLocks noGrp="1"/>
+          </p:cNvSpPr>
+          <p:nvPr>
+            <p:ph type="title"/>
+          </p:nvPr>
+        </p:nvSpPr>
+        <p:spPr/>
+        <p:txBody>
+          <a:bodyPr/>
+          <a:lstStyle/>
+          <a:p>
+            <a:r>
+              <a:rPr lang="en-US" dirty="0" smtClean="0"/>
+              <a:t>SOAP Web Service Definition</a:t>
+            </a:r>
+            <a:endParaRPr lang="fr-FR" dirty="0"/>
+          </a:p>
+        </p:txBody>
+      </p:sp>
+      <p:sp>
+        <p:nvSpPr>
+          <p:cNvPr id="5" name="Right Arrow 4"/>
+          <p:cNvSpPr/>
+          <p:nvPr/>
+        </p:nvSpPr>
+        <p:spPr>
+          <a:xfrm>
+            <a:off x="4369336" y="3318523"/>
+            <a:ext cx="1420905" cy="415517"/>
+          </a:xfrm>
+          <a:prstGeom prst="rightArrow">
+            <a:avLst>
+              <a:gd name="adj1" fmla="val 50000"/>
+              <a:gd name="adj2" fmla="val 51444"/>
+            </a:avLst>
+          </a:prstGeom>
+          <a:solidFill>
+            <a:schemeClr val="accent1">
+              <a:lumMod val="75000"/>
+            </a:schemeClr>
+          </a:solidFill>
+        </p:spPr>
+        <p:style>
+          <a:lnRef idx="3">
+            <a:schemeClr val="lt1"/>
+          </a:lnRef>
+          <a:fillRef idx="1">
+            <a:schemeClr val="accent3"/>
+          </a:fillRef>
+          <a:effectRef idx="1">
+            <a:schemeClr val="accent3"/>
+          </a:effectRef>
+          <a:fontRef idx="minor">
+            <a:schemeClr val="lt1"/>
+          </a:fontRef>
+        </p:style>
+        <p:txBody>
+          <a:bodyPr rtlCol="0" anchor="ctr"/>
+          <a:lstStyle/>
+          <a:p>
+            <a:pPr algn="ctr"/>
+            <a:endParaRPr lang="fr-FR" dirty="0"/>
+          </a:p>
+        </p:txBody>
+      </p:sp>
+      <p:sp>
+        <p:nvSpPr>
+          <p:cNvPr id="6" name="TextBox 5"/>
+          <p:cNvSpPr txBox="1"/>
+          <p:nvPr/>
+        </p:nvSpPr>
+        <p:spPr>
+          <a:xfrm>
+            <a:off x="5929393" y="3141561"/>
+            <a:ext cx="1554080" cy="769441"/>
+          </a:xfrm>
+          <a:prstGeom prst="rect">
+            <a:avLst/>
+          </a:prstGeom>
+          <a:noFill/>
+          <a:ln>
+            <a:noFill/>
+          </a:ln>
+        </p:spPr>
+        <p:txBody>
+          <a:bodyPr wrap="none" rtlCol="0" anchor="ctr" anchorCtr="1">
+            <a:spAutoFit/>
+          </a:bodyPr>
+          <a:lstStyle/>
+          <a:p>
+            <a:r>
+              <a:rPr lang="en-US" sz="4400" b="1" dirty="0" smtClean="0">
+                <a:solidFill>
+                  <a:schemeClr val="accent3">
+                    <a:lumMod val="50000"/>
+                  </a:schemeClr>
+                </a:solidFill>
+              </a:rPr>
+              <a:t>WSDL</a:t>
+            </a:r>
+            <a:endParaRPr lang="fr-FR" sz="4400" b="1" dirty="0">
+              <a:solidFill>
+                <a:schemeClr val="accent3">
+                  <a:lumMod val="50000"/>
+                </a:schemeClr>
+              </a:solidFill>
+            </a:endParaRPr>
+          </a:p>
+        </p:txBody>
+      </p:sp>
+      <p:sp>
+        <p:nvSpPr>
+          <p:cNvPr id="7" name="TextBox 6"/>
+          <p:cNvSpPr txBox="1"/>
+          <p:nvPr/>
+        </p:nvSpPr>
+        <p:spPr>
+          <a:xfrm>
+            <a:off x="1387549" y="2495931"/>
+            <a:ext cx="4989764" cy="461665"/>
+          </a:xfrm>
+          <a:prstGeom prst="rect">
+            <a:avLst/>
+          </a:prstGeom>
+          <a:noFill/>
+          <a:ln>
+            <a:noFill/>
+          </a:ln>
+        </p:spPr>
+        <p:txBody>
+          <a:bodyPr wrap="none" rtlCol="0" anchor="ctr" anchorCtr="1">
+            <a:spAutoFit/>
+          </a:bodyPr>
+          <a:lstStyle/>
+          <a:p>
+            <a:r>
+              <a:rPr lang="en-US" sz="2400" dirty="0" smtClean="0"/>
+              <a:t>All the details of the SOAP web service</a:t>
+            </a:r>
+            <a:endParaRPr lang="fr-FR" sz="2400" dirty="0"/>
+          </a:p>
+        </p:txBody>
+      </p:sp>
+      <p:sp>
+        <p:nvSpPr>
+          <p:cNvPr id="9" name="Rectangle 8"/>
+          <p:cNvSpPr/>
+          <p:nvPr/>
+        </p:nvSpPr>
+        <p:spPr>
+          <a:xfrm>
+            <a:off x="8493396" y="5143676"/>
+            <a:ext cx="2810803" cy="1200329"/>
+          </a:xfrm>
+          <a:prstGeom prst="rect">
+            <a:avLst/>
+          </a:prstGeom>
+          <a:noFill/>
+        </p:spPr>
+        <p:txBody>
+          <a:bodyPr wrap="square" lIns="91440" tIns="45720" rIns="91440" bIns="45720">
+            <a:spAutoFit/>
+            <a:scene3d>
+              <a:camera prst="perspectiveContrastingRightFacing"/>
+              <a:lightRig rig="threePt" dir="t"/>
+            </a:scene3d>
+            <a:sp3d extrusionH="57150">
+              <a:bevelT w="38100" h="38100"/>
+            </a:sp3d>
+          </a:bodyPr>
+          <a:lstStyle/>
+          <a:p>
+            <a:pPr algn="ctr"/>
+            <a:r>
+              <a:rPr lang="en-US" sz="7200" b="1" cap="none" spc="0" dirty="0" smtClean="0">
+                <a:ln w="0"/>
+                <a:solidFill>
+                  <a:srgbClr val="FF0000"/>
+                </a:solidFill>
+                <a:effectLst>
+                  <a:outerShdw blurRad="60007" dist="310007" dir="7680000" sy="30000" kx="1300200" algn="ctr" rotWithShape="0">
+                    <a:prstClr val="black">
+                      <a:alpha val="32000"/>
+                    </a:prstClr>
+                  </a:outerShdw>
+                  <a:reflection blurRad="6350" stA="55000" endA="300" endPos="45500" dir="5400000" sy="-100000" algn="bl" rotWithShape="0"/>
+                </a:effectLst>
+              </a:rPr>
+              <a:t>WSDL</a:t>
+            </a:r>
+            <a:endParaRPr lang="en-US" sz="7200" b="1" cap="none" spc="0" dirty="0">
+              <a:ln w="0"/>
+              <a:solidFill>
+                <a:srgbClr val="FF0000"/>
+              </a:solidFill>
+              <a:effectLst>
+                <a:outerShdw blurRad="60007" dist="310007" dir="7680000" sy="30000" kx="1300200" algn="ctr" rotWithShape="0">
+                  <a:prstClr val="black">
+                    <a:alpha val="32000"/>
+                  </a:prstClr>
+                </a:outerShdw>
+                <a:reflection blurRad="6350" stA="55000" endA="300" endPos="45500" dir="5400000" sy="-100000" algn="bl" rotWithShape="0"/>
+              </a:effectLst>
+            </a:endParaRPr>
           </a:p>
         </p:txBody>
       </p:sp>
     </p:spTree>
     <p:extLst>
       <p:ext uri="{BB962C8B-B14F-4D97-AF65-F5344CB8AC3E}">
-        <p14:creationId xmlns:p14="http://schemas.microsoft.com/office/powerpoint/2010/main" val="986252602"/>
+        <p14:creationId xmlns:p14="http://schemas.microsoft.com/office/powerpoint/2010/main" val="3774098920"/>
       </p:ext>
     </p:extLst>
   </p:cSld>
   <p:clrMapOvr>
     <a:masterClrMapping/>
   </p:clrMapOvr>
-  <mc:AlternateContent xmlns:mc="http://schemas.openxmlformats.org/markup-compatibility/2006" xmlns:p14="http://schemas.microsoft.com/office/powerpoint/2010/main">
-    <mc:Choice Requires="p14">
-      <p:transition spd="med" p14:dur="700">
-        <p:fade/>
-      </p:transition>
-    </mc:Choice>
-    <mc:Fallback xmlns="">
-      <p:transition spd="med">
-        <p:fade/>
-      </p:transition>
-    </mc:Fallback>
-  </mc:AlternateContent>
+  <p:timing>
+    <p:tnLst>
+      <p:par>
+        <p:cTn id="1" dur="indefinite" restart="never" nodeType="tmRoot">
+          <p:childTnLst>
+            <p:seq concurrent="1" nextAc="seek">
+              <p:cTn id="2" dur="indefinite" nodeType="mainSeq">
+                <p:childTnLst>
+                  <p:par>
+                    <p:cTn id="3" fill="hold">
+                      <p:stCondLst>
+                        <p:cond delay="indefinite"/>
+                      </p:stCondLst>
+                      <p:childTnLst>
+                        <p:par>
+                          <p:cTn id="4" fill="hold">
+                            <p:stCondLst>
+                              <p:cond delay="0"/>
+                            </p:stCondLst>
+                            <p:childTnLst>
+                              <p:par>
+                                <p:cTn id="5" presetID="1" presetClass="entr" presetSubtype="0" fill="hold" grpId="0" nodeType="clickEffect">
+                                  <p:stCondLst>
+                                    <p:cond delay="0"/>
+                                  </p:stCondLst>
+                                  <p:childTnLst>
+                                    <p:set>
+                                      <p:cBhvr>
+                                        <p:cTn id="6" dur="1" fill="hold">
+                                          <p:stCondLst>
+                                            <p:cond delay="0"/>
+                                          </p:stCondLst>
+                                        </p:cTn>
+                                        <p:tgtEl>
+                                          <p:spTgt spid="5"/>
+                                        </p:tgtEl>
+                                        <p:attrNameLst>
+                                          <p:attrName>style.visibility</p:attrName>
+                                        </p:attrNameLst>
+                                      </p:cBhvr>
+                                      <p:to>
+                                        <p:strVal val="visible"/>
+                                      </p:to>
+                                    </p:set>
+                                  </p:childTnLst>
+                                </p:cTn>
+                              </p:par>
+                              <p:par>
+                                <p:cTn id="7" presetID="1" presetClass="entr" presetSubtype="0" fill="hold" grpId="0" nodeType="withEffect">
+                                  <p:stCondLst>
+                                    <p:cond delay="0"/>
+                                  </p:stCondLst>
+                                  <p:childTnLst>
+                                    <p:set>
+                                      <p:cBhvr>
+                                        <p:cTn id="8" dur="1" fill="hold">
+                                          <p:stCondLst>
+                                            <p:cond delay="0"/>
+                                          </p:stCondLst>
+                                        </p:cTn>
+                                        <p:tgtEl>
+                                          <p:spTgt spid="6"/>
+                                        </p:tgtEl>
+                                        <p:attrNameLst>
+                                          <p:attrName>style.visibility</p:attrName>
+                                        </p:attrNameLst>
+                                      </p:cBhvr>
+                                      <p:to>
+                                        <p:strVal val="visible"/>
+                                      </p:to>
+                                    </p:set>
+                                  </p:childTnLst>
+                                </p:cTn>
+                              </p:par>
+                              <p:par>
+                                <p:cTn id="9" presetID="1" presetClass="entr" presetSubtype="0" fill="hold" grpId="0" nodeType="withEffect">
+                                  <p:stCondLst>
+                                    <p:cond delay="0"/>
+                                  </p:stCondLst>
+                                  <p:childTnLst>
+                                    <p:set>
+                                      <p:cBhvr>
+                                        <p:cTn id="10" dur="1" fill="hold">
+                                          <p:stCondLst>
+                                            <p:cond delay="0"/>
+                                          </p:stCondLst>
+                                        </p:cTn>
+                                        <p:tgtEl>
+                                          <p:spTgt spid="9"/>
+                                        </p:tgtEl>
+                                        <p:attrNameLst>
+                                          <p:attrName>style.visibility</p:attrName>
+                                        </p:attrNameLst>
+                                      </p:cBhvr>
+                                      <p:to>
+                                        <p:strVal val="visible"/>
+                                      </p:to>
+                                    </p:set>
+                                  </p:childTnLst>
+                                </p:cTn>
+                              </p:par>
+                              <p:par>
+                                <p:cTn id="11" presetID="1" presetClass="entr" presetSubtype="0" fill="hold" nodeType="withEffect">
+                                  <p:stCondLst>
+                                    <p:cond delay="0"/>
+                                  </p:stCondLst>
+                                  <p:childTnLst>
+                                    <p:set>
+                                      <p:cBhvr>
+                                        <p:cTn id="12" dur="1" fill="hold">
+                                          <p:stCondLst>
+                                            <p:cond delay="0"/>
+                                          </p:stCondLst>
+                                        </p:cTn>
+                                        <p:tgtEl>
+                                          <p:spTgt spid="8"/>
+                                        </p:tgtEl>
+                                        <p:attrNameLst>
+                                          <p:attrName>style.visibility</p:attrName>
+                                        </p:attrNameLst>
+                                      </p:cBhvr>
+                                      <p:to>
+                                        <p:strVal val="visible"/>
+                                      </p:to>
+                                    </p:set>
+                                  </p:childTnLst>
+                                </p:cTn>
+                              </p:par>
+                            </p:childTnLst>
+                          </p:cTn>
+                        </p:par>
+                      </p:childTnLst>
+                    </p:cTn>
+                  </p:par>
+                </p:childTnLst>
+              </p:cTn>
+              <p:prevCondLst>
+                <p:cond evt="onPrev" delay="0">
+                  <p:tgtEl>
+                    <p:sldTgt/>
+                  </p:tgtEl>
+                </p:cond>
+              </p:prevCondLst>
+              <p:nextCondLst>
+                <p:cond evt="onNext" delay="0">
+                  <p:tgtEl>
+                    <p:sldTgt/>
+                  </p:tgtEl>
+                </p:cond>
+              </p:nextCondLst>
+            </p:seq>
+          </p:childTnLst>
+        </p:cTn>
+      </p:par>
+    </p:tnLst>
+    <p:bldLst>
+      <p:bldP spid="5" grpId="0" animBg="1"/>
+      <p:bldP spid="6" grpId="0"/>
+      <p:bldP spid="9" grpId="0"/>
+    </p:bldLst>
+  </p:timing>
+</p:sld>
+</file>
+
+<file path=ppt/slides/slide48.xml><?xml version="1.0" encoding="utf-8"?>
+<p:sld xmlns:a="http://schemas.openxmlformats.org/drawingml/2006/main" xmlns:r="http://schemas.openxmlformats.org/officeDocument/2006/relationships" xmlns:p="http://schemas.openxmlformats.org/presentationml/2006/main">
+  <p:cSld>
+    <p:spTree>
+      <p:nvGrpSpPr>
+        <p:cNvPr id="1" name=""/>
+        <p:cNvGrpSpPr/>
+        <p:nvPr/>
+      </p:nvGrpSpPr>
+      <p:grpSpPr>
+        <a:xfrm>
+          <a:off x="0" y="0"/>
+          <a:ext cx="0" cy="0"/>
+          <a:chOff x="0" y="0"/>
+          <a:chExt cx="0" cy="0"/>
+        </a:xfrm>
+      </p:grpSpPr>
+      <p:pic>
+        <p:nvPicPr>
+          <p:cNvPr id="8" name="Picture 7"/>
+          <p:cNvPicPr>
+            <a:picLocks noChangeAspect="1"/>
+          </p:cNvPicPr>
+          <p:nvPr/>
+        </p:nvPicPr>
+        <p:blipFill>
+          <a:blip r:embed="rId2" cstate="print">
+            <a:extLst>
+              <a:ext uri="{28A0092B-C50C-407E-A947-70E740481C1C}">
+                <a14:useLocalDpi xmlns:a14="http://schemas.microsoft.com/office/drawing/2010/main" val="0"/>
+              </a:ext>
+            </a:extLst>
+          </a:blip>
+          <a:stretch>
+            <a:fillRect/>
+          </a:stretch>
+        </p:blipFill>
+        <p:spPr>
+          <a:xfrm>
+            <a:off x="7483473" y="3141561"/>
+            <a:ext cx="2810803" cy="2791551"/>
+          </a:xfrm>
+          <a:prstGeom prst="rect">
+            <a:avLst/>
+          </a:prstGeom>
+        </p:spPr>
+      </p:pic>
+      <p:sp>
+        <p:nvSpPr>
+          <p:cNvPr id="2" name="Slide Number Placeholder 1"/>
+          <p:cNvSpPr>
+            <a:spLocks noGrp="1"/>
+          </p:cNvSpPr>
+          <p:nvPr>
+            <p:ph type="sldNum" sz="quarter" idx="12"/>
+          </p:nvPr>
+        </p:nvSpPr>
+        <p:spPr/>
+        <p:txBody>
+          <a:bodyPr/>
+          <a:lstStyle/>
+          <a:p>
+            <a:fld id="{401CF334-2D5C-4859-84A6-CA7E6E43FAEB}" type="slidenum">
+              <a:rPr lang="en-US" smtClean="0"/>
+              <a:t>48</a:t>
+            </a:fld>
+            <a:endParaRPr lang="en-US" dirty="0"/>
+          </a:p>
+        </p:txBody>
+      </p:sp>
+      <p:sp>
+        <p:nvSpPr>
+          <p:cNvPr id="4" name="Title 3"/>
+          <p:cNvSpPr>
+            <a:spLocks noGrp="1"/>
+          </p:cNvSpPr>
+          <p:nvPr>
+            <p:ph type="title"/>
+          </p:nvPr>
+        </p:nvSpPr>
+        <p:spPr/>
+        <p:txBody>
+          <a:bodyPr/>
+          <a:lstStyle/>
+          <a:p>
+            <a:r>
+              <a:rPr lang="en-US" dirty="0" smtClean="0"/>
+              <a:t>REST Web Service Definition</a:t>
+            </a:r>
+            <a:endParaRPr lang="fr-FR" dirty="0"/>
+          </a:p>
+        </p:txBody>
+      </p:sp>
+      <p:sp>
+        <p:nvSpPr>
+          <p:cNvPr id="5" name="Right Arrow 4"/>
+          <p:cNvSpPr/>
+          <p:nvPr/>
+        </p:nvSpPr>
+        <p:spPr>
+          <a:xfrm>
+            <a:off x="4369336" y="3318523"/>
+            <a:ext cx="1420905" cy="415517"/>
+          </a:xfrm>
+          <a:prstGeom prst="rightArrow">
+            <a:avLst>
+              <a:gd name="adj1" fmla="val 50000"/>
+              <a:gd name="adj2" fmla="val 51444"/>
+            </a:avLst>
+          </a:prstGeom>
+          <a:solidFill>
+            <a:schemeClr val="accent1">
+              <a:lumMod val="75000"/>
+            </a:schemeClr>
+          </a:solidFill>
+        </p:spPr>
+        <p:style>
+          <a:lnRef idx="3">
+            <a:schemeClr val="lt1"/>
+          </a:lnRef>
+          <a:fillRef idx="1">
+            <a:schemeClr val="accent3"/>
+          </a:fillRef>
+          <a:effectRef idx="1">
+            <a:schemeClr val="accent3"/>
+          </a:effectRef>
+          <a:fontRef idx="minor">
+            <a:schemeClr val="lt1"/>
+          </a:fontRef>
+        </p:style>
+        <p:txBody>
+          <a:bodyPr rtlCol="0" anchor="ctr"/>
+          <a:lstStyle/>
+          <a:p>
+            <a:pPr algn="ctr"/>
+            <a:endParaRPr lang="fr-FR" dirty="0"/>
+          </a:p>
+        </p:txBody>
+      </p:sp>
+      <p:sp>
+        <p:nvSpPr>
+          <p:cNvPr id="6" name="TextBox 5"/>
+          <p:cNvSpPr txBox="1"/>
+          <p:nvPr/>
+        </p:nvSpPr>
+        <p:spPr>
+          <a:xfrm>
+            <a:off x="5929393" y="3141561"/>
+            <a:ext cx="1605696" cy="769441"/>
+          </a:xfrm>
+          <a:prstGeom prst="rect">
+            <a:avLst/>
+          </a:prstGeom>
+          <a:noFill/>
+          <a:ln>
+            <a:noFill/>
+          </a:ln>
+        </p:spPr>
+        <p:txBody>
+          <a:bodyPr wrap="none" rtlCol="0" anchor="ctr" anchorCtr="1">
+            <a:spAutoFit/>
+          </a:bodyPr>
+          <a:lstStyle/>
+          <a:p>
+            <a:r>
+              <a:rPr lang="en-US" sz="4400" b="1" dirty="0" smtClean="0">
+                <a:solidFill>
+                  <a:schemeClr val="accent3">
+                    <a:lumMod val="50000"/>
+                  </a:schemeClr>
+                </a:solidFill>
+              </a:rPr>
+              <a:t>WADL</a:t>
+            </a:r>
+            <a:endParaRPr lang="fr-FR" sz="4400" b="1" dirty="0">
+              <a:solidFill>
+                <a:schemeClr val="accent3">
+                  <a:lumMod val="50000"/>
+                </a:schemeClr>
+              </a:solidFill>
+            </a:endParaRPr>
+          </a:p>
+        </p:txBody>
+      </p:sp>
+      <p:sp>
+        <p:nvSpPr>
+          <p:cNvPr id="7" name="TextBox 6"/>
+          <p:cNvSpPr txBox="1"/>
+          <p:nvPr/>
+        </p:nvSpPr>
+        <p:spPr>
+          <a:xfrm>
+            <a:off x="1387549" y="2495931"/>
+            <a:ext cx="4989764" cy="461665"/>
+          </a:xfrm>
+          <a:prstGeom prst="rect">
+            <a:avLst/>
+          </a:prstGeom>
+          <a:noFill/>
+          <a:ln>
+            <a:noFill/>
+          </a:ln>
+        </p:spPr>
+        <p:txBody>
+          <a:bodyPr wrap="none" rtlCol="0" anchor="ctr" anchorCtr="1">
+            <a:spAutoFit/>
+          </a:bodyPr>
+          <a:lstStyle/>
+          <a:p>
+            <a:r>
+              <a:rPr lang="en-US" sz="2400" dirty="0" smtClean="0"/>
+              <a:t>All the details of the SOAP web service</a:t>
+            </a:r>
+            <a:endParaRPr lang="fr-FR" sz="2400" dirty="0"/>
+          </a:p>
+        </p:txBody>
+      </p:sp>
+      <p:sp>
+        <p:nvSpPr>
+          <p:cNvPr id="9" name="Rectangle 8"/>
+          <p:cNvSpPr/>
+          <p:nvPr/>
+        </p:nvSpPr>
+        <p:spPr>
+          <a:xfrm>
+            <a:off x="8493396" y="5143676"/>
+            <a:ext cx="2810803" cy="1200329"/>
+          </a:xfrm>
+          <a:prstGeom prst="rect">
+            <a:avLst/>
+          </a:prstGeom>
+          <a:noFill/>
+        </p:spPr>
+        <p:txBody>
+          <a:bodyPr wrap="square" lIns="91440" tIns="45720" rIns="91440" bIns="45720">
+            <a:spAutoFit/>
+            <a:scene3d>
+              <a:camera prst="perspectiveContrastingRightFacing"/>
+              <a:lightRig rig="threePt" dir="t"/>
+            </a:scene3d>
+            <a:sp3d extrusionH="57150">
+              <a:bevelT w="38100" h="38100"/>
+            </a:sp3d>
+          </a:bodyPr>
+          <a:lstStyle/>
+          <a:p>
+            <a:pPr algn="ctr"/>
+            <a:r>
+              <a:rPr lang="en-US" sz="7200" b="1" cap="none" spc="0" dirty="0" smtClean="0">
+                <a:ln w="0"/>
+                <a:solidFill>
+                  <a:srgbClr val="FF0000"/>
+                </a:solidFill>
+                <a:effectLst>
+                  <a:outerShdw blurRad="60007" dist="310007" dir="7680000" sy="30000" kx="1300200" algn="ctr" rotWithShape="0">
+                    <a:prstClr val="black">
+                      <a:alpha val="32000"/>
+                    </a:prstClr>
+                  </a:outerShdw>
+                  <a:reflection blurRad="6350" stA="55000" endA="300" endPos="45500" dir="5400000" sy="-100000" algn="bl" rotWithShape="0"/>
+                </a:effectLst>
+              </a:rPr>
+              <a:t>WADL</a:t>
+            </a:r>
+            <a:endParaRPr lang="en-US" sz="7200" b="1" cap="none" spc="0" dirty="0">
+              <a:ln w="0"/>
+              <a:solidFill>
+                <a:srgbClr val="FF0000"/>
+              </a:solidFill>
+              <a:effectLst>
+                <a:outerShdw blurRad="60007" dist="310007" dir="7680000" sy="30000" kx="1300200" algn="ctr" rotWithShape="0">
+                  <a:prstClr val="black">
+                    <a:alpha val="32000"/>
+                  </a:prstClr>
+                </a:outerShdw>
+                <a:reflection blurRad="6350" stA="55000" endA="300" endPos="45500" dir="5400000" sy="-100000" algn="bl" rotWithShape="0"/>
+              </a:effectLst>
+            </a:endParaRPr>
+          </a:p>
+        </p:txBody>
+      </p:sp>
+      <p:sp>
+        <p:nvSpPr>
+          <p:cNvPr id="3" name="TextBox 2"/>
+          <p:cNvSpPr txBox="1"/>
+          <p:nvPr/>
+        </p:nvSpPr>
+        <p:spPr>
+          <a:xfrm>
+            <a:off x="1875399" y="4443494"/>
+            <a:ext cx="5608074" cy="523220"/>
+          </a:xfrm>
+          <a:prstGeom prst="rect">
+            <a:avLst/>
+          </a:prstGeom>
+          <a:noFill/>
+          <a:ln>
+            <a:noFill/>
+          </a:ln>
+        </p:spPr>
+        <p:txBody>
+          <a:bodyPr wrap="none" rtlCol="0" anchor="ctr" anchorCtr="1">
+            <a:spAutoFit/>
+          </a:bodyPr>
+          <a:lstStyle/>
+          <a:p>
+            <a:r>
+              <a:rPr lang="en-US" sz="2800" b="1" dirty="0" smtClean="0">
+                <a:solidFill>
+                  <a:schemeClr val="tx1">
+                    <a:lumMod val="95000"/>
+                    <a:lumOff val="5000"/>
+                  </a:schemeClr>
+                </a:solidFill>
+              </a:rPr>
+              <a:t>W</a:t>
+            </a:r>
+            <a:r>
+              <a:rPr lang="en-US" sz="2800" dirty="0" smtClean="0">
+                <a:solidFill>
+                  <a:schemeClr val="tx1">
+                    <a:lumMod val="75000"/>
+                    <a:lumOff val="25000"/>
+                  </a:schemeClr>
+                </a:solidFill>
+              </a:rPr>
+              <a:t>eb</a:t>
+            </a:r>
+            <a:r>
+              <a:rPr lang="en-US" sz="2800" dirty="0" smtClean="0"/>
+              <a:t> </a:t>
+            </a:r>
+            <a:r>
+              <a:rPr lang="en-US" sz="2800" b="1" dirty="0" smtClean="0">
+                <a:solidFill>
+                  <a:schemeClr val="tx1">
+                    <a:lumMod val="95000"/>
+                    <a:lumOff val="5000"/>
+                  </a:schemeClr>
+                </a:solidFill>
+              </a:rPr>
+              <a:t>A</a:t>
+            </a:r>
+            <a:r>
+              <a:rPr lang="en-US" sz="2800" dirty="0" smtClean="0">
+                <a:solidFill>
+                  <a:schemeClr val="tx1">
+                    <a:lumMod val="75000"/>
+                    <a:lumOff val="25000"/>
+                  </a:schemeClr>
+                </a:solidFill>
+              </a:rPr>
+              <a:t>pplication</a:t>
+            </a:r>
+            <a:r>
+              <a:rPr lang="en-US" sz="2800" dirty="0" smtClean="0"/>
+              <a:t> </a:t>
+            </a:r>
+            <a:r>
+              <a:rPr lang="en-US" sz="2800" b="1" dirty="0" smtClean="0">
+                <a:solidFill>
+                  <a:schemeClr val="tx1">
+                    <a:lumMod val="95000"/>
+                    <a:lumOff val="5000"/>
+                  </a:schemeClr>
+                </a:solidFill>
+              </a:rPr>
+              <a:t>D</a:t>
+            </a:r>
+            <a:r>
+              <a:rPr lang="en-US" sz="2800" dirty="0" smtClean="0">
+                <a:solidFill>
+                  <a:schemeClr val="tx1">
+                    <a:lumMod val="75000"/>
+                    <a:lumOff val="25000"/>
+                  </a:schemeClr>
+                </a:solidFill>
+              </a:rPr>
+              <a:t>efinition</a:t>
+            </a:r>
+            <a:r>
+              <a:rPr lang="en-US" sz="2800" dirty="0" smtClean="0"/>
+              <a:t> </a:t>
+            </a:r>
+            <a:r>
+              <a:rPr lang="en-US" sz="2800" b="1" dirty="0" smtClean="0">
+                <a:solidFill>
+                  <a:schemeClr val="tx1">
+                    <a:lumMod val="95000"/>
+                    <a:lumOff val="5000"/>
+                  </a:schemeClr>
+                </a:solidFill>
+              </a:rPr>
+              <a:t>L</a:t>
+            </a:r>
+            <a:r>
+              <a:rPr lang="en-US" sz="2800" dirty="0" smtClean="0">
+                <a:solidFill>
+                  <a:schemeClr val="tx1">
+                    <a:lumMod val="75000"/>
+                    <a:lumOff val="25000"/>
+                  </a:schemeClr>
+                </a:solidFill>
+              </a:rPr>
+              <a:t>anguage</a:t>
+            </a:r>
+            <a:endParaRPr lang="en-US" sz="2800" dirty="0">
+              <a:solidFill>
+                <a:schemeClr val="tx1">
+                  <a:lumMod val="75000"/>
+                  <a:lumOff val="25000"/>
+                </a:schemeClr>
+              </a:solidFill>
+            </a:endParaRPr>
+          </a:p>
+        </p:txBody>
+      </p:sp>
+      <p:sp>
+        <p:nvSpPr>
+          <p:cNvPr id="10" name="TextBox 9"/>
+          <p:cNvSpPr txBox="1"/>
+          <p:nvPr/>
+        </p:nvSpPr>
+        <p:spPr>
+          <a:xfrm>
+            <a:off x="2361521" y="5117504"/>
+            <a:ext cx="5173568" cy="1631216"/>
+          </a:xfrm>
+          <a:prstGeom prst="rect">
+            <a:avLst/>
+          </a:prstGeom>
+          <a:noFill/>
+          <a:ln>
+            <a:noFill/>
+          </a:ln>
+        </p:spPr>
+        <p:txBody>
+          <a:bodyPr wrap="square" rtlCol="0" anchor="ctr" anchorCtr="1">
+            <a:spAutoFit/>
+          </a:bodyPr>
+          <a:lstStyle/>
+          <a:p>
+            <a:pPr marL="285750" indent="-285750">
+              <a:buFont typeface="Arial" panose="020B0604020202020204" pitchFamily="34" charset="0"/>
+              <a:buChar char="•"/>
+            </a:pPr>
+            <a:r>
+              <a:rPr lang="en-US" sz="2000" dirty="0" smtClean="0"/>
+              <a:t>Describes the REST service in a XML format.</a:t>
+            </a:r>
+          </a:p>
+          <a:p>
+            <a:pPr marL="285750" indent="-285750">
+              <a:buFont typeface="Arial" panose="020B0604020202020204" pitchFamily="34" charset="0"/>
+              <a:buChar char="•"/>
+            </a:pPr>
+            <a:r>
+              <a:rPr lang="en-US" sz="2000" dirty="0" smtClean="0"/>
+              <a:t>provides service informations that allow building</a:t>
+            </a:r>
+          </a:p>
+          <a:p>
+            <a:r>
+              <a:rPr lang="en-US" sz="2000" dirty="0" smtClean="0"/>
+              <a:t>     client applications using REST services.</a:t>
+            </a:r>
+          </a:p>
+          <a:p>
+            <a:pPr marL="285750" indent="-285750">
+              <a:buFont typeface="Arial" panose="020B0604020202020204" pitchFamily="34" charset="0"/>
+              <a:buChar char="•"/>
+            </a:pPr>
+            <a:r>
+              <a:rPr lang="en-US" sz="2000" dirty="0"/>
+              <a:t>automatically generated by the API</a:t>
+            </a:r>
+          </a:p>
+        </p:txBody>
+      </p:sp>
+    </p:spTree>
+    <p:extLst>
+      <p:ext uri="{BB962C8B-B14F-4D97-AF65-F5344CB8AC3E}">
+        <p14:creationId xmlns:p14="http://schemas.microsoft.com/office/powerpoint/2010/main" val="2273831234"/>
+      </p:ext>
+    </p:extLst>
+  </p:cSld>
+  <p:clrMapOvr>
+    <a:masterClrMapping/>
+  </p:clrMapOvr>
+  <p:timing>
+    <p:tnLst>
+      <p:par>
+        <p:cTn id="1" dur="indefinite" restart="never" nodeType="tmRoot">
+          <p:childTnLst>
+            <p:seq concurrent="1" nextAc="seek">
+              <p:cTn id="2" dur="indefinite" nodeType="mainSeq">
+                <p:childTnLst>
+                  <p:par>
+                    <p:cTn id="3" fill="hold">
+                      <p:stCondLst>
+                        <p:cond delay="indefinite"/>
+                      </p:stCondLst>
+                      <p:childTnLst>
+                        <p:par>
+                          <p:cTn id="4" fill="hold">
+                            <p:stCondLst>
+                              <p:cond delay="0"/>
+                            </p:stCondLst>
+                            <p:childTnLst>
+                              <p:par>
+                                <p:cTn id="5" presetID="1" presetClass="entr" presetSubtype="0" fill="hold" grpId="0" nodeType="clickEffect">
+                                  <p:stCondLst>
+                                    <p:cond delay="0"/>
+                                  </p:stCondLst>
+                                  <p:childTnLst>
+                                    <p:set>
+                                      <p:cBhvr>
+                                        <p:cTn id="6" dur="1" fill="hold">
+                                          <p:stCondLst>
+                                            <p:cond delay="0"/>
+                                          </p:stCondLst>
+                                        </p:cTn>
+                                        <p:tgtEl>
+                                          <p:spTgt spid="5"/>
+                                        </p:tgtEl>
+                                        <p:attrNameLst>
+                                          <p:attrName>style.visibility</p:attrName>
+                                        </p:attrNameLst>
+                                      </p:cBhvr>
+                                      <p:to>
+                                        <p:strVal val="visible"/>
+                                      </p:to>
+                                    </p:set>
+                                  </p:childTnLst>
+                                </p:cTn>
+                              </p:par>
+                              <p:par>
+                                <p:cTn id="7" presetID="1" presetClass="entr" presetSubtype="0" fill="hold" grpId="0" nodeType="withEffect">
+                                  <p:stCondLst>
+                                    <p:cond delay="0"/>
+                                  </p:stCondLst>
+                                  <p:childTnLst>
+                                    <p:set>
+                                      <p:cBhvr>
+                                        <p:cTn id="8" dur="1" fill="hold">
+                                          <p:stCondLst>
+                                            <p:cond delay="0"/>
+                                          </p:stCondLst>
+                                        </p:cTn>
+                                        <p:tgtEl>
+                                          <p:spTgt spid="6"/>
+                                        </p:tgtEl>
+                                        <p:attrNameLst>
+                                          <p:attrName>style.visibility</p:attrName>
+                                        </p:attrNameLst>
+                                      </p:cBhvr>
+                                      <p:to>
+                                        <p:strVal val="visible"/>
+                                      </p:to>
+                                    </p:set>
+                                  </p:childTnLst>
+                                </p:cTn>
+                              </p:par>
+                              <p:par>
+                                <p:cTn id="9" presetID="1" presetClass="entr" presetSubtype="0" fill="hold" grpId="0" nodeType="withEffect">
+                                  <p:stCondLst>
+                                    <p:cond delay="0"/>
+                                  </p:stCondLst>
+                                  <p:childTnLst>
+                                    <p:set>
+                                      <p:cBhvr>
+                                        <p:cTn id="10" dur="1" fill="hold">
+                                          <p:stCondLst>
+                                            <p:cond delay="0"/>
+                                          </p:stCondLst>
+                                        </p:cTn>
+                                        <p:tgtEl>
+                                          <p:spTgt spid="9"/>
+                                        </p:tgtEl>
+                                        <p:attrNameLst>
+                                          <p:attrName>style.visibility</p:attrName>
+                                        </p:attrNameLst>
+                                      </p:cBhvr>
+                                      <p:to>
+                                        <p:strVal val="visible"/>
+                                      </p:to>
+                                    </p:set>
+                                  </p:childTnLst>
+                                </p:cTn>
+                              </p:par>
+                              <p:par>
+                                <p:cTn id="11" presetID="1" presetClass="entr" presetSubtype="0" fill="hold" nodeType="withEffect">
+                                  <p:stCondLst>
+                                    <p:cond delay="0"/>
+                                  </p:stCondLst>
+                                  <p:childTnLst>
+                                    <p:set>
+                                      <p:cBhvr>
+                                        <p:cTn id="12" dur="1" fill="hold">
+                                          <p:stCondLst>
+                                            <p:cond delay="0"/>
+                                          </p:stCondLst>
+                                        </p:cTn>
+                                        <p:tgtEl>
+                                          <p:spTgt spid="8"/>
+                                        </p:tgtEl>
+                                        <p:attrNameLst>
+                                          <p:attrName>style.visibility</p:attrName>
+                                        </p:attrNameLst>
+                                      </p:cBhvr>
+                                      <p:to>
+                                        <p:strVal val="visible"/>
+                                      </p:to>
+                                    </p:set>
+                                  </p:childTnLst>
+                                </p:cTn>
+                              </p:par>
+                            </p:childTnLst>
+                          </p:cTn>
+                        </p:par>
+                      </p:childTnLst>
+                    </p:cTn>
+                  </p:par>
+                  <p:par>
+                    <p:cTn id="13" fill="hold">
+                      <p:stCondLst>
+                        <p:cond delay="indefinite"/>
+                      </p:stCondLst>
+                      <p:childTnLst>
+                        <p:par>
+                          <p:cTn id="14" fill="hold">
+                            <p:stCondLst>
+                              <p:cond delay="0"/>
+                            </p:stCondLst>
+                            <p:childTnLst>
+                              <p:par>
+                                <p:cTn id="15" presetID="53" presetClass="entr" presetSubtype="16" fill="hold" grpId="0" nodeType="clickEffect">
+                                  <p:stCondLst>
+                                    <p:cond delay="0"/>
+                                  </p:stCondLst>
+                                  <p:childTnLst>
+                                    <p:set>
+                                      <p:cBhvr>
+                                        <p:cTn id="16" dur="1" fill="hold">
+                                          <p:stCondLst>
+                                            <p:cond delay="0"/>
+                                          </p:stCondLst>
+                                        </p:cTn>
+                                        <p:tgtEl>
+                                          <p:spTgt spid="3"/>
+                                        </p:tgtEl>
+                                        <p:attrNameLst>
+                                          <p:attrName>style.visibility</p:attrName>
+                                        </p:attrNameLst>
+                                      </p:cBhvr>
+                                      <p:to>
+                                        <p:strVal val="visible"/>
+                                      </p:to>
+                                    </p:set>
+                                    <p:anim calcmode="lin" valueType="num">
+                                      <p:cBhvr>
+                                        <p:cTn id="17" dur="500" fill="hold"/>
+                                        <p:tgtEl>
+                                          <p:spTgt spid="3"/>
+                                        </p:tgtEl>
+                                        <p:attrNameLst>
+                                          <p:attrName>ppt_w</p:attrName>
+                                        </p:attrNameLst>
+                                      </p:cBhvr>
+                                      <p:tavLst>
+                                        <p:tav tm="0">
+                                          <p:val>
+                                            <p:fltVal val="0"/>
+                                          </p:val>
+                                        </p:tav>
+                                        <p:tav tm="100000">
+                                          <p:val>
+                                            <p:strVal val="#ppt_w"/>
+                                          </p:val>
+                                        </p:tav>
+                                      </p:tavLst>
+                                    </p:anim>
+                                    <p:anim calcmode="lin" valueType="num">
+                                      <p:cBhvr>
+                                        <p:cTn id="18" dur="500" fill="hold"/>
+                                        <p:tgtEl>
+                                          <p:spTgt spid="3"/>
+                                        </p:tgtEl>
+                                        <p:attrNameLst>
+                                          <p:attrName>ppt_h</p:attrName>
+                                        </p:attrNameLst>
+                                      </p:cBhvr>
+                                      <p:tavLst>
+                                        <p:tav tm="0">
+                                          <p:val>
+                                            <p:fltVal val="0"/>
+                                          </p:val>
+                                        </p:tav>
+                                        <p:tav tm="100000">
+                                          <p:val>
+                                            <p:strVal val="#ppt_h"/>
+                                          </p:val>
+                                        </p:tav>
+                                      </p:tavLst>
+                                    </p:anim>
+                                    <p:animEffect transition="in" filter="fade">
+                                      <p:cBhvr>
+                                        <p:cTn id="19" dur="500"/>
+                                        <p:tgtEl>
+                                          <p:spTgt spid="3"/>
+                                        </p:tgtEl>
+                                      </p:cBhvr>
+                                    </p:animEffect>
+                                  </p:childTnLst>
+                                </p:cTn>
+                              </p:par>
+                            </p:childTnLst>
+                          </p:cTn>
+                        </p:par>
+                      </p:childTnLst>
+                    </p:cTn>
+                  </p:par>
+                  <p:par>
+                    <p:cTn id="20" fill="hold">
+                      <p:stCondLst>
+                        <p:cond delay="indefinite"/>
+                      </p:stCondLst>
+                      <p:childTnLst>
+                        <p:par>
+                          <p:cTn id="21" fill="hold">
+                            <p:stCondLst>
+                              <p:cond delay="0"/>
+                            </p:stCondLst>
+                            <p:childTnLst>
+                              <p:par>
+                                <p:cTn id="22" presetID="6" presetClass="entr" presetSubtype="16" fill="hold" grpId="0" nodeType="clickEffect">
+                                  <p:stCondLst>
+                                    <p:cond delay="0"/>
+                                  </p:stCondLst>
+                                  <p:childTnLst>
+                                    <p:set>
+                                      <p:cBhvr>
+                                        <p:cTn id="23" dur="1" fill="hold">
+                                          <p:stCondLst>
+                                            <p:cond delay="0"/>
+                                          </p:stCondLst>
+                                        </p:cTn>
+                                        <p:tgtEl>
+                                          <p:spTgt spid="10"/>
+                                        </p:tgtEl>
+                                        <p:attrNameLst>
+                                          <p:attrName>style.visibility</p:attrName>
+                                        </p:attrNameLst>
+                                      </p:cBhvr>
+                                      <p:to>
+                                        <p:strVal val="visible"/>
+                                      </p:to>
+                                    </p:set>
+                                    <p:animEffect transition="in" filter="circle(in)">
+                                      <p:cBhvr>
+                                        <p:cTn id="24" dur="2000"/>
+                                        <p:tgtEl>
+                                          <p:spTgt spid="10"/>
+                                        </p:tgtEl>
+                                      </p:cBhvr>
+                                    </p:animEffect>
+                                  </p:childTnLst>
+                                </p:cTn>
+                              </p:par>
+                            </p:childTnLst>
+                          </p:cTn>
+                        </p:par>
+                      </p:childTnLst>
+                    </p:cTn>
+                  </p:par>
+                </p:childTnLst>
+              </p:cTn>
+              <p:prevCondLst>
+                <p:cond evt="onPrev" delay="0">
+                  <p:tgtEl>
+                    <p:sldTgt/>
+                  </p:tgtEl>
+                </p:cond>
+              </p:prevCondLst>
+              <p:nextCondLst>
+                <p:cond evt="onNext" delay="0">
+                  <p:tgtEl>
+                    <p:sldTgt/>
+                  </p:tgtEl>
+                </p:cond>
+              </p:nextCondLst>
+            </p:seq>
+          </p:childTnLst>
+        </p:cTn>
+      </p:par>
+    </p:tnLst>
+    <p:bldLst>
+      <p:bldP spid="5" grpId="0" animBg="1"/>
+      <p:bldP spid="6" grpId="0"/>
+      <p:bldP spid="9" grpId="0"/>
+      <p:bldP spid="3" grpId="0"/>
+      <p:bldP spid="10" grpId="0"/>
+    </p:bldLst>
+  </p:timing>
+</p:sld>
+</file>
+
+<file path=ppt/slides/slide49.xml><?xml version="1.0" encoding="utf-8"?>
+<p:sld xmlns:a="http://schemas.openxmlformats.org/drawingml/2006/main" xmlns:r="http://schemas.openxmlformats.org/officeDocument/2006/relationships" xmlns:p="http://schemas.openxmlformats.org/presentationml/2006/main">
+  <p:cSld>
+    <p:spTree>
+      <p:nvGrpSpPr>
+        <p:cNvPr id="1" name=""/>
+        <p:cNvGrpSpPr/>
+        <p:nvPr/>
+      </p:nvGrpSpPr>
+      <p:grpSpPr>
+        <a:xfrm>
+          <a:off x="0" y="0"/>
+          <a:ext cx="0" cy="0"/>
+          <a:chOff x="0" y="0"/>
+          <a:chExt cx="0" cy="0"/>
+        </a:xfrm>
+      </p:grpSpPr>
+      <p:sp>
+        <p:nvSpPr>
+          <p:cNvPr id="2" name="Slide Number Placeholder 1"/>
+          <p:cNvSpPr>
+            <a:spLocks noGrp="1"/>
+          </p:cNvSpPr>
+          <p:nvPr>
+            <p:ph type="sldNum" sz="quarter" idx="12"/>
+          </p:nvPr>
+        </p:nvSpPr>
+        <p:spPr/>
+        <p:txBody>
+          <a:bodyPr/>
+          <a:lstStyle/>
+          <a:p>
+            <a:fld id="{401CF334-2D5C-4859-84A6-CA7E6E43FAEB}" type="slidenum">
+              <a:rPr lang="en-US" smtClean="0"/>
+              <a:t>49</a:t>
+            </a:fld>
+            <a:endParaRPr lang="en-US" dirty="0"/>
+          </a:p>
+        </p:txBody>
+      </p:sp>
+      <p:sp>
+        <p:nvSpPr>
+          <p:cNvPr id="3" name="Content Placeholder 2"/>
+          <p:cNvSpPr>
+            <a:spLocks noGrp="1"/>
+          </p:cNvSpPr>
+          <p:nvPr>
+            <p:ph idx="1"/>
+          </p:nvPr>
+        </p:nvSpPr>
+        <p:spPr/>
+        <p:txBody>
+          <a:bodyPr>
+            <a:normAutofit/>
+          </a:bodyPr>
+          <a:lstStyle/>
+          <a:p>
+            <a:r>
+              <a:rPr lang="en-US" dirty="0"/>
+              <a:t>A resource is an identifiable object on the </a:t>
+            </a:r>
+            <a:r>
+              <a:rPr lang="en-US" dirty="0" smtClean="0"/>
+              <a:t>system.</a:t>
+            </a:r>
+          </a:p>
+          <a:p>
+            <a:endParaRPr lang="en-US" dirty="0"/>
+          </a:p>
+          <a:p>
+            <a:r>
+              <a:rPr lang="en-US" dirty="0" smtClean="0"/>
+              <a:t>Identified with an URI</a:t>
+            </a:r>
+          </a:p>
+          <a:p>
+            <a:endParaRPr lang="en-US" dirty="0"/>
+          </a:p>
+          <a:p>
+            <a:r>
+              <a:rPr lang="en-US" dirty="0" smtClean="0"/>
+              <a:t>Contains nouns NOT verbs!</a:t>
+            </a:r>
+          </a:p>
+          <a:p>
+            <a:endParaRPr lang="en-US" dirty="0" smtClean="0"/>
+          </a:p>
+          <a:p>
+            <a:r>
+              <a:rPr lang="en-US" dirty="0" smtClean="0"/>
+              <a:t>Nouns are the resource names</a:t>
+            </a:r>
+          </a:p>
+        </p:txBody>
+      </p:sp>
+      <p:sp>
+        <p:nvSpPr>
+          <p:cNvPr id="4" name="Title 3"/>
+          <p:cNvSpPr>
+            <a:spLocks noGrp="1"/>
+          </p:cNvSpPr>
+          <p:nvPr>
+            <p:ph type="title"/>
+          </p:nvPr>
+        </p:nvSpPr>
+        <p:spPr/>
+        <p:txBody>
+          <a:bodyPr/>
+          <a:lstStyle/>
+          <a:p>
+            <a:r>
+              <a:rPr lang="en-US" dirty="0" smtClean="0"/>
+              <a:t>Resources</a:t>
+            </a:r>
+            <a:endParaRPr lang="fr-FR" dirty="0"/>
+          </a:p>
+        </p:txBody>
+      </p:sp>
+      <p:sp>
+        <p:nvSpPr>
+          <p:cNvPr id="5" name="TextBox 4"/>
+          <p:cNvSpPr txBox="1"/>
+          <p:nvPr/>
+        </p:nvSpPr>
+        <p:spPr>
+          <a:xfrm>
+            <a:off x="2270236" y="5801399"/>
+            <a:ext cx="8348696" cy="523220"/>
+          </a:xfrm>
+          <a:prstGeom prst="rect">
+            <a:avLst/>
+          </a:prstGeom>
+          <a:noFill/>
+          <a:ln>
+            <a:solidFill>
+              <a:schemeClr val="accent1"/>
+            </a:solidFill>
+          </a:ln>
+        </p:spPr>
+        <p:txBody>
+          <a:bodyPr wrap="none" rtlCol="0" anchor="ctr" anchorCtr="1">
+            <a:spAutoFit/>
+          </a:bodyPr>
+          <a:lstStyle/>
+          <a:p>
+            <a:r>
+              <a:rPr lang="en-US" sz="2800" dirty="0" smtClean="0"/>
+              <a:t>http://serverAddress:8484/applicationContext/resource</a:t>
+            </a:r>
+            <a:endParaRPr lang="en-US" sz="2800" dirty="0"/>
+          </a:p>
+        </p:txBody>
+      </p:sp>
+    </p:spTree>
+    <p:extLst>
+      <p:ext uri="{BB962C8B-B14F-4D97-AF65-F5344CB8AC3E}">
+        <p14:creationId xmlns:p14="http://schemas.microsoft.com/office/powerpoint/2010/main" val="782301914"/>
+      </p:ext>
+    </p:extLst>
+  </p:cSld>
+  <p:clrMapOvr>
+    <a:masterClrMapping/>
+  </p:clrMapOvr>
   <p:timing>
     <p:tnLst>
       <p:par>
@@ -30240,6 +31879,4375 @@
 </p:sld>
 </file>
 
+<file path=ppt/slides/slide50.xml><?xml version="1.0" encoding="utf-8"?>
+<p:sld xmlns:a="http://schemas.openxmlformats.org/drawingml/2006/main" xmlns:r="http://schemas.openxmlformats.org/officeDocument/2006/relationships" xmlns:p="http://schemas.openxmlformats.org/presentationml/2006/main">
+  <p:cSld>
+    <p:spTree>
+      <p:nvGrpSpPr>
+        <p:cNvPr id="1" name=""/>
+        <p:cNvGrpSpPr/>
+        <p:nvPr/>
+      </p:nvGrpSpPr>
+      <p:grpSpPr>
+        <a:xfrm>
+          <a:off x="0" y="0"/>
+          <a:ext cx="0" cy="0"/>
+          <a:chOff x="0" y="0"/>
+          <a:chExt cx="0" cy="0"/>
+        </a:xfrm>
+      </p:grpSpPr>
+      <p:sp>
+        <p:nvSpPr>
+          <p:cNvPr id="2" name="Slide Number Placeholder 1"/>
+          <p:cNvSpPr>
+            <a:spLocks noGrp="1"/>
+          </p:cNvSpPr>
+          <p:nvPr>
+            <p:ph type="sldNum" sz="quarter" idx="12"/>
+          </p:nvPr>
+        </p:nvSpPr>
+        <p:spPr/>
+        <p:txBody>
+          <a:bodyPr/>
+          <a:lstStyle/>
+          <a:p>
+            <a:fld id="{401CF334-2D5C-4859-84A6-CA7E6E43FAEB}" type="slidenum">
+              <a:rPr lang="en-US" smtClean="0"/>
+              <a:t>50</a:t>
+            </a:fld>
+            <a:endParaRPr lang="en-US" dirty="0"/>
+          </a:p>
+        </p:txBody>
+      </p:sp>
+      <p:sp>
+        <p:nvSpPr>
+          <p:cNvPr id="3" name="Content Placeholder 2"/>
+          <p:cNvSpPr>
+            <a:spLocks noGrp="1"/>
+          </p:cNvSpPr>
+          <p:nvPr>
+            <p:ph idx="1"/>
+          </p:nvPr>
+        </p:nvSpPr>
+        <p:spPr>
+          <a:xfrm>
+            <a:off x="3264283" y="3972983"/>
+            <a:ext cx="5034517" cy="572344"/>
+          </a:xfrm>
+        </p:spPr>
+        <p:txBody>
+          <a:bodyPr>
+            <a:normAutofit/>
+          </a:bodyPr>
+          <a:lstStyle/>
+          <a:p>
+            <a:pPr marL="0" indent="0">
+              <a:buNone/>
+            </a:pPr>
+            <a:r>
+              <a:rPr lang="en-US" dirty="0"/>
+              <a:t>http://</a:t>
+            </a:r>
+            <a:r>
+              <a:rPr lang="en-US" dirty="0" smtClean="0"/>
+              <a:t>ntdp.miage.fr/bookstore/books </a:t>
+            </a:r>
+            <a:endParaRPr lang="en-US" dirty="0"/>
+          </a:p>
+        </p:txBody>
+      </p:sp>
+      <p:sp>
+        <p:nvSpPr>
+          <p:cNvPr id="4" name="Title 3"/>
+          <p:cNvSpPr>
+            <a:spLocks noGrp="1"/>
+          </p:cNvSpPr>
+          <p:nvPr>
+            <p:ph type="title"/>
+          </p:nvPr>
+        </p:nvSpPr>
+        <p:spPr/>
+        <p:txBody>
+          <a:bodyPr/>
+          <a:lstStyle/>
+          <a:p>
+            <a:r>
+              <a:rPr lang="en-US" dirty="0" smtClean="0"/>
+              <a:t>Resources Example</a:t>
+            </a:r>
+            <a:endParaRPr lang="fr-FR" dirty="0"/>
+          </a:p>
+        </p:txBody>
+      </p:sp>
+      <p:sp>
+        <p:nvSpPr>
+          <p:cNvPr id="5" name="TextBox 4"/>
+          <p:cNvSpPr txBox="1"/>
+          <p:nvPr/>
+        </p:nvSpPr>
+        <p:spPr>
+          <a:xfrm>
+            <a:off x="3264283" y="2970213"/>
+            <a:ext cx="5588068" cy="461665"/>
+          </a:xfrm>
+          <a:prstGeom prst="rect">
+            <a:avLst/>
+          </a:prstGeom>
+          <a:noFill/>
+          <a:ln>
+            <a:noFill/>
+          </a:ln>
+        </p:spPr>
+        <p:txBody>
+          <a:bodyPr wrap="none" rtlCol="0" anchor="ctr" anchorCtr="1">
+            <a:spAutoFit/>
+          </a:bodyPr>
+          <a:lstStyle/>
+          <a:p>
+            <a:r>
+              <a:rPr lang="en-US" sz="2400" dirty="0"/>
+              <a:t>http://</a:t>
+            </a:r>
+            <a:r>
+              <a:rPr lang="en-US" sz="2400" dirty="0" smtClean="0"/>
+              <a:t>ntdp.miage.fr/bookstore/fetchBooks</a:t>
+            </a:r>
+            <a:endParaRPr lang="en-US" sz="2400" dirty="0"/>
+          </a:p>
+        </p:txBody>
+      </p:sp>
+      <p:sp>
+        <p:nvSpPr>
+          <p:cNvPr id="6" name="Content Placeholder 2"/>
+          <p:cNvSpPr txBox="1">
+            <a:spLocks/>
+          </p:cNvSpPr>
+          <p:nvPr/>
+        </p:nvSpPr>
+        <p:spPr>
+          <a:xfrm>
+            <a:off x="3239551" y="5125474"/>
+            <a:ext cx="6019201" cy="876833"/>
+          </a:xfrm>
+          <a:prstGeom prst="rect">
+            <a:avLst/>
+          </a:prstGeom>
+        </p:spPr>
+        <p:txBody>
+          <a:bodyPr vert="horz" lIns="91440" tIns="45720" rIns="91440" bIns="45720" rtlCol="0">
+            <a:noAutofit/>
+          </a:bodyPr>
+          <a:lstStyle>
+            <a:lvl1pPr marL="365760" indent="-365760" algn="l" defTabSz="914400" rtl="0" eaLnBrk="1" latinLnBrk="0" hangingPunct="1">
+              <a:spcBef>
+                <a:spcPct val="20000"/>
+              </a:spcBef>
+              <a:buClr>
+                <a:schemeClr val="accent1"/>
+              </a:buClr>
+              <a:buFont typeface="Wingdings" pitchFamily="2" charset="2"/>
+              <a:buChar char=""/>
+              <a:defRPr sz="2400" kern="1200">
+                <a:solidFill>
+                  <a:schemeClr val="tx1">
+                    <a:lumMod val="85000"/>
+                    <a:lumOff val="15000"/>
+                  </a:schemeClr>
+                </a:solidFill>
+                <a:latin typeface="+mn-lt"/>
+                <a:ea typeface="+mn-ea"/>
+                <a:cs typeface="+mn-cs"/>
+              </a:defRPr>
+            </a:lvl1pPr>
+            <a:lvl2pPr marL="777240" indent="-365760" algn="l" defTabSz="914400" rtl="0" eaLnBrk="1" latinLnBrk="0" hangingPunct="1">
+              <a:spcBef>
+                <a:spcPct val="20000"/>
+              </a:spcBef>
+              <a:buClr>
+                <a:schemeClr val="accent1"/>
+              </a:buClr>
+              <a:buFont typeface="Wingdings" pitchFamily="2" charset="2"/>
+              <a:buChar char=""/>
+              <a:defRPr sz="2200" kern="1200">
+                <a:solidFill>
+                  <a:schemeClr val="tx1">
+                    <a:lumMod val="85000"/>
+                    <a:lumOff val="15000"/>
+                  </a:schemeClr>
+                </a:solidFill>
+                <a:latin typeface="+mn-lt"/>
+                <a:ea typeface="+mn-ea"/>
+                <a:cs typeface="+mn-cs"/>
+              </a:defRPr>
+            </a:lvl2pPr>
+            <a:lvl3pPr marL="1143000" indent="-365760" algn="l" defTabSz="914400" rtl="0" eaLnBrk="1" latinLnBrk="0" hangingPunct="1">
+              <a:spcBef>
+                <a:spcPct val="20000"/>
+              </a:spcBef>
+              <a:buClr>
+                <a:schemeClr val="accent1"/>
+              </a:buClr>
+              <a:buFont typeface="Wingdings" pitchFamily="2" charset="2"/>
+              <a:buChar char=""/>
+              <a:defRPr sz="2000" kern="1200">
+                <a:solidFill>
+                  <a:schemeClr val="tx1">
+                    <a:lumMod val="85000"/>
+                    <a:lumOff val="15000"/>
+                  </a:schemeClr>
+                </a:solidFill>
+                <a:latin typeface="+mn-lt"/>
+                <a:ea typeface="+mn-ea"/>
+                <a:cs typeface="+mn-cs"/>
+              </a:defRPr>
+            </a:lvl3pPr>
+            <a:lvl4pPr marL="1508760" indent="-320040" algn="l" defTabSz="914400" rtl="0" eaLnBrk="1" latinLnBrk="0" hangingPunct="1">
+              <a:spcBef>
+                <a:spcPct val="20000"/>
+              </a:spcBef>
+              <a:buClr>
+                <a:schemeClr val="accent1"/>
+              </a:buClr>
+              <a:buFont typeface="Wingdings" pitchFamily="2" charset="2"/>
+              <a:buChar char=""/>
+              <a:defRPr sz="1800" kern="1200">
+                <a:solidFill>
+                  <a:schemeClr val="tx1">
+                    <a:lumMod val="85000"/>
+                    <a:lumOff val="15000"/>
+                  </a:schemeClr>
+                </a:solidFill>
+                <a:latin typeface="+mn-lt"/>
+                <a:ea typeface="+mn-ea"/>
+                <a:cs typeface="+mn-cs"/>
+              </a:defRPr>
+            </a:lvl4pPr>
+            <a:lvl5pPr marL="1828800" indent="-320040" algn="l" defTabSz="914400" rtl="0" eaLnBrk="1" latinLnBrk="0" hangingPunct="1">
+              <a:spcBef>
+                <a:spcPct val="20000"/>
+              </a:spcBef>
+              <a:buClr>
+                <a:schemeClr val="accent1"/>
+              </a:buClr>
+              <a:buFont typeface="Wingdings" pitchFamily="2" charset="2"/>
+              <a:buChar char=""/>
+              <a:defRPr sz="1600" kern="1200">
+                <a:solidFill>
+                  <a:schemeClr val="tx1">
+                    <a:lumMod val="85000"/>
+                    <a:lumOff val="15000"/>
+                  </a:schemeClr>
+                </a:solidFill>
+                <a:latin typeface="+mn-lt"/>
+                <a:ea typeface="+mn-ea"/>
+                <a:cs typeface="+mn-cs"/>
+              </a:defRPr>
+            </a:lvl5pPr>
+            <a:lvl6pPr marL="2148840" indent="-274320" algn="l" defTabSz="914400" rtl="0" eaLnBrk="1" latinLnBrk="0" hangingPunct="1">
+              <a:spcBef>
+                <a:spcPts val="400"/>
+              </a:spcBef>
+              <a:buClr>
+                <a:schemeClr val="accent1"/>
+              </a:buClr>
+              <a:buFont typeface="Wingdings" pitchFamily="2" charset="2"/>
+              <a:buChar char=""/>
+              <a:defRPr sz="1400" kern="1200">
+                <a:solidFill>
+                  <a:schemeClr val="tx1"/>
+                </a:solidFill>
+                <a:latin typeface="+mn-lt"/>
+                <a:ea typeface="+mn-ea"/>
+                <a:cs typeface="+mn-cs"/>
+              </a:defRPr>
+            </a:lvl6pPr>
+            <a:lvl7pPr marL="2468880" indent="-274320" algn="l" defTabSz="914400" rtl="0" eaLnBrk="1" latinLnBrk="0" hangingPunct="1">
+              <a:spcBef>
+                <a:spcPts val="400"/>
+              </a:spcBef>
+              <a:buClr>
+                <a:schemeClr val="accent1"/>
+              </a:buClr>
+              <a:buFont typeface="Wingdings" pitchFamily="2" charset="2"/>
+              <a:buChar char=""/>
+              <a:defRPr sz="1400" kern="1200">
+                <a:solidFill>
+                  <a:schemeClr val="tx1"/>
+                </a:solidFill>
+                <a:latin typeface="+mn-lt"/>
+                <a:ea typeface="+mn-ea"/>
+                <a:cs typeface="+mn-cs"/>
+              </a:defRPr>
+            </a:lvl7pPr>
+            <a:lvl8pPr marL="2788920" indent="-274320" algn="l" defTabSz="914400" rtl="0" eaLnBrk="1" latinLnBrk="0" hangingPunct="1">
+              <a:spcBef>
+                <a:spcPts val="400"/>
+              </a:spcBef>
+              <a:buClr>
+                <a:schemeClr val="accent1"/>
+              </a:buClr>
+              <a:buFont typeface="Wingdings" pitchFamily="2" charset="2"/>
+              <a:buChar char=""/>
+              <a:defRPr sz="1400" kern="1200">
+                <a:solidFill>
+                  <a:schemeClr val="tx1"/>
+                </a:solidFill>
+                <a:latin typeface="+mn-lt"/>
+                <a:ea typeface="+mn-ea"/>
+                <a:cs typeface="+mn-cs"/>
+              </a:defRPr>
+            </a:lvl8pPr>
+            <a:lvl9pPr marL="3108960" indent="-274320" algn="l" defTabSz="914400" rtl="0" eaLnBrk="1" latinLnBrk="0" hangingPunct="1">
+              <a:spcBef>
+                <a:spcPts val="400"/>
+              </a:spcBef>
+              <a:buClr>
+                <a:schemeClr val="accent1"/>
+              </a:buClr>
+              <a:buFont typeface="Wingdings" pitchFamily="2" charset="2"/>
+              <a:buChar char=""/>
+              <a:defRPr sz="1400" kern="1200">
+                <a:solidFill>
+                  <a:schemeClr val="tx1"/>
+                </a:solidFill>
+                <a:latin typeface="+mn-lt"/>
+                <a:ea typeface="+mn-ea"/>
+                <a:cs typeface="+mn-cs"/>
+              </a:defRPr>
+            </a:lvl9pPr>
+          </a:lstStyle>
+          <a:p>
+            <a:pPr marL="0" indent="0">
+              <a:buFont typeface="Wingdings" pitchFamily="2" charset="2"/>
+              <a:buNone/>
+            </a:pPr>
+            <a:r>
+              <a:rPr lang="en-US" dirty="0" smtClean="0"/>
+              <a:t>http://ntdp.miage.fr/bookstore/books/book/1</a:t>
+            </a:r>
+            <a:endParaRPr lang="en-US" dirty="0"/>
+          </a:p>
+        </p:txBody>
+      </p:sp>
+      <p:pic>
+        <p:nvPicPr>
+          <p:cNvPr id="8" name="Picture 7"/>
+          <p:cNvPicPr>
+            <a:picLocks noChangeAspect="1"/>
+          </p:cNvPicPr>
+          <p:nvPr/>
+        </p:nvPicPr>
+        <p:blipFill>
+          <a:blip r:embed="rId2" cstate="print">
+            <a:extLst>
+              <a:ext uri="{28A0092B-C50C-407E-A947-70E740481C1C}">
+                <a14:useLocalDpi xmlns:a14="http://schemas.microsoft.com/office/drawing/2010/main" val="0"/>
+              </a:ext>
+            </a:extLst>
+          </a:blip>
+          <a:stretch>
+            <a:fillRect/>
+          </a:stretch>
+        </p:blipFill>
+        <p:spPr>
+          <a:xfrm>
+            <a:off x="8172485" y="3664625"/>
+            <a:ext cx="776441" cy="776441"/>
+          </a:xfrm>
+          <a:prstGeom prst="rect">
+            <a:avLst/>
+          </a:prstGeom>
+        </p:spPr>
+      </p:pic>
+      <p:pic>
+        <p:nvPicPr>
+          <p:cNvPr id="9" name="Picture 8"/>
+          <p:cNvPicPr>
+            <a:picLocks noChangeAspect="1"/>
+          </p:cNvPicPr>
+          <p:nvPr/>
+        </p:nvPicPr>
+        <p:blipFill>
+          <a:blip r:embed="rId3" cstate="print">
+            <a:extLst>
+              <a:ext uri="{28A0092B-C50C-407E-A947-70E740481C1C}">
+                <a14:useLocalDpi xmlns:a14="http://schemas.microsoft.com/office/drawing/2010/main" val="0"/>
+              </a:ext>
+            </a:extLst>
+          </a:blip>
+          <a:stretch>
+            <a:fillRect/>
+          </a:stretch>
+        </p:blipFill>
+        <p:spPr>
+          <a:xfrm>
+            <a:off x="8852351" y="2838183"/>
+            <a:ext cx="705324" cy="705324"/>
+          </a:xfrm>
+          <a:prstGeom prst="rect">
+            <a:avLst/>
+          </a:prstGeom>
+        </p:spPr>
+      </p:pic>
+      <p:pic>
+        <p:nvPicPr>
+          <p:cNvPr id="10" name="Picture 9"/>
+          <p:cNvPicPr>
+            <a:picLocks noChangeAspect="1"/>
+          </p:cNvPicPr>
+          <p:nvPr/>
+        </p:nvPicPr>
+        <p:blipFill>
+          <a:blip r:embed="rId2" cstate="print">
+            <a:extLst>
+              <a:ext uri="{28A0092B-C50C-407E-A947-70E740481C1C}">
+                <a14:useLocalDpi xmlns:a14="http://schemas.microsoft.com/office/drawing/2010/main" val="0"/>
+              </a:ext>
+            </a:extLst>
+          </a:blip>
+          <a:stretch>
+            <a:fillRect/>
+          </a:stretch>
+        </p:blipFill>
+        <p:spPr>
+          <a:xfrm>
+            <a:off x="9021543" y="4737253"/>
+            <a:ext cx="776441" cy="776441"/>
+          </a:xfrm>
+          <a:prstGeom prst="rect">
+            <a:avLst/>
+          </a:prstGeom>
+        </p:spPr>
+      </p:pic>
+    </p:spTree>
+    <p:extLst>
+      <p:ext uri="{BB962C8B-B14F-4D97-AF65-F5344CB8AC3E}">
+        <p14:creationId xmlns:p14="http://schemas.microsoft.com/office/powerpoint/2010/main" val="963932245"/>
+      </p:ext>
+    </p:extLst>
+  </p:cSld>
+  <p:clrMapOvr>
+    <a:masterClrMapping/>
+  </p:clrMapOvr>
+  <p:timing>
+    <p:tnLst>
+      <p:par>
+        <p:cTn id="1" dur="indefinite" restart="never" nodeType="tmRoot">
+          <p:childTnLst>
+            <p:seq concurrent="1" nextAc="seek">
+              <p:cTn id="2" dur="indefinite" nodeType="mainSeq">
+                <p:childTnLst>
+                  <p:par>
+                    <p:cTn id="3" fill="hold">
+                      <p:stCondLst>
+                        <p:cond delay="indefinite"/>
+                      </p:stCondLst>
+                      <p:childTnLst>
+                        <p:par>
+                          <p:cTn id="4" fill="hold">
+                            <p:stCondLst>
+                              <p:cond delay="0"/>
+                            </p:stCondLst>
+                            <p:childTnLst>
+                              <p:par>
+                                <p:cTn id="5" presetID="2" presetClass="entr" presetSubtype="4" fill="hold" grpId="0" nodeType="clickEffect">
+                                  <p:stCondLst>
+                                    <p:cond delay="0"/>
+                                  </p:stCondLst>
+                                  <p:childTnLst>
+                                    <p:set>
+                                      <p:cBhvr>
+                                        <p:cTn id="6" dur="1" fill="hold">
+                                          <p:stCondLst>
+                                            <p:cond delay="0"/>
+                                          </p:stCondLst>
+                                        </p:cTn>
+                                        <p:tgtEl>
+                                          <p:spTgt spid="5"/>
+                                        </p:tgtEl>
+                                        <p:attrNameLst>
+                                          <p:attrName>style.visibility</p:attrName>
+                                        </p:attrNameLst>
+                                      </p:cBhvr>
+                                      <p:to>
+                                        <p:strVal val="visible"/>
+                                      </p:to>
+                                    </p:set>
+                                    <p:anim calcmode="lin" valueType="num">
+                                      <p:cBhvr additive="base">
+                                        <p:cTn id="7" dur="500" fill="hold"/>
+                                        <p:tgtEl>
+                                          <p:spTgt spid="5"/>
+                                        </p:tgtEl>
+                                        <p:attrNameLst>
+                                          <p:attrName>ppt_x</p:attrName>
+                                        </p:attrNameLst>
+                                      </p:cBhvr>
+                                      <p:tavLst>
+                                        <p:tav tm="0">
+                                          <p:val>
+                                            <p:strVal val="#ppt_x"/>
+                                          </p:val>
+                                        </p:tav>
+                                        <p:tav tm="100000">
+                                          <p:val>
+                                            <p:strVal val="#ppt_x"/>
+                                          </p:val>
+                                        </p:tav>
+                                      </p:tavLst>
+                                    </p:anim>
+                                    <p:anim calcmode="lin" valueType="num">
+                                      <p:cBhvr additive="base">
+                                        <p:cTn id="8" dur="500" fill="hold"/>
+                                        <p:tgtEl>
+                                          <p:spTgt spid="5"/>
+                                        </p:tgtEl>
+                                        <p:attrNameLst>
+                                          <p:attrName>ppt_y</p:attrName>
+                                        </p:attrNameLst>
+                                      </p:cBhvr>
+                                      <p:tavLst>
+                                        <p:tav tm="0">
+                                          <p:val>
+                                            <p:strVal val="1+#ppt_h/2"/>
+                                          </p:val>
+                                        </p:tav>
+                                        <p:tav tm="100000">
+                                          <p:val>
+                                            <p:strVal val="#ppt_y"/>
+                                          </p:val>
+                                        </p:tav>
+                                      </p:tavLst>
+                                    </p:anim>
+                                  </p:childTnLst>
+                                </p:cTn>
+                              </p:par>
+                            </p:childTnLst>
+                          </p:cTn>
+                        </p:par>
+                        <p:par>
+                          <p:cTn id="9" fill="hold">
+                            <p:stCondLst>
+                              <p:cond delay="500"/>
+                            </p:stCondLst>
+                            <p:childTnLst>
+                              <p:par>
+                                <p:cTn id="10" presetID="53" presetClass="entr" presetSubtype="16" fill="hold" nodeType="afterEffect">
+                                  <p:stCondLst>
+                                    <p:cond delay="0"/>
+                                  </p:stCondLst>
+                                  <p:childTnLst>
+                                    <p:set>
+                                      <p:cBhvr>
+                                        <p:cTn id="11" dur="1" fill="hold">
+                                          <p:stCondLst>
+                                            <p:cond delay="0"/>
+                                          </p:stCondLst>
+                                        </p:cTn>
+                                        <p:tgtEl>
+                                          <p:spTgt spid="9"/>
+                                        </p:tgtEl>
+                                        <p:attrNameLst>
+                                          <p:attrName>style.visibility</p:attrName>
+                                        </p:attrNameLst>
+                                      </p:cBhvr>
+                                      <p:to>
+                                        <p:strVal val="visible"/>
+                                      </p:to>
+                                    </p:set>
+                                    <p:anim calcmode="lin" valueType="num">
+                                      <p:cBhvr>
+                                        <p:cTn id="12" dur="500" fill="hold"/>
+                                        <p:tgtEl>
+                                          <p:spTgt spid="9"/>
+                                        </p:tgtEl>
+                                        <p:attrNameLst>
+                                          <p:attrName>ppt_w</p:attrName>
+                                        </p:attrNameLst>
+                                      </p:cBhvr>
+                                      <p:tavLst>
+                                        <p:tav tm="0">
+                                          <p:val>
+                                            <p:fltVal val="0"/>
+                                          </p:val>
+                                        </p:tav>
+                                        <p:tav tm="100000">
+                                          <p:val>
+                                            <p:strVal val="#ppt_w"/>
+                                          </p:val>
+                                        </p:tav>
+                                      </p:tavLst>
+                                    </p:anim>
+                                    <p:anim calcmode="lin" valueType="num">
+                                      <p:cBhvr>
+                                        <p:cTn id="13" dur="500" fill="hold"/>
+                                        <p:tgtEl>
+                                          <p:spTgt spid="9"/>
+                                        </p:tgtEl>
+                                        <p:attrNameLst>
+                                          <p:attrName>ppt_h</p:attrName>
+                                        </p:attrNameLst>
+                                      </p:cBhvr>
+                                      <p:tavLst>
+                                        <p:tav tm="0">
+                                          <p:val>
+                                            <p:fltVal val="0"/>
+                                          </p:val>
+                                        </p:tav>
+                                        <p:tav tm="100000">
+                                          <p:val>
+                                            <p:strVal val="#ppt_h"/>
+                                          </p:val>
+                                        </p:tav>
+                                      </p:tavLst>
+                                    </p:anim>
+                                    <p:animEffect transition="in" filter="fade">
+                                      <p:cBhvr>
+                                        <p:cTn id="14" dur="500"/>
+                                        <p:tgtEl>
+                                          <p:spTgt spid="9"/>
+                                        </p:tgtEl>
+                                      </p:cBhvr>
+                                    </p:animEffect>
+                                  </p:childTnLst>
+                                </p:cTn>
+                              </p:par>
+                            </p:childTnLst>
+                          </p:cTn>
+                        </p:par>
+                      </p:childTnLst>
+                    </p:cTn>
+                  </p:par>
+                  <p:par>
+                    <p:cTn id="15" fill="hold">
+                      <p:stCondLst>
+                        <p:cond delay="indefinite"/>
+                      </p:stCondLst>
+                      <p:childTnLst>
+                        <p:par>
+                          <p:cTn id="16" fill="hold">
+                            <p:stCondLst>
+                              <p:cond delay="0"/>
+                            </p:stCondLst>
+                            <p:childTnLst>
+                              <p:par>
+                                <p:cTn id="17" presetID="2" presetClass="entr" presetSubtype="4" fill="hold" grpId="0" nodeType="clickEffect">
+                                  <p:stCondLst>
+                                    <p:cond delay="0"/>
+                                  </p:stCondLst>
+                                  <p:childTnLst>
+                                    <p:set>
+                                      <p:cBhvr>
+                                        <p:cTn id="18" dur="1" fill="hold">
+                                          <p:stCondLst>
+                                            <p:cond delay="0"/>
+                                          </p:stCondLst>
+                                        </p:cTn>
+                                        <p:tgtEl>
+                                          <p:spTgt spid="3">
+                                            <p:txEl>
+                                              <p:pRg st="0" end="0"/>
+                                            </p:txEl>
+                                          </p:spTgt>
+                                        </p:tgtEl>
+                                        <p:attrNameLst>
+                                          <p:attrName>style.visibility</p:attrName>
+                                        </p:attrNameLst>
+                                      </p:cBhvr>
+                                      <p:to>
+                                        <p:strVal val="visible"/>
+                                      </p:to>
+                                    </p:set>
+                                    <p:anim calcmode="lin" valueType="num">
+                                      <p:cBhvr additive="base">
+                                        <p:cTn id="19" dur="500" fill="hold"/>
+                                        <p:tgtEl>
+                                          <p:spTgt spid="3">
+                                            <p:txEl>
+                                              <p:pRg st="0" end="0"/>
+                                            </p:txEl>
+                                          </p:spTgt>
+                                        </p:tgtEl>
+                                        <p:attrNameLst>
+                                          <p:attrName>ppt_x</p:attrName>
+                                        </p:attrNameLst>
+                                      </p:cBhvr>
+                                      <p:tavLst>
+                                        <p:tav tm="0">
+                                          <p:val>
+                                            <p:strVal val="#ppt_x"/>
+                                          </p:val>
+                                        </p:tav>
+                                        <p:tav tm="100000">
+                                          <p:val>
+                                            <p:strVal val="#ppt_x"/>
+                                          </p:val>
+                                        </p:tav>
+                                      </p:tavLst>
+                                    </p:anim>
+                                    <p:anim calcmode="lin" valueType="num">
+                                      <p:cBhvr additive="base">
+                                        <p:cTn id="20" dur="500" fill="hold"/>
+                                        <p:tgtEl>
+                                          <p:spTgt spid="3">
+                                            <p:txEl>
+                                              <p:pRg st="0" end="0"/>
+                                            </p:txEl>
+                                          </p:spTgt>
+                                        </p:tgtEl>
+                                        <p:attrNameLst>
+                                          <p:attrName>ppt_y</p:attrName>
+                                        </p:attrNameLst>
+                                      </p:cBhvr>
+                                      <p:tavLst>
+                                        <p:tav tm="0">
+                                          <p:val>
+                                            <p:strVal val="1+#ppt_h/2"/>
+                                          </p:val>
+                                        </p:tav>
+                                        <p:tav tm="100000">
+                                          <p:val>
+                                            <p:strVal val="#ppt_y"/>
+                                          </p:val>
+                                        </p:tav>
+                                      </p:tavLst>
+                                    </p:anim>
+                                  </p:childTnLst>
+                                </p:cTn>
+                              </p:par>
+                            </p:childTnLst>
+                          </p:cTn>
+                        </p:par>
+                        <p:par>
+                          <p:cTn id="21" fill="hold">
+                            <p:stCondLst>
+                              <p:cond delay="500"/>
+                            </p:stCondLst>
+                            <p:childTnLst>
+                              <p:par>
+                                <p:cTn id="22" presetID="53" presetClass="entr" presetSubtype="16" fill="hold" nodeType="afterEffect">
+                                  <p:stCondLst>
+                                    <p:cond delay="0"/>
+                                  </p:stCondLst>
+                                  <p:childTnLst>
+                                    <p:set>
+                                      <p:cBhvr>
+                                        <p:cTn id="23" dur="1" fill="hold">
+                                          <p:stCondLst>
+                                            <p:cond delay="0"/>
+                                          </p:stCondLst>
+                                        </p:cTn>
+                                        <p:tgtEl>
+                                          <p:spTgt spid="8"/>
+                                        </p:tgtEl>
+                                        <p:attrNameLst>
+                                          <p:attrName>style.visibility</p:attrName>
+                                        </p:attrNameLst>
+                                      </p:cBhvr>
+                                      <p:to>
+                                        <p:strVal val="visible"/>
+                                      </p:to>
+                                    </p:set>
+                                    <p:anim calcmode="lin" valueType="num">
+                                      <p:cBhvr>
+                                        <p:cTn id="24" dur="500" fill="hold"/>
+                                        <p:tgtEl>
+                                          <p:spTgt spid="8"/>
+                                        </p:tgtEl>
+                                        <p:attrNameLst>
+                                          <p:attrName>ppt_w</p:attrName>
+                                        </p:attrNameLst>
+                                      </p:cBhvr>
+                                      <p:tavLst>
+                                        <p:tav tm="0">
+                                          <p:val>
+                                            <p:fltVal val="0"/>
+                                          </p:val>
+                                        </p:tav>
+                                        <p:tav tm="100000">
+                                          <p:val>
+                                            <p:strVal val="#ppt_w"/>
+                                          </p:val>
+                                        </p:tav>
+                                      </p:tavLst>
+                                    </p:anim>
+                                    <p:anim calcmode="lin" valueType="num">
+                                      <p:cBhvr>
+                                        <p:cTn id="25" dur="500" fill="hold"/>
+                                        <p:tgtEl>
+                                          <p:spTgt spid="8"/>
+                                        </p:tgtEl>
+                                        <p:attrNameLst>
+                                          <p:attrName>ppt_h</p:attrName>
+                                        </p:attrNameLst>
+                                      </p:cBhvr>
+                                      <p:tavLst>
+                                        <p:tav tm="0">
+                                          <p:val>
+                                            <p:fltVal val="0"/>
+                                          </p:val>
+                                        </p:tav>
+                                        <p:tav tm="100000">
+                                          <p:val>
+                                            <p:strVal val="#ppt_h"/>
+                                          </p:val>
+                                        </p:tav>
+                                      </p:tavLst>
+                                    </p:anim>
+                                    <p:animEffect transition="in" filter="fade">
+                                      <p:cBhvr>
+                                        <p:cTn id="26" dur="500"/>
+                                        <p:tgtEl>
+                                          <p:spTgt spid="8"/>
+                                        </p:tgtEl>
+                                      </p:cBhvr>
+                                    </p:animEffect>
+                                  </p:childTnLst>
+                                </p:cTn>
+                              </p:par>
+                            </p:childTnLst>
+                          </p:cTn>
+                        </p:par>
+                      </p:childTnLst>
+                    </p:cTn>
+                  </p:par>
+                  <p:par>
+                    <p:cTn id="27" fill="hold">
+                      <p:stCondLst>
+                        <p:cond delay="indefinite"/>
+                      </p:stCondLst>
+                      <p:childTnLst>
+                        <p:par>
+                          <p:cTn id="28" fill="hold">
+                            <p:stCondLst>
+                              <p:cond delay="0"/>
+                            </p:stCondLst>
+                            <p:childTnLst>
+                              <p:par>
+                                <p:cTn id="29" presetID="2" presetClass="entr" presetSubtype="4" fill="hold" grpId="0" nodeType="clickEffect">
+                                  <p:stCondLst>
+                                    <p:cond delay="0"/>
+                                  </p:stCondLst>
+                                  <p:childTnLst>
+                                    <p:set>
+                                      <p:cBhvr>
+                                        <p:cTn id="30" dur="1" fill="hold">
+                                          <p:stCondLst>
+                                            <p:cond delay="0"/>
+                                          </p:stCondLst>
+                                        </p:cTn>
+                                        <p:tgtEl>
+                                          <p:spTgt spid="6"/>
+                                        </p:tgtEl>
+                                        <p:attrNameLst>
+                                          <p:attrName>style.visibility</p:attrName>
+                                        </p:attrNameLst>
+                                      </p:cBhvr>
+                                      <p:to>
+                                        <p:strVal val="visible"/>
+                                      </p:to>
+                                    </p:set>
+                                    <p:anim calcmode="lin" valueType="num">
+                                      <p:cBhvr additive="base">
+                                        <p:cTn id="31" dur="500" fill="hold"/>
+                                        <p:tgtEl>
+                                          <p:spTgt spid="6"/>
+                                        </p:tgtEl>
+                                        <p:attrNameLst>
+                                          <p:attrName>ppt_x</p:attrName>
+                                        </p:attrNameLst>
+                                      </p:cBhvr>
+                                      <p:tavLst>
+                                        <p:tav tm="0">
+                                          <p:val>
+                                            <p:strVal val="#ppt_x"/>
+                                          </p:val>
+                                        </p:tav>
+                                        <p:tav tm="100000">
+                                          <p:val>
+                                            <p:strVal val="#ppt_x"/>
+                                          </p:val>
+                                        </p:tav>
+                                      </p:tavLst>
+                                    </p:anim>
+                                    <p:anim calcmode="lin" valueType="num">
+                                      <p:cBhvr additive="base">
+                                        <p:cTn id="32" dur="500" fill="hold"/>
+                                        <p:tgtEl>
+                                          <p:spTgt spid="6"/>
+                                        </p:tgtEl>
+                                        <p:attrNameLst>
+                                          <p:attrName>ppt_y</p:attrName>
+                                        </p:attrNameLst>
+                                      </p:cBhvr>
+                                      <p:tavLst>
+                                        <p:tav tm="0">
+                                          <p:val>
+                                            <p:strVal val="1+#ppt_h/2"/>
+                                          </p:val>
+                                        </p:tav>
+                                        <p:tav tm="100000">
+                                          <p:val>
+                                            <p:strVal val="#ppt_y"/>
+                                          </p:val>
+                                        </p:tav>
+                                      </p:tavLst>
+                                    </p:anim>
+                                  </p:childTnLst>
+                                </p:cTn>
+                              </p:par>
+                            </p:childTnLst>
+                          </p:cTn>
+                        </p:par>
+                        <p:par>
+                          <p:cTn id="33" fill="hold">
+                            <p:stCondLst>
+                              <p:cond delay="500"/>
+                            </p:stCondLst>
+                            <p:childTnLst>
+                              <p:par>
+                                <p:cTn id="34" presetID="53" presetClass="entr" presetSubtype="16" fill="hold" nodeType="afterEffect">
+                                  <p:stCondLst>
+                                    <p:cond delay="0"/>
+                                  </p:stCondLst>
+                                  <p:childTnLst>
+                                    <p:set>
+                                      <p:cBhvr>
+                                        <p:cTn id="35" dur="1" fill="hold">
+                                          <p:stCondLst>
+                                            <p:cond delay="0"/>
+                                          </p:stCondLst>
+                                        </p:cTn>
+                                        <p:tgtEl>
+                                          <p:spTgt spid="10"/>
+                                        </p:tgtEl>
+                                        <p:attrNameLst>
+                                          <p:attrName>style.visibility</p:attrName>
+                                        </p:attrNameLst>
+                                      </p:cBhvr>
+                                      <p:to>
+                                        <p:strVal val="visible"/>
+                                      </p:to>
+                                    </p:set>
+                                    <p:anim calcmode="lin" valueType="num">
+                                      <p:cBhvr>
+                                        <p:cTn id="36" dur="500" fill="hold"/>
+                                        <p:tgtEl>
+                                          <p:spTgt spid="10"/>
+                                        </p:tgtEl>
+                                        <p:attrNameLst>
+                                          <p:attrName>ppt_w</p:attrName>
+                                        </p:attrNameLst>
+                                      </p:cBhvr>
+                                      <p:tavLst>
+                                        <p:tav tm="0">
+                                          <p:val>
+                                            <p:fltVal val="0"/>
+                                          </p:val>
+                                        </p:tav>
+                                        <p:tav tm="100000">
+                                          <p:val>
+                                            <p:strVal val="#ppt_w"/>
+                                          </p:val>
+                                        </p:tav>
+                                      </p:tavLst>
+                                    </p:anim>
+                                    <p:anim calcmode="lin" valueType="num">
+                                      <p:cBhvr>
+                                        <p:cTn id="37" dur="500" fill="hold"/>
+                                        <p:tgtEl>
+                                          <p:spTgt spid="10"/>
+                                        </p:tgtEl>
+                                        <p:attrNameLst>
+                                          <p:attrName>ppt_h</p:attrName>
+                                        </p:attrNameLst>
+                                      </p:cBhvr>
+                                      <p:tavLst>
+                                        <p:tav tm="0">
+                                          <p:val>
+                                            <p:fltVal val="0"/>
+                                          </p:val>
+                                        </p:tav>
+                                        <p:tav tm="100000">
+                                          <p:val>
+                                            <p:strVal val="#ppt_h"/>
+                                          </p:val>
+                                        </p:tav>
+                                      </p:tavLst>
+                                    </p:anim>
+                                    <p:animEffect transition="in" filter="fade">
+                                      <p:cBhvr>
+                                        <p:cTn id="38" dur="500"/>
+                                        <p:tgtEl>
+                                          <p:spTgt spid="10"/>
+                                        </p:tgtEl>
+                                      </p:cBhvr>
+                                    </p:animEffect>
+                                  </p:childTnLst>
+                                </p:cTn>
+                              </p:par>
+                            </p:childTnLst>
+                          </p:cTn>
+                        </p:par>
+                      </p:childTnLst>
+                    </p:cTn>
+                  </p:par>
+                </p:childTnLst>
+              </p:cTn>
+              <p:prevCondLst>
+                <p:cond evt="onPrev" delay="0">
+                  <p:tgtEl>
+                    <p:sldTgt/>
+                  </p:tgtEl>
+                </p:cond>
+              </p:prevCondLst>
+              <p:nextCondLst>
+                <p:cond evt="onNext" delay="0">
+                  <p:tgtEl>
+                    <p:sldTgt/>
+                  </p:tgtEl>
+                </p:cond>
+              </p:nextCondLst>
+            </p:seq>
+          </p:childTnLst>
+        </p:cTn>
+      </p:par>
+    </p:tnLst>
+    <p:bldLst>
+      <p:bldP spid="3" grpId="0" build="p"/>
+      <p:bldP spid="5" grpId="0"/>
+      <p:bldP spid="6" grpId="0"/>
+    </p:bldLst>
+  </p:timing>
+</p:sld>
+</file>
+
+<file path=ppt/slides/slide51.xml><?xml version="1.0" encoding="utf-8"?>
+<p:sld xmlns:a="http://schemas.openxmlformats.org/drawingml/2006/main" xmlns:r="http://schemas.openxmlformats.org/officeDocument/2006/relationships" xmlns:p="http://schemas.openxmlformats.org/presentationml/2006/main">
+  <p:cSld>
+    <p:spTree>
+      <p:nvGrpSpPr>
+        <p:cNvPr id="1" name=""/>
+        <p:cNvGrpSpPr/>
+        <p:nvPr/>
+      </p:nvGrpSpPr>
+      <p:grpSpPr>
+        <a:xfrm>
+          <a:off x="0" y="0"/>
+          <a:ext cx="0" cy="0"/>
+          <a:chOff x="0" y="0"/>
+          <a:chExt cx="0" cy="0"/>
+        </a:xfrm>
+      </p:grpSpPr>
+      <p:sp>
+        <p:nvSpPr>
+          <p:cNvPr id="2" name="Slide Number Placeholder 1"/>
+          <p:cNvSpPr>
+            <a:spLocks noGrp="1"/>
+          </p:cNvSpPr>
+          <p:nvPr>
+            <p:ph type="sldNum" sz="quarter" idx="12"/>
+          </p:nvPr>
+        </p:nvSpPr>
+        <p:spPr/>
+        <p:txBody>
+          <a:bodyPr/>
+          <a:lstStyle/>
+          <a:p>
+            <a:fld id="{401CF334-2D5C-4859-84A6-CA7E6E43FAEB}" type="slidenum">
+              <a:rPr lang="en-US" smtClean="0"/>
+              <a:t>51</a:t>
+            </a:fld>
+            <a:endParaRPr lang="en-US" dirty="0"/>
+          </a:p>
+        </p:txBody>
+      </p:sp>
+      <p:sp>
+        <p:nvSpPr>
+          <p:cNvPr id="3" name="Text Placeholder 2"/>
+          <p:cNvSpPr>
+            <a:spLocks noGrp="1"/>
+          </p:cNvSpPr>
+          <p:nvPr>
+            <p:ph type="body" idx="1"/>
+          </p:nvPr>
+        </p:nvSpPr>
+        <p:spPr/>
+        <p:txBody>
+          <a:bodyPr/>
+          <a:lstStyle/>
+          <a:p>
+            <a:r>
+              <a:rPr lang="en-US" dirty="0" smtClean="0"/>
+              <a:t>REST specification</a:t>
+            </a:r>
+            <a:endParaRPr lang="en-US" dirty="0"/>
+          </a:p>
+        </p:txBody>
+      </p:sp>
+      <p:sp>
+        <p:nvSpPr>
+          <p:cNvPr id="4" name="Title 3"/>
+          <p:cNvSpPr>
+            <a:spLocks noGrp="1"/>
+          </p:cNvSpPr>
+          <p:nvPr>
+            <p:ph type="title"/>
+          </p:nvPr>
+        </p:nvSpPr>
+        <p:spPr/>
+        <p:txBody>
+          <a:bodyPr/>
+          <a:lstStyle/>
+          <a:p>
+            <a:r>
+              <a:rPr lang="en-US" dirty="0" smtClean="0"/>
+              <a:t>JAX-RS</a:t>
+            </a:r>
+            <a:endParaRPr lang="en-US" dirty="0"/>
+          </a:p>
+        </p:txBody>
+      </p:sp>
+    </p:spTree>
+    <p:extLst>
+      <p:ext uri="{BB962C8B-B14F-4D97-AF65-F5344CB8AC3E}">
+        <p14:creationId xmlns:p14="http://schemas.microsoft.com/office/powerpoint/2010/main" val="2283498467"/>
+      </p:ext>
+    </p:extLst>
+  </p:cSld>
+  <p:clrMapOvr>
+    <a:masterClrMapping/>
+  </p:clrMapOvr>
+  <p:timing>
+    <p:tnLst>
+      <p:par>
+        <p:cTn id="1" dur="indefinite" restart="never" nodeType="tmRoot"/>
+      </p:par>
+    </p:tnLst>
+  </p:timing>
+</p:sld>
+</file>
+
+<file path=ppt/slides/slide52.xml><?xml version="1.0" encoding="utf-8"?>
+<p:sld xmlns:a="http://schemas.openxmlformats.org/drawingml/2006/main" xmlns:r="http://schemas.openxmlformats.org/officeDocument/2006/relationships" xmlns:p="http://schemas.openxmlformats.org/presentationml/2006/main">
+  <p:cSld>
+    <p:spTree>
+      <p:nvGrpSpPr>
+        <p:cNvPr id="1" name=""/>
+        <p:cNvGrpSpPr/>
+        <p:nvPr/>
+      </p:nvGrpSpPr>
+      <p:grpSpPr>
+        <a:xfrm>
+          <a:off x="0" y="0"/>
+          <a:ext cx="0" cy="0"/>
+          <a:chOff x="0" y="0"/>
+          <a:chExt cx="0" cy="0"/>
+        </a:xfrm>
+      </p:grpSpPr>
+      <p:sp>
+        <p:nvSpPr>
+          <p:cNvPr id="2" name="Slide Number Placeholder 1"/>
+          <p:cNvSpPr>
+            <a:spLocks noGrp="1"/>
+          </p:cNvSpPr>
+          <p:nvPr>
+            <p:ph type="sldNum" sz="quarter" idx="12"/>
+          </p:nvPr>
+        </p:nvSpPr>
+        <p:spPr/>
+        <p:txBody>
+          <a:bodyPr/>
+          <a:lstStyle/>
+          <a:p>
+            <a:fld id="{401CF334-2D5C-4859-84A6-CA7E6E43FAEB}" type="slidenum">
+              <a:rPr lang="en-US" smtClean="0"/>
+              <a:t>52</a:t>
+            </a:fld>
+            <a:endParaRPr lang="en-US" dirty="0"/>
+          </a:p>
+        </p:txBody>
+      </p:sp>
+      <p:sp>
+        <p:nvSpPr>
+          <p:cNvPr id="3" name="Content Placeholder 2"/>
+          <p:cNvSpPr>
+            <a:spLocks noGrp="1"/>
+          </p:cNvSpPr>
+          <p:nvPr>
+            <p:ph idx="1"/>
+          </p:nvPr>
+        </p:nvSpPr>
+        <p:spPr/>
+        <p:txBody>
+          <a:bodyPr/>
+          <a:lstStyle/>
+          <a:p>
+            <a:r>
+              <a:rPr lang="en-US" dirty="0" smtClean="0"/>
+              <a:t>JAX-WS</a:t>
+            </a:r>
+          </a:p>
+          <a:p>
+            <a:endParaRPr lang="en-US" dirty="0" smtClean="0"/>
+          </a:p>
+          <a:p>
+            <a:r>
+              <a:rPr lang="fr-FR" dirty="0"/>
+              <a:t>Java API for XML Web </a:t>
+            </a:r>
+            <a:r>
+              <a:rPr lang="fr-FR" dirty="0" smtClean="0"/>
+              <a:t>Services</a:t>
+            </a:r>
+          </a:p>
+          <a:p>
+            <a:endParaRPr lang="fr-FR" dirty="0" smtClean="0"/>
+          </a:p>
+          <a:p>
+            <a:r>
+              <a:rPr lang="en-US" dirty="0" smtClean="0"/>
+              <a:t>represents </a:t>
+            </a:r>
+            <a:r>
+              <a:rPr lang="en-US" dirty="0"/>
+              <a:t>remote procedure calls or messages using XML-based protocols </a:t>
+            </a:r>
+          </a:p>
+        </p:txBody>
+      </p:sp>
+      <p:sp>
+        <p:nvSpPr>
+          <p:cNvPr id="4" name="Title 3"/>
+          <p:cNvSpPr>
+            <a:spLocks noGrp="1"/>
+          </p:cNvSpPr>
+          <p:nvPr>
+            <p:ph type="title"/>
+          </p:nvPr>
+        </p:nvSpPr>
+        <p:spPr/>
+        <p:txBody>
+          <a:bodyPr/>
+          <a:lstStyle/>
+          <a:p>
+            <a:r>
+              <a:rPr lang="en-US" dirty="0" smtClean="0"/>
+              <a:t>SOAP specification</a:t>
+            </a:r>
+            <a:endParaRPr lang="en-US" dirty="0"/>
+          </a:p>
+        </p:txBody>
+      </p:sp>
+    </p:spTree>
+    <p:extLst>
+      <p:ext uri="{BB962C8B-B14F-4D97-AF65-F5344CB8AC3E}">
+        <p14:creationId xmlns:p14="http://schemas.microsoft.com/office/powerpoint/2010/main" val="4045182936"/>
+      </p:ext>
+    </p:extLst>
+  </p:cSld>
+  <p:clrMapOvr>
+    <a:masterClrMapping/>
+  </p:clrMapOvr>
+  <p:timing>
+    <p:tnLst>
+      <p:par>
+        <p:cTn id="1" dur="indefinite" restart="never" nodeType="tmRoot"/>
+      </p:par>
+    </p:tnLst>
+  </p:timing>
+</p:sld>
+</file>
+
+<file path=ppt/slides/slide53.xml><?xml version="1.0" encoding="utf-8"?>
+<p:sld xmlns:a="http://schemas.openxmlformats.org/drawingml/2006/main" xmlns:r="http://schemas.openxmlformats.org/officeDocument/2006/relationships" xmlns:p="http://schemas.openxmlformats.org/presentationml/2006/main">
+  <p:cSld>
+    <p:spTree>
+      <p:nvGrpSpPr>
+        <p:cNvPr id="1" name=""/>
+        <p:cNvGrpSpPr/>
+        <p:nvPr/>
+      </p:nvGrpSpPr>
+      <p:grpSpPr>
+        <a:xfrm>
+          <a:off x="0" y="0"/>
+          <a:ext cx="0" cy="0"/>
+          <a:chOff x="0" y="0"/>
+          <a:chExt cx="0" cy="0"/>
+        </a:xfrm>
+      </p:grpSpPr>
+      <p:sp>
+        <p:nvSpPr>
+          <p:cNvPr id="2" name="Slide Number Placeholder 1"/>
+          <p:cNvSpPr>
+            <a:spLocks noGrp="1"/>
+          </p:cNvSpPr>
+          <p:nvPr>
+            <p:ph type="sldNum" sz="quarter" idx="12"/>
+          </p:nvPr>
+        </p:nvSpPr>
+        <p:spPr/>
+        <p:txBody>
+          <a:bodyPr/>
+          <a:lstStyle/>
+          <a:p>
+            <a:fld id="{401CF334-2D5C-4859-84A6-CA7E6E43FAEB}" type="slidenum">
+              <a:rPr lang="en-US" smtClean="0"/>
+              <a:t>53</a:t>
+            </a:fld>
+            <a:endParaRPr lang="en-US" dirty="0"/>
+          </a:p>
+        </p:txBody>
+      </p:sp>
+      <p:sp>
+        <p:nvSpPr>
+          <p:cNvPr id="3" name="Content Placeholder 2"/>
+          <p:cNvSpPr>
+            <a:spLocks noGrp="1"/>
+          </p:cNvSpPr>
+          <p:nvPr>
+            <p:ph idx="1"/>
+          </p:nvPr>
+        </p:nvSpPr>
+        <p:spPr>
+          <a:xfrm>
+            <a:off x="1150404" y="2374116"/>
+            <a:ext cx="10546748" cy="4152452"/>
+          </a:xfrm>
+        </p:spPr>
+        <p:txBody>
+          <a:bodyPr>
+            <a:normAutofit lnSpcReduction="10000"/>
+          </a:bodyPr>
+          <a:lstStyle/>
+          <a:p>
+            <a:r>
+              <a:rPr lang="en-US" dirty="0" smtClean="0"/>
+              <a:t>Acronym for RESTFul web services’ Java API.</a:t>
+            </a:r>
+          </a:p>
+          <a:p>
+            <a:endParaRPr lang="en-US" dirty="0"/>
+          </a:p>
+          <a:p>
+            <a:r>
+              <a:rPr lang="en-US" dirty="0"/>
+              <a:t>Based on POJO (Plain Old Java Object) </a:t>
+            </a:r>
+            <a:r>
+              <a:rPr lang="en-US" dirty="0" smtClean="0"/>
+              <a:t>using specific JAX-RS annotations</a:t>
+            </a:r>
+          </a:p>
+          <a:p>
+            <a:pPr marL="0" indent="0">
+              <a:buNone/>
+            </a:pPr>
+            <a:endParaRPr lang="en-US" dirty="0" smtClean="0"/>
+          </a:p>
+          <a:p>
+            <a:r>
+              <a:rPr lang="en-US" dirty="0" smtClean="0"/>
+              <a:t>forms </a:t>
+            </a:r>
+            <a:r>
+              <a:rPr lang="en-US" dirty="0"/>
+              <a:t>an integral part of </a:t>
+            </a:r>
+            <a:r>
+              <a:rPr lang="en-US" dirty="0" smtClean="0"/>
+              <a:t>Java </a:t>
+            </a:r>
+            <a:r>
+              <a:rPr lang="en-US" dirty="0"/>
+              <a:t>EE </a:t>
+            </a:r>
+            <a:r>
+              <a:rPr lang="en-US" dirty="0" smtClean="0"/>
+              <a:t>specification.</a:t>
+            </a:r>
+          </a:p>
+          <a:p>
+            <a:endParaRPr lang="en-US" dirty="0" smtClean="0"/>
+          </a:p>
+          <a:p>
+            <a:r>
+              <a:rPr lang="en-US" dirty="0"/>
+              <a:t>Describes the implementation of client </a:t>
+            </a:r>
+            <a:r>
+              <a:rPr lang="en-US" dirty="0" smtClean="0"/>
+              <a:t>side of REST web services.</a:t>
+            </a:r>
+          </a:p>
+          <a:p>
+            <a:endParaRPr lang="en-US" dirty="0" smtClean="0"/>
+          </a:p>
+          <a:p>
+            <a:r>
+              <a:rPr lang="en-US" dirty="0"/>
+              <a:t>Its architecture is based on the use of classes and annotations to develop web </a:t>
+            </a:r>
+            <a:r>
+              <a:rPr lang="en-US" dirty="0" smtClean="0"/>
+              <a:t>services.</a:t>
+            </a:r>
+            <a:endParaRPr lang="en-US" dirty="0"/>
+          </a:p>
+        </p:txBody>
+      </p:sp>
+      <p:sp>
+        <p:nvSpPr>
+          <p:cNvPr id="4" name="Title 3"/>
+          <p:cNvSpPr>
+            <a:spLocks noGrp="1"/>
+          </p:cNvSpPr>
+          <p:nvPr>
+            <p:ph type="title"/>
+          </p:nvPr>
+        </p:nvSpPr>
+        <p:spPr/>
+        <p:txBody>
+          <a:bodyPr/>
+          <a:lstStyle/>
+          <a:p>
+            <a:r>
+              <a:rPr lang="en-US" dirty="0"/>
+              <a:t>JAX-RS</a:t>
+            </a:r>
+          </a:p>
+        </p:txBody>
+      </p:sp>
+    </p:spTree>
+    <p:extLst>
+      <p:ext uri="{BB962C8B-B14F-4D97-AF65-F5344CB8AC3E}">
+        <p14:creationId xmlns:p14="http://schemas.microsoft.com/office/powerpoint/2010/main" val="1684265479"/>
+      </p:ext>
+    </p:extLst>
+  </p:cSld>
+  <p:clrMapOvr>
+    <a:masterClrMapping/>
+  </p:clrMapOvr>
+  <p:timing>
+    <p:tnLst>
+      <p:par>
+        <p:cTn id="1" dur="indefinite" restart="never" nodeType="tmRoot"/>
+      </p:par>
+    </p:tnLst>
+  </p:timing>
+</p:sld>
+</file>
+
+<file path=ppt/slides/slide54.xml><?xml version="1.0" encoding="utf-8"?>
+<p:sld xmlns:a="http://schemas.openxmlformats.org/drawingml/2006/main" xmlns:r="http://schemas.openxmlformats.org/officeDocument/2006/relationships" xmlns:p="http://schemas.openxmlformats.org/presentationml/2006/main">
+  <p:cSld>
+    <p:spTree>
+      <p:nvGrpSpPr>
+        <p:cNvPr id="1" name=""/>
+        <p:cNvGrpSpPr/>
+        <p:nvPr/>
+      </p:nvGrpSpPr>
+      <p:grpSpPr>
+        <a:xfrm>
+          <a:off x="0" y="0"/>
+          <a:ext cx="0" cy="0"/>
+          <a:chOff x="0" y="0"/>
+          <a:chExt cx="0" cy="0"/>
+        </a:xfrm>
+      </p:grpSpPr>
+      <p:sp>
+        <p:nvSpPr>
+          <p:cNvPr id="2" name="Slide Number Placeholder 1"/>
+          <p:cNvSpPr>
+            <a:spLocks noGrp="1"/>
+          </p:cNvSpPr>
+          <p:nvPr>
+            <p:ph type="sldNum" sz="quarter" idx="12"/>
+          </p:nvPr>
+        </p:nvSpPr>
+        <p:spPr/>
+        <p:txBody>
+          <a:bodyPr/>
+          <a:lstStyle/>
+          <a:p>
+            <a:fld id="{401CF334-2D5C-4859-84A6-CA7E6E43FAEB}" type="slidenum">
+              <a:rPr lang="en-US" smtClean="0"/>
+              <a:t>54</a:t>
+            </a:fld>
+            <a:endParaRPr lang="en-US" dirty="0"/>
+          </a:p>
+        </p:txBody>
+      </p:sp>
+      <p:sp>
+        <p:nvSpPr>
+          <p:cNvPr id="3" name="Content Placeholder 2"/>
+          <p:cNvSpPr>
+            <a:spLocks noGrp="1"/>
+          </p:cNvSpPr>
+          <p:nvPr>
+            <p:ph idx="1"/>
+          </p:nvPr>
+        </p:nvSpPr>
+        <p:spPr/>
+        <p:txBody>
+          <a:bodyPr>
+            <a:normAutofit/>
+          </a:bodyPr>
+          <a:lstStyle/>
+          <a:p>
+            <a:r>
+              <a:rPr lang="en-US" dirty="0"/>
+              <a:t>JAX-RS is a </a:t>
+            </a:r>
+            <a:r>
+              <a:rPr lang="en-US" dirty="0" smtClean="0"/>
+              <a:t>specification</a:t>
+            </a:r>
+          </a:p>
+          <a:p>
+            <a:endParaRPr lang="en-US" dirty="0" smtClean="0"/>
+          </a:p>
+          <a:p>
+            <a:r>
+              <a:rPr lang="en-US" dirty="0" smtClean="0"/>
+              <a:t>around </a:t>
+            </a:r>
+            <a:r>
+              <a:rPr lang="en-US" dirty="0"/>
+              <a:t>this specification are developed several </a:t>
+            </a:r>
+            <a:r>
+              <a:rPr lang="en-US" dirty="0" smtClean="0"/>
+              <a:t>implementations:</a:t>
+            </a:r>
+          </a:p>
+          <a:p>
+            <a:pPr lvl="1">
+              <a:buFont typeface="Arial" panose="020B0604020202020204" pitchFamily="34" charset="0"/>
+              <a:buChar char="•"/>
+            </a:pPr>
+            <a:r>
+              <a:rPr lang="fr-FR" dirty="0" smtClean="0"/>
+              <a:t>JERSEY </a:t>
+            </a:r>
+            <a:r>
+              <a:rPr lang="fr-FR" dirty="0"/>
+              <a:t>: </a:t>
+            </a:r>
+            <a:r>
+              <a:rPr lang="en-US" dirty="0"/>
+              <a:t>reference implementation provided by Oracle</a:t>
+            </a:r>
+            <a:r>
+              <a:rPr lang="fr-FR" dirty="0" smtClean="0"/>
+              <a:t>( </a:t>
+            </a:r>
+            <a:r>
+              <a:rPr lang="fr-FR" dirty="0"/>
+              <a:t>http://jersey.java.net ) </a:t>
+            </a:r>
+          </a:p>
+          <a:p>
+            <a:pPr lvl="1">
+              <a:buFont typeface="Arial" panose="020B0604020202020204" pitchFamily="34" charset="0"/>
+              <a:buChar char="•"/>
+            </a:pPr>
+            <a:r>
+              <a:rPr lang="fr-FR" dirty="0" smtClean="0"/>
+              <a:t>CXF </a:t>
+            </a:r>
+            <a:r>
+              <a:rPr lang="fr-FR" dirty="0"/>
+              <a:t>: </a:t>
+            </a:r>
+            <a:r>
+              <a:rPr lang="fr-FR" dirty="0" smtClean="0"/>
+              <a:t>provided by </a:t>
+            </a:r>
+            <a:r>
+              <a:rPr lang="fr-FR" dirty="0"/>
+              <a:t>Apache ( http://cfx.apache.org ) </a:t>
+            </a:r>
+          </a:p>
+          <a:p>
+            <a:pPr lvl="1">
+              <a:buFont typeface="Arial" panose="020B0604020202020204" pitchFamily="34" charset="0"/>
+              <a:buChar char="•"/>
+            </a:pPr>
+            <a:r>
+              <a:rPr lang="en-US" dirty="0" smtClean="0"/>
+              <a:t>RESTEasy </a:t>
+            </a:r>
+            <a:r>
+              <a:rPr lang="en-US" dirty="0"/>
+              <a:t>: </a:t>
+            </a:r>
+            <a:r>
+              <a:rPr lang="en-US" dirty="0" smtClean="0"/>
+              <a:t>provided by JBOSS </a:t>
+            </a:r>
+            <a:endParaRPr lang="en-US" dirty="0"/>
+          </a:p>
+          <a:p>
+            <a:pPr lvl="1">
+              <a:buFont typeface="Arial" panose="020B0604020202020204" pitchFamily="34" charset="0"/>
+              <a:buChar char="•"/>
+            </a:pPr>
+            <a:r>
+              <a:rPr lang="fr-FR" dirty="0" smtClean="0"/>
+              <a:t>RESTLET :</a:t>
+            </a:r>
+            <a:r>
+              <a:rPr lang="en-US" dirty="0"/>
+              <a:t> One of the first implementing REST framework for Java</a:t>
+            </a:r>
+            <a:endParaRPr lang="fr-FR" dirty="0"/>
+          </a:p>
+          <a:p>
+            <a:pPr lvl="1">
+              <a:buFont typeface="Arial" panose="020B0604020202020204" pitchFamily="34" charset="0"/>
+              <a:buChar char="•"/>
+            </a:pPr>
+            <a:endParaRPr lang="en-US" dirty="0"/>
+          </a:p>
+        </p:txBody>
+      </p:sp>
+      <p:sp>
+        <p:nvSpPr>
+          <p:cNvPr id="4" name="Title 3"/>
+          <p:cNvSpPr>
+            <a:spLocks noGrp="1"/>
+          </p:cNvSpPr>
+          <p:nvPr>
+            <p:ph type="title"/>
+          </p:nvPr>
+        </p:nvSpPr>
+        <p:spPr/>
+        <p:txBody>
+          <a:bodyPr/>
+          <a:lstStyle/>
+          <a:p>
+            <a:r>
+              <a:rPr lang="en-US" dirty="0"/>
+              <a:t>JAX-RS</a:t>
+            </a:r>
+          </a:p>
+        </p:txBody>
+      </p:sp>
+    </p:spTree>
+    <p:extLst>
+      <p:ext uri="{BB962C8B-B14F-4D97-AF65-F5344CB8AC3E}">
+        <p14:creationId xmlns:p14="http://schemas.microsoft.com/office/powerpoint/2010/main" val="3081747345"/>
+      </p:ext>
+    </p:extLst>
+  </p:cSld>
+  <p:clrMapOvr>
+    <a:masterClrMapping/>
+  </p:clrMapOvr>
+  <p:timing>
+    <p:tnLst>
+      <p:par>
+        <p:cTn id="1" dur="indefinite" restart="never" nodeType="tmRoot"/>
+      </p:par>
+    </p:tnLst>
+  </p:timing>
+</p:sld>
+</file>
+
+<file path=ppt/slides/slide55.xml><?xml version="1.0" encoding="utf-8"?>
+<p:sld xmlns:a="http://schemas.openxmlformats.org/drawingml/2006/main" xmlns:r="http://schemas.openxmlformats.org/officeDocument/2006/relationships" xmlns:p="http://schemas.openxmlformats.org/presentationml/2006/main">
+  <p:cSld>
+    <p:spTree>
+      <p:nvGrpSpPr>
+        <p:cNvPr id="1" name=""/>
+        <p:cNvGrpSpPr/>
+        <p:nvPr/>
+      </p:nvGrpSpPr>
+      <p:grpSpPr>
+        <a:xfrm>
+          <a:off x="0" y="0"/>
+          <a:ext cx="0" cy="0"/>
+          <a:chOff x="0" y="0"/>
+          <a:chExt cx="0" cy="0"/>
+        </a:xfrm>
+      </p:grpSpPr>
+      <p:sp>
+        <p:nvSpPr>
+          <p:cNvPr id="8" name="Rectangle 7"/>
+          <p:cNvSpPr/>
+          <p:nvPr/>
+        </p:nvSpPr>
+        <p:spPr>
+          <a:xfrm>
+            <a:off x="5693902" y="2490169"/>
+            <a:ext cx="4596317" cy="1612004"/>
+          </a:xfrm>
+          <a:prstGeom prst="rect">
+            <a:avLst/>
+          </a:prstGeom>
+          <a:ln>
+            <a:noFill/>
+          </a:ln>
+          <a:effectLst>
+            <a:outerShdw blurRad="190500" dist="228600" dir="2700000" algn="ctr">
+              <a:srgbClr val="000000">
+                <a:alpha val="30000"/>
+              </a:srgbClr>
+            </a:outerShdw>
+          </a:effectLst>
+          <a:scene3d>
+            <a:camera prst="orthographicFront">
+              <a:rot lat="0" lon="0" rev="0"/>
+            </a:camera>
+            <a:lightRig rig="glow" dir="t">
+              <a:rot lat="0" lon="0" rev="4800000"/>
+            </a:lightRig>
+          </a:scene3d>
+          <a:sp3d prstMaterial="matte">
+            <a:bevelT w="127000" h="63500"/>
+          </a:sp3d>
+        </p:spPr>
+        <p:style>
+          <a:lnRef idx="1">
+            <a:schemeClr val="dk1"/>
+          </a:lnRef>
+          <a:fillRef idx="3">
+            <a:schemeClr val="dk1"/>
+          </a:fillRef>
+          <a:effectRef idx="2">
+            <a:schemeClr val="dk1"/>
+          </a:effectRef>
+          <a:fontRef idx="minor">
+            <a:schemeClr val="lt1"/>
+          </a:fontRef>
+        </p:style>
+        <p:txBody>
+          <a:bodyPr rtlCol="0" anchor="ctr"/>
+          <a:lstStyle/>
+          <a:p>
+            <a:endParaRPr lang="en-US" dirty="0" smtClean="0"/>
+          </a:p>
+        </p:txBody>
+      </p:sp>
+      <p:sp>
+        <p:nvSpPr>
+          <p:cNvPr id="12" name="Rectangle 11"/>
+          <p:cNvSpPr/>
+          <p:nvPr/>
+        </p:nvSpPr>
+        <p:spPr>
+          <a:xfrm>
+            <a:off x="5678435" y="4549439"/>
+            <a:ext cx="4596317" cy="1612004"/>
+          </a:xfrm>
+          <a:prstGeom prst="rect">
+            <a:avLst/>
+          </a:prstGeom>
+          <a:ln>
+            <a:noFill/>
+          </a:ln>
+          <a:effectLst>
+            <a:outerShdw blurRad="190500" dist="228600" dir="2700000" algn="ctr">
+              <a:srgbClr val="000000">
+                <a:alpha val="30000"/>
+              </a:srgbClr>
+            </a:outerShdw>
+          </a:effectLst>
+          <a:scene3d>
+            <a:camera prst="orthographicFront">
+              <a:rot lat="0" lon="0" rev="0"/>
+            </a:camera>
+            <a:lightRig rig="glow" dir="t">
+              <a:rot lat="0" lon="0" rev="4800000"/>
+            </a:lightRig>
+          </a:scene3d>
+          <a:sp3d prstMaterial="matte">
+            <a:bevelT w="127000" h="63500"/>
+          </a:sp3d>
+        </p:spPr>
+        <p:style>
+          <a:lnRef idx="1">
+            <a:schemeClr val="dk1"/>
+          </a:lnRef>
+          <a:fillRef idx="3">
+            <a:schemeClr val="dk1"/>
+          </a:fillRef>
+          <a:effectRef idx="2">
+            <a:schemeClr val="dk1"/>
+          </a:effectRef>
+          <a:fontRef idx="minor">
+            <a:schemeClr val="lt1"/>
+          </a:fontRef>
+        </p:style>
+        <p:txBody>
+          <a:bodyPr rtlCol="0" anchor="ctr"/>
+          <a:lstStyle/>
+          <a:p>
+            <a:endParaRPr lang="en-US" dirty="0" smtClean="0"/>
+          </a:p>
+        </p:txBody>
+      </p:sp>
+      <p:sp>
+        <p:nvSpPr>
+          <p:cNvPr id="2" name="Slide Number Placeholder 1"/>
+          <p:cNvSpPr>
+            <a:spLocks noGrp="1"/>
+          </p:cNvSpPr>
+          <p:nvPr>
+            <p:ph type="sldNum" sz="quarter" idx="12"/>
+          </p:nvPr>
+        </p:nvSpPr>
+        <p:spPr/>
+        <p:txBody>
+          <a:bodyPr/>
+          <a:lstStyle/>
+          <a:p>
+            <a:fld id="{401CF334-2D5C-4859-84A6-CA7E6E43FAEB}" type="slidenum">
+              <a:rPr lang="en-US" smtClean="0"/>
+              <a:t>55</a:t>
+            </a:fld>
+            <a:endParaRPr lang="en-US" dirty="0"/>
+          </a:p>
+        </p:txBody>
+      </p:sp>
+      <p:sp>
+        <p:nvSpPr>
+          <p:cNvPr id="4" name="Title 3"/>
+          <p:cNvSpPr>
+            <a:spLocks noGrp="1"/>
+          </p:cNvSpPr>
+          <p:nvPr>
+            <p:ph type="title"/>
+          </p:nvPr>
+        </p:nvSpPr>
+        <p:spPr/>
+        <p:txBody>
+          <a:bodyPr/>
+          <a:lstStyle/>
+          <a:p>
+            <a:r>
+              <a:rPr lang="en-US" dirty="0" smtClean="0"/>
+              <a:t>JAX-RS</a:t>
+            </a:r>
+            <a:endParaRPr lang="en-US" dirty="0"/>
+          </a:p>
+        </p:txBody>
+      </p:sp>
+      <p:sp>
+        <p:nvSpPr>
+          <p:cNvPr id="5" name="Rectangle 4"/>
+          <p:cNvSpPr/>
+          <p:nvPr/>
+        </p:nvSpPr>
+        <p:spPr>
+          <a:xfrm>
+            <a:off x="917987" y="3168204"/>
+            <a:ext cx="2623703" cy="2253802"/>
+          </a:xfrm>
+          <a:prstGeom prst="rect">
+            <a:avLst/>
+          </a:prstGeom>
+          <a:ln>
+            <a:noFill/>
+          </a:ln>
+          <a:effectLst>
+            <a:outerShdw blurRad="190500" dist="228600" dir="2700000" algn="ctr">
+              <a:srgbClr val="000000">
+                <a:alpha val="30000"/>
+              </a:srgbClr>
+            </a:outerShdw>
+          </a:effectLst>
+          <a:scene3d>
+            <a:camera prst="orthographicFront">
+              <a:rot lat="0" lon="0" rev="0"/>
+            </a:camera>
+            <a:lightRig rig="glow" dir="t">
+              <a:rot lat="0" lon="0" rev="4800000"/>
+            </a:lightRig>
+          </a:scene3d>
+          <a:sp3d prstMaterial="matte">
+            <a:bevelT w="127000" h="63500"/>
+          </a:sp3d>
+        </p:spPr>
+        <p:style>
+          <a:lnRef idx="1">
+            <a:schemeClr val="dk1"/>
+          </a:lnRef>
+          <a:fillRef idx="3">
+            <a:schemeClr val="dk1"/>
+          </a:fillRef>
+          <a:effectRef idx="2">
+            <a:schemeClr val="dk1"/>
+          </a:effectRef>
+          <a:fontRef idx="minor">
+            <a:schemeClr val="lt1"/>
+          </a:fontRef>
+        </p:style>
+        <p:txBody>
+          <a:bodyPr rtlCol="0" anchor="ctr"/>
+          <a:lstStyle/>
+          <a:p>
+            <a:endParaRPr lang="en-US" dirty="0" smtClean="0"/>
+          </a:p>
+          <a:p>
+            <a:endParaRPr lang="en-US" dirty="0"/>
+          </a:p>
+          <a:p>
+            <a:endParaRPr lang="en-US" dirty="0" smtClean="0"/>
+          </a:p>
+          <a:p>
+            <a:pPr algn="ctr"/>
+            <a:r>
+              <a:rPr lang="en-US" dirty="0" smtClean="0"/>
+              <a:t>(javax.ws.rs.*)</a:t>
+            </a:r>
+          </a:p>
+        </p:txBody>
+      </p:sp>
+      <p:sp>
+        <p:nvSpPr>
+          <p:cNvPr id="6" name="Rounded Rectangle 5"/>
+          <p:cNvSpPr/>
+          <p:nvPr/>
+        </p:nvSpPr>
+        <p:spPr>
+          <a:xfrm>
+            <a:off x="1452461" y="3381768"/>
+            <a:ext cx="1532330" cy="1126900"/>
+          </a:xfrm>
+          <a:prstGeom prst="roundRect">
+            <a:avLst/>
+          </a:prstGeom>
+        </p:spPr>
+        <p:style>
+          <a:lnRef idx="3">
+            <a:schemeClr val="lt1"/>
+          </a:lnRef>
+          <a:fillRef idx="1">
+            <a:schemeClr val="accent3"/>
+          </a:fillRef>
+          <a:effectRef idx="1">
+            <a:schemeClr val="accent3"/>
+          </a:effectRef>
+          <a:fontRef idx="minor">
+            <a:schemeClr val="lt1"/>
+          </a:fontRef>
+        </p:style>
+        <p:txBody>
+          <a:bodyPr rtlCol="0" anchor="ctr"/>
+          <a:lstStyle/>
+          <a:p>
+            <a:pPr algn="ctr"/>
+            <a:r>
+              <a:rPr lang="en-US" dirty="0" smtClean="0"/>
+              <a:t>JAX-RS</a:t>
+            </a:r>
+          </a:p>
+          <a:p>
+            <a:pPr algn="ctr"/>
+            <a:r>
+              <a:rPr lang="en-US" dirty="0" smtClean="0"/>
+              <a:t>Interfaces and</a:t>
+            </a:r>
+          </a:p>
+          <a:p>
+            <a:pPr algn="ctr"/>
+            <a:r>
+              <a:rPr lang="en-US" dirty="0" smtClean="0"/>
+              <a:t>annotations</a:t>
+            </a:r>
+            <a:endParaRPr lang="en-US" dirty="0"/>
+          </a:p>
+        </p:txBody>
+      </p:sp>
+      <p:sp>
+        <p:nvSpPr>
+          <p:cNvPr id="7" name="TextBox 6"/>
+          <p:cNvSpPr txBox="1"/>
+          <p:nvPr/>
+        </p:nvSpPr>
+        <p:spPr>
+          <a:xfrm>
+            <a:off x="1750003" y="2798872"/>
+            <a:ext cx="937246" cy="369332"/>
+          </a:xfrm>
+          <a:prstGeom prst="rect">
+            <a:avLst/>
+          </a:prstGeom>
+          <a:noFill/>
+          <a:ln>
+            <a:solidFill>
+              <a:schemeClr val="tx1"/>
+            </a:solidFill>
+          </a:ln>
+        </p:spPr>
+        <p:txBody>
+          <a:bodyPr wrap="square" rtlCol="0" anchor="ctr" anchorCtr="1">
+            <a:spAutoFit/>
+          </a:bodyPr>
+          <a:lstStyle/>
+          <a:p>
+            <a:r>
+              <a:rPr lang="en-US" dirty="0" smtClean="0"/>
+              <a:t>JAX-RS</a:t>
+            </a:r>
+            <a:endParaRPr lang="en-US" dirty="0"/>
+          </a:p>
+        </p:txBody>
+      </p:sp>
+      <p:sp>
+        <p:nvSpPr>
+          <p:cNvPr id="10" name="TextBox 9"/>
+          <p:cNvSpPr txBox="1"/>
+          <p:nvPr/>
+        </p:nvSpPr>
+        <p:spPr>
+          <a:xfrm>
+            <a:off x="6181859" y="2120836"/>
+            <a:ext cx="1281305" cy="369332"/>
+          </a:xfrm>
+          <a:prstGeom prst="rect">
+            <a:avLst/>
+          </a:prstGeom>
+          <a:noFill/>
+          <a:ln>
+            <a:solidFill>
+              <a:schemeClr val="tx1"/>
+            </a:solidFill>
+          </a:ln>
+        </p:spPr>
+        <p:txBody>
+          <a:bodyPr wrap="square" rtlCol="0" anchor="ctr" anchorCtr="1">
+            <a:spAutoFit/>
+          </a:bodyPr>
+          <a:lstStyle/>
+          <a:p>
+            <a:r>
+              <a:rPr lang="en-US" dirty="0" smtClean="0"/>
+              <a:t>Jersey</a:t>
+            </a:r>
+            <a:endParaRPr lang="en-US" dirty="0"/>
+          </a:p>
+        </p:txBody>
+      </p:sp>
+      <p:sp>
+        <p:nvSpPr>
+          <p:cNvPr id="11" name="Rounded Rectangle 10"/>
+          <p:cNvSpPr/>
+          <p:nvPr/>
+        </p:nvSpPr>
+        <p:spPr>
+          <a:xfrm>
+            <a:off x="8218143" y="2703732"/>
+            <a:ext cx="1769262" cy="845708"/>
+          </a:xfrm>
+          <a:prstGeom prst="roundRect">
+            <a:avLst/>
+          </a:prstGeom>
+          <a:ln>
+            <a:noFill/>
+          </a:ln>
+          <a:effectLst>
+            <a:outerShdw blurRad="190500" dist="228600" dir="2700000" algn="ctr">
+              <a:srgbClr val="000000">
+                <a:alpha val="30000"/>
+              </a:srgbClr>
+            </a:outerShdw>
+          </a:effectLst>
+          <a:scene3d>
+            <a:camera prst="orthographicFront">
+              <a:rot lat="0" lon="0" rev="0"/>
+            </a:camera>
+            <a:lightRig rig="glow" dir="t">
+              <a:rot lat="0" lon="0" rev="4800000"/>
+            </a:lightRig>
+          </a:scene3d>
+          <a:sp3d prstMaterial="matte">
+            <a:bevelT w="127000" h="63500"/>
+          </a:sp3d>
+        </p:spPr>
+        <p:style>
+          <a:lnRef idx="3">
+            <a:schemeClr val="lt1"/>
+          </a:lnRef>
+          <a:fillRef idx="1">
+            <a:schemeClr val="accent3"/>
+          </a:fillRef>
+          <a:effectRef idx="1">
+            <a:schemeClr val="accent3"/>
+          </a:effectRef>
+          <a:fontRef idx="minor">
+            <a:schemeClr val="lt1"/>
+          </a:fontRef>
+        </p:style>
+        <p:txBody>
+          <a:bodyPr rtlCol="0" anchor="ctr"/>
+          <a:lstStyle/>
+          <a:p>
+            <a:pPr algn="ctr"/>
+            <a:r>
+              <a:rPr lang="en-US" dirty="0" smtClean="0"/>
+              <a:t>Implementation classes</a:t>
+            </a:r>
+            <a:endParaRPr lang="en-US" dirty="0"/>
+          </a:p>
+        </p:txBody>
+      </p:sp>
+      <p:sp>
+        <p:nvSpPr>
+          <p:cNvPr id="14" name="TextBox 13"/>
+          <p:cNvSpPr txBox="1"/>
+          <p:nvPr/>
+        </p:nvSpPr>
+        <p:spPr>
+          <a:xfrm>
+            <a:off x="6181859" y="4180106"/>
+            <a:ext cx="1281305" cy="369332"/>
+          </a:xfrm>
+          <a:prstGeom prst="rect">
+            <a:avLst/>
+          </a:prstGeom>
+          <a:noFill/>
+          <a:ln>
+            <a:solidFill>
+              <a:schemeClr val="tx1"/>
+            </a:solidFill>
+          </a:ln>
+        </p:spPr>
+        <p:txBody>
+          <a:bodyPr wrap="square" rtlCol="0" anchor="ctr" anchorCtr="1">
+            <a:spAutoFit/>
+          </a:bodyPr>
+          <a:lstStyle/>
+          <a:p>
+            <a:r>
+              <a:rPr lang="en-US" dirty="0" smtClean="0"/>
+              <a:t>RESTEasy</a:t>
+            </a:r>
+            <a:endParaRPr lang="en-US" dirty="0"/>
+          </a:p>
+        </p:txBody>
+      </p:sp>
+      <p:sp>
+        <p:nvSpPr>
+          <p:cNvPr id="15" name="Rounded Rectangle 14"/>
+          <p:cNvSpPr/>
+          <p:nvPr/>
+        </p:nvSpPr>
+        <p:spPr>
+          <a:xfrm>
+            <a:off x="8218143" y="4763002"/>
+            <a:ext cx="1769262" cy="845708"/>
+          </a:xfrm>
+          <a:prstGeom prst="roundRect">
+            <a:avLst/>
+          </a:prstGeom>
+          <a:ln>
+            <a:noFill/>
+          </a:ln>
+          <a:effectLst>
+            <a:outerShdw blurRad="190500" dist="228600" dir="2700000" algn="ctr">
+              <a:srgbClr val="000000">
+                <a:alpha val="30000"/>
+              </a:srgbClr>
+            </a:outerShdw>
+          </a:effectLst>
+          <a:scene3d>
+            <a:camera prst="orthographicFront">
+              <a:rot lat="0" lon="0" rev="0"/>
+            </a:camera>
+            <a:lightRig rig="glow" dir="t">
+              <a:rot lat="0" lon="0" rev="4800000"/>
+            </a:lightRig>
+          </a:scene3d>
+          <a:sp3d prstMaterial="matte">
+            <a:bevelT w="127000" h="63500"/>
+          </a:sp3d>
+        </p:spPr>
+        <p:style>
+          <a:lnRef idx="3">
+            <a:schemeClr val="lt1"/>
+          </a:lnRef>
+          <a:fillRef idx="1">
+            <a:schemeClr val="accent3"/>
+          </a:fillRef>
+          <a:effectRef idx="1">
+            <a:schemeClr val="accent3"/>
+          </a:effectRef>
+          <a:fontRef idx="minor">
+            <a:schemeClr val="lt1"/>
+          </a:fontRef>
+        </p:style>
+        <p:txBody>
+          <a:bodyPr rtlCol="0" anchor="ctr"/>
+          <a:lstStyle/>
+          <a:p>
+            <a:pPr algn="ctr"/>
+            <a:r>
+              <a:rPr lang="en-US" dirty="0" smtClean="0"/>
+              <a:t>Implementation classes</a:t>
+            </a:r>
+            <a:endParaRPr lang="en-US" dirty="0"/>
+          </a:p>
+        </p:txBody>
+      </p:sp>
+      <p:sp>
+        <p:nvSpPr>
+          <p:cNvPr id="16" name="Right Arrow 15"/>
+          <p:cNvSpPr/>
+          <p:nvPr/>
+        </p:nvSpPr>
+        <p:spPr>
+          <a:xfrm>
+            <a:off x="3927996" y="4090454"/>
+            <a:ext cx="1027221" cy="351592"/>
+          </a:xfrm>
+          <a:prstGeom prst="rightArrow">
+            <a:avLst>
+              <a:gd name="adj1" fmla="val 50000"/>
+              <a:gd name="adj2" fmla="val 51444"/>
+            </a:avLst>
+          </a:prstGeom>
+          <a:solidFill>
+            <a:schemeClr val="accent1">
+              <a:lumMod val="75000"/>
+            </a:schemeClr>
+          </a:solidFill>
+        </p:spPr>
+        <p:style>
+          <a:lnRef idx="3">
+            <a:schemeClr val="lt1"/>
+          </a:lnRef>
+          <a:fillRef idx="1">
+            <a:schemeClr val="accent3"/>
+          </a:fillRef>
+          <a:effectRef idx="1">
+            <a:schemeClr val="accent3"/>
+          </a:effectRef>
+          <a:fontRef idx="minor">
+            <a:schemeClr val="lt1"/>
+          </a:fontRef>
+        </p:style>
+        <p:txBody>
+          <a:bodyPr rtlCol="0" anchor="ctr"/>
+          <a:lstStyle/>
+          <a:p>
+            <a:pPr algn="ctr"/>
+            <a:endParaRPr lang="fr-FR" dirty="0"/>
+          </a:p>
+        </p:txBody>
+      </p:sp>
+      <p:sp>
+        <p:nvSpPr>
+          <p:cNvPr id="17" name="Rounded Rectangle 16"/>
+          <p:cNvSpPr/>
+          <p:nvPr/>
+        </p:nvSpPr>
+        <p:spPr>
+          <a:xfrm>
+            <a:off x="1452461" y="3371912"/>
+            <a:ext cx="1532330" cy="1126900"/>
+          </a:xfrm>
+          <a:prstGeom prst="roundRect">
+            <a:avLst/>
+          </a:prstGeom>
+        </p:spPr>
+        <p:style>
+          <a:lnRef idx="3">
+            <a:schemeClr val="lt1"/>
+          </a:lnRef>
+          <a:fillRef idx="1">
+            <a:schemeClr val="accent3"/>
+          </a:fillRef>
+          <a:effectRef idx="1">
+            <a:schemeClr val="accent3"/>
+          </a:effectRef>
+          <a:fontRef idx="minor">
+            <a:schemeClr val="lt1"/>
+          </a:fontRef>
+        </p:style>
+        <p:txBody>
+          <a:bodyPr rtlCol="0" anchor="ctr"/>
+          <a:lstStyle/>
+          <a:p>
+            <a:pPr algn="ctr"/>
+            <a:r>
+              <a:rPr lang="en-US" dirty="0" smtClean="0"/>
+              <a:t>JAX-RS</a:t>
+            </a:r>
+          </a:p>
+          <a:p>
+            <a:pPr algn="ctr"/>
+            <a:r>
+              <a:rPr lang="en-US" dirty="0" smtClean="0"/>
+              <a:t>Interfaces and</a:t>
+            </a:r>
+          </a:p>
+          <a:p>
+            <a:pPr algn="ctr"/>
+            <a:r>
+              <a:rPr lang="en-US" dirty="0" smtClean="0"/>
+              <a:t>annotations</a:t>
+            </a:r>
+            <a:endParaRPr lang="en-US" dirty="0"/>
+          </a:p>
+        </p:txBody>
+      </p:sp>
+      <p:sp>
+        <p:nvSpPr>
+          <p:cNvPr id="18" name="Rounded Rectangle 17"/>
+          <p:cNvSpPr/>
+          <p:nvPr/>
+        </p:nvSpPr>
+        <p:spPr>
+          <a:xfrm>
+            <a:off x="1463673" y="3346226"/>
+            <a:ext cx="1532330" cy="1126900"/>
+          </a:xfrm>
+          <a:prstGeom prst="roundRect">
+            <a:avLst/>
+          </a:prstGeom>
+          <a:ln>
+            <a:noFill/>
+          </a:ln>
+          <a:effectLst>
+            <a:outerShdw blurRad="190500" dist="228600" dir="2700000" algn="ctr">
+              <a:srgbClr val="000000">
+                <a:alpha val="30000"/>
+              </a:srgbClr>
+            </a:outerShdw>
+          </a:effectLst>
+          <a:scene3d>
+            <a:camera prst="orthographicFront">
+              <a:rot lat="0" lon="0" rev="0"/>
+            </a:camera>
+            <a:lightRig rig="glow" dir="t">
+              <a:rot lat="0" lon="0" rev="4800000"/>
+            </a:lightRig>
+          </a:scene3d>
+          <a:sp3d prstMaterial="matte">
+            <a:bevelT w="127000" h="63500"/>
+          </a:sp3d>
+        </p:spPr>
+        <p:style>
+          <a:lnRef idx="3">
+            <a:schemeClr val="lt1"/>
+          </a:lnRef>
+          <a:fillRef idx="1">
+            <a:schemeClr val="accent3"/>
+          </a:fillRef>
+          <a:effectRef idx="1">
+            <a:schemeClr val="accent3"/>
+          </a:effectRef>
+          <a:fontRef idx="minor">
+            <a:schemeClr val="lt1"/>
+          </a:fontRef>
+        </p:style>
+        <p:txBody>
+          <a:bodyPr rtlCol="0" anchor="ctr"/>
+          <a:lstStyle/>
+          <a:p>
+            <a:pPr algn="ctr"/>
+            <a:r>
+              <a:rPr lang="en-US" dirty="0" smtClean="0"/>
+              <a:t>JAX-RS</a:t>
+            </a:r>
+          </a:p>
+          <a:p>
+            <a:pPr algn="ctr"/>
+            <a:r>
+              <a:rPr lang="en-US" dirty="0" smtClean="0"/>
+              <a:t>Interfaces and</a:t>
+            </a:r>
+          </a:p>
+          <a:p>
+            <a:pPr algn="ctr"/>
+            <a:r>
+              <a:rPr lang="en-US" dirty="0" smtClean="0"/>
+              <a:t>annotations</a:t>
+            </a:r>
+            <a:endParaRPr lang="en-US" dirty="0"/>
+          </a:p>
+        </p:txBody>
+      </p:sp>
+    </p:spTree>
+    <p:extLst>
+      <p:ext uri="{BB962C8B-B14F-4D97-AF65-F5344CB8AC3E}">
+        <p14:creationId xmlns:p14="http://schemas.microsoft.com/office/powerpoint/2010/main" val="1826569832"/>
+      </p:ext>
+    </p:extLst>
+  </p:cSld>
+  <p:clrMapOvr>
+    <a:masterClrMapping/>
+  </p:clrMapOvr>
+  <p:timing>
+    <p:tnLst>
+      <p:par>
+        <p:cTn id="1" dur="indefinite" restart="never" nodeType="tmRoot">
+          <p:childTnLst>
+            <p:seq concurrent="1" nextAc="seek">
+              <p:cTn id="2" dur="indefinite" nodeType="mainSeq">
+                <p:childTnLst>
+                  <p:par>
+                    <p:cTn id="3" fill="hold">
+                      <p:stCondLst>
+                        <p:cond delay="indefinite"/>
+                      </p:stCondLst>
+                      <p:childTnLst>
+                        <p:par>
+                          <p:cTn id="4" fill="hold">
+                            <p:stCondLst>
+                              <p:cond delay="0"/>
+                            </p:stCondLst>
+                            <p:childTnLst>
+                              <p:par>
+                                <p:cTn id="5" presetID="2" presetClass="entr" presetSubtype="4" fill="hold" grpId="0" nodeType="clickEffect">
+                                  <p:stCondLst>
+                                    <p:cond delay="0"/>
+                                  </p:stCondLst>
+                                  <p:childTnLst>
+                                    <p:set>
+                                      <p:cBhvr>
+                                        <p:cTn id="6" dur="1" fill="hold">
+                                          <p:stCondLst>
+                                            <p:cond delay="0"/>
+                                          </p:stCondLst>
+                                        </p:cTn>
+                                        <p:tgtEl>
+                                          <p:spTgt spid="8"/>
+                                        </p:tgtEl>
+                                        <p:attrNameLst>
+                                          <p:attrName>style.visibility</p:attrName>
+                                        </p:attrNameLst>
+                                      </p:cBhvr>
+                                      <p:to>
+                                        <p:strVal val="visible"/>
+                                      </p:to>
+                                    </p:set>
+                                    <p:anim calcmode="lin" valueType="num">
+                                      <p:cBhvr additive="base">
+                                        <p:cTn id="7" dur="500" fill="hold"/>
+                                        <p:tgtEl>
+                                          <p:spTgt spid="8"/>
+                                        </p:tgtEl>
+                                        <p:attrNameLst>
+                                          <p:attrName>ppt_x</p:attrName>
+                                        </p:attrNameLst>
+                                      </p:cBhvr>
+                                      <p:tavLst>
+                                        <p:tav tm="0">
+                                          <p:val>
+                                            <p:strVal val="#ppt_x"/>
+                                          </p:val>
+                                        </p:tav>
+                                        <p:tav tm="100000">
+                                          <p:val>
+                                            <p:strVal val="#ppt_x"/>
+                                          </p:val>
+                                        </p:tav>
+                                      </p:tavLst>
+                                    </p:anim>
+                                    <p:anim calcmode="lin" valueType="num">
+                                      <p:cBhvr additive="base">
+                                        <p:cTn id="8" dur="500" fill="hold"/>
+                                        <p:tgtEl>
+                                          <p:spTgt spid="8"/>
+                                        </p:tgtEl>
+                                        <p:attrNameLst>
+                                          <p:attrName>ppt_y</p:attrName>
+                                        </p:attrNameLst>
+                                      </p:cBhvr>
+                                      <p:tavLst>
+                                        <p:tav tm="0">
+                                          <p:val>
+                                            <p:strVal val="1+#ppt_h/2"/>
+                                          </p:val>
+                                        </p:tav>
+                                        <p:tav tm="100000">
+                                          <p:val>
+                                            <p:strVal val="#ppt_y"/>
+                                          </p:val>
+                                        </p:tav>
+                                      </p:tavLst>
+                                    </p:anim>
+                                  </p:childTnLst>
+                                </p:cTn>
+                              </p:par>
+                              <p:par>
+                                <p:cTn id="9" presetID="2" presetClass="entr" presetSubtype="4" fill="hold" grpId="0" nodeType="withEffect">
+                                  <p:stCondLst>
+                                    <p:cond delay="0"/>
+                                  </p:stCondLst>
+                                  <p:childTnLst>
+                                    <p:set>
+                                      <p:cBhvr>
+                                        <p:cTn id="10" dur="1" fill="hold">
+                                          <p:stCondLst>
+                                            <p:cond delay="0"/>
+                                          </p:stCondLst>
+                                        </p:cTn>
+                                        <p:tgtEl>
+                                          <p:spTgt spid="11"/>
+                                        </p:tgtEl>
+                                        <p:attrNameLst>
+                                          <p:attrName>style.visibility</p:attrName>
+                                        </p:attrNameLst>
+                                      </p:cBhvr>
+                                      <p:to>
+                                        <p:strVal val="visible"/>
+                                      </p:to>
+                                    </p:set>
+                                    <p:anim calcmode="lin" valueType="num">
+                                      <p:cBhvr additive="base">
+                                        <p:cTn id="11" dur="500" fill="hold"/>
+                                        <p:tgtEl>
+                                          <p:spTgt spid="11"/>
+                                        </p:tgtEl>
+                                        <p:attrNameLst>
+                                          <p:attrName>ppt_x</p:attrName>
+                                        </p:attrNameLst>
+                                      </p:cBhvr>
+                                      <p:tavLst>
+                                        <p:tav tm="0">
+                                          <p:val>
+                                            <p:strVal val="#ppt_x"/>
+                                          </p:val>
+                                        </p:tav>
+                                        <p:tav tm="100000">
+                                          <p:val>
+                                            <p:strVal val="#ppt_x"/>
+                                          </p:val>
+                                        </p:tav>
+                                      </p:tavLst>
+                                    </p:anim>
+                                    <p:anim calcmode="lin" valueType="num">
+                                      <p:cBhvr additive="base">
+                                        <p:cTn id="12" dur="500" fill="hold"/>
+                                        <p:tgtEl>
+                                          <p:spTgt spid="11"/>
+                                        </p:tgtEl>
+                                        <p:attrNameLst>
+                                          <p:attrName>ppt_y</p:attrName>
+                                        </p:attrNameLst>
+                                      </p:cBhvr>
+                                      <p:tavLst>
+                                        <p:tav tm="0">
+                                          <p:val>
+                                            <p:strVal val="1+#ppt_h/2"/>
+                                          </p:val>
+                                        </p:tav>
+                                        <p:tav tm="100000">
+                                          <p:val>
+                                            <p:strVal val="#ppt_y"/>
+                                          </p:val>
+                                        </p:tav>
+                                      </p:tavLst>
+                                    </p:anim>
+                                  </p:childTnLst>
+                                </p:cTn>
+                              </p:par>
+                              <p:par>
+                                <p:cTn id="13" presetID="2" presetClass="entr" presetSubtype="4" fill="hold" grpId="0" nodeType="withEffect">
+                                  <p:stCondLst>
+                                    <p:cond delay="0"/>
+                                  </p:stCondLst>
+                                  <p:childTnLst>
+                                    <p:set>
+                                      <p:cBhvr>
+                                        <p:cTn id="14" dur="1" fill="hold">
+                                          <p:stCondLst>
+                                            <p:cond delay="0"/>
+                                          </p:stCondLst>
+                                        </p:cTn>
+                                        <p:tgtEl>
+                                          <p:spTgt spid="12"/>
+                                        </p:tgtEl>
+                                        <p:attrNameLst>
+                                          <p:attrName>style.visibility</p:attrName>
+                                        </p:attrNameLst>
+                                      </p:cBhvr>
+                                      <p:to>
+                                        <p:strVal val="visible"/>
+                                      </p:to>
+                                    </p:set>
+                                    <p:anim calcmode="lin" valueType="num">
+                                      <p:cBhvr additive="base">
+                                        <p:cTn id="15" dur="500" fill="hold"/>
+                                        <p:tgtEl>
+                                          <p:spTgt spid="12"/>
+                                        </p:tgtEl>
+                                        <p:attrNameLst>
+                                          <p:attrName>ppt_x</p:attrName>
+                                        </p:attrNameLst>
+                                      </p:cBhvr>
+                                      <p:tavLst>
+                                        <p:tav tm="0">
+                                          <p:val>
+                                            <p:strVal val="#ppt_x"/>
+                                          </p:val>
+                                        </p:tav>
+                                        <p:tav tm="100000">
+                                          <p:val>
+                                            <p:strVal val="#ppt_x"/>
+                                          </p:val>
+                                        </p:tav>
+                                      </p:tavLst>
+                                    </p:anim>
+                                    <p:anim calcmode="lin" valueType="num">
+                                      <p:cBhvr additive="base">
+                                        <p:cTn id="16" dur="500" fill="hold"/>
+                                        <p:tgtEl>
+                                          <p:spTgt spid="12"/>
+                                        </p:tgtEl>
+                                        <p:attrNameLst>
+                                          <p:attrName>ppt_y</p:attrName>
+                                        </p:attrNameLst>
+                                      </p:cBhvr>
+                                      <p:tavLst>
+                                        <p:tav tm="0">
+                                          <p:val>
+                                            <p:strVal val="1+#ppt_h/2"/>
+                                          </p:val>
+                                        </p:tav>
+                                        <p:tav tm="100000">
+                                          <p:val>
+                                            <p:strVal val="#ppt_y"/>
+                                          </p:val>
+                                        </p:tav>
+                                      </p:tavLst>
+                                    </p:anim>
+                                  </p:childTnLst>
+                                </p:cTn>
+                              </p:par>
+                              <p:par>
+                                <p:cTn id="17" presetID="2" presetClass="entr" presetSubtype="4" fill="hold" grpId="0" nodeType="withEffect">
+                                  <p:stCondLst>
+                                    <p:cond delay="0"/>
+                                  </p:stCondLst>
+                                  <p:childTnLst>
+                                    <p:set>
+                                      <p:cBhvr>
+                                        <p:cTn id="18" dur="1" fill="hold">
+                                          <p:stCondLst>
+                                            <p:cond delay="0"/>
+                                          </p:stCondLst>
+                                        </p:cTn>
+                                        <p:tgtEl>
+                                          <p:spTgt spid="15"/>
+                                        </p:tgtEl>
+                                        <p:attrNameLst>
+                                          <p:attrName>style.visibility</p:attrName>
+                                        </p:attrNameLst>
+                                      </p:cBhvr>
+                                      <p:to>
+                                        <p:strVal val="visible"/>
+                                      </p:to>
+                                    </p:set>
+                                    <p:anim calcmode="lin" valueType="num">
+                                      <p:cBhvr additive="base">
+                                        <p:cTn id="19" dur="500" fill="hold"/>
+                                        <p:tgtEl>
+                                          <p:spTgt spid="15"/>
+                                        </p:tgtEl>
+                                        <p:attrNameLst>
+                                          <p:attrName>ppt_x</p:attrName>
+                                        </p:attrNameLst>
+                                      </p:cBhvr>
+                                      <p:tavLst>
+                                        <p:tav tm="0">
+                                          <p:val>
+                                            <p:strVal val="#ppt_x"/>
+                                          </p:val>
+                                        </p:tav>
+                                        <p:tav tm="100000">
+                                          <p:val>
+                                            <p:strVal val="#ppt_x"/>
+                                          </p:val>
+                                        </p:tav>
+                                      </p:tavLst>
+                                    </p:anim>
+                                    <p:anim calcmode="lin" valueType="num">
+                                      <p:cBhvr additive="base">
+                                        <p:cTn id="20" dur="500" fill="hold"/>
+                                        <p:tgtEl>
+                                          <p:spTgt spid="15"/>
+                                        </p:tgtEl>
+                                        <p:attrNameLst>
+                                          <p:attrName>ppt_y</p:attrName>
+                                        </p:attrNameLst>
+                                      </p:cBhvr>
+                                      <p:tavLst>
+                                        <p:tav tm="0">
+                                          <p:val>
+                                            <p:strVal val="1+#ppt_h/2"/>
+                                          </p:val>
+                                        </p:tav>
+                                        <p:tav tm="100000">
+                                          <p:val>
+                                            <p:strVal val="#ppt_y"/>
+                                          </p:val>
+                                        </p:tav>
+                                      </p:tavLst>
+                                    </p:anim>
+                                  </p:childTnLst>
+                                </p:cTn>
+                              </p:par>
+                              <p:par>
+                                <p:cTn id="21" presetID="1" presetClass="entr" presetSubtype="0" fill="hold" grpId="0" nodeType="withEffect">
+                                  <p:stCondLst>
+                                    <p:cond delay="0"/>
+                                  </p:stCondLst>
+                                  <p:childTnLst>
+                                    <p:set>
+                                      <p:cBhvr>
+                                        <p:cTn id="22" dur="1" fill="hold">
+                                          <p:stCondLst>
+                                            <p:cond delay="0"/>
+                                          </p:stCondLst>
+                                        </p:cTn>
+                                        <p:tgtEl>
+                                          <p:spTgt spid="10"/>
+                                        </p:tgtEl>
+                                        <p:attrNameLst>
+                                          <p:attrName>style.visibility</p:attrName>
+                                        </p:attrNameLst>
+                                      </p:cBhvr>
+                                      <p:to>
+                                        <p:strVal val="visible"/>
+                                      </p:to>
+                                    </p:set>
+                                  </p:childTnLst>
+                                </p:cTn>
+                              </p:par>
+                              <p:par>
+                                <p:cTn id="23" presetID="1" presetClass="entr" presetSubtype="0" fill="hold" grpId="0" nodeType="withEffect">
+                                  <p:stCondLst>
+                                    <p:cond delay="0"/>
+                                  </p:stCondLst>
+                                  <p:childTnLst>
+                                    <p:set>
+                                      <p:cBhvr>
+                                        <p:cTn id="24" dur="1" fill="hold">
+                                          <p:stCondLst>
+                                            <p:cond delay="0"/>
+                                          </p:stCondLst>
+                                        </p:cTn>
+                                        <p:tgtEl>
+                                          <p:spTgt spid="14"/>
+                                        </p:tgtEl>
+                                        <p:attrNameLst>
+                                          <p:attrName>style.visibility</p:attrName>
+                                        </p:attrNameLst>
+                                      </p:cBhvr>
+                                      <p:to>
+                                        <p:strVal val="visible"/>
+                                      </p:to>
+                                    </p:set>
+                                  </p:childTnLst>
+                                </p:cTn>
+                              </p:par>
+                            </p:childTnLst>
+                          </p:cTn>
+                        </p:par>
+                        <p:par>
+                          <p:cTn id="25" fill="hold">
+                            <p:stCondLst>
+                              <p:cond delay="500"/>
+                            </p:stCondLst>
+                            <p:childTnLst>
+                              <p:par>
+                                <p:cTn id="26" presetID="22" presetClass="entr" presetSubtype="8" fill="hold" grpId="0" nodeType="afterEffect">
+                                  <p:stCondLst>
+                                    <p:cond delay="500"/>
+                                  </p:stCondLst>
+                                  <p:childTnLst>
+                                    <p:set>
+                                      <p:cBhvr>
+                                        <p:cTn id="27" dur="1" fill="hold">
+                                          <p:stCondLst>
+                                            <p:cond delay="0"/>
+                                          </p:stCondLst>
+                                        </p:cTn>
+                                        <p:tgtEl>
+                                          <p:spTgt spid="16"/>
+                                        </p:tgtEl>
+                                        <p:attrNameLst>
+                                          <p:attrName>style.visibility</p:attrName>
+                                        </p:attrNameLst>
+                                      </p:cBhvr>
+                                      <p:to>
+                                        <p:strVal val="visible"/>
+                                      </p:to>
+                                    </p:set>
+                                    <p:animEffect transition="in" filter="wipe(left)">
+                                      <p:cBhvr>
+                                        <p:cTn id="28" dur="500"/>
+                                        <p:tgtEl>
+                                          <p:spTgt spid="16"/>
+                                        </p:tgtEl>
+                                      </p:cBhvr>
+                                    </p:animEffect>
+                                  </p:childTnLst>
+                                </p:cTn>
+                              </p:par>
+                              <p:par>
+                                <p:cTn id="29" presetID="49" presetClass="path" presetSubtype="0" accel="50000" decel="50000" fill="hold" grpId="1" nodeType="withEffect">
+                                  <p:stCondLst>
+                                    <p:cond delay="0"/>
+                                  </p:stCondLst>
+                                  <p:childTnLst>
+                                    <p:animMotion origin="layout" path="M -1.04167E-6 -1.48148E-6 L 0.38542 0.20046 " pathEditMode="relative" rAng="0" ptsTypes="AA">
+                                      <p:cBhvr>
+                                        <p:cTn id="30" dur="2000" fill="hold"/>
+                                        <p:tgtEl>
+                                          <p:spTgt spid="6"/>
+                                        </p:tgtEl>
+                                        <p:attrNameLst>
+                                          <p:attrName>ppt_x</p:attrName>
+                                          <p:attrName>ppt_y</p:attrName>
+                                        </p:attrNameLst>
+                                      </p:cBhvr>
+                                      <p:rCtr x="19271" y="10023"/>
+                                    </p:animMotion>
+                                  </p:childTnLst>
+                                </p:cTn>
+                              </p:par>
+                              <p:par>
+                                <p:cTn id="31" presetID="56" presetClass="path" presetSubtype="0" accel="50000" decel="50000" fill="hold" grpId="0" nodeType="withEffect">
+                                  <p:stCondLst>
+                                    <p:cond delay="0"/>
+                                  </p:stCondLst>
+                                  <p:childTnLst>
+                                    <p:animMotion origin="layout" path="M -1.04167E-6 -2.59259E-6 L 0.38112 -0.11203 " pathEditMode="relative" rAng="0" ptsTypes="AA">
+                                      <p:cBhvr>
+                                        <p:cTn id="32" dur="2000" fill="hold"/>
+                                        <p:tgtEl>
+                                          <p:spTgt spid="17"/>
+                                        </p:tgtEl>
+                                        <p:attrNameLst>
+                                          <p:attrName>ppt_x</p:attrName>
+                                          <p:attrName>ppt_y</p:attrName>
+                                        </p:attrNameLst>
+                                      </p:cBhvr>
+                                      <p:rCtr x="19049" y="-5602"/>
+                                    </p:animMotion>
+                                  </p:childTnLst>
+                                </p:cTn>
+                              </p:par>
+                            </p:childTnLst>
+                          </p:cTn>
+                        </p:par>
+                      </p:childTnLst>
+                    </p:cTn>
+                  </p:par>
+                </p:childTnLst>
+              </p:cTn>
+              <p:prevCondLst>
+                <p:cond evt="onPrev" delay="0">
+                  <p:tgtEl>
+                    <p:sldTgt/>
+                  </p:tgtEl>
+                </p:cond>
+              </p:prevCondLst>
+              <p:nextCondLst>
+                <p:cond evt="onNext" delay="0">
+                  <p:tgtEl>
+                    <p:sldTgt/>
+                  </p:tgtEl>
+                </p:cond>
+              </p:nextCondLst>
+            </p:seq>
+          </p:childTnLst>
+        </p:cTn>
+      </p:par>
+    </p:tnLst>
+    <p:bldLst>
+      <p:bldP spid="8" grpId="0" animBg="1"/>
+      <p:bldP spid="12" grpId="0" animBg="1"/>
+      <p:bldP spid="6" grpId="1" animBg="1"/>
+      <p:bldP spid="10" grpId="0" animBg="1"/>
+      <p:bldP spid="11" grpId="0" animBg="1"/>
+      <p:bldP spid="14" grpId="0" animBg="1"/>
+      <p:bldP spid="15" grpId="0" animBg="1"/>
+      <p:bldP spid="16" grpId="0" animBg="1"/>
+      <p:bldP spid="17" grpId="0" animBg="1"/>
+    </p:bldLst>
+  </p:timing>
+</p:sld>
+</file>
+
+<file path=ppt/slides/slide56.xml><?xml version="1.0" encoding="utf-8"?>
+<p:sld xmlns:a="http://schemas.openxmlformats.org/drawingml/2006/main" xmlns:r="http://schemas.openxmlformats.org/officeDocument/2006/relationships" xmlns:p="http://schemas.openxmlformats.org/presentationml/2006/main">
+  <p:cSld>
+    <p:spTree>
+      <p:nvGrpSpPr>
+        <p:cNvPr id="1" name=""/>
+        <p:cNvGrpSpPr/>
+        <p:nvPr/>
+      </p:nvGrpSpPr>
+      <p:grpSpPr>
+        <a:xfrm>
+          <a:off x="0" y="0"/>
+          <a:ext cx="0" cy="0"/>
+          <a:chOff x="0" y="0"/>
+          <a:chExt cx="0" cy="0"/>
+        </a:xfrm>
+      </p:grpSpPr>
+      <p:sp>
+        <p:nvSpPr>
+          <p:cNvPr id="2" name="Slide Number Placeholder 1"/>
+          <p:cNvSpPr>
+            <a:spLocks noGrp="1"/>
+          </p:cNvSpPr>
+          <p:nvPr>
+            <p:ph type="sldNum" sz="quarter" idx="12"/>
+          </p:nvPr>
+        </p:nvSpPr>
+        <p:spPr/>
+        <p:txBody>
+          <a:bodyPr/>
+          <a:lstStyle/>
+          <a:p>
+            <a:fld id="{401CF334-2D5C-4859-84A6-CA7E6E43FAEB}" type="slidenum">
+              <a:rPr lang="en-US" smtClean="0"/>
+              <a:t>56</a:t>
+            </a:fld>
+            <a:endParaRPr lang="en-US" dirty="0"/>
+          </a:p>
+        </p:txBody>
+      </p:sp>
+      <p:sp>
+        <p:nvSpPr>
+          <p:cNvPr id="4" name="Title 3"/>
+          <p:cNvSpPr>
+            <a:spLocks noGrp="1"/>
+          </p:cNvSpPr>
+          <p:nvPr>
+            <p:ph type="title"/>
+          </p:nvPr>
+        </p:nvSpPr>
+        <p:spPr/>
+        <p:txBody>
+          <a:bodyPr/>
+          <a:lstStyle/>
+          <a:p>
+            <a:r>
+              <a:rPr lang="en-US" dirty="0" smtClean="0"/>
+              <a:t>JAX-RS</a:t>
+            </a:r>
+            <a:endParaRPr lang="en-US" dirty="0"/>
+          </a:p>
+        </p:txBody>
+      </p:sp>
+      <p:sp>
+        <p:nvSpPr>
+          <p:cNvPr id="5" name="Rectangle 4"/>
+          <p:cNvSpPr/>
+          <p:nvPr/>
+        </p:nvSpPr>
+        <p:spPr>
+          <a:xfrm>
+            <a:off x="917987" y="3026535"/>
+            <a:ext cx="10341684" cy="3134907"/>
+          </a:xfrm>
+          <a:prstGeom prst="rect">
+            <a:avLst/>
+          </a:prstGeom>
+          <a:ln>
+            <a:noFill/>
+          </a:ln>
+          <a:effectLst>
+            <a:outerShdw blurRad="190500" dist="228600" dir="2700000" algn="ctr">
+              <a:srgbClr val="000000">
+                <a:alpha val="30000"/>
+              </a:srgbClr>
+            </a:outerShdw>
+          </a:effectLst>
+          <a:scene3d>
+            <a:camera prst="orthographicFront">
+              <a:rot lat="0" lon="0" rev="0"/>
+            </a:camera>
+            <a:lightRig rig="glow" dir="t">
+              <a:rot lat="0" lon="0" rev="4800000"/>
+            </a:lightRig>
+          </a:scene3d>
+          <a:sp3d prstMaterial="matte">
+            <a:bevelT w="127000" h="63500"/>
+          </a:sp3d>
+        </p:spPr>
+        <p:style>
+          <a:lnRef idx="1">
+            <a:schemeClr val="dk1"/>
+          </a:lnRef>
+          <a:fillRef idx="3">
+            <a:schemeClr val="dk1"/>
+          </a:fillRef>
+          <a:effectRef idx="2">
+            <a:schemeClr val="dk1"/>
+          </a:effectRef>
+          <a:fontRef idx="minor">
+            <a:schemeClr val="lt1"/>
+          </a:fontRef>
+        </p:style>
+        <p:txBody>
+          <a:bodyPr rtlCol="0" anchor="ctr"/>
+          <a:lstStyle/>
+          <a:p>
+            <a:endParaRPr lang="en-US" dirty="0" smtClean="0"/>
+          </a:p>
+        </p:txBody>
+      </p:sp>
+      <p:sp>
+        <p:nvSpPr>
+          <p:cNvPr id="7" name="TextBox 6"/>
+          <p:cNvSpPr txBox="1"/>
+          <p:nvPr/>
+        </p:nvSpPr>
+        <p:spPr>
+          <a:xfrm>
+            <a:off x="917987" y="3026534"/>
+            <a:ext cx="2089162" cy="369332"/>
+          </a:xfrm>
+          <a:prstGeom prst="rect">
+            <a:avLst/>
+          </a:prstGeom>
+          <a:noFill/>
+          <a:ln>
+            <a:solidFill>
+              <a:schemeClr val="accent1"/>
+            </a:solidFill>
+          </a:ln>
+        </p:spPr>
+        <p:txBody>
+          <a:bodyPr wrap="none" rtlCol="0" anchor="ctr" anchorCtr="1">
+            <a:spAutoFit/>
+          </a:bodyPr>
+          <a:lstStyle/>
+          <a:p>
+            <a:r>
+              <a:rPr lang="en-US" dirty="0" smtClean="0">
+                <a:solidFill>
+                  <a:schemeClr val="bg1"/>
+                </a:solidFill>
+              </a:rPr>
+              <a:t>REST API application</a:t>
+            </a:r>
+            <a:endParaRPr lang="en-US" dirty="0">
+              <a:solidFill>
+                <a:schemeClr val="bg1"/>
+              </a:solidFill>
+            </a:endParaRPr>
+          </a:p>
+        </p:txBody>
+      </p:sp>
+      <p:sp>
+        <p:nvSpPr>
+          <p:cNvPr id="9" name="Rounded Rectangle 8"/>
+          <p:cNvSpPr/>
+          <p:nvPr/>
+        </p:nvSpPr>
+        <p:spPr>
+          <a:xfrm>
+            <a:off x="1804585" y="3801551"/>
+            <a:ext cx="1532330" cy="1126900"/>
+          </a:xfrm>
+          <a:prstGeom prst="roundRect">
+            <a:avLst/>
+          </a:prstGeom>
+          <a:ln>
+            <a:noFill/>
+          </a:ln>
+          <a:effectLst>
+            <a:outerShdw blurRad="190500" dist="228600" dir="2700000" algn="ctr">
+              <a:srgbClr val="000000">
+                <a:alpha val="30000"/>
+              </a:srgbClr>
+            </a:outerShdw>
+          </a:effectLst>
+          <a:scene3d>
+            <a:camera prst="orthographicFront">
+              <a:rot lat="0" lon="0" rev="0"/>
+            </a:camera>
+            <a:lightRig rig="glow" dir="t">
+              <a:rot lat="0" lon="0" rev="4800000"/>
+            </a:lightRig>
+          </a:scene3d>
+          <a:sp3d prstMaterial="matte">
+            <a:bevelT w="127000" h="63500"/>
+          </a:sp3d>
+        </p:spPr>
+        <p:style>
+          <a:lnRef idx="3">
+            <a:schemeClr val="lt1"/>
+          </a:lnRef>
+          <a:fillRef idx="1">
+            <a:schemeClr val="accent3"/>
+          </a:fillRef>
+          <a:effectRef idx="1">
+            <a:schemeClr val="accent3"/>
+          </a:effectRef>
+          <a:fontRef idx="minor">
+            <a:schemeClr val="lt1"/>
+          </a:fontRef>
+        </p:style>
+        <p:txBody>
+          <a:bodyPr rtlCol="0" anchor="ctr"/>
+          <a:lstStyle/>
+          <a:p>
+            <a:pPr algn="ctr"/>
+            <a:r>
+              <a:rPr lang="en-US" dirty="0" smtClean="0"/>
+              <a:t>Application code</a:t>
+            </a:r>
+            <a:endParaRPr lang="en-US" dirty="0"/>
+          </a:p>
+        </p:txBody>
+      </p:sp>
+      <p:sp>
+        <p:nvSpPr>
+          <p:cNvPr id="10" name="Rectangle 9"/>
+          <p:cNvSpPr/>
+          <p:nvPr/>
+        </p:nvSpPr>
+        <p:spPr>
+          <a:xfrm>
+            <a:off x="5796934" y="1918901"/>
+            <a:ext cx="4596317" cy="1612004"/>
+          </a:xfrm>
+          <a:prstGeom prst="rect">
+            <a:avLst/>
+          </a:prstGeom>
+          <a:ln>
+            <a:noFill/>
+          </a:ln>
+          <a:effectLst>
+            <a:outerShdw blurRad="190500" dist="228600" dir="2700000" algn="ctr">
+              <a:srgbClr val="000000">
+                <a:alpha val="30000"/>
+              </a:srgbClr>
+            </a:outerShdw>
+          </a:effectLst>
+          <a:scene3d>
+            <a:camera prst="orthographicFront">
+              <a:rot lat="0" lon="0" rev="0"/>
+            </a:camera>
+            <a:lightRig rig="glow" dir="t">
+              <a:rot lat="0" lon="0" rev="4800000"/>
+            </a:lightRig>
+          </a:scene3d>
+          <a:sp3d prstMaterial="matte">
+            <a:bevelT w="127000" h="63500"/>
+          </a:sp3d>
+        </p:spPr>
+        <p:style>
+          <a:lnRef idx="1">
+            <a:schemeClr val="accent2"/>
+          </a:lnRef>
+          <a:fillRef idx="2">
+            <a:schemeClr val="accent2"/>
+          </a:fillRef>
+          <a:effectRef idx="1">
+            <a:schemeClr val="accent2"/>
+          </a:effectRef>
+          <a:fontRef idx="minor">
+            <a:schemeClr val="dk1"/>
+          </a:fontRef>
+        </p:style>
+        <p:txBody>
+          <a:bodyPr rtlCol="0" anchor="ctr"/>
+          <a:lstStyle/>
+          <a:p>
+            <a:endParaRPr lang="en-US" dirty="0" smtClean="0"/>
+          </a:p>
+        </p:txBody>
+      </p:sp>
+      <p:sp>
+        <p:nvSpPr>
+          <p:cNvPr id="11" name="TextBox 10"/>
+          <p:cNvSpPr txBox="1"/>
+          <p:nvPr/>
+        </p:nvSpPr>
+        <p:spPr>
+          <a:xfrm>
+            <a:off x="6284891" y="1549568"/>
+            <a:ext cx="1281305" cy="369332"/>
+          </a:xfrm>
+          <a:prstGeom prst="rect">
+            <a:avLst/>
+          </a:prstGeom>
+          <a:solidFill>
+            <a:schemeClr val="accent2">
+              <a:lumMod val="40000"/>
+              <a:lumOff val="60000"/>
+            </a:schemeClr>
+          </a:solidFill>
+          <a:ln>
+            <a:noFill/>
+          </a:ln>
+        </p:spPr>
+        <p:txBody>
+          <a:bodyPr wrap="square" rtlCol="0" anchor="ctr" anchorCtr="1">
+            <a:spAutoFit/>
+          </a:bodyPr>
+          <a:lstStyle/>
+          <a:p>
+            <a:r>
+              <a:rPr lang="en-US" dirty="0" smtClean="0"/>
+              <a:t>Jersey</a:t>
+            </a:r>
+            <a:endParaRPr lang="en-US" dirty="0"/>
+          </a:p>
+        </p:txBody>
+      </p:sp>
+      <p:sp>
+        <p:nvSpPr>
+          <p:cNvPr id="12" name="Rounded Rectangle 11"/>
+          <p:cNvSpPr/>
+          <p:nvPr/>
+        </p:nvSpPr>
+        <p:spPr>
+          <a:xfrm>
+            <a:off x="8321175" y="2132464"/>
+            <a:ext cx="1769262" cy="845708"/>
+          </a:xfrm>
+          <a:prstGeom prst="roundRect">
+            <a:avLst/>
+          </a:prstGeom>
+          <a:ln>
+            <a:noFill/>
+          </a:ln>
+          <a:effectLst>
+            <a:outerShdw blurRad="190500" dist="228600" dir="2700000" algn="ctr">
+              <a:srgbClr val="000000">
+                <a:alpha val="30000"/>
+              </a:srgbClr>
+            </a:outerShdw>
+          </a:effectLst>
+          <a:scene3d>
+            <a:camera prst="orthographicFront">
+              <a:rot lat="0" lon="0" rev="0"/>
+            </a:camera>
+            <a:lightRig rig="glow" dir="t">
+              <a:rot lat="0" lon="0" rev="4800000"/>
+            </a:lightRig>
+          </a:scene3d>
+          <a:sp3d prstMaterial="matte">
+            <a:bevelT w="127000" h="63500"/>
+          </a:sp3d>
+        </p:spPr>
+        <p:style>
+          <a:lnRef idx="3">
+            <a:schemeClr val="lt1"/>
+          </a:lnRef>
+          <a:fillRef idx="1">
+            <a:schemeClr val="accent3"/>
+          </a:fillRef>
+          <a:effectRef idx="1">
+            <a:schemeClr val="accent3"/>
+          </a:effectRef>
+          <a:fontRef idx="minor">
+            <a:schemeClr val="lt1"/>
+          </a:fontRef>
+        </p:style>
+        <p:txBody>
+          <a:bodyPr rtlCol="0" anchor="ctr"/>
+          <a:lstStyle/>
+          <a:p>
+            <a:pPr algn="ctr"/>
+            <a:r>
+              <a:rPr lang="en-US" dirty="0" smtClean="0"/>
+              <a:t>Implementation classes</a:t>
+            </a:r>
+            <a:endParaRPr lang="en-US" dirty="0"/>
+          </a:p>
+        </p:txBody>
+      </p:sp>
+      <p:sp>
+        <p:nvSpPr>
+          <p:cNvPr id="14" name="Rounded Rectangle 13"/>
+          <p:cNvSpPr/>
+          <p:nvPr/>
+        </p:nvSpPr>
+        <p:spPr>
+          <a:xfrm>
+            <a:off x="6213344" y="2045427"/>
+            <a:ext cx="1603877" cy="932745"/>
+          </a:xfrm>
+          <a:prstGeom prst="roundRect">
+            <a:avLst/>
+          </a:prstGeom>
+        </p:spPr>
+        <p:style>
+          <a:lnRef idx="3">
+            <a:schemeClr val="lt1"/>
+          </a:lnRef>
+          <a:fillRef idx="1">
+            <a:schemeClr val="accent3"/>
+          </a:fillRef>
+          <a:effectRef idx="1">
+            <a:schemeClr val="accent3"/>
+          </a:effectRef>
+          <a:fontRef idx="minor">
+            <a:schemeClr val="lt1"/>
+          </a:fontRef>
+        </p:style>
+        <p:txBody>
+          <a:bodyPr rtlCol="0" anchor="ctr"/>
+          <a:lstStyle/>
+          <a:p>
+            <a:pPr algn="ctr"/>
+            <a:r>
+              <a:rPr lang="en-US" dirty="0" smtClean="0"/>
+              <a:t>JAX-RS</a:t>
+            </a:r>
+          </a:p>
+          <a:p>
+            <a:pPr algn="ctr"/>
+            <a:r>
+              <a:rPr lang="en-US" dirty="0" smtClean="0"/>
+              <a:t>Interfaces and</a:t>
+            </a:r>
+          </a:p>
+          <a:p>
+            <a:pPr algn="ctr"/>
+            <a:r>
+              <a:rPr lang="en-US" dirty="0" smtClean="0"/>
+              <a:t>annotations</a:t>
+            </a:r>
+            <a:endParaRPr lang="en-US" dirty="0"/>
+          </a:p>
+        </p:txBody>
+      </p:sp>
+      <p:sp>
+        <p:nvSpPr>
+          <p:cNvPr id="15" name="TextBox 14"/>
+          <p:cNvSpPr txBox="1"/>
+          <p:nvPr/>
+        </p:nvSpPr>
+        <p:spPr>
+          <a:xfrm>
+            <a:off x="6314822" y="2888035"/>
+            <a:ext cx="1502399" cy="646331"/>
+          </a:xfrm>
+          <a:prstGeom prst="rect">
+            <a:avLst/>
+          </a:prstGeom>
+          <a:noFill/>
+          <a:ln>
+            <a:noFill/>
+          </a:ln>
+        </p:spPr>
+        <p:txBody>
+          <a:bodyPr wrap="none" rtlCol="0" anchor="ctr" anchorCtr="1">
+            <a:spAutoFit/>
+          </a:bodyPr>
+          <a:lstStyle/>
+          <a:p>
+            <a:r>
+              <a:rPr lang="en-US" dirty="0"/>
+              <a:t>(javax.ws.rs.*)</a:t>
+            </a:r>
+          </a:p>
+          <a:p>
+            <a:endParaRPr lang="en-US" dirty="0"/>
+          </a:p>
+        </p:txBody>
+      </p:sp>
+    </p:spTree>
+    <p:extLst>
+      <p:ext uri="{BB962C8B-B14F-4D97-AF65-F5344CB8AC3E}">
+        <p14:creationId xmlns:p14="http://schemas.microsoft.com/office/powerpoint/2010/main" val="1147327591"/>
+      </p:ext>
+    </p:extLst>
+  </p:cSld>
+  <p:clrMapOvr>
+    <a:masterClrMapping/>
+  </p:clrMapOvr>
+  <p:timing>
+    <p:tnLst>
+      <p:par>
+        <p:cTn id="1" dur="indefinite" restart="never" nodeType="tmRoot">
+          <p:childTnLst>
+            <p:seq concurrent="1" nextAc="seek">
+              <p:cTn id="2" dur="indefinite" nodeType="mainSeq">
+                <p:childTnLst>
+                  <p:par>
+                    <p:cTn id="3" fill="hold">
+                      <p:stCondLst>
+                        <p:cond delay="indefinite"/>
+                      </p:stCondLst>
+                      <p:childTnLst>
+                        <p:par>
+                          <p:cTn id="4" fill="hold">
+                            <p:stCondLst>
+                              <p:cond delay="0"/>
+                            </p:stCondLst>
+                            <p:childTnLst>
+                              <p:par>
+                                <p:cTn id="5" presetID="42" presetClass="path" presetSubtype="0" accel="50000" decel="50000" fill="hold" grpId="0" nodeType="clickEffect">
+                                  <p:stCondLst>
+                                    <p:cond delay="0"/>
+                                  </p:stCondLst>
+                                  <p:childTnLst>
+                                    <p:animMotion origin="layout" path="M 0 0 L 0 0.25 E" pathEditMode="relative" ptsTypes="">
+                                      <p:cBhvr>
+                                        <p:cTn id="6" dur="2000" fill="hold"/>
+                                        <p:tgtEl>
+                                          <p:spTgt spid="10"/>
+                                        </p:tgtEl>
+                                        <p:attrNameLst>
+                                          <p:attrName>ppt_x</p:attrName>
+                                          <p:attrName>ppt_y</p:attrName>
+                                        </p:attrNameLst>
+                                      </p:cBhvr>
+                                    </p:animMotion>
+                                  </p:childTnLst>
+                                </p:cTn>
+                              </p:par>
+                              <p:par>
+                                <p:cTn id="7" presetID="42" presetClass="path" presetSubtype="0" accel="50000" decel="50000" fill="hold" grpId="0" nodeType="withEffect">
+                                  <p:stCondLst>
+                                    <p:cond delay="0"/>
+                                  </p:stCondLst>
+                                  <p:childTnLst>
+                                    <p:animMotion origin="layout" path="M 0 0 L 0 0.25 E" pathEditMode="relative" ptsTypes="">
+                                      <p:cBhvr>
+                                        <p:cTn id="8" dur="2000" fill="hold"/>
+                                        <p:tgtEl>
+                                          <p:spTgt spid="12"/>
+                                        </p:tgtEl>
+                                        <p:attrNameLst>
+                                          <p:attrName>ppt_x</p:attrName>
+                                          <p:attrName>ppt_y</p:attrName>
+                                        </p:attrNameLst>
+                                      </p:cBhvr>
+                                    </p:animMotion>
+                                  </p:childTnLst>
+                                </p:cTn>
+                              </p:par>
+                              <p:par>
+                                <p:cTn id="9" presetID="42" presetClass="path" presetSubtype="0" accel="50000" decel="50000" fill="hold" grpId="0" nodeType="withEffect">
+                                  <p:stCondLst>
+                                    <p:cond delay="0"/>
+                                  </p:stCondLst>
+                                  <p:childTnLst>
+                                    <p:animMotion origin="layout" path="M 0 0 L 0 0.25 E" pathEditMode="relative" ptsTypes="">
+                                      <p:cBhvr>
+                                        <p:cTn id="10" dur="2000" fill="hold"/>
+                                        <p:tgtEl>
+                                          <p:spTgt spid="11"/>
+                                        </p:tgtEl>
+                                        <p:attrNameLst>
+                                          <p:attrName>ppt_x</p:attrName>
+                                          <p:attrName>ppt_y</p:attrName>
+                                        </p:attrNameLst>
+                                      </p:cBhvr>
+                                    </p:animMotion>
+                                  </p:childTnLst>
+                                </p:cTn>
+                              </p:par>
+                              <p:par>
+                                <p:cTn id="11" presetID="42" presetClass="path" presetSubtype="0" accel="50000" decel="50000" fill="hold" grpId="0" nodeType="withEffect">
+                                  <p:stCondLst>
+                                    <p:cond delay="0"/>
+                                  </p:stCondLst>
+                                  <p:childTnLst>
+                                    <p:animMotion origin="layout" path="M 0 0 L 0 0.25 E" pathEditMode="relative" ptsTypes="">
+                                      <p:cBhvr>
+                                        <p:cTn id="12" dur="2000" fill="hold"/>
+                                        <p:tgtEl>
+                                          <p:spTgt spid="14"/>
+                                        </p:tgtEl>
+                                        <p:attrNameLst>
+                                          <p:attrName>ppt_x</p:attrName>
+                                          <p:attrName>ppt_y</p:attrName>
+                                        </p:attrNameLst>
+                                      </p:cBhvr>
+                                    </p:animMotion>
+                                  </p:childTnLst>
+                                </p:cTn>
+                              </p:par>
+                              <p:par>
+                                <p:cTn id="13" presetID="42" presetClass="path" presetSubtype="0" accel="50000" decel="50000" fill="hold" grpId="0" nodeType="withEffect">
+                                  <p:stCondLst>
+                                    <p:cond delay="0"/>
+                                  </p:stCondLst>
+                                  <p:childTnLst>
+                                    <p:animMotion origin="layout" path="M 0 0 L 0 0.25 E" pathEditMode="relative" ptsTypes="">
+                                      <p:cBhvr>
+                                        <p:cTn id="14" dur="2000" fill="hold"/>
+                                        <p:tgtEl>
+                                          <p:spTgt spid="15"/>
+                                        </p:tgtEl>
+                                        <p:attrNameLst>
+                                          <p:attrName>ppt_x</p:attrName>
+                                          <p:attrName>ppt_y</p:attrName>
+                                        </p:attrNameLst>
+                                      </p:cBhvr>
+                                    </p:animMotion>
+                                  </p:childTnLst>
+                                </p:cTn>
+                              </p:par>
+                            </p:childTnLst>
+                          </p:cTn>
+                        </p:par>
+                      </p:childTnLst>
+                    </p:cTn>
+                  </p:par>
+                </p:childTnLst>
+              </p:cTn>
+              <p:prevCondLst>
+                <p:cond evt="onPrev" delay="0">
+                  <p:tgtEl>
+                    <p:sldTgt/>
+                  </p:tgtEl>
+                </p:cond>
+              </p:prevCondLst>
+              <p:nextCondLst>
+                <p:cond evt="onNext" delay="0">
+                  <p:tgtEl>
+                    <p:sldTgt/>
+                  </p:tgtEl>
+                </p:cond>
+              </p:nextCondLst>
+            </p:seq>
+          </p:childTnLst>
+        </p:cTn>
+      </p:par>
+    </p:tnLst>
+    <p:bldLst>
+      <p:bldP spid="10" grpId="0" animBg="1"/>
+      <p:bldP spid="11" grpId="0" animBg="1"/>
+      <p:bldP spid="12" grpId="0" animBg="1"/>
+      <p:bldP spid="14" grpId="0" animBg="1"/>
+      <p:bldP spid="15" grpId="0"/>
+    </p:bldLst>
+  </p:timing>
+</p:sld>
+</file>
+
+<file path=ppt/slides/slide57.xml><?xml version="1.0" encoding="utf-8"?>
+<p:sld xmlns:a="http://schemas.openxmlformats.org/drawingml/2006/main" xmlns:r="http://schemas.openxmlformats.org/officeDocument/2006/relationships" xmlns:p="http://schemas.openxmlformats.org/presentationml/2006/main">
+  <p:cSld>
+    <p:spTree>
+      <p:nvGrpSpPr>
+        <p:cNvPr id="1" name=""/>
+        <p:cNvGrpSpPr/>
+        <p:nvPr/>
+      </p:nvGrpSpPr>
+      <p:grpSpPr>
+        <a:xfrm>
+          <a:off x="0" y="0"/>
+          <a:ext cx="0" cy="0"/>
+          <a:chOff x="0" y="0"/>
+          <a:chExt cx="0" cy="0"/>
+        </a:xfrm>
+      </p:grpSpPr>
+      <p:sp>
+        <p:nvSpPr>
+          <p:cNvPr id="2" name="Slide Number Placeholder 1"/>
+          <p:cNvSpPr>
+            <a:spLocks noGrp="1"/>
+          </p:cNvSpPr>
+          <p:nvPr>
+            <p:ph type="sldNum" sz="quarter" idx="12"/>
+          </p:nvPr>
+        </p:nvSpPr>
+        <p:spPr/>
+        <p:txBody>
+          <a:bodyPr/>
+          <a:lstStyle/>
+          <a:p>
+            <a:fld id="{401CF334-2D5C-4859-84A6-CA7E6E43FAEB}" type="slidenum">
+              <a:rPr lang="en-US" smtClean="0"/>
+              <a:t>57</a:t>
+            </a:fld>
+            <a:endParaRPr lang="en-US" dirty="0"/>
+          </a:p>
+        </p:txBody>
+      </p:sp>
+      <p:sp>
+        <p:nvSpPr>
+          <p:cNvPr id="3" name="Content Placeholder 2"/>
+          <p:cNvSpPr>
+            <a:spLocks noGrp="1"/>
+          </p:cNvSpPr>
+          <p:nvPr>
+            <p:ph idx="1"/>
+          </p:nvPr>
+        </p:nvSpPr>
+        <p:spPr/>
+        <p:txBody>
+          <a:bodyPr>
+            <a:normAutofit/>
+          </a:bodyPr>
+          <a:lstStyle/>
+          <a:p>
+            <a:r>
+              <a:rPr lang="en-US" dirty="0" smtClean="0"/>
+              <a:t>to </a:t>
+            </a:r>
+            <a:r>
+              <a:rPr lang="en-US" dirty="0"/>
+              <a:t>expose a Java class as a web </a:t>
+            </a:r>
+            <a:r>
+              <a:rPr lang="en-US" dirty="0" smtClean="0"/>
+              <a:t>service.</a:t>
+            </a:r>
+          </a:p>
+          <a:p>
+            <a:endParaRPr lang="en-US" dirty="0"/>
+          </a:p>
+          <a:p>
+            <a:r>
+              <a:rPr lang="en-US" dirty="0"/>
+              <a:t>JAX-RS has an annotation </a:t>
+            </a:r>
+            <a:r>
+              <a:rPr lang="en-US" dirty="0" smtClean="0"/>
+              <a:t>set:</a:t>
+            </a:r>
+            <a:endParaRPr lang="en-US" dirty="0"/>
+          </a:p>
+          <a:p>
+            <a:pPr lvl="1">
+              <a:buFont typeface="Arial" panose="020B0604020202020204" pitchFamily="34" charset="0"/>
+              <a:buChar char="•"/>
+            </a:pPr>
+            <a:r>
+              <a:rPr lang="en-US" dirty="0"/>
+              <a:t>@Path </a:t>
+            </a:r>
+          </a:p>
+          <a:p>
+            <a:pPr lvl="1">
+              <a:buFont typeface="Arial" panose="020B0604020202020204" pitchFamily="34" charset="0"/>
+              <a:buChar char="•"/>
+            </a:pPr>
+            <a:r>
+              <a:rPr lang="en-US" dirty="0" smtClean="0"/>
+              <a:t>@</a:t>
+            </a:r>
+            <a:r>
+              <a:rPr lang="en-US" dirty="0"/>
+              <a:t>GET, @POST, @PUT, @DELETE </a:t>
+            </a:r>
+          </a:p>
+          <a:p>
+            <a:pPr lvl="1">
+              <a:buFont typeface="Arial" panose="020B0604020202020204" pitchFamily="34" charset="0"/>
+              <a:buChar char="•"/>
+            </a:pPr>
+            <a:r>
+              <a:rPr lang="en-US" dirty="0" smtClean="0"/>
+              <a:t>@</a:t>
+            </a:r>
+            <a:r>
+              <a:rPr lang="en-US" dirty="0"/>
+              <a:t>Produces, @</a:t>
+            </a:r>
+            <a:r>
+              <a:rPr lang="en-US" dirty="0" smtClean="0"/>
+              <a:t>Consumes</a:t>
+            </a:r>
+          </a:p>
+          <a:p>
+            <a:endParaRPr lang="en-US" dirty="0"/>
+          </a:p>
+          <a:p>
+            <a:endParaRPr lang="en-US" dirty="0"/>
+          </a:p>
+        </p:txBody>
+      </p:sp>
+      <p:sp>
+        <p:nvSpPr>
+          <p:cNvPr id="4" name="Title 3"/>
+          <p:cNvSpPr>
+            <a:spLocks noGrp="1"/>
+          </p:cNvSpPr>
+          <p:nvPr>
+            <p:ph type="title"/>
+          </p:nvPr>
+        </p:nvSpPr>
+        <p:spPr/>
+        <p:txBody>
+          <a:bodyPr/>
+          <a:lstStyle/>
+          <a:p>
+            <a:r>
+              <a:rPr lang="en-US" dirty="0" smtClean="0"/>
+              <a:t>JAX-RS Annotations</a:t>
+            </a:r>
+            <a:endParaRPr lang="en-US" dirty="0"/>
+          </a:p>
+        </p:txBody>
+      </p:sp>
+    </p:spTree>
+    <p:extLst>
+      <p:ext uri="{BB962C8B-B14F-4D97-AF65-F5344CB8AC3E}">
+        <p14:creationId xmlns:p14="http://schemas.microsoft.com/office/powerpoint/2010/main" val="3446047228"/>
+      </p:ext>
+    </p:extLst>
+  </p:cSld>
+  <p:clrMapOvr>
+    <a:masterClrMapping/>
+  </p:clrMapOvr>
+  <p:timing>
+    <p:tnLst>
+      <p:par>
+        <p:cTn id="1" dur="indefinite" restart="never" nodeType="tmRoot"/>
+      </p:par>
+    </p:tnLst>
+  </p:timing>
+</p:sld>
+</file>
+
+<file path=ppt/slides/slide58.xml><?xml version="1.0" encoding="utf-8"?>
+<p:sld xmlns:a="http://schemas.openxmlformats.org/drawingml/2006/main" xmlns:r="http://schemas.openxmlformats.org/officeDocument/2006/relationships" xmlns:p="http://schemas.openxmlformats.org/presentationml/2006/main">
+  <p:cSld>
+    <p:spTree>
+      <p:nvGrpSpPr>
+        <p:cNvPr id="1" name=""/>
+        <p:cNvGrpSpPr/>
+        <p:nvPr/>
+      </p:nvGrpSpPr>
+      <p:grpSpPr>
+        <a:xfrm>
+          <a:off x="0" y="0"/>
+          <a:ext cx="0" cy="0"/>
+          <a:chOff x="0" y="0"/>
+          <a:chExt cx="0" cy="0"/>
+        </a:xfrm>
+      </p:grpSpPr>
+      <p:sp>
+        <p:nvSpPr>
+          <p:cNvPr id="2" name="Slide Number Placeholder 1"/>
+          <p:cNvSpPr>
+            <a:spLocks noGrp="1"/>
+          </p:cNvSpPr>
+          <p:nvPr>
+            <p:ph type="sldNum" sz="quarter" idx="12"/>
+          </p:nvPr>
+        </p:nvSpPr>
+        <p:spPr/>
+        <p:txBody>
+          <a:bodyPr/>
+          <a:lstStyle/>
+          <a:p>
+            <a:fld id="{401CF334-2D5C-4859-84A6-CA7E6E43FAEB}" type="slidenum">
+              <a:rPr lang="en-US" smtClean="0"/>
+              <a:t>58</a:t>
+            </a:fld>
+            <a:endParaRPr lang="en-US" dirty="0"/>
+          </a:p>
+        </p:txBody>
+      </p:sp>
+      <p:sp>
+        <p:nvSpPr>
+          <p:cNvPr id="3" name="Content Placeholder 2"/>
+          <p:cNvSpPr>
+            <a:spLocks noGrp="1"/>
+          </p:cNvSpPr>
+          <p:nvPr>
+            <p:ph idx="1"/>
+          </p:nvPr>
+        </p:nvSpPr>
+        <p:spPr/>
+        <p:txBody>
+          <a:bodyPr/>
+          <a:lstStyle/>
+          <a:p>
+            <a:r>
+              <a:rPr lang="en-US" dirty="0" smtClean="0"/>
+              <a:t>Make the class accessible via an HTTP request.</a:t>
+            </a:r>
+          </a:p>
+          <a:p>
+            <a:endParaRPr lang="en-US" dirty="0" smtClean="0"/>
+          </a:p>
+          <a:p>
+            <a:r>
+              <a:rPr lang="en-US" dirty="0" smtClean="0"/>
+              <a:t>Defines the resources’ root.</a:t>
+            </a:r>
+          </a:p>
+          <a:p>
+            <a:endParaRPr lang="en-US" dirty="0" smtClean="0"/>
+          </a:p>
+          <a:p>
+            <a:r>
+              <a:rPr lang="en-US" dirty="0"/>
+              <a:t>The data value is the relative URL of the resource</a:t>
+            </a:r>
+            <a:endParaRPr lang="en-US" dirty="0" smtClean="0"/>
+          </a:p>
+          <a:p>
+            <a:endParaRPr lang="en-US" dirty="0"/>
+          </a:p>
+        </p:txBody>
+      </p:sp>
+      <p:sp>
+        <p:nvSpPr>
+          <p:cNvPr id="4" name="Title 3"/>
+          <p:cNvSpPr>
+            <a:spLocks noGrp="1"/>
+          </p:cNvSpPr>
+          <p:nvPr>
+            <p:ph type="title"/>
+          </p:nvPr>
+        </p:nvSpPr>
+        <p:spPr/>
+        <p:txBody>
+          <a:bodyPr/>
+          <a:lstStyle/>
+          <a:p>
+            <a:r>
+              <a:rPr lang="en-US" dirty="0" smtClean="0"/>
+              <a:t>JAX-RS: @PATH</a:t>
+            </a:r>
+            <a:endParaRPr lang="en-US" dirty="0"/>
+          </a:p>
+        </p:txBody>
+      </p:sp>
+      <p:sp>
+        <p:nvSpPr>
+          <p:cNvPr id="5" name="TextBox 4"/>
+          <p:cNvSpPr txBox="1"/>
+          <p:nvPr/>
+        </p:nvSpPr>
+        <p:spPr>
+          <a:xfrm>
+            <a:off x="697422" y="4406277"/>
+            <a:ext cx="2898183" cy="2215991"/>
+          </a:xfrm>
+          <a:prstGeom prst="rect">
+            <a:avLst/>
+          </a:prstGeom>
+          <a:noFill/>
+          <a:ln>
+            <a:noFill/>
+          </a:ln>
+        </p:spPr>
+        <p:txBody>
+          <a:bodyPr wrap="square" rtlCol="0" anchor="ctr" anchorCtr="1">
+            <a:spAutoFit/>
+          </a:bodyPr>
+          <a:lstStyle/>
+          <a:p>
+            <a:endParaRPr lang="en-US" dirty="0"/>
+          </a:p>
+          <a:p>
+            <a:r>
+              <a:rPr lang="en-US" sz="2400" dirty="0"/>
+              <a:t>@Path</a:t>
+            </a:r>
+            <a:r>
+              <a:rPr lang="en-US" sz="2400" b="1" dirty="0" smtClean="0"/>
+              <a:t>(</a:t>
+            </a:r>
+            <a:r>
+              <a:rPr lang="en-US" sz="2400" dirty="0" smtClean="0"/>
+              <a:t>“category"</a:t>
+            </a:r>
+            <a:r>
+              <a:rPr lang="en-US" sz="2400" b="1" dirty="0" smtClean="0"/>
+              <a:t>) </a:t>
+            </a:r>
+            <a:endParaRPr lang="en-US" sz="2400" dirty="0"/>
+          </a:p>
+          <a:p>
+            <a:r>
+              <a:rPr lang="en-US" sz="2400" dirty="0"/>
+              <a:t>public class </a:t>
+            </a:r>
+            <a:r>
+              <a:rPr lang="en-US" sz="2400" dirty="0" smtClean="0"/>
+              <a:t>Category </a:t>
+            </a:r>
+            <a:r>
+              <a:rPr lang="en-US" sz="2400" b="1" dirty="0"/>
+              <a:t>{ </a:t>
+            </a:r>
+            <a:endParaRPr lang="en-US" sz="2400" dirty="0"/>
+          </a:p>
+          <a:p>
+            <a:r>
+              <a:rPr lang="en-US" sz="2400" b="1" dirty="0"/>
+              <a:t>…… </a:t>
+            </a:r>
+            <a:endParaRPr lang="en-US" sz="2400" dirty="0"/>
+          </a:p>
+          <a:p>
+            <a:r>
+              <a:rPr lang="en-US" sz="2400" b="1" dirty="0"/>
+              <a:t>} </a:t>
+            </a:r>
+            <a:endParaRPr lang="en-US" sz="2400" dirty="0"/>
+          </a:p>
+        </p:txBody>
+      </p:sp>
+      <p:sp>
+        <p:nvSpPr>
+          <p:cNvPr id="6" name="Right Arrow 5"/>
+          <p:cNvSpPr/>
+          <p:nvPr/>
+        </p:nvSpPr>
+        <p:spPr>
+          <a:xfrm>
+            <a:off x="3461674" y="5321959"/>
+            <a:ext cx="600095" cy="384625"/>
+          </a:xfrm>
+          <a:prstGeom prst="rightArrow">
+            <a:avLst>
+              <a:gd name="adj1" fmla="val 50000"/>
+              <a:gd name="adj2" fmla="val 51444"/>
+            </a:avLst>
+          </a:prstGeom>
+          <a:solidFill>
+            <a:schemeClr val="accent1">
+              <a:lumMod val="75000"/>
+            </a:schemeClr>
+          </a:solidFill>
+        </p:spPr>
+        <p:style>
+          <a:lnRef idx="3">
+            <a:schemeClr val="lt1"/>
+          </a:lnRef>
+          <a:fillRef idx="1">
+            <a:schemeClr val="accent3"/>
+          </a:fillRef>
+          <a:effectRef idx="1">
+            <a:schemeClr val="accent3"/>
+          </a:effectRef>
+          <a:fontRef idx="minor">
+            <a:schemeClr val="lt1"/>
+          </a:fontRef>
+        </p:style>
+        <p:txBody>
+          <a:bodyPr rtlCol="0" anchor="ctr"/>
+          <a:lstStyle/>
+          <a:p>
+            <a:pPr algn="ctr"/>
+            <a:endParaRPr lang="fr-FR" dirty="0"/>
+          </a:p>
+        </p:txBody>
+      </p:sp>
+      <p:sp>
+        <p:nvSpPr>
+          <p:cNvPr id="7" name="TextBox 6"/>
+          <p:cNvSpPr txBox="1"/>
+          <p:nvPr/>
+        </p:nvSpPr>
+        <p:spPr>
+          <a:xfrm>
+            <a:off x="3830513" y="5187739"/>
+            <a:ext cx="8361487" cy="461665"/>
+          </a:xfrm>
+          <a:prstGeom prst="rect">
+            <a:avLst/>
+          </a:prstGeom>
+          <a:noFill/>
+          <a:ln>
+            <a:noFill/>
+          </a:ln>
+        </p:spPr>
+        <p:txBody>
+          <a:bodyPr wrap="square" rtlCol="0" anchor="ctr" anchorCtr="1">
+            <a:spAutoFit/>
+          </a:bodyPr>
+          <a:lstStyle/>
+          <a:p>
+            <a:r>
+              <a:rPr lang="en-US" sz="2400" dirty="0" smtClean="0"/>
+              <a:t>http</a:t>
+            </a:r>
+            <a:r>
+              <a:rPr lang="en-US" sz="2400" dirty="0"/>
+              <a:t>://</a:t>
+            </a:r>
+            <a:r>
+              <a:rPr lang="en-US" sz="2400" dirty="0" smtClean="0"/>
+              <a:t>localhost:8080/Bibliotheque/webresources/category </a:t>
+            </a:r>
+            <a:endParaRPr lang="en-US" sz="2400" dirty="0"/>
+          </a:p>
+        </p:txBody>
+      </p:sp>
+    </p:spTree>
+    <p:extLst>
+      <p:ext uri="{BB962C8B-B14F-4D97-AF65-F5344CB8AC3E}">
+        <p14:creationId xmlns:p14="http://schemas.microsoft.com/office/powerpoint/2010/main" val="1383188758"/>
+      </p:ext>
+    </p:extLst>
+  </p:cSld>
+  <p:clrMapOvr>
+    <a:masterClrMapping/>
+  </p:clrMapOvr>
+  <p:timing>
+    <p:tnLst>
+      <p:par>
+        <p:cTn id="1" dur="indefinite" restart="never" nodeType="tmRoot">
+          <p:childTnLst>
+            <p:seq concurrent="1" nextAc="seek">
+              <p:cTn id="2" dur="indefinite" nodeType="mainSeq">
+                <p:childTnLst>
+                  <p:par>
+                    <p:cTn id="3" fill="hold">
+                      <p:stCondLst>
+                        <p:cond delay="indefinite"/>
+                      </p:stCondLst>
+                      <p:childTnLst>
+                        <p:par>
+                          <p:cTn id="4" fill="hold">
+                            <p:stCondLst>
+                              <p:cond delay="0"/>
+                            </p:stCondLst>
+                            <p:childTnLst>
+                              <p:par>
+                                <p:cTn id="5" presetID="1" presetClass="entr" presetSubtype="0" fill="hold" grpId="0" nodeType="clickEffect">
+                                  <p:stCondLst>
+                                    <p:cond delay="0"/>
+                                  </p:stCondLst>
+                                  <p:childTnLst>
+                                    <p:set>
+                                      <p:cBhvr>
+                                        <p:cTn id="6" dur="1" fill="hold">
+                                          <p:stCondLst>
+                                            <p:cond delay="0"/>
+                                          </p:stCondLst>
+                                        </p:cTn>
+                                        <p:tgtEl>
+                                          <p:spTgt spid="5"/>
+                                        </p:tgtEl>
+                                        <p:attrNameLst>
+                                          <p:attrName>style.visibility</p:attrName>
+                                        </p:attrNameLst>
+                                      </p:cBhvr>
+                                      <p:to>
+                                        <p:strVal val="visible"/>
+                                      </p:to>
+                                    </p:set>
+                                  </p:childTnLst>
+                                </p:cTn>
+                              </p:par>
+                            </p:childTnLst>
+                          </p:cTn>
+                        </p:par>
+                      </p:childTnLst>
+                    </p:cTn>
+                  </p:par>
+                  <p:par>
+                    <p:cTn id="7" fill="hold">
+                      <p:stCondLst>
+                        <p:cond delay="indefinite"/>
+                      </p:stCondLst>
+                      <p:childTnLst>
+                        <p:par>
+                          <p:cTn id="8" fill="hold">
+                            <p:stCondLst>
+                              <p:cond delay="0"/>
+                            </p:stCondLst>
+                            <p:childTnLst>
+                              <p:par>
+                                <p:cTn id="9" presetID="22" presetClass="entr" presetSubtype="8" fill="hold" grpId="0" nodeType="clickEffect">
+                                  <p:stCondLst>
+                                    <p:cond delay="0"/>
+                                  </p:stCondLst>
+                                  <p:childTnLst>
+                                    <p:set>
+                                      <p:cBhvr>
+                                        <p:cTn id="10" dur="1" fill="hold">
+                                          <p:stCondLst>
+                                            <p:cond delay="0"/>
+                                          </p:stCondLst>
+                                        </p:cTn>
+                                        <p:tgtEl>
+                                          <p:spTgt spid="6"/>
+                                        </p:tgtEl>
+                                        <p:attrNameLst>
+                                          <p:attrName>style.visibility</p:attrName>
+                                        </p:attrNameLst>
+                                      </p:cBhvr>
+                                      <p:to>
+                                        <p:strVal val="visible"/>
+                                      </p:to>
+                                    </p:set>
+                                    <p:animEffect transition="in" filter="wipe(left)">
+                                      <p:cBhvr>
+                                        <p:cTn id="11" dur="500"/>
+                                        <p:tgtEl>
+                                          <p:spTgt spid="6"/>
+                                        </p:tgtEl>
+                                      </p:cBhvr>
+                                    </p:animEffect>
+                                  </p:childTnLst>
+                                </p:cTn>
+                              </p:par>
+                            </p:childTnLst>
+                          </p:cTn>
+                        </p:par>
+                      </p:childTnLst>
+                    </p:cTn>
+                  </p:par>
+                  <p:par>
+                    <p:cTn id="12" fill="hold">
+                      <p:stCondLst>
+                        <p:cond delay="indefinite"/>
+                      </p:stCondLst>
+                      <p:childTnLst>
+                        <p:par>
+                          <p:cTn id="13" fill="hold">
+                            <p:stCondLst>
+                              <p:cond delay="0"/>
+                            </p:stCondLst>
+                            <p:childTnLst>
+                              <p:par>
+                                <p:cTn id="14" presetID="1" presetClass="entr" presetSubtype="0" fill="hold" grpId="0" nodeType="clickEffect">
+                                  <p:stCondLst>
+                                    <p:cond delay="0"/>
+                                  </p:stCondLst>
+                                  <p:childTnLst>
+                                    <p:set>
+                                      <p:cBhvr>
+                                        <p:cTn id="15" dur="1" fill="hold">
+                                          <p:stCondLst>
+                                            <p:cond delay="0"/>
+                                          </p:stCondLst>
+                                        </p:cTn>
+                                        <p:tgtEl>
+                                          <p:spTgt spid="7"/>
+                                        </p:tgtEl>
+                                        <p:attrNameLst>
+                                          <p:attrName>style.visibility</p:attrName>
+                                        </p:attrNameLst>
+                                      </p:cBhvr>
+                                      <p:to>
+                                        <p:strVal val="visible"/>
+                                      </p:to>
+                                    </p:set>
+                                  </p:childTnLst>
+                                </p:cTn>
+                              </p:par>
+                            </p:childTnLst>
+                          </p:cTn>
+                        </p:par>
+                      </p:childTnLst>
+                    </p:cTn>
+                  </p:par>
+                </p:childTnLst>
+              </p:cTn>
+              <p:prevCondLst>
+                <p:cond evt="onPrev" delay="0">
+                  <p:tgtEl>
+                    <p:sldTgt/>
+                  </p:tgtEl>
+                </p:cond>
+              </p:prevCondLst>
+              <p:nextCondLst>
+                <p:cond evt="onNext" delay="0">
+                  <p:tgtEl>
+                    <p:sldTgt/>
+                  </p:tgtEl>
+                </p:cond>
+              </p:nextCondLst>
+            </p:seq>
+          </p:childTnLst>
+        </p:cTn>
+      </p:par>
+    </p:tnLst>
+    <p:bldLst>
+      <p:bldP spid="5" grpId="0"/>
+      <p:bldP spid="6" grpId="0" animBg="1"/>
+      <p:bldP spid="7" grpId="0"/>
+    </p:bldLst>
+  </p:timing>
+</p:sld>
+</file>
+
+<file path=ppt/slides/slide59.xml><?xml version="1.0" encoding="utf-8"?>
+<p:sld xmlns:a="http://schemas.openxmlformats.org/drawingml/2006/main" xmlns:r="http://schemas.openxmlformats.org/officeDocument/2006/relationships" xmlns:p="http://schemas.openxmlformats.org/presentationml/2006/main">
+  <p:cSld>
+    <p:spTree>
+      <p:nvGrpSpPr>
+        <p:cNvPr id="1" name=""/>
+        <p:cNvGrpSpPr/>
+        <p:nvPr/>
+      </p:nvGrpSpPr>
+      <p:grpSpPr>
+        <a:xfrm>
+          <a:off x="0" y="0"/>
+          <a:ext cx="0" cy="0"/>
+          <a:chOff x="0" y="0"/>
+          <a:chExt cx="0" cy="0"/>
+        </a:xfrm>
+      </p:grpSpPr>
+      <p:sp>
+        <p:nvSpPr>
+          <p:cNvPr id="2" name="Slide Number Placeholder 1"/>
+          <p:cNvSpPr>
+            <a:spLocks noGrp="1"/>
+          </p:cNvSpPr>
+          <p:nvPr>
+            <p:ph type="sldNum" sz="quarter" idx="12"/>
+          </p:nvPr>
+        </p:nvSpPr>
+        <p:spPr/>
+        <p:txBody>
+          <a:bodyPr/>
+          <a:lstStyle/>
+          <a:p>
+            <a:fld id="{401CF334-2D5C-4859-84A6-CA7E6E43FAEB}" type="slidenum">
+              <a:rPr lang="en-US" smtClean="0"/>
+              <a:t>59</a:t>
+            </a:fld>
+            <a:endParaRPr lang="en-US" dirty="0"/>
+          </a:p>
+        </p:txBody>
+      </p:sp>
+      <p:sp>
+        <p:nvSpPr>
+          <p:cNvPr id="3" name="Content Placeholder 2"/>
+          <p:cNvSpPr>
+            <a:spLocks noGrp="1"/>
+          </p:cNvSpPr>
+          <p:nvPr>
+            <p:ph idx="1"/>
+          </p:nvPr>
+        </p:nvSpPr>
+        <p:spPr/>
+        <p:txBody>
+          <a:bodyPr>
+            <a:normAutofit fontScale="92500" lnSpcReduction="10000"/>
+          </a:bodyPr>
+          <a:lstStyle/>
+          <a:p>
+            <a:r>
+              <a:rPr lang="en-US" dirty="0"/>
+              <a:t>The annotation can be used to note a </a:t>
+            </a:r>
+            <a:r>
+              <a:rPr lang="en-US" dirty="0" smtClean="0"/>
+              <a:t>method </a:t>
+            </a:r>
+          </a:p>
+          <a:p>
+            <a:endParaRPr lang="en-US" dirty="0"/>
+          </a:p>
+          <a:p>
+            <a:r>
+              <a:rPr lang="en-US" dirty="0" smtClean="0"/>
+              <a:t>resulting </a:t>
+            </a:r>
+            <a:r>
+              <a:rPr lang="en-US" dirty="0"/>
+              <a:t>URI is the concatenation </a:t>
+            </a:r>
+            <a:r>
+              <a:rPr lang="en-US" dirty="0" smtClean="0"/>
+              <a:t>between the Path value of the class and the path value of the method</a:t>
+            </a:r>
+          </a:p>
+          <a:p>
+            <a:endParaRPr lang="en-US" dirty="0"/>
+          </a:p>
+          <a:p>
+            <a:r>
+              <a:rPr lang="en-US" dirty="0"/>
+              <a:t>The value set in </a:t>
+            </a:r>
+            <a:r>
+              <a:rPr lang="en-US" dirty="0" smtClean="0"/>
+              <a:t>the</a:t>
+            </a:r>
+            <a:r>
+              <a:rPr lang="en-US" dirty="0"/>
+              <a:t> Path </a:t>
+            </a:r>
+            <a:r>
+              <a:rPr lang="en-US" dirty="0" smtClean="0"/>
+              <a:t> annotation is not </a:t>
+            </a:r>
+            <a:r>
+              <a:rPr lang="en-US" dirty="0"/>
+              <a:t>necessarily a constant, it can vary</a:t>
+            </a:r>
+            <a:r>
+              <a:rPr lang="en-US" dirty="0" smtClean="0"/>
+              <a:t>.</a:t>
+            </a:r>
+          </a:p>
+          <a:p>
+            <a:endParaRPr lang="en-US" dirty="0"/>
+          </a:p>
+          <a:p>
+            <a:r>
+              <a:rPr lang="en-US" dirty="0"/>
+              <a:t>Ability to define more complex expressions, called Template </a:t>
+            </a:r>
+            <a:r>
+              <a:rPr lang="en-US" dirty="0" smtClean="0"/>
+              <a:t>Parameters</a:t>
+            </a:r>
+          </a:p>
+          <a:p>
+            <a:endParaRPr lang="en-US" dirty="0"/>
+          </a:p>
+          <a:p>
+            <a:r>
+              <a:rPr lang="en-US" dirty="0"/>
+              <a:t>The complex contents are delimited by </a:t>
+            </a:r>
+            <a:r>
+              <a:rPr lang="en-US" dirty="0" smtClean="0"/>
+              <a:t>"{}"</a:t>
+            </a:r>
+            <a:endParaRPr lang="en-US" dirty="0"/>
+          </a:p>
+        </p:txBody>
+      </p:sp>
+      <p:sp>
+        <p:nvSpPr>
+          <p:cNvPr id="4" name="Title 3"/>
+          <p:cNvSpPr>
+            <a:spLocks noGrp="1"/>
+          </p:cNvSpPr>
+          <p:nvPr>
+            <p:ph type="title"/>
+          </p:nvPr>
+        </p:nvSpPr>
+        <p:spPr/>
+        <p:txBody>
+          <a:bodyPr/>
+          <a:lstStyle/>
+          <a:p>
+            <a:r>
+              <a:rPr lang="en-US" dirty="0"/>
+              <a:t>JAX-RS: @PATH</a:t>
+            </a:r>
+          </a:p>
+        </p:txBody>
+      </p:sp>
+    </p:spTree>
+    <p:extLst>
+      <p:ext uri="{BB962C8B-B14F-4D97-AF65-F5344CB8AC3E}">
+        <p14:creationId xmlns:p14="http://schemas.microsoft.com/office/powerpoint/2010/main" val="880074021"/>
+      </p:ext>
+    </p:extLst>
+  </p:cSld>
+  <p:clrMapOvr>
+    <a:masterClrMapping/>
+  </p:clrMapOvr>
+  <p:timing>
+    <p:tnLst>
+      <p:par>
+        <p:cTn id="1" dur="indefinite" restart="never" nodeType="tmRoot"/>
+      </p:par>
+    </p:tnLst>
+  </p:timing>
+</p:sld>
+</file>
+
 <file path=ppt/slides/slide6.xml><?xml version="1.0" encoding="utf-8"?>
 <p:sld xmlns:a="http://schemas.openxmlformats.org/drawingml/2006/main" xmlns:r="http://schemas.openxmlformats.org/officeDocument/2006/relationships" xmlns:p="http://schemas.openxmlformats.org/presentationml/2006/main">
   <p:cSld>
@@ -31264,6 +37272,141 @@
       <p:bldP spid="36" grpId="0" animBg="1"/>
       <p:bldP spid="34" grpId="0"/>
     </p:bldLst>
+  </p:timing>
+</p:sld>
+</file>
+
+<file path=ppt/slides/slide60.xml><?xml version="1.0" encoding="utf-8"?>
+<p:sld xmlns:a="http://schemas.openxmlformats.org/drawingml/2006/main" xmlns:r="http://schemas.openxmlformats.org/officeDocument/2006/relationships" xmlns:p="http://schemas.openxmlformats.org/presentationml/2006/main">
+  <p:cSld>
+    <p:spTree>
+      <p:nvGrpSpPr>
+        <p:cNvPr id="1" name=""/>
+        <p:cNvGrpSpPr/>
+        <p:nvPr/>
+      </p:nvGrpSpPr>
+      <p:grpSpPr>
+        <a:xfrm>
+          <a:off x="0" y="0"/>
+          <a:ext cx="0" cy="0"/>
+          <a:chOff x="0" y="0"/>
+          <a:chExt cx="0" cy="0"/>
+        </a:xfrm>
+      </p:grpSpPr>
+      <p:sp>
+        <p:nvSpPr>
+          <p:cNvPr id="2" name="Slide Number Placeholder 1"/>
+          <p:cNvSpPr>
+            <a:spLocks noGrp="1"/>
+          </p:cNvSpPr>
+          <p:nvPr>
+            <p:ph type="sldNum" sz="quarter" idx="12"/>
+          </p:nvPr>
+        </p:nvSpPr>
+        <p:spPr/>
+        <p:txBody>
+          <a:bodyPr/>
+          <a:lstStyle/>
+          <a:p>
+            <a:fld id="{401CF334-2D5C-4859-84A6-CA7E6E43FAEB}" type="slidenum">
+              <a:rPr lang="en-US" smtClean="0"/>
+              <a:t>60</a:t>
+            </a:fld>
+            <a:endParaRPr lang="en-US" dirty="0"/>
+          </a:p>
+        </p:txBody>
+      </p:sp>
+      <p:sp>
+        <p:nvSpPr>
+          <p:cNvPr id="3" name="Content Placeholder 2"/>
+          <p:cNvSpPr>
+            <a:spLocks noGrp="1"/>
+          </p:cNvSpPr>
+          <p:nvPr>
+            <p:ph idx="1"/>
+          </p:nvPr>
+        </p:nvSpPr>
+        <p:spPr/>
+        <p:txBody>
+          <a:bodyPr/>
+          <a:lstStyle/>
+          <a:p>
+            <a:r>
+              <a:rPr lang="en-US" dirty="0"/>
+              <a:t>for mapping a</a:t>
+            </a:r>
+            <a:r>
+              <a:rPr lang="en-US" dirty="0" smtClean="0"/>
+              <a:t> </a:t>
+            </a:r>
+            <a:r>
+              <a:rPr lang="en-US" dirty="0"/>
+              <a:t>method </a:t>
+            </a:r>
+            <a:r>
+              <a:rPr lang="en-US" dirty="0" smtClean="0"/>
+              <a:t>accessible via HTTP request</a:t>
+            </a:r>
+          </a:p>
+          <a:p>
+            <a:endParaRPr lang="en-US" dirty="0"/>
+          </a:p>
+          <a:p>
+            <a:r>
+              <a:rPr lang="en-US" dirty="0" smtClean="0"/>
+              <a:t>used only for methods</a:t>
+            </a:r>
+          </a:p>
+          <a:p>
+            <a:endParaRPr lang="en-US" dirty="0"/>
+          </a:p>
+          <a:p>
+            <a:r>
+              <a:rPr lang="en-US" dirty="0"/>
+              <a:t>The method name does not matter, JAX determines the method to execute based on the request</a:t>
+            </a:r>
+          </a:p>
+        </p:txBody>
+      </p:sp>
+      <p:sp>
+        <p:nvSpPr>
+          <p:cNvPr id="4" name="Title 3"/>
+          <p:cNvSpPr>
+            <a:spLocks noGrp="1"/>
+          </p:cNvSpPr>
+          <p:nvPr>
+            <p:ph type="title"/>
+          </p:nvPr>
+        </p:nvSpPr>
+        <p:spPr/>
+        <p:txBody>
+          <a:bodyPr/>
+          <a:lstStyle/>
+          <a:p>
+            <a:r>
+              <a:rPr lang="en-US" dirty="0" smtClean="0"/>
+              <a:t>JAX-RS: @GET, @POST, @PUT, @DELETE</a:t>
+            </a:r>
+            <a:endParaRPr lang="en-US" dirty="0"/>
+          </a:p>
+        </p:txBody>
+      </p:sp>
+    </p:spTree>
+    <p:extLst>
+      <p:ext uri="{BB962C8B-B14F-4D97-AF65-F5344CB8AC3E}">
+        <p14:creationId xmlns:p14="http://schemas.microsoft.com/office/powerpoint/2010/main" val="1541785649"/>
+      </p:ext>
+    </p:extLst>
+  </p:cSld>
+  <p:clrMapOvr>
+    <a:masterClrMapping/>
+  </p:clrMapOvr>
+  <p:timing>
+    <p:tnLst>
+      <p:par>
+        <p:cTn id="1" dur="indefinite" restart="never" nodeType="tmRoot"/>
+      </p:par>
+    </p:tnLst>
   </p:timing>
 </p:sld>
 </file>
